--- a/Java Урок 8 Масиви. Алгоритми сортування.pptx
+++ b/Java Урок 8 Масиви. Алгоритми сортування.pptx
@@ -5,29 +5,31 @@
     <p:sldMasterId id="2147483648" r:id="rId1"/>
   </p:sldMasterIdLst>
   <p:notesMasterIdLst>
-    <p:notesMasterId r:id="rId22"/>
+    <p:notesMasterId r:id="rId24"/>
   </p:notesMasterIdLst>
   <p:sldIdLst>
     <p:sldId id="314" r:id="rId2"/>
-    <p:sldId id="278" r:id="rId3"/>
-    <p:sldId id="316" r:id="rId4"/>
-    <p:sldId id="317" r:id="rId5"/>
-    <p:sldId id="318" r:id="rId6"/>
-    <p:sldId id="335" r:id="rId7"/>
-    <p:sldId id="334" r:id="rId8"/>
-    <p:sldId id="333" r:id="rId9"/>
-    <p:sldId id="319" r:id="rId10"/>
-    <p:sldId id="320" r:id="rId11"/>
-    <p:sldId id="321" r:id="rId12"/>
-    <p:sldId id="322" r:id="rId13"/>
-    <p:sldId id="323" r:id="rId14"/>
-    <p:sldId id="324" r:id="rId15"/>
-    <p:sldId id="325" r:id="rId16"/>
-    <p:sldId id="326" r:id="rId17"/>
-    <p:sldId id="327" r:id="rId18"/>
-    <p:sldId id="330" r:id="rId19"/>
-    <p:sldId id="328" r:id="rId20"/>
-    <p:sldId id="332" r:id="rId21"/>
+    <p:sldId id="336" r:id="rId3"/>
+    <p:sldId id="300" r:id="rId4"/>
+    <p:sldId id="278" r:id="rId5"/>
+    <p:sldId id="316" r:id="rId6"/>
+    <p:sldId id="317" r:id="rId7"/>
+    <p:sldId id="318" r:id="rId8"/>
+    <p:sldId id="335" r:id="rId9"/>
+    <p:sldId id="334" r:id="rId10"/>
+    <p:sldId id="333" r:id="rId11"/>
+    <p:sldId id="319" r:id="rId12"/>
+    <p:sldId id="320" r:id="rId13"/>
+    <p:sldId id="321" r:id="rId14"/>
+    <p:sldId id="322" r:id="rId15"/>
+    <p:sldId id="323" r:id="rId16"/>
+    <p:sldId id="324" r:id="rId17"/>
+    <p:sldId id="325" r:id="rId18"/>
+    <p:sldId id="326" r:id="rId19"/>
+    <p:sldId id="327" r:id="rId20"/>
+    <p:sldId id="330" r:id="rId21"/>
+    <p:sldId id="328" r:id="rId22"/>
+    <p:sldId id="332" r:id="rId23"/>
   </p:sldIdLst>
   <p:sldSz cx="12192000" cy="6858000"/>
   <p:notesSz cx="6858000" cy="9144000"/>
@@ -216,7 +218,7 @@
           <a:p>
             <a:fld id="{FBB4BF9E-3F1F-4A7F-AD48-2A75BDECB5CA}" type="datetimeFigureOut">
               <a:rPr lang="uk-UA" smtClean="0"/>
-              <a:t>09.02.2024</a:t>
+              <a:t>11.02.2024</a:t>
             </a:fld>
             <a:endParaRPr lang="uk-UA"/>
           </a:p>
@@ -503,6 +505,109 @@
       </p:grpSpPr>
       <p:sp>
         <p:nvSpPr>
+          <p:cNvPr id="2" name="Місце для зображення 1"/>
+          <p:cNvSpPr>
+            <a:spLocks noGrp="1" noRot="1" noChangeAspect="1"/>
+          </p:cNvSpPr>
+          <p:nvPr>
+            <p:ph type="sldImg"/>
+          </p:nvPr>
+        </p:nvSpPr>
+        <p:spPr/>
+      </p:sp>
+      <p:sp>
+        <p:nvSpPr>
+          <p:cNvPr id="3" name="Місце для нотаток 2"/>
+          <p:cNvSpPr>
+            <a:spLocks noGrp="1"/>
+          </p:cNvSpPr>
+          <p:nvPr>
+            <p:ph type="body" idx="1"/>
+          </p:nvPr>
+        </p:nvSpPr>
+        <p:spPr/>
+        <p:txBody>
+          <a:bodyPr/>
+          <a:lstStyle/>
+          <a:p>
+            <a:endParaRPr lang="ru-RU"/>
+          </a:p>
+        </p:txBody>
+      </p:sp>
+      <p:sp>
+        <p:nvSpPr>
+          <p:cNvPr id="4" name="Місце для верхнього колонтитула 3"/>
+          <p:cNvSpPr>
+            <a:spLocks noGrp="1"/>
+          </p:cNvSpPr>
+          <p:nvPr>
+            <p:ph type="hdr" sz="quarter"/>
+          </p:nvPr>
+        </p:nvSpPr>
+        <p:spPr/>
+        <p:txBody>
+          <a:bodyPr/>
+          <a:lstStyle/>
+          <a:p>
+            <a:endParaRPr lang="ru-RU"/>
+          </a:p>
+        </p:txBody>
+      </p:sp>
+      <p:sp>
+        <p:nvSpPr>
+          <p:cNvPr id="5" name="Місце для номера слайда 4"/>
+          <p:cNvSpPr>
+            <a:spLocks noGrp="1"/>
+          </p:cNvSpPr>
+          <p:nvPr>
+            <p:ph type="sldNum" sz="quarter" idx="5"/>
+          </p:nvPr>
+        </p:nvSpPr>
+        <p:spPr/>
+        <p:txBody>
+          <a:bodyPr/>
+          <a:lstStyle/>
+          <a:p>
+            <a:fld id="{C83854A3-6714-4526-AEDE-747CDFA70004}" type="slidenum">
+              <a:rPr lang="ru-RU" smtClean="0"/>
+              <a:t>3</a:t>
+            </a:fld>
+            <a:endParaRPr lang="ru-RU"/>
+          </a:p>
+        </p:txBody>
+      </p:sp>
+    </p:spTree>
+    <p:extLst>
+      <p:ext uri="{BB962C8B-B14F-4D97-AF65-F5344CB8AC3E}">
+        <p14:creationId xmlns:p14="http://schemas.microsoft.com/office/powerpoint/2010/main" val="2741578371"/>
+      </p:ext>
+    </p:extLst>
+  </p:cSld>
+  <p:clrMapOvr>
+    <a:masterClrMapping/>
+  </p:clrMapOvr>
+</p:notes>
+</file>
+
+<file path=ppt/notesSlides/notesSlide2.xml><?xml version="1.0" encoding="utf-8"?>
+<p:notes xmlns:a="http://schemas.openxmlformats.org/drawingml/2006/main" xmlns:r="http://schemas.openxmlformats.org/officeDocument/2006/relationships" xmlns:p="http://schemas.openxmlformats.org/presentationml/2006/main">
+  <p:cSld>
+    <p:spTree>
+      <p:nvGrpSpPr>
+        <p:cNvPr id="1" name=""/>
+        <p:cNvGrpSpPr/>
+        <p:nvPr/>
+      </p:nvGrpSpPr>
+      <p:grpSpPr>
+        <a:xfrm>
+          <a:off x="0" y="0"/>
+          <a:ext cx="0" cy="0"/>
+          <a:chOff x="0" y="0"/>
+          <a:chExt cx="0" cy="0"/>
+        </a:xfrm>
+      </p:grpSpPr>
+      <p:sp>
+        <p:nvSpPr>
           <p:cNvPr id="177154" name="Rectangle 7"/>
           <p:cNvSpPr>
             <a:spLocks noGrp="1" noChangeArrowheads="1"/>
@@ -521,7 +626,7 @@
             <a:fld id="{77FD83DD-733F-47D0-899C-B7DB1D0B653D}" type="slidenum">
               <a:rPr lang="ru-RU" smtClean="0"/>
               <a:pPr/>
-              <a:t>2</a:t>
+              <a:t>4</a:t>
             </a:fld>
             <a:endParaRPr lang="ru-RU"/>
           </a:p>
@@ -721,7 +826,7 @@
           <a:p>
             <a:fld id="{1D2F25C8-2E79-4CB5-8BA5-E4A416168F39}" type="datetimeFigureOut">
               <a:rPr lang="uk-UA" smtClean="0"/>
-              <a:t>09.02.2024</a:t>
+              <a:t>11.02.2024</a:t>
             </a:fld>
             <a:endParaRPr lang="uk-UA"/>
           </a:p>
@@ -921,7 +1026,7 @@
           <a:p>
             <a:fld id="{1D2F25C8-2E79-4CB5-8BA5-E4A416168F39}" type="datetimeFigureOut">
               <a:rPr lang="uk-UA" smtClean="0"/>
-              <a:t>09.02.2024</a:t>
+              <a:t>11.02.2024</a:t>
             </a:fld>
             <a:endParaRPr lang="uk-UA"/>
           </a:p>
@@ -1131,7 +1236,7 @@
           <a:p>
             <a:fld id="{1D2F25C8-2E79-4CB5-8BA5-E4A416168F39}" type="datetimeFigureOut">
               <a:rPr lang="uk-UA" smtClean="0"/>
-              <a:t>09.02.2024</a:t>
+              <a:t>11.02.2024</a:t>
             </a:fld>
             <a:endParaRPr lang="uk-UA"/>
           </a:p>
@@ -1331,7 +1436,7 @@
           <a:p>
             <a:fld id="{1D2F25C8-2E79-4CB5-8BA5-E4A416168F39}" type="datetimeFigureOut">
               <a:rPr lang="uk-UA" smtClean="0"/>
-              <a:t>09.02.2024</a:t>
+              <a:t>11.02.2024</a:t>
             </a:fld>
             <a:endParaRPr lang="uk-UA"/>
           </a:p>
@@ -1607,7 +1712,7 @@
           <a:p>
             <a:fld id="{1D2F25C8-2E79-4CB5-8BA5-E4A416168F39}" type="datetimeFigureOut">
               <a:rPr lang="uk-UA" smtClean="0"/>
-              <a:t>09.02.2024</a:t>
+              <a:t>11.02.2024</a:t>
             </a:fld>
             <a:endParaRPr lang="uk-UA"/>
           </a:p>
@@ -1875,7 +1980,7 @@
           <a:p>
             <a:fld id="{1D2F25C8-2E79-4CB5-8BA5-E4A416168F39}" type="datetimeFigureOut">
               <a:rPr lang="uk-UA" smtClean="0"/>
-              <a:t>09.02.2024</a:t>
+              <a:t>11.02.2024</a:t>
             </a:fld>
             <a:endParaRPr lang="uk-UA"/>
           </a:p>
@@ -2290,7 +2395,7 @@
           <a:p>
             <a:fld id="{1D2F25C8-2E79-4CB5-8BA5-E4A416168F39}" type="datetimeFigureOut">
               <a:rPr lang="uk-UA" smtClean="0"/>
-              <a:t>09.02.2024</a:t>
+              <a:t>11.02.2024</a:t>
             </a:fld>
             <a:endParaRPr lang="uk-UA"/>
           </a:p>
@@ -2432,7 +2537,7 @@
           <a:p>
             <a:fld id="{1D2F25C8-2E79-4CB5-8BA5-E4A416168F39}" type="datetimeFigureOut">
               <a:rPr lang="uk-UA" smtClean="0"/>
-              <a:t>09.02.2024</a:t>
+              <a:t>11.02.2024</a:t>
             </a:fld>
             <a:endParaRPr lang="uk-UA"/>
           </a:p>
@@ -2545,7 +2650,7 @@
           <a:p>
             <a:fld id="{1D2F25C8-2E79-4CB5-8BA5-E4A416168F39}" type="datetimeFigureOut">
               <a:rPr lang="uk-UA" smtClean="0"/>
-              <a:t>09.02.2024</a:t>
+              <a:t>11.02.2024</a:t>
             </a:fld>
             <a:endParaRPr lang="uk-UA"/>
           </a:p>
@@ -2858,7 +2963,7 @@
           <a:p>
             <a:fld id="{1D2F25C8-2E79-4CB5-8BA5-E4A416168F39}" type="datetimeFigureOut">
               <a:rPr lang="uk-UA" smtClean="0"/>
-              <a:t>09.02.2024</a:t>
+              <a:t>11.02.2024</a:t>
             </a:fld>
             <a:endParaRPr lang="uk-UA"/>
           </a:p>
@@ -3147,7 +3252,7 @@
           <a:p>
             <a:fld id="{1D2F25C8-2E79-4CB5-8BA5-E4A416168F39}" type="datetimeFigureOut">
               <a:rPr lang="uk-UA" smtClean="0"/>
-              <a:t>09.02.2024</a:t>
+              <a:t>11.02.2024</a:t>
             </a:fld>
             <a:endParaRPr lang="uk-UA"/>
           </a:p>
@@ -3390,7 +3495,7 @@
           <a:p>
             <a:fld id="{1D2F25C8-2E79-4CB5-8BA5-E4A416168F39}" type="datetimeFigureOut">
               <a:rPr lang="uk-UA" smtClean="0"/>
-              <a:t>09.02.2024</a:t>
+              <a:t>11.02.2024</a:t>
             </a:fld>
             <a:endParaRPr lang="uk-UA"/>
           </a:p>
@@ -3908,6 +4013,1895 @@
       </p:grpSpPr>
       <p:sp>
         <p:nvSpPr>
+          <p:cNvPr id="2" name="Text Box 3">
+            <a:extLst>
+              <a:ext uri="{FF2B5EF4-FFF2-40B4-BE49-F238E27FC236}">
+                <a16:creationId xmlns:a16="http://schemas.microsoft.com/office/drawing/2014/main" id="{F875EA2F-466D-40C3-8F59-9FA651C7F228}"/>
+              </a:ext>
+            </a:extLst>
+          </p:cNvPr>
+          <p:cNvSpPr txBox="1">
+            <a:spLocks noChangeArrowheads="1"/>
+          </p:cNvSpPr>
+          <p:nvPr/>
+        </p:nvSpPr>
+        <p:spPr bwMode="auto">
+          <a:xfrm>
+            <a:off x="0" y="0"/>
+            <a:ext cx="12192000" cy="830997"/>
+          </a:xfrm>
+          <a:prstGeom prst="rect">
+            <a:avLst/>
+          </a:prstGeom>
+          <a:noFill/>
+          <a:ln w="9525">
+            <a:noFill/>
+            <a:miter lim="800000"/>
+            <a:headEnd/>
+            <a:tailEnd/>
+          </a:ln>
+        </p:spPr>
+        <p:txBody>
+          <a:bodyPr wrap="square">
+            <a:spAutoFit/>
+          </a:bodyPr>
+          <a:lstStyle/>
+          <a:p>
+            <a:pPr algn="ctr" eaLnBrk="0" hangingPunct="0">
+              <a:spcBef>
+                <a:spcPct val="50000"/>
+              </a:spcBef>
+            </a:pPr>
+            <a:r>
+              <a:rPr lang="ru-RU" sz="4800" dirty="0" err="1">
+                <a:latin typeface="Times New Roman" panose="02020603050405020304" pitchFamily="18" charset="0"/>
+                <a:cs typeface="Times New Roman" panose="02020603050405020304" pitchFamily="18" charset="0"/>
+              </a:rPr>
+              <a:t>Сортування</a:t>
+            </a:r>
+            <a:r>
+              <a:rPr lang="ru-RU" sz="4800" dirty="0">
+                <a:latin typeface="Times New Roman" panose="02020603050405020304" pitchFamily="18" charset="0"/>
+                <a:cs typeface="Times New Roman" panose="02020603050405020304" pitchFamily="18" charset="0"/>
+              </a:rPr>
+              <a:t> «</a:t>
+            </a:r>
+            <a:r>
+              <a:rPr lang="ru-RU" sz="4800" dirty="0" err="1">
+                <a:latin typeface="Times New Roman" panose="02020603050405020304" pitchFamily="18" charset="0"/>
+                <a:cs typeface="Times New Roman" panose="02020603050405020304" pitchFamily="18" charset="0"/>
+              </a:rPr>
+              <a:t>швидке</a:t>
+            </a:r>
+            <a:r>
+              <a:rPr lang="ru-RU" sz="4800" dirty="0">
+                <a:latin typeface="Times New Roman" panose="02020603050405020304" pitchFamily="18" charset="0"/>
+                <a:cs typeface="Times New Roman" panose="02020603050405020304" pitchFamily="18" charset="0"/>
+              </a:rPr>
+              <a:t>». </a:t>
+            </a:r>
+            <a:r>
+              <a:rPr lang="uk-UA" sz="4800" dirty="0">
+                <a:latin typeface="Times New Roman" panose="02020603050405020304" pitchFamily="18" charset="0"/>
+                <a:cs typeface="Times New Roman" panose="02020603050405020304" pitchFamily="18" charset="0"/>
+              </a:rPr>
+              <a:t>Характеристика</a:t>
+            </a:r>
+            <a:endParaRPr lang="ru-RU" sz="4800" dirty="0">
+              <a:latin typeface="Times New Roman" panose="02020603050405020304" pitchFamily="18" charset="0"/>
+              <a:cs typeface="Times New Roman" panose="02020603050405020304" pitchFamily="18" charset="0"/>
+            </a:endParaRPr>
+          </a:p>
+        </p:txBody>
+      </p:sp>
+      <p:sp>
+        <p:nvSpPr>
+          <p:cNvPr id="5" name="TextBox 4">
+            <a:extLst>
+              <a:ext uri="{FF2B5EF4-FFF2-40B4-BE49-F238E27FC236}">
+                <a16:creationId xmlns:a16="http://schemas.microsoft.com/office/drawing/2014/main" id="{24606B2F-EA42-4788-B669-30A50669B57A}"/>
+              </a:ext>
+            </a:extLst>
+          </p:cNvPr>
+          <p:cNvSpPr txBox="1"/>
+          <p:nvPr/>
+        </p:nvSpPr>
+        <p:spPr>
+          <a:xfrm>
+            <a:off x="888477" y="830997"/>
+            <a:ext cx="10565090" cy="4401205"/>
+          </a:xfrm>
+          <a:prstGeom prst="rect">
+            <a:avLst/>
+          </a:prstGeom>
+          <a:noFill/>
+        </p:spPr>
+        <p:txBody>
+          <a:bodyPr wrap="square">
+            <a:spAutoFit/>
+          </a:bodyPr>
+          <a:lstStyle/>
+          <a:p>
+            <a:pPr algn="l"/>
+            <a:r>
+              <a:rPr lang="uk-UA" sz="2000" b="1" i="0" dirty="0">
+                <a:effectLst/>
+                <a:latin typeface="Times New Roman" panose="02020603050405020304" pitchFamily="18" charset="0"/>
+                <a:cs typeface="Times New Roman" panose="02020603050405020304" pitchFamily="18" charset="0"/>
+              </a:rPr>
+              <a:t>Переваги і недоліки алгоритму </a:t>
+            </a:r>
+          </a:p>
+          <a:p>
+            <a:pPr algn="l"/>
+            <a:r>
+              <a:rPr lang="uk-UA" sz="2000" b="0" i="0" dirty="0">
+                <a:effectLst/>
+                <a:latin typeface="Times New Roman" panose="02020603050405020304" pitchFamily="18" charset="0"/>
+                <a:cs typeface="Times New Roman" panose="02020603050405020304" pitchFamily="18" charset="0"/>
+              </a:rPr>
+              <a:t>Що стосується складності швидкого сортування, то в найкращому випадку ми отримаємо складність </a:t>
+            </a:r>
+            <a:r>
+              <a:rPr lang="el-GR" sz="2000" b="0" i="0" dirty="0">
+                <a:effectLst/>
+                <a:latin typeface="Times New Roman" panose="02020603050405020304" pitchFamily="18" charset="0"/>
+                <a:cs typeface="Times New Roman" panose="02020603050405020304" pitchFamily="18" charset="0"/>
+              </a:rPr>
+              <a:t>Ω (</a:t>
+            </a:r>
+            <a:r>
+              <a:rPr lang="en-US" sz="2000" b="0" i="0" dirty="0">
+                <a:effectLst/>
+                <a:latin typeface="Times New Roman" panose="02020603050405020304" pitchFamily="18" charset="0"/>
+                <a:cs typeface="Times New Roman" panose="02020603050405020304" pitchFamily="18" charset="0"/>
+              </a:rPr>
+              <a:t>n log n), </a:t>
+            </a:r>
+            <a:r>
+              <a:rPr lang="uk-UA" sz="2000" b="0" i="0" dirty="0">
+                <a:effectLst/>
+                <a:latin typeface="Times New Roman" panose="02020603050405020304" pitchFamily="18" charset="0"/>
+                <a:cs typeface="Times New Roman" panose="02020603050405020304" pitchFamily="18" charset="0"/>
+              </a:rPr>
+              <a:t>а в найгіршому — </a:t>
+            </a:r>
+            <a:r>
+              <a:rPr lang="en-US" sz="2000" b="0" i="0" dirty="0">
+                <a:effectLst/>
+                <a:latin typeface="Times New Roman" panose="02020603050405020304" pitchFamily="18" charset="0"/>
+                <a:cs typeface="Times New Roman" panose="02020603050405020304" pitchFamily="18" charset="0"/>
+              </a:rPr>
+              <a:t>O(n</a:t>
+            </a:r>
+            <a:r>
+              <a:rPr lang="en-US" sz="2000" b="0" i="0" baseline="30000" dirty="0">
+                <a:effectLst/>
+                <a:latin typeface="Times New Roman" panose="02020603050405020304" pitchFamily="18" charset="0"/>
+                <a:cs typeface="Times New Roman" panose="02020603050405020304" pitchFamily="18" charset="0"/>
+              </a:rPr>
+              <a:t>2</a:t>
+            </a:r>
+            <a:r>
+              <a:rPr lang="en-US" sz="2000" b="0" i="0" dirty="0">
+                <a:effectLst/>
+                <a:latin typeface="Times New Roman" panose="02020603050405020304" pitchFamily="18" charset="0"/>
+                <a:cs typeface="Times New Roman" panose="02020603050405020304" pitchFamily="18" charset="0"/>
+              </a:rPr>
+              <a:t>). </a:t>
+            </a:r>
+            <a:r>
+              <a:rPr lang="uk-UA" sz="2000" b="0" i="0" dirty="0">
+                <a:effectLst/>
+                <a:latin typeface="Times New Roman" panose="02020603050405020304" pitchFamily="18" charset="0"/>
+                <a:cs typeface="Times New Roman" panose="02020603050405020304" pitchFamily="18" charset="0"/>
+              </a:rPr>
+              <a:t>Окрім низької обчислювальної складності цьому алгоритму притаманні й інші переваги: </a:t>
+            </a:r>
+          </a:p>
+          <a:p>
+            <a:pPr lvl="1">
+              <a:buFont typeface="Arial" panose="020B0604020202020204" pitchFamily="34" charset="0"/>
+              <a:buChar char="•"/>
+            </a:pPr>
+            <a:r>
+              <a:rPr lang="uk-UA" sz="2000" b="0" i="0" dirty="0">
+                <a:effectLst/>
+                <a:latin typeface="Times New Roman" panose="02020603050405020304" pitchFamily="18" charset="0"/>
+                <a:cs typeface="Times New Roman" panose="02020603050405020304" pitchFamily="18" charset="0"/>
+              </a:rPr>
+              <a:t>на практиці це один з найбільш швидкодіючих алгоритмів внутрішнього сортування; </a:t>
+            </a:r>
+          </a:p>
+          <a:p>
+            <a:pPr lvl="1">
+              <a:buFont typeface="Arial" panose="020B0604020202020204" pitchFamily="34" charset="0"/>
+              <a:buChar char="•"/>
+            </a:pPr>
+            <a:r>
+              <a:rPr lang="uk-UA" sz="2000" b="0" i="0" dirty="0">
+                <a:effectLst/>
+                <a:latin typeface="Times New Roman" panose="02020603050405020304" pitchFamily="18" charset="0"/>
+                <a:cs typeface="Times New Roman" panose="02020603050405020304" pitchFamily="18" charset="0"/>
+              </a:rPr>
+              <a:t>алгоритм доволі простий як для розуміння, так і для реалізації; </a:t>
+            </a:r>
+          </a:p>
+          <a:p>
+            <a:pPr lvl="1">
+              <a:buFont typeface="Arial" panose="020B0604020202020204" pitchFamily="34" charset="0"/>
+              <a:buChar char="•"/>
+            </a:pPr>
+            <a:r>
+              <a:rPr lang="uk-UA" sz="2000" b="0" i="0" dirty="0">
+                <a:effectLst/>
+                <a:latin typeface="Times New Roman" panose="02020603050405020304" pitchFamily="18" charset="0"/>
+                <a:cs typeface="Times New Roman" panose="02020603050405020304" pitchFamily="18" charset="0"/>
+              </a:rPr>
+              <a:t>потребує лише </a:t>
+            </a:r>
+            <a:r>
+              <a:rPr lang="en-US" sz="2000" b="0" i="0" dirty="0">
+                <a:effectLst/>
+                <a:latin typeface="Times New Roman" panose="02020603050405020304" pitchFamily="18" charset="0"/>
+                <a:cs typeface="Times New Roman" panose="02020603050405020304" pitchFamily="18" charset="0"/>
+              </a:rPr>
+              <a:t>O(n) </a:t>
+            </a:r>
+            <a:r>
+              <a:rPr lang="uk-UA" sz="2000" b="0" i="0" dirty="0">
+                <a:effectLst/>
+                <a:latin typeface="Times New Roman" panose="02020603050405020304" pitchFamily="18" charset="0"/>
+                <a:cs typeface="Times New Roman" panose="02020603050405020304" pitchFamily="18" charset="0"/>
+              </a:rPr>
+              <a:t>пам’яті, для покращеної версії — </a:t>
+            </a:r>
+            <a:r>
+              <a:rPr lang="en-US" sz="2000" b="0" i="0" dirty="0">
+                <a:effectLst/>
+                <a:latin typeface="Times New Roman" panose="02020603050405020304" pitchFamily="18" charset="0"/>
+                <a:cs typeface="Times New Roman" panose="02020603050405020304" pitchFamily="18" charset="0"/>
+              </a:rPr>
+              <a:t>O(1); </a:t>
+            </a:r>
+          </a:p>
+          <a:p>
+            <a:pPr lvl="1">
+              <a:buFont typeface="Arial" panose="020B0604020202020204" pitchFamily="34" charset="0"/>
+              <a:buChar char="•"/>
+            </a:pPr>
+            <a:r>
+              <a:rPr lang="uk-UA" sz="2000" b="0" i="0" dirty="0">
+                <a:effectLst/>
+                <a:latin typeface="Times New Roman" panose="02020603050405020304" pitchFamily="18" charset="0"/>
+                <a:cs typeface="Times New Roman" panose="02020603050405020304" pitchFamily="18" charset="0"/>
+              </a:rPr>
+              <a:t>дозволяє </a:t>
+            </a:r>
+            <a:r>
+              <a:rPr lang="uk-UA" sz="2000" b="0" i="0" dirty="0" err="1">
+                <a:effectLst/>
+                <a:latin typeface="Times New Roman" panose="02020603050405020304" pitchFamily="18" charset="0"/>
+                <a:cs typeface="Times New Roman" panose="02020603050405020304" pitchFamily="18" charset="0"/>
+              </a:rPr>
+              <a:t>розпаралелювання</a:t>
+            </a:r>
+            <a:r>
+              <a:rPr lang="uk-UA" sz="2000" b="0" i="0" dirty="0">
+                <a:effectLst/>
+                <a:latin typeface="Times New Roman" panose="02020603050405020304" pitchFamily="18" charset="0"/>
+                <a:cs typeface="Times New Roman" panose="02020603050405020304" pitchFamily="18" charset="0"/>
+              </a:rPr>
+              <a:t> для сортування </a:t>
+            </a:r>
+            <a:r>
+              <a:rPr lang="uk-UA" sz="2000" b="0" i="0" dirty="0" err="1">
+                <a:effectLst/>
+                <a:latin typeface="Times New Roman" panose="02020603050405020304" pitchFamily="18" charset="0"/>
+                <a:cs typeface="Times New Roman" panose="02020603050405020304" pitchFamily="18" charset="0"/>
+              </a:rPr>
+              <a:t>підмасивів</a:t>
+            </a:r>
+            <a:r>
+              <a:rPr lang="uk-UA" sz="2000" b="0" i="0" dirty="0">
+                <a:effectLst/>
+                <a:latin typeface="Times New Roman" panose="02020603050405020304" pitchFamily="18" charset="0"/>
+                <a:cs typeface="Times New Roman" panose="02020603050405020304" pitchFamily="18" charset="0"/>
+              </a:rPr>
+              <a:t>; </a:t>
+            </a:r>
+          </a:p>
+          <a:p>
+            <a:pPr lvl="1">
+              <a:buFont typeface="Arial" panose="020B0604020202020204" pitchFamily="34" charset="0"/>
+              <a:buChar char="•"/>
+            </a:pPr>
+            <a:r>
+              <a:rPr lang="uk-UA" sz="2000" b="0" i="0" dirty="0">
+                <a:effectLst/>
+                <a:latin typeface="Times New Roman" panose="02020603050405020304" pitchFamily="18" charset="0"/>
+                <a:cs typeface="Times New Roman" panose="02020603050405020304" pitchFamily="18" charset="0"/>
+              </a:rPr>
+              <a:t>працює на пов’язаних списках; </a:t>
+            </a:r>
+          </a:p>
+          <a:p>
+            <a:pPr lvl="1">
+              <a:buFont typeface="Arial" panose="020B0604020202020204" pitchFamily="34" charset="0"/>
+              <a:buChar char="•"/>
+            </a:pPr>
+            <a:r>
+              <a:rPr lang="uk-UA" sz="2000" b="0" i="0" dirty="0">
+                <a:effectLst/>
+                <a:latin typeface="Times New Roman" panose="02020603050405020304" pitchFamily="18" charset="0"/>
+                <a:cs typeface="Times New Roman" panose="02020603050405020304" pitchFamily="18" charset="0"/>
+              </a:rPr>
+              <a:t>є найефективнішим для сортування великої кількості даних. </a:t>
+            </a:r>
+          </a:p>
+          <a:p>
+            <a:pPr algn="l"/>
+            <a:endParaRPr lang="uk-UA" sz="2000" b="0" i="0" dirty="0">
+              <a:effectLst/>
+              <a:latin typeface="Times New Roman" panose="02020603050405020304" pitchFamily="18" charset="0"/>
+              <a:cs typeface="Times New Roman" panose="02020603050405020304" pitchFamily="18" charset="0"/>
+            </a:endParaRPr>
+          </a:p>
+          <a:p>
+            <a:pPr algn="l"/>
+            <a:r>
+              <a:rPr lang="uk-UA" sz="2000" b="1" i="1" dirty="0">
+                <a:effectLst/>
+                <a:latin typeface="Times New Roman" panose="02020603050405020304" pitchFamily="18" charset="0"/>
+                <a:cs typeface="Times New Roman" panose="02020603050405020304" pitchFamily="18" charset="0"/>
+              </a:rPr>
+              <a:t>Недоліками </a:t>
+            </a:r>
+            <a:r>
+              <a:rPr lang="uk-UA" sz="2000" b="0" i="0" dirty="0">
+                <a:effectLst/>
+                <a:latin typeface="Times New Roman" panose="02020603050405020304" pitchFamily="18" charset="0"/>
+                <a:cs typeface="Times New Roman" panose="02020603050405020304" pitchFamily="18" charset="0"/>
+              </a:rPr>
+              <a:t>можна вважати:  </a:t>
+            </a:r>
+          </a:p>
+          <a:p>
+            <a:pPr algn="l">
+              <a:buFont typeface="Arial" panose="020B0604020202020204" pitchFamily="34" charset="0"/>
+              <a:buChar char="•"/>
+            </a:pPr>
+            <a:r>
+              <a:rPr lang="uk-UA" sz="2000" b="0" i="0" dirty="0">
+                <a:effectLst/>
+                <a:latin typeface="Times New Roman" panose="02020603050405020304" pitchFamily="18" charset="0"/>
+                <a:cs typeface="Times New Roman" panose="02020603050405020304" pitchFamily="18" charset="0"/>
+              </a:rPr>
+              <a:t>нестійкість; </a:t>
+            </a:r>
+          </a:p>
+          <a:p>
+            <a:pPr algn="l">
+              <a:buFont typeface="Arial" panose="020B0604020202020204" pitchFamily="34" charset="0"/>
+              <a:buChar char="•"/>
+            </a:pPr>
+            <a:r>
+              <a:rPr lang="uk-UA" sz="2000" b="0" i="0" dirty="0">
+                <a:effectLst/>
+                <a:latin typeface="Times New Roman" panose="02020603050405020304" pitchFamily="18" charset="0"/>
+                <a:cs typeface="Times New Roman" panose="02020603050405020304" pitchFamily="18" charset="0"/>
+              </a:rPr>
+              <a:t>обчислювальна складність сильно деградує за умови невдалих вхідних даних.  </a:t>
+            </a:r>
+          </a:p>
+        </p:txBody>
+      </p:sp>
+    </p:spTree>
+    <p:extLst>
+      <p:ext uri="{BB962C8B-B14F-4D97-AF65-F5344CB8AC3E}">
+        <p14:creationId xmlns:p14="http://schemas.microsoft.com/office/powerpoint/2010/main" val="2193878294"/>
+      </p:ext>
+    </p:extLst>
+  </p:cSld>
+  <p:clrMapOvr>
+    <a:masterClrMapping/>
+  </p:clrMapOvr>
+</p:sld>
+</file>
+
+<file path=ppt/slides/slide11.xml><?xml version="1.0" encoding="utf-8"?>
+<p:sld xmlns:a="http://schemas.openxmlformats.org/drawingml/2006/main" xmlns:r="http://schemas.openxmlformats.org/officeDocument/2006/relationships" xmlns:p="http://schemas.openxmlformats.org/presentationml/2006/main">
+  <p:cSld>
+    <p:spTree>
+      <p:nvGrpSpPr>
+        <p:cNvPr id="1" name=""/>
+        <p:cNvGrpSpPr/>
+        <p:nvPr/>
+      </p:nvGrpSpPr>
+      <p:grpSpPr>
+        <a:xfrm>
+          <a:off x="0" y="0"/>
+          <a:ext cx="0" cy="0"/>
+          <a:chOff x="0" y="0"/>
+          <a:chExt cx="0" cy="0"/>
+        </a:xfrm>
+      </p:grpSpPr>
+      <p:sp>
+        <p:nvSpPr>
+          <p:cNvPr id="2" name="Text Box 3">
+            <a:extLst>
+              <a:ext uri="{FF2B5EF4-FFF2-40B4-BE49-F238E27FC236}">
+                <a16:creationId xmlns:a16="http://schemas.microsoft.com/office/drawing/2014/main" id="{A5092F20-3099-4B5E-8622-C93465A5B0BF}"/>
+              </a:ext>
+            </a:extLst>
+          </p:cNvPr>
+          <p:cNvSpPr txBox="1">
+            <a:spLocks noChangeArrowheads="1"/>
+          </p:cNvSpPr>
+          <p:nvPr/>
+        </p:nvSpPr>
+        <p:spPr bwMode="auto">
+          <a:xfrm>
+            <a:off x="0" y="0"/>
+            <a:ext cx="12192000" cy="830997"/>
+          </a:xfrm>
+          <a:prstGeom prst="rect">
+            <a:avLst/>
+          </a:prstGeom>
+          <a:noFill/>
+          <a:ln w="9525">
+            <a:noFill/>
+            <a:miter lim="800000"/>
+            <a:headEnd/>
+            <a:tailEnd/>
+          </a:ln>
+        </p:spPr>
+        <p:txBody>
+          <a:bodyPr wrap="square">
+            <a:spAutoFit/>
+          </a:bodyPr>
+          <a:lstStyle/>
+          <a:p>
+            <a:pPr algn="ctr" eaLnBrk="0" hangingPunct="0">
+              <a:spcBef>
+                <a:spcPct val="50000"/>
+              </a:spcBef>
+            </a:pPr>
+            <a:r>
+              <a:rPr lang="ru-RU" sz="4800" dirty="0" err="1">
+                <a:latin typeface="Times New Roman" panose="02020603050405020304" pitchFamily="18" charset="0"/>
+                <a:cs typeface="Times New Roman" panose="02020603050405020304" pitchFamily="18" charset="0"/>
+              </a:rPr>
+              <a:t>Сортування</a:t>
+            </a:r>
+            <a:r>
+              <a:rPr lang="ru-RU" sz="4800" dirty="0">
+                <a:latin typeface="Times New Roman" panose="02020603050405020304" pitchFamily="18" charset="0"/>
+                <a:cs typeface="Times New Roman" panose="02020603050405020304" pitchFamily="18" charset="0"/>
+              </a:rPr>
+              <a:t> «</a:t>
+            </a:r>
+            <a:r>
+              <a:rPr lang="ru-RU" sz="4800" dirty="0" err="1">
+                <a:latin typeface="Times New Roman" panose="02020603050405020304" pitchFamily="18" charset="0"/>
+                <a:cs typeface="Times New Roman" panose="02020603050405020304" pitchFamily="18" charset="0"/>
+              </a:rPr>
+              <a:t>вставкою</a:t>
+            </a:r>
+            <a:r>
+              <a:rPr lang="ru-RU" sz="4800" dirty="0">
+                <a:latin typeface="Times New Roman" panose="02020603050405020304" pitchFamily="18" charset="0"/>
+                <a:cs typeface="Times New Roman" panose="02020603050405020304" pitchFamily="18" charset="0"/>
+              </a:rPr>
+              <a:t>»</a:t>
+            </a:r>
+          </a:p>
+        </p:txBody>
+      </p:sp>
+      <p:sp>
+        <p:nvSpPr>
+          <p:cNvPr id="3" name="TextBox 2">
+            <a:extLst>
+              <a:ext uri="{FF2B5EF4-FFF2-40B4-BE49-F238E27FC236}">
+                <a16:creationId xmlns:a16="http://schemas.microsoft.com/office/drawing/2014/main" id="{57F8C8F0-BC93-4F9F-A38F-85DEAE02FE8E}"/>
+              </a:ext>
+            </a:extLst>
+          </p:cNvPr>
+          <p:cNvSpPr txBox="1"/>
+          <p:nvPr/>
+        </p:nvSpPr>
+        <p:spPr>
+          <a:xfrm>
+            <a:off x="452486" y="904973"/>
+            <a:ext cx="4496586" cy="1569660"/>
+          </a:xfrm>
+          <a:prstGeom prst="rect">
+            <a:avLst/>
+          </a:prstGeom>
+          <a:noFill/>
+          <a:ln w="28575">
+            <a:solidFill>
+              <a:schemeClr val="accent6">
+                <a:lumMod val="50000"/>
+              </a:schemeClr>
+            </a:solidFill>
+          </a:ln>
+        </p:spPr>
+        <p:txBody>
+          <a:bodyPr wrap="square" rtlCol="0">
+            <a:spAutoFit/>
+          </a:bodyPr>
+          <a:lstStyle/>
+          <a:p>
+            <a:pPr algn="just"/>
+            <a:r>
+              <a:rPr lang="ru-RU" sz="2400" b="0" i="0" dirty="0" err="1">
+                <a:solidFill>
+                  <a:srgbClr val="000000"/>
+                </a:solidFill>
+                <a:effectLst/>
+                <a:latin typeface="Times New Roman" panose="02020603050405020304" pitchFamily="18" charset="0"/>
+                <a:cs typeface="Times New Roman" panose="02020603050405020304" pitchFamily="18" charset="0"/>
+              </a:rPr>
+              <a:t>Сортування</a:t>
+            </a:r>
+            <a:r>
+              <a:rPr lang="ru-RU" sz="2400" b="0" i="0" dirty="0">
+                <a:solidFill>
+                  <a:srgbClr val="000000"/>
+                </a:solidFill>
+                <a:effectLst/>
+                <a:latin typeface="Times New Roman" panose="02020603050405020304" pitchFamily="18" charset="0"/>
+                <a:cs typeface="Times New Roman" panose="02020603050405020304" pitchFamily="18" charset="0"/>
+              </a:rPr>
+              <a:t> </a:t>
+            </a:r>
+            <a:r>
+              <a:rPr lang="ru-RU" sz="2400" b="0" i="0" dirty="0" err="1">
+                <a:solidFill>
+                  <a:srgbClr val="000000"/>
+                </a:solidFill>
+                <a:effectLst/>
+                <a:latin typeface="Times New Roman" panose="02020603050405020304" pitchFamily="18" charset="0"/>
+                <a:cs typeface="Times New Roman" panose="02020603050405020304" pitchFamily="18" charset="0"/>
+              </a:rPr>
+              <a:t>вставкою</a:t>
+            </a:r>
+            <a:r>
+              <a:rPr lang="ru-RU" sz="2400" b="0" i="0" dirty="0">
+                <a:solidFill>
+                  <a:srgbClr val="000000"/>
+                </a:solidFill>
+                <a:effectLst/>
+                <a:latin typeface="Times New Roman" panose="02020603050405020304" pitchFamily="18" charset="0"/>
+                <a:cs typeface="Times New Roman" panose="02020603050405020304" pitchFamily="18" charset="0"/>
+              </a:rPr>
+              <a:t> — </a:t>
+            </a:r>
+            <a:r>
+              <a:rPr lang="ru-RU" sz="2400" b="0" i="0" dirty="0" err="1">
+                <a:solidFill>
+                  <a:srgbClr val="000000"/>
+                </a:solidFill>
+                <a:effectLst/>
+                <a:latin typeface="Times New Roman" panose="02020603050405020304" pitchFamily="18" charset="0"/>
+                <a:cs typeface="Times New Roman" panose="02020603050405020304" pitchFamily="18" charset="0"/>
+              </a:rPr>
+              <a:t>це</a:t>
+            </a:r>
+            <a:r>
+              <a:rPr lang="ru-RU" sz="2400" b="0" i="0" dirty="0">
+                <a:solidFill>
+                  <a:srgbClr val="000000"/>
+                </a:solidFill>
+                <a:effectLst/>
+                <a:latin typeface="Times New Roman" panose="02020603050405020304" pitchFamily="18" charset="0"/>
+                <a:cs typeface="Times New Roman" panose="02020603050405020304" pitchFamily="18" charset="0"/>
+              </a:rPr>
+              <a:t> </a:t>
+            </a:r>
+            <a:r>
+              <a:rPr lang="ru-RU" sz="2400" b="0" i="0" dirty="0" err="1">
+                <a:solidFill>
+                  <a:srgbClr val="000000"/>
+                </a:solidFill>
+                <a:effectLst/>
+                <a:latin typeface="Times New Roman" panose="02020603050405020304" pitchFamily="18" charset="0"/>
+                <a:cs typeface="Times New Roman" panose="02020603050405020304" pitchFamily="18" charset="0"/>
+              </a:rPr>
+              <a:t>простий</a:t>
+            </a:r>
+            <a:r>
+              <a:rPr lang="ru-RU" sz="2400" b="0" i="0" dirty="0">
+                <a:solidFill>
+                  <a:srgbClr val="000000"/>
+                </a:solidFill>
+                <a:effectLst/>
+                <a:latin typeface="Times New Roman" panose="02020603050405020304" pitchFamily="18" charset="0"/>
+                <a:cs typeface="Times New Roman" panose="02020603050405020304" pitchFamily="18" charset="0"/>
+              </a:rPr>
+              <a:t> алгоритм </a:t>
+            </a:r>
+            <a:r>
+              <a:rPr lang="ru-RU" sz="2400" b="0" i="0" dirty="0" err="1">
+                <a:solidFill>
+                  <a:srgbClr val="000000"/>
+                </a:solidFill>
+                <a:effectLst/>
+                <a:latin typeface="Times New Roman" panose="02020603050405020304" pitchFamily="18" charset="0"/>
+                <a:cs typeface="Times New Roman" panose="02020603050405020304" pitchFamily="18" charset="0"/>
+              </a:rPr>
+              <a:t>сортування</a:t>
+            </a:r>
+            <a:r>
+              <a:rPr lang="ru-RU" sz="2400" b="0" i="0" dirty="0">
+                <a:solidFill>
+                  <a:srgbClr val="000000"/>
+                </a:solidFill>
+                <a:effectLst/>
+                <a:latin typeface="Times New Roman" panose="02020603050405020304" pitchFamily="18" charset="0"/>
+                <a:cs typeface="Times New Roman" panose="02020603050405020304" pitchFamily="18" charset="0"/>
+              </a:rPr>
+              <a:t> для </a:t>
+            </a:r>
+            <a:r>
+              <a:rPr lang="ru-RU" sz="2400" b="0" i="0" dirty="0" err="1">
+                <a:solidFill>
+                  <a:srgbClr val="000000"/>
+                </a:solidFill>
+                <a:effectLst/>
+                <a:latin typeface="Times New Roman" panose="02020603050405020304" pitchFamily="18" charset="0"/>
+                <a:cs typeface="Times New Roman" panose="02020603050405020304" pitchFamily="18" charset="0"/>
+              </a:rPr>
+              <a:t>масивів</a:t>
+            </a:r>
+            <a:r>
+              <a:rPr lang="ru-RU" sz="2400" b="0" i="0" dirty="0">
+                <a:solidFill>
+                  <a:srgbClr val="000000"/>
+                </a:solidFill>
+                <a:effectLst/>
+                <a:latin typeface="Times New Roman" panose="02020603050405020304" pitchFamily="18" charset="0"/>
+                <a:cs typeface="Times New Roman" panose="02020603050405020304" pitchFamily="18" charset="0"/>
+              </a:rPr>
+              <a:t> з невеликою </a:t>
+            </a:r>
+            <a:r>
+              <a:rPr lang="ru-RU" sz="2400" b="0" i="0" dirty="0" err="1">
+                <a:solidFill>
+                  <a:srgbClr val="000000"/>
+                </a:solidFill>
+                <a:effectLst/>
+                <a:latin typeface="Times New Roman" panose="02020603050405020304" pitchFamily="18" charset="0"/>
+                <a:cs typeface="Times New Roman" panose="02020603050405020304" pitchFamily="18" charset="0"/>
+              </a:rPr>
+              <a:t>кількістю</a:t>
+            </a:r>
+            <a:r>
+              <a:rPr lang="ru-RU" sz="2400" b="0" i="0" dirty="0">
+                <a:solidFill>
+                  <a:srgbClr val="000000"/>
+                </a:solidFill>
+                <a:effectLst/>
+                <a:latin typeface="Times New Roman" panose="02020603050405020304" pitchFamily="18" charset="0"/>
+                <a:cs typeface="Times New Roman" panose="02020603050405020304" pitchFamily="18" charset="0"/>
+              </a:rPr>
+              <a:t> </a:t>
+            </a:r>
+            <a:r>
+              <a:rPr lang="ru-RU" sz="2400" b="0" i="0" dirty="0" err="1">
+                <a:solidFill>
+                  <a:srgbClr val="000000"/>
+                </a:solidFill>
+                <a:effectLst/>
+                <a:latin typeface="Times New Roman" panose="02020603050405020304" pitchFamily="18" charset="0"/>
+                <a:cs typeface="Times New Roman" panose="02020603050405020304" pitchFamily="18" charset="0"/>
+              </a:rPr>
+              <a:t>елементів</a:t>
+            </a:r>
+            <a:r>
+              <a:rPr lang="ru-RU" sz="2400" b="0" i="0" dirty="0">
+                <a:solidFill>
+                  <a:srgbClr val="000000"/>
+                </a:solidFill>
+                <a:effectLst/>
+                <a:latin typeface="Times New Roman" panose="02020603050405020304" pitchFamily="18" charset="0"/>
+                <a:cs typeface="Times New Roman" panose="02020603050405020304" pitchFamily="18" charset="0"/>
+              </a:rPr>
+              <a:t>.</a:t>
+            </a:r>
+            <a:endParaRPr lang="uk-UA" sz="2400" dirty="0">
+              <a:latin typeface="Times New Roman" panose="02020603050405020304" pitchFamily="18" charset="0"/>
+              <a:cs typeface="Times New Roman" panose="02020603050405020304" pitchFamily="18" charset="0"/>
+            </a:endParaRPr>
+          </a:p>
+        </p:txBody>
+      </p:sp>
+      <p:sp>
+        <p:nvSpPr>
+          <p:cNvPr id="5" name="TextBox 4">
+            <a:extLst>
+              <a:ext uri="{FF2B5EF4-FFF2-40B4-BE49-F238E27FC236}">
+                <a16:creationId xmlns:a16="http://schemas.microsoft.com/office/drawing/2014/main" id="{0D326A10-0CCC-4D31-BA84-A03BC520B65C}"/>
+              </a:ext>
+            </a:extLst>
+          </p:cNvPr>
+          <p:cNvSpPr txBox="1"/>
+          <p:nvPr/>
+        </p:nvSpPr>
+        <p:spPr>
+          <a:xfrm>
+            <a:off x="5194169" y="904973"/>
+            <a:ext cx="6768445" cy="1569660"/>
+          </a:xfrm>
+          <a:prstGeom prst="rect">
+            <a:avLst/>
+          </a:prstGeom>
+          <a:noFill/>
+          <a:ln w="28575">
+            <a:solidFill>
+              <a:schemeClr val="accent2">
+                <a:lumMod val="75000"/>
+              </a:schemeClr>
+            </a:solidFill>
+          </a:ln>
+        </p:spPr>
+        <p:txBody>
+          <a:bodyPr wrap="square">
+            <a:spAutoFit/>
+          </a:bodyPr>
+          <a:lstStyle/>
+          <a:p>
+            <a:pPr algn="just"/>
+            <a:r>
+              <a:rPr lang="ru-RU" sz="2400" b="0" i="0" dirty="0" err="1">
+                <a:solidFill>
+                  <a:srgbClr val="000000"/>
+                </a:solidFill>
+                <a:effectLst/>
+                <a:latin typeface="Times New Roman" panose="02020603050405020304" pitchFamily="18" charset="0"/>
+                <a:cs typeface="Times New Roman" panose="02020603050405020304" pitchFamily="18" charset="0"/>
+              </a:rPr>
+              <a:t>Масив</a:t>
+            </a:r>
+            <a:r>
+              <a:rPr lang="ru-RU" sz="2400" b="0" i="0" dirty="0">
+                <a:solidFill>
+                  <a:srgbClr val="000000"/>
+                </a:solidFill>
+                <a:effectLst/>
+                <a:latin typeface="Times New Roman" panose="02020603050405020304" pitchFamily="18" charset="0"/>
+                <a:cs typeface="Times New Roman" panose="02020603050405020304" pitchFamily="18" charset="0"/>
+              </a:rPr>
+              <a:t> </a:t>
+            </a:r>
+            <a:r>
+              <a:rPr lang="ru-RU" sz="2400" b="0" i="0" dirty="0" err="1">
+                <a:solidFill>
+                  <a:srgbClr val="000000"/>
+                </a:solidFill>
+                <a:effectLst/>
+                <a:latin typeface="Times New Roman" panose="02020603050405020304" pitchFamily="18" charset="0"/>
+                <a:cs typeface="Times New Roman" panose="02020603050405020304" pitchFamily="18" charset="0"/>
+              </a:rPr>
+              <a:t>віртуально</a:t>
+            </a:r>
+            <a:r>
+              <a:rPr lang="ru-RU" sz="2400" b="0" i="0" dirty="0">
+                <a:solidFill>
+                  <a:srgbClr val="000000"/>
+                </a:solidFill>
+                <a:effectLst/>
+                <a:latin typeface="Times New Roman" panose="02020603050405020304" pitchFamily="18" charset="0"/>
+                <a:cs typeface="Times New Roman" panose="02020603050405020304" pitchFamily="18" charset="0"/>
+              </a:rPr>
+              <a:t> </a:t>
+            </a:r>
+            <a:r>
+              <a:rPr lang="ru-RU" sz="2400" b="0" i="0" dirty="0" err="1">
+                <a:solidFill>
+                  <a:srgbClr val="000000"/>
+                </a:solidFill>
+                <a:effectLst/>
+                <a:latin typeface="Times New Roman" panose="02020603050405020304" pitchFamily="18" charset="0"/>
+                <a:cs typeface="Times New Roman" panose="02020603050405020304" pitchFamily="18" charset="0"/>
+              </a:rPr>
+              <a:t>поділяється</a:t>
+            </a:r>
+            <a:r>
+              <a:rPr lang="ru-RU" sz="2400" b="0" i="0" dirty="0">
+                <a:solidFill>
+                  <a:srgbClr val="000000"/>
+                </a:solidFill>
+                <a:effectLst/>
+                <a:latin typeface="Times New Roman" panose="02020603050405020304" pitchFamily="18" charset="0"/>
+                <a:cs typeface="Times New Roman" panose="02020603050405020304" pitchFamily="18" charset="0"/>
+              </a:rPr>
+              <a:t> на </a:t>
+            </a:r>
+            <a:r>
+              <a:rPr lang="ru-RU" sz="2400" b="0" i="0" dirty="0" err="1">
+                <a:solidFill>
+                  <a:srgbClr val="000000"/>
+                </a:solidFill>
+                <a:effectLst/>
+                <a:latin typeface="Times New Roman" panose="02020603050405020304" pitchFamily="18" charset="0"/>
+                <a:cs typeface="Times New Roman" panose="02020603050405020304" pitchFamily="18" charset="0"/>
+              </a:rPr>
+              <a:t>відсортовану</a:t>
+            </a:r>
+            <a:r>
+              <a:rPr lang="ru-RU" sz="2400" b="0" i="0" dirty="0">
+                <a:solidFill>
+                  <a:srgbClr val="000000"/>
+                </a:solidFill>
+                <a:effectLst/>
+                <a:latin typeface="Times New Roman" panose="02020603050405020304" pitchFamily="18" charset="0"/>
+                <a:cs typeface="Times New Roman" panose="02020603050405020304" pitchFamily="18" charset="0"/>
+              </a:rPr>
+              <a:t> та </a:t>
+            </a:r>
+            <a:r>
+              <a:rPr lang="ru-RU" sz="2400" b="0" i="0" dirty="0" err="1">
+                <a:solidFill>
+                  <a:srgbClr val="000000"/>
+                </a:solidFill>
+                <a:effectLst/>
+                <a:latin typeface="Times New Roman" panose="02020603050405020304" pitchFamily="18" charset="0"/>
+                <a:cs typeface="Times New Roman" panose="02020603050405020304" pitchFamily="18" charset="0"/>
+              </a:rPr>
+              <a:t>невідсортовану</a:t>
+            </a:r>
+            <a:r>
+              <a:rPr lang="ru-RU" sz="2400" b="0" i="0" dirty="0">
+                <a:solidFill>
+                  <a:srgbClr val="000000"/>
+                </a:solidFill>
+                <a:effectLst/>
+                <a:latin typeface="Times New Roman" panose="02020603050405020304" pitchFamily="18" charset="0"/>
+                <a:cs typeface="Times New Roman" panose="02020603050405020304" pitchFamily="18" charset="0"/>
+              </a:rPr>
+              <a:t> </a:t>
+            </a:r>
+            <a:r>
+              <a:rPr lang="ru-RU" sz="2400" b="0" i="0" dirty="0" err="1">
+                <a:solidFill>
+                  <a:srgbClr val="000000"/>
+                </a:solidFill>
+                <a:effectLst/>
+                <a:latin typeface="Times New Roman" panose="02020603050405020304" pitchFamily="18" charset="0"/>
+                <a:cs typeface="Times New Roman" panose="02020603050405020304" pitchFamily="18" charset="0"/>
+              </a:rPr>
+              <a:t>частини</a:t>
+            </a:r>
+            <a:r>
+              <a:rPr lang="ru-RU" sz="2400" b="0" i="0" dirty="0">
+                <a:solidFill>
+                  <a:srgbClr val="000000"/>
+                </a:solidFill>
+                <a:effectLst/>
+                <a:latin typeface="Times New Roman" panose="02020603050405020304" pitchFamily="18" charset="0"/>
+                <a:cs typeface="Times New Roman" panose="02020603050405020304" pitchFamily="18" charset="0"/>
+              </a:rPr>
+              <a:t>. </a:t>
+            </a:r>
+            <a:r>
+              <a:rPr lang="ru-RU" sz="2400" b="0" i="0" dirty="0" err="1">
+                <a:solidFill>
+                  <a:srgbClr val="000000"/>
+                </a:solidFill>
+                <a:effectLst/>
+                <a:latin typeface="Times New Roman" panose="02020603050405020304" pitchFamily="18" charset="0"/>
+                <a:cs typeface="Times New Roman" panose="02020603050405020304" pitchFamily="18" charset="0"/>
+              </a:rPr>
+              <a:t>Потім</a:t>
+            </a:r>
+            <a:r>
+              <a:rPr lang="ru-RU" sz="2400" b="0" i="0" dirty="0">
+                <a:solidFill>
+                  <a:srgbClr val="000000"/>
+                </a:solidFill>
+                <a:effectLst/>
+                <a:latin typeface="Times New Roman" panose="02020603050405020304" pitchFamily="18" charset="0"/>
+                <a:cs typeface="Times New Roman" panose="02020603050405020304" pitchFamily="18" charset="0"/>
+              </a:rPr>
+              <a:t> </a:t>
+            </a:r>
+            <a:r>
+              <a:rPr lang="ru-RU" sz="2400" b="0" i="0" dirty="0" err="1">
+                <a:solidFill>
+                  <a:srgbClr val="000000"/>
+                </a:solidFill>
+                <a:effectLst/>
+                <a:latin typeface="Times New Roman" panose="02020603050405020304" pitchFamily="18" charset="0"/>
+                <a:cs typeface="Times New Roman" panose="02020603050405020304" pitchFamily="18" charset="0"/>
+              </a:rPr>
+              <a:t>елементи</a:t>
+            </a:r>
+            <a:r>
+              <a:rPr lang="ru-RU" sz="2400" b="0" i="0" dirty="0">
+                <a:solidFill>
+                  <a:srgbClr val="000000"/>
+                </a:solidFill>
+                <a:effectLst/>
+                <a:latin typeface="Times New Roman" panose="02020603050405020304" pitchFamily="18" charset="0"/>
+                <a:cs typeface="Times New Roman" panose="02020603050405020304" pitchFamily="18" charset="0"/>
+              </a:rPr>
+              <a:t> </a:t>
+            </a:r>
+            <a:r>
+              <a:rPr lang="ru-RU" sz="2400" b="0" i="0" dirty="0" err="1">
+                <a:solidFill>
+                  <a:srgbClr val="000000"/>
+                </a:solidFill>
+                <a:effectLst/>
+                <a:latin typeface="Times New Roman" panose="02020603050405020304" pitchFamily="18" charset="0"/>
+                <a:cs typeface="Times New Roman" panose="02020603050405020304" pitchFamily="18" charset="0"/>
+              </a:rPr>
+              <a:t>відсортованої</a:t>
+            </a:r>
+            <a:r>
+              <a:rPr lang="ru-RU" sz="2400" b="0" i="0" dirty="0">
+                <a:solidFill>
+                  <a:srgbClr val="000000"/>
+                </a:solidFill>
+                <a:effectLst/>
+                <a:latin typeface="Times New Roman" panose="02020603050405020304" pitchFamily="18" charset="0"/>
+                <a:cs typeface="Times New Roman" panose="02020603050405020304" pitchFamily="18" charset="0"/>
+              </a:rPr>
+              <a:t> </a:t>
+            </a:r>
+            <a:r>
+              <a:rPr lang="ru-RU" sz="2400" b="0" i="0" dirty="0" err="1">
+                <a:solidFill>
+                  <a:srgbClr val="000000"/>
+                </a:solidFill>
+                <a:effectLst/>
+                <a:latin typeface="Times New Roman" panose="02020603050405020304" pitchFamily="18" charset="0"/>
+                <a:cs typeface="Times New Roman" panose="02020603050405020304" pitchFamily="18" charset="0"/>
+              </a:rPr>
+              <a:t>частини</a:t>
+            </a:r>
+            <a:r>
+              <a:rPr lang="ru-RU" sz="2400" b="0" i="0" dirty="0">
+                <a:solidFill>
+                  <a:srgbClr val="000000"/>
+                </a:solidFill>
+                <a:effectLst/>
+                <a:latin typeface="Times New Roman" panose="02020603050405020304" pitchFamily="18" charset="0"/>
+                <a:cs typeface="Times New Roman" panose="02020603050405020304" pitchFamily="18" charset="0"/>
+              </a:rPr>
+              <a:t> </a:t>
+            </a:r>
+            <a:r>
+              <a:rPr lang="ru-RU" sz="2400" b="0" i="0" dirty="0" err="1">
+                <a:solidFill>
+                  <a:srgbClr val="000000"/>
+                </a:solidFill>
+                <a:effectLst/>
+                <a:latin typeface="Times New Roman" panose="02020603050405020304" pitchFamily="18" charset="0"/>
+                <a:cs typeface="Times New Roman" panose="02020603050405020304" pitchFamily="18" charset="0"/>
+              </a:rPr>
+              <a:t>переміщуються</a:t>
+            </a:r>
+            <a:r>
+              <a:rPr lang="ru-RU" sz="2400" b="0" i="0" dirty="0">
+                <a:solidFill>
+                  <a:srgbClr val="000000"/>
+                </a:solidFill>
+                <a:effectLst/>
+                <a:latin typeface="Times New Roman" panose="02020603050405020304" pitchFamily="18" charset="0"/>
+                <a:cs typeface="Times New Roman" panose="02020603050405020304" pitchFamily="18" charset="0"/>
+              </a:rPr>
+              <a:t> на </a:t>
+            </a:r>
+            <a:r>
+              <a:rPr lang="ru-RU" sz="2400" b="0" i="0" dirty="0" err="1">
+                <a:solidFill>
+                  <a:srgbClr val="000000"/>
+                </a:solidFill>
+                <a:effectLst/>
+                <a:latin typeface="Times New Roman" panose="02020603050405020304" pitchFamily="18" charset="0"/>
+                <a:cs typeface="Times New Roman" panose="02020603050405020304" pitchFamily="18" charset="0"/>
+              </a:rPr>
+              <a:t>необхідну</a:t>
+            </a:r>
+            <a:r>
+              <a:rPr lang="ru-RU" sz="2400" b="0" i="0" dirty="0">
+                <a:solidFill>
+                  <a:srgbClr val="000000"/>
+                </a:solidFill>
+                <a:effectLst/>
+                <a:latin typeface="Times New Roman" panose="02020603050405020304" pitchFamily="18" charset="0"/>
+                <a:cs typeface="Times New Roman" panose="02020603050405020304" pitchFamily="18" charset="0"/>
+              </a:rPr>
+              <a:t> </a:t>
+            </a:r>
+            <a:r>
+              <a:rPr lang="ru-RU" sz="2400" b="0" i="0" dirty="0" err="1">
+                <a:solidFill>
+                  <a:srgbClr val="000000"/>
+                </a:solidFill>
+                <a:effectLst/>
+                <a:latin typeface="Times New Roman" panose="02020603050405020304" pitchFamily="18" charset="0"/>
+                <a:cs typeface="Times New Roman" panose="02020603050405020304" pitchFamily="18" charset="0"/>
+              </a:rPr>
+              <a:t>позицію</a:t>
+            </a:r>
+            <a:r>
+              <a:rPr lang="ru-RU" sz="2400" b="0" i="0" dirty="0">
+                <a:solidFill>
+                  <a:srgbClr val="000000"/>
+                </a:solidFill>
+                <a:effectLst/>
+                <a:latin typeface="Times New Roman" panose="02020603050405020304" pitchFamily="18" charset="0"/>
+                <a:cs typeface="Times New Roman" panose="02020603050405020304" pitchFamily="18" charset="0"/>
+              </a:rPr>
+              <a:t> у </a:t>
+            </a:r>
+            <a:r>
+              <a:rPr lang="ru-RU" sz="2400" b="0" i="0" dirty="0" err="1">
+                <a:solidFill>
+                  <a:srgbClr val="000000"/>
+                </a:solidFill>
+                <a:effectLst/>
+                <a:latin typeface="Times New Roman" panose="02020603050405020304" pitchFamily="18" charset="0"/>
+                <a:cs typeface="Times New Roman" panose="02020603050405020304" pitchFamily="18" charset="0"/>
+              </a:rPr>
+              <a:t>відсортованій</a:t>
+            </a:r>
+            <a:r>
+              <a:rPr lang="ru-RU" sz="2400" b="0" i="0" dirty="0">
+                <a:solidFill>
+                  <a:srgbClr val="000000"/>
+                </a:solidFill>
+                <a:effectLst/>
+                <a:latin typeface="Times New Roman" panose="02020603050405020304" pitchFamily="18" charset="0"/>
+                <a:cs typeface="Times New Roman" panose="02020603050405020304" pitchFamily="18" charset="0"/>
+              </a:rPr>
+              <a:t> </a:t>
+            </a:r>
+            <a:r>
+              <a:rPr lang="ru-RU" sz="2400" b="0" i="0" dirty="0" err="1">
+                <a:solidFill>
+                  <a:srgbClr val="000000"/>
+                </a:solidFill>
+                <a:effectLst/>
+                <a:latin typeface="Times New Roman" panose="02020603050405020304" pitchFamily="18" charset="0"/>
+                <a:cs typeface="Times New Roman" panose="02020603050405020304" pitchFamily="18" charset="0"/>
+              </a:rPr>
+              <a:t>частині</a:t>
+            </a:r>
+            <a:r>
+              <a:rPr lang="ru-RU" sz="2400" b="0" i="0" dirty="0">
+                <a:solidFill>
+                  <a:srgbClr val="000000"/>
+                </a:solidFill>
+                <a:effectLst/>
+                <a:latin typeface="Times New Roman" panose="02020603050405020304" pitchFamily="18" charset="0"/>
+                <a:cs typeface="Times New Roman" panose="02020603050405020304" pitchFamily="18" charset="0"/>
+              </a:rPr>
+              <a:t>.</a:t>
+            </a:r>
+            <a:endParaRPr lang="uk-UA" sz="2400" dirty="0">
+              <a:latin typeface="Times New Roman" panose="02020603050405020304" pitchFamily="18" charset="0"/>
+              <a:cs typeface="Times New Roman" panose="02020603050405020304" pitchFamily="18" charset="0"/>
+            </a:endParaRPr>
+          </a:p>
+        </p:txBody>
+      </p:sp>
+      <p:sp>
+        <p:nvSpPr>
+          <p:cNvPr id="6" name="TextBox 5">
+            <a:extLst>
+              <a:ext uri="{FF2B5EF4-FFF2-40B4-BE49-F238E27FC236}">
+                <a16:creationId xmlns:a16="http://schemas.microsoft.com/office/drawing/2014/main" id="{EDE1D415-8135-4AF2-9250-C393FB321B29}"/>
+              </a:ext>
+            </a:extLst>
+          </p:cNvPr>
+          <p:cNvSpPr txBox="1"/>
+          <p:nvPr/>
+        </p:nvSpPr>
+        <p:spPr>
+          <a:xfrm>
+            <a:off x="0" y="2598003"/>
+            <a:ext cx="12192000" cy="830997"/>
+          </a:xfrm>
+          <a:prstGeom prst="rect">
+            <a:avLst/>
+          </a:prstGeom>
+          <a:noFill/>
+        </p:spPr>
+        <p:txBody>
+          <a:bodyPr wrap="square" rtlCol="0">
+            <a:spAutoFit/>
+          </a:bodyPr>
+          <a:lstStyle/>
+          <a:p>
+            <a:pPr algn="ctr"/>
+            <a:r>
+              <a:rPr lang="uk-UA" sz="4800" dirty="0">
+                <a:latin typeface="Times New Roman" panose="02020603050405020304" pitchFamily="18" charset="0"/>
+                <a:cs typeface="Times New Roman" panose="02020603050405020304" pitchFamily="18" charset="0"/>
+              </a:rPr>
+              <a:t>Алгоритм сортування «</a:t>
+            </a:r>
+            <a:r>
+              <a:rPr lang="ru-RU" sz="4800" dirty="0" err="1">
+                <a:latin typeface="Times New Roman" panose="02020603050405020304" pitchFamily="18" charset="0"/>
+                <a:cs typeface="Times New Roman" panose="02020603050405020304" pitchFamily="18" charset="0"/>
+              </a:rPr>
+              <a:t>вставкою</a:t>
+            </a:r>
+            <a:r>
+              <a:rPr lang="ru-RU" sz="4800" dirty="0">
+                <a:latin typeface="Times New Roman" panose="02020603050405020304" pitchFamily="18" charset="0"/>
+                <a:cs typeface="Times New Roman" panose="02020603050405020304" pitchFamily="18" charset="0"/>
+              </a:rPr>
+              <a:t>»</a:t>
+            </a:r>
+            <a:endParaRPr lang="uk-UA" sz="4800" dirty="0">
+              <a:latin typeface="Times New Roman" panose="02020603050405020304" pitchFamily="18" charset="0"/>
+              <a:cs typeface="Times New Roman" panose="02020603050405020304" pitchFamily="18" charset="0"/>
+            </a:endParaRPr>
+          </a:p>
+        </p:txBody>
+      </p:sp>
+      <p:sp>
+        <p:nvSpPr>
+          <p:cNvPr id="8" name="TextBox 7">
+            <a:extLst>
+              <a:ext uri="{FF2B5EF4-FFF2-40B4-BE49-F238E27FC236}">
+                <a16:creationId xmlns:a16="http://schemas.microsoft.com/office/drawing/2014/main" id="{4AAFAD2B-753A-4DE3-AABC-77F59CEED8B6}"/>
+              </a:ext>
+            </a:extLst>
+          </p:cNvPr>
+          <p:cNvSpPr txBox="1"/>
+          <p:nvPr/>
+        </p:nvSpPr>
+        <p:spPr>
+          <a:xfrm>
+            <a:off x="452486" y="3552370"/>
+            <a:ext cx="11510128" cy="1938992"/>
+          </a:xfrm>
+          <a:prstGeom prst="rect">
+            <a:avLst/>
+          </a:prstGeom>
+          <a:noFill/>
+          <a:ln w="28575">
+            <a:solidFill>
+              <a:schemeClr val="tx2"/>
+            </a:solidFill>
+          </a:ln>
+        </p:spPr>
+        <p:txBody>
+          <a:bodyPr wrap="square">
+            <a:spAutoFit/>
+          </a:bodyPr>
+          <a:lstStyle/>
+          <a:p>
+            <a:pPr algn="just"/>
+            <a:r>
+              <a:rPr lang="ru-RU" sz="2400" b="0" i="0" dirty="0" err="1">
+                <a:solidFill>
+                  <a:srgbClr val="000000"/>
+                </a:solidFill>
+                <a:effectLst/>
+                <a:latin typeface="Times New Roman" panose="02020603050405020304" pitchFamily="18" charset="0"/>
+                <a:cs typeface="Times New Roman" panose="02020603050405020304" pitchFamily="18" charset="0"/>
+              </a:rPr>
+              <a:t>Щоб</a:t>
+            </a:r>
+            <a:r>
+              <a:rPr lang="ru-RU" sz="2400" b="0" i="0" dirty="0">
+                <a:solidFill>
+                  <a:srgbClr val="000000"/>
+                </a:solidFill>
+                <a:effectLst/>
+                <a:latin typeface="Times New Roman" panose="02020603050405020304" pitchFamily="18" charset="0"/>
+                <a:cs typeface="Times New Roman" panose="02020603050405020304" pitchFamily="18" charset="0"/>
+              </a:rPr>
+              <a:t> </a:t>
+            </a:r>
+            <a:r>
+              <a:rPr lang="ru-RU" sz="2400" b="0" i="0" dirty="0" err="1">
+                <a:solidFill>
+                  <a:srgbClr val="000000"/>
+                </a:solidFill>
+                <a:effectLst/>
+                <a:latin typeface="Times New Roman" panose="02020603050405020304" pitchFamily="18" charset="0"/>
+                <a:cs typeface="Times New Roman" panose="02020603050405020304" pitchFamily="18" charset="0"/>
+              </a:rPr>
+              <a:t>відсортувати</a:t>
+            </a:r>
+            <a:r>
+              <a:rPr lang="ru-RU" sz="2400" b="0" i="0" dirty="0">
+                <a:solidFill>
+                  <a:srgbClr val="000000"/>
+                </a:solidFill>
+                <a:effectLst/>
+                <a:latin typeface="Times New Roman" panose="02020603050405020304" pitchFamily="18" charset="0"/>
+                <a:cs typeface="Times New Roman" panose="02020603050405020304" pitchFamily="18" charset="0"/>
+              </a:rPr>
+              <a:t> </a:t>
+            </a:r>
+            <a:r>
+              <a:rPr lang="ru-RU" sz="2400" b="0" i="0" dirty="0" err="1">
+                <a:solidFill>
+                  <a:srgbClr val="000000"/>
+                </a:solidFill>
+                <a:effectLst/>
+                <a:latin typeface="Times New Roman" panose="02020603050405020304" pitchFamily="18" charset="0"/>
+                <a:cs typeface="Times New Roman" panose="02020603050405020304" pitchFamily="18" charset="0"/>
+              </a:rPr>
+              <a:t>масив</a:t>
+            </a:r>
+            <a:r>
+              <a:rPr lang="ru-RU" sz="2400" b="0" i="0" dirty="0">
+                <a:solidFill>
+                  <a:srgbClr val="000000"/>
+                </a:solidFill>
+                <a:effectLst/>
+                <a:latin typeface="Times New Roman" panose="02020603050405020304" pitchFamily="18" charset="0"/>
+                <a:cs typeface="Times New Roman" panose="02020603050405020304" pitchFamily="18" charset="0"/>
+              </a:rPr>
+              <a:t> </a:t>
+            </a:r>
+            <a:r>
+              <a:rPr lang="ru-RU" sz="2400" b="0" i="0" dirty="0" err="1">
+                <a:solidFill>
+                  <a:srgbClr val="000000"/>
+                </a:solidFill>
+                <a:effectLst/>
+                <a:latin typeface="Times New Roman" panose="02020603050405020304" pitchFamily="18" charset="0"/>
+                <a:cs typeface="Times New Roman" panose="02020603050405020304" pitchFamily="18" charset="0"/>
+              </a:rPr>
+              <a:t>розміром</a:t>
+            </a:r>
+            <a:r>
+              <a:rPr lang="ru-RU" sz="2400" b="0" i="0" dirty="0">
+                <a:solidFill>
+                  <a:srgbClr val="000000"/>
+                </a:solidFill>
+                <a:effectLst/>
+                <a:latin typeface="Times New Roman" panose="02020603050405020304" pitchFamily="18" charset="0"/>
+                <a:cs typeface="Times New Roman" panose="02020603050405020304" pitchFamily="18" charset="0"/>
+              </a:rPr>
+              <a:t> N за </a:t>
+            </a:r>
+            <a:r>
+              <a:rPr lang="ru-RU" sz="2400" b="0" i="0" dirty="0" err="1">
+                <a:solidFill>
+                  <a:srgbClr val="000000"/>
+                </a:solidFill>
+                <a:effectLst/>
+                <a:latin typeface="Times New Roman" panose="02020603050405020304" pitchFamily="18" charset="0"/>
+                <a:cs typeface="Times New Roman" panose="02020603050405020304" pitchFamily="18" charset="0"/>
+              </a:rPr>
+              <a:t>зростанням</a:t>
+            </a:r>
+            <a:r>
+              <a:rPr lang="ru-RU" sz="2400" b="0" i="0" dirty="0">
+                <a:solidFill>
+                  <a:srgbClr val="000000"/>
+                </a:solidFill>
+                <a:effectLst/>
+                <a:latin typeface="Times New Roman" panose="02020603050405020304" pitchFamily="18" charset="0"/>
+                <a:cs typeface="Times New Roman" panose="02020603050405020304" pitchFamily="18" charset="0"/>
+              </a:rPr>
+              <a:t> методом вставки, </a:t>
+            </a:r>
+            <a:r>
+              <a:rPr lang="ru-RU" sz="2400" b="0" i="0" dirty="0" err="1">
+                <a:solidFill>
+                  <a:srgbClr val="000000"/>
+                </a:solidFill>
+                <a:effectLst/>
+                <a:latin typeface="Times New Roman" panose="02020603050405020304" pitchFamily="18" charset="0"/>
+                <a:cs typeface="Times New Roman" panose="02020603050405020304" pitchFamily="18" charset="0"/>
+              </a:rPr>
+              <a:t>потрібно</a:t>
+            </a:r>
+            <a:r>
+              <a:rPr lang="ru-RU" sz="2400" b="0" i="0" dirty="0">
+                <a:solidFill>
+                  <a:srgbClr val="000000"/>
+                </a:solidFill>
+                <a:effectLst/>
+                <a:latin typeface="Times New Roman" panose="02020603050405020304" pitchFamily="18" charset="0"/>
+                <a:cs typeface="Times New Roman" panose="02020603050405020304" pitchFamily="18" charset="0"/>
+              </a:rPr>
+              <a:t> провести </a:t>
+            </a:r>
+            <a:r>
+              <a:rPr lang="ru-RU" sz="2400" b="0" i="0" dirty="0" err="1">
+                <a:solidFill>
+                  <a:srgbClr val="000000"/>
+                </a:solidFill>
+                <a:effectLst/>
+                <a:latin typeface="Times New Roman" panose="02020603050405020304" pitchFamily="18" charset="0"/>
+                <a:cs typeface="Times New Roman" panose="02020603050405020304" pitchFamily="18" charset="0"/>
+              </a:rPr>
+              <a:t>ітерацію</a:t>
+            </a:r>
+            <a:r>
+              <a:rPr lang="ru-RU" sz="2400" b="0" i="0" dirty="0">
+                <a:solidFill>
+                  <a:srgbClr val="000000"/>
+                </a:solidFill>
+                <a:effectLst/>
+                <a:latin typeface="Times New Roman" panose="02020603050405020304" pitchFamily="18" charset="0"/>
+                <a:cs typeface="Times New Roman" panose="02020603050405020304" pitchFamily="18" charset="0"/>
+              </a:rPr>
+              <a:t> </a:t>
+            </a:r>
+            <a:r>
+              <a:rPr lang="ru-RU" sz="2400" b="0" i="0" dirty="0" err="1">
+                <a:solidFill>
+                  <a:srgbClr val="000000"/>
+                </a:solidFill>
+                <a:effectLst/>
+                <a:latin typeface="Times New Roman" panose="02020603050405020304" pitchFamily="18" charset="0"/>
+                <a:cs typeface="Times New Roman" panose="02020603050405020304" pitchFamily="18" charset="0"/>
+              </a:rPr>
+              <a:t>масиву</a:t>
+            </a:r>
+            <a:r>
+              <a:rPr lang="ru-RU" sz="2400" b="0" i="0" dirty="0">
+                <a:solidFill>
+                  <a:srgbClr val="000000"/>
+                </a:solidFill>
+                <a:effectLst/>
+                <a:latin typeface="Times New Roman" panose="02020603050405020304" pitchFamily="18" charset="0"/>
+                <a:cs typeface="Times New Roman" panose="02020603050405020304" pitchFamily="18" charset="0"/>
+              </a:rPr>
+              <a:t> і </a:t>
+            </a:r>
+            <a:r>
+              <a:rPr lang="ru-RU" sz="2400" b="0" i="0" dirty="0" err="1">
+                <a:solidFill>
+                  <a:srgbClr val="000000"/>
+                </a:solidFill>
+                <a:effectLst/>
+                <a:latin typeface="Times New Roman" panose="02020603050405020304" pitchFamily="18" charset="0"/>
+                <a:cs typeface="Times New Roman" panose="02020603050405020304" pitchFamily="18" charset="0"/>
+              </a:rPr>
+              <a:t>порівняти</a:t>
+            </a:r>
+            <a:r>
+              <a:rPr lang="ru-RU" sz="2400" b="0" i="0" dirty="0">
+                <a:solidFill>
+                  <a:srgbClr val="000000"/>
+                </a:solidFill>
+                <a:effectLst/>
+                <a:latin typeface="Times New Roman" panose="02020603050405020304" pitchFamily="18" charset="0"/>
+                <a:cs typeface="Times New Roman" panose="02020603050405020304" pitchFamily="18" charset="0"/>
+              </a:rPr>
+              <a:t> </a:t>
+            </a:r>
+            <a:r>
+              <a:rPr lang="ru-RU" sz="2400" b="0" i="0" dirty="0" err="1">
+                <a:solidFill>
+                  <a:srgbClr val="000000"/>
+                </a:solidFill>
+                <a:effectLst/>
+                <a:latin typeface="Times New Roman" panose="02020603050405020304" pitchFamily="18" charset="0"/>
+                <a:cs typeface="Times New Roman" panose="02020603050405020304" pitchFamily="18" charset="0"/>
+              </a:rPr>
+              <a:t>поточний</a:t>
+            </a:r>
+            <a:r>
+              <a:rPr lang="ru-RU" sz="2400" b="0" i="0" dirty="0">
+                <a:solidFill>
+                  <a:srgbClr val="000000"/>
+                </a:solidFill>
+                <a:effectLst/>
+                <a:latin typeface="Times New Roman" panose="02020603050405020304" pitchFamily="18" charset="0"/>
+                <a:cs typeface="Times New Roman" panose="02020603050405020304" pitchFamily="18" charset="0"/>
+              </a:rPr>
+              <a:t> </a:t>
+            </a:r>
+            <a:r>
+              <a:rPr lang="ru-RU" sz="2400" b="0" i="0" dirty="0" err="1">
+                <a:solidFill>
+                  <a:srgbClr val="000000"/>
+                </a:solidFill>
+                <a:effectLst/>
+                <a:latin typeface="Times New Roman" panose="02020603050405020304" pitchFamily="18" charset="0"/>
+                <a:cs typeface="Times New Roman" panose="02020603050405020304" pitchFamily="18" charset="0"/>
+              </a:rPr>
+              <a:t>елемент</a:t>
+            </a:r>
+            <a:r>
+              <a:rPr lang="ru-RU" sz="2400" b="0" i="0" dirty="0">
+                <a:solidFill>
+                  <a:srgbClr val="000000"/>
+                </a:solidFill>
+                <a:effectLst/>
+                <a:latin typeface="Times New Roman" panose="02020603050405020304" pitchFamily="18" charset="0"/>
+                <a:cs typeface="Times New Roman" panose="02020603050405020304" pitchFamily="18" charset="0"/>
+              </a:rPr>
+              <a:t> (ключ) з </a:t>
+            </a:r>
+            <a:r>
+              <a:rPr lang="ru-RU" sz="2400" b="0" i="0" dirty="0" err="1">
+                <a:solidFill>
+                  <a:srgbClr val="000000"/>
+                </a:solidFill>
+                <a:effectLst/>
+                <a:latin typeface="Times New Roman" panose="02020603050405020304" pitchFamily="18" charset="0"/>
+                <a:cs typeface="Times New Roman" panose="02020603050405020304" pitchFamily="18" charset="0"/>
+              </a:rPr>
+              <a:t>попереднім</a:t>
+            </a:r>
+            <a:r>
+              <a:rPr lang="ru-RU" sz="2400" b="0" i="0" dirty="0">
+                <a:solidFill>
+                  <a:srgbClr val="000000"/>
+                </a:solidFill>
+                <a:effectLst/>
+                <a:latin typeface="Times New Roman" panose="02020603050405020304" pitchFamily="18" charset="0"/>
+                <a:cs typeface="Times New Roman" panose="02020603050405020304" pitchFamily="18" charset="0"/>
+              </a:rPr>
+              <a:t>. </a:t>
+            </a:r>
+            <a:r>
+              <a:rPr lang="ru-RU" sz="2400" b="0" i="0" dirty="0" err="1">
+                <a:solidFill>
+                  <a:srgbClr val="000000"/>
+                </a:solidFill>
+                <a:effectLst/>
+                <a:latin typeface="Times New Roman" panose="02020603050405020304" pitchFamily="18" charset="0"/>
+                <a:cs typeface="Times New Roman" panose="02020603050405020304" pitchFamily="18" charset="0"/>
+              </a:rPr>
+              <a:t>Якщо</a:t>
+            </a:r>
+            <a:r>
+              <a:rPr lang="ru-RU" sz="2400" b="0" i="0" dirty="0">
+                <a:solidFill>
+                  <a:srgbClr val="000000"/>
+                </a:solidFill>
+                <a:effectLst/>
+                <a:latin typeface="Times New Roman" panose="02020603050405020304" pitchFamily="18" charset="0"/>
+                <a:cs typeface="Times New Roman" panose="02020603050405020304" pitchFamily="18" charset="0"/>
+              </a:rPr>
+              <a:t> </a:t>
+            </a:r>
+            <a:r>
+              <a:rPr lang="ru-RU" sz="2400" b="0" i="0" dirty="0" err="1">
+                <a:solidFill>
+                  <a:srgbClr val="000000"/>
+                </a:solidFill>
+                <a:effectLst/>
+                <a:latin typeface="Times New Roman" panose="02020603050405020304" pitchFamily="18" charset="0"/>
+                <a:cs typeface="Times New Roman" panose="02020603050405020304" pitchFamily="18" charset="0"/>
+              </a:rPr>
+              <a:t>ключовий</a:t>
+            </a:r>
+            <a:r>
+              <a:rPr lang="ru-RU" sz="2400" b="0" i="0" dirty="0">
+                <a:solidFill>
+                  <a:srgbClr val="000000"/>
+                </a:solidFill>
+                <a:effectLst/>
+                <a:latin typeface="Times New Roman" panose="02020603050405020304" pitchFamily="18" charset="0"/>
+                <a:cs typeface="Times New Roman" panose="02020603050405020304" pitchFamily="18" charset="0"/>
+              </a:rPr>
+              <a:t> </a:t>
+            </a:r>
+            <a:r>
+              <a:rPr lang="ru-RU" sz="2400" b="0" i="0" dirty="0" err="1">
+                <a:solidFill>
+                  <a:srgbClr val="000000"/>
+                </a:solidFill>
+                <a:effectLst/>
+                <a:latin typeface="Times New Roman" panose="02020603050405020304" pitchFamily="18" charset="0"/>
+                <a:cs typeface="Times New Roman" panose="02020603050405020304" pitchFamily="18" charset="0"/>
+              </a:rPr>
+              <a:t>елемент</a:t>
+            </a:r>
+            <a:r>
+              <a:rPr lang="ru-RU" sz="2400" b="0" i="0" dirty="0">
+                <a:solidFill>
+                  <a:srgbClr val="000000"/>
+                </a:solidFill>
+                <a:effectLst/>
+                <a:latin typeface="Times New Roman" panose="02020603050405020304" pitchFamily="18" charset="0"/>
+                <a:cs typeface="Times New Roman" panose="02020603050405020304" pitchFamily="18" charset="0"/>
+              </a:rPr>
+              <a:t> </a:t>
+            </a:r>
+            <a:r>
+              <a:rPr lang="ru-RU" sz="2400" b="0" i="0" dirty="0" err="1">
+                <a:solidFill>
+                  <a:srgbClr val="000000"/>
+                </a:solidFill>
+                <a:effectLst/>
+                <a:latin typeface="Times New Roman" panose="02020603050405020304" pitchFamily="18" charset="0"/>
+                <a:cs typeface="Times New Roman" panose="02020603050405020304" pitchFamily="18" charset="0"/>
+              </a:rPr>
+              <a:t>менший</a:t>
+            </a:r>
+            <a:r>
+              <a:rPr lang="ru-RU" sz="2400" b="0" i="0" dirty="0">
+                <a:solidFill>
+                  <a:srgbClr val="000000"/>
+                </a:solidFill>
+                <a:effectLst/>
+                <a:latin typeface="Times New Roman" panose="02020603050405020304" pitchFamily="18" charset="0"/>
+                <a:cs typeface="Times New Roman" panose="02020603050405020304" pitchFamily="18" charset="0"/>
+              </a:rPr>
+              <a:t> за попередника, то </a:t>
+            </a:r>
+            <a:r>
+              <a:rPr lang="ru-RU" sz="2400" b="0" i="0" dirty="0" err="1">
+                <a:solidFill>
+                  <a:srgbClr val="000000"/>
+                </a:solidFill>
+                <a:effectLst/>
+                <a:latin typeface="Times New Roman" panose="02020603050405020304" pitchFamily="18" charset="0"/>
+                <a:cs typeface="Times New Roman" panose="02020603050405020304" pitchFamily="18" charset="0"/>
+              </a:rPr>
+              <a:t>порівняти</a:t>
+            </a:r>
+            <a:r>
+              <a:rPr lang="ru-RU" sz="2400" b="0" i="0" dirty="0">
+                <a:solidFill>
+                  <a:srgbClr val="000000"/>
+                </a:solidFill>
+                <a:effectLst/>
+                <a:latin typeface="Times New Roman" panose="02020603050405020304" pitchFamily="18" charset="0"/>
+                <a:cs typeface="Times New Roman" panose="02020603050405020304" pitchFamily="18" charset="0"/>
+              </a:rPr>
+              <a:t> </a:t>
+            </a:r>
+            <a:r>
+              <a:rPr lang="ru-RU" sz="2400" b="0" i="0" dirty="0" err="1">
+                <a:solidFill>
+                  <a:srgbClr val="000000"/>
+                </a:solidFill>
+                <a:effectLst/>
+                <a:latin typeface="Times New Roman" panose="02020603050405020304" pitchFamily="18" charset="0"/>
+                <a:cs typeface="Times New Roman" panose="02020603050405020304" pitchFamily="18" charset="0"/>
+              </a:rPr>
+              <a:t>його</a:t>
+            </a:r>
+            <a:r>
+              <a:rPr lang="ru-RU" sz="2400" b="0" i="0" dirty="0">
+                <a:solidFill>
+                  <a:srgbClr val="000000"/>
+                </a:solidFill>
+                <a:effectLst/>
+                <a:latin typeface="Times New Roman" panose="02020603050405020304" pitchFamily="18" charset="0"/>
+                <a:cs typeface="Times New Roman" panose="02020603050405020304" pitchFamily="18" charset="0"/>
+              </a:rPr>
+              <a:t> з </a:t>
+            </a:r>
+            <a:r>
+              <a:rPr lang="ru-RU" sz="2400" b="0" i="0" dirty="0" err="1">
+                <a:solidFill>
+                  <a:srgbClr val="000000"/>
+                </a:solidFill>
+                <a:effectLst/>
+                <a:latin typeface="Times New Roman" panose="02020603050405020304" pitchFamily="18" charset="0"/>
+                <a:cs typeface="Times New Roman" panose="02020603050405020304" pitchFamily="18" charset="0"/>
+              </a:rPr>
+              <a:t>елементами</a:t>
+            </a:r>
+            <a:r>
+              <a:rPr lang="ru-RU" sz="2400" b="0" i="0" dirty="0">
+                <a:solidFill>
+                  <a:srgbClr val="000000"/>
+                </a:solidFill>
+                <a:effectLst/>
+                <a:latin typeface="Times New Roman" panose="02020603050405020304" pitchFamily="18" charset="0"/>
+                <a:cs typeface="Times New Roman" panose="02020603050405020304" pitchFamily="18" charset="0"/>
+              </a:rPr>
+              <a:t>, </a:t>
+            </a:r>
+            <a:r>
+              <a:rPr lang="ru-RU" sz="2400" b="0" i="0" dirty="0" err="1">
+                <a:solidFill>
+                  <a:srgbClr val="000000"/>
+                </a:solidFill>
+                <a:effectLst/>
+                <a:latin typeface="Times New Roman" panose="02020603050405020304" pitchFamily="18" charset="0"/>
+                <a:cs typeface="Times New Roman" panose="02020603050405020304" pitchFamily="18" charset="0"/>
+              </a:rPr>
+              <a:t>розташованими</a:t>
+            </a:r>
+            <a:r>
+              <a:rPr lang="ru-RU" sz="2400" b="0" i="0" dirty="0">
+                <a:solidFill>
+                  <a:srgbClr val="000000"/>
+                </a:solidFill>
+                <a:effectLst/>
+                <a:latin typeface="Times New Roman" panose="02020603050405020304" pitchFamily="18" charset="0"/>
+                <a:cs typeface="Times New Roman" panose="02020603050405020304" pitchFamily="18" charset="0"/>
+              </a:rPr>
+              <a:t> перед попередником. </a:t>
+            </a:r>
+            <a:r>
+              <a:rPr lang="ru-RU" sz="2400" b="0" i="0" dirty="0" err="1">
+                <a:solidFill>
+                  <a:srgbClr val="000000"/>
+                </a:solidFill>
+                <a:effectLst/>
+                <a:latin typeface="Times New Roman" panose="02020603050405020304" pitchFamily="18" charset="0"/>
+                <a:cs typeface="Times New Roman" panose="02020603050405020304" pitchFamily="18" charset="0"/>
+              </a:rPr>
+              <a:t>Перемістити</a:t>
+            </a:r>
+            <a:r>
+              <a:rPr lang="ru-RU" sz="2400" b="0" i="0" dirty="0">
+                <a:solidFill>
+                  <a:srgbClr val="000000"/>
+                </a:solidFill>
+                <a:effectLst/>
+                <a:latin typeface="Times New Roman" panose="02020603050405020304" pitchFamily="18" charset="0"/>
+                <a:cs typeface="Times New Roman" panose="02020603050405020304" pitchFamily="18" charset="0"/>
+              </a:rPr>
+              <a:t> </a:t>
+            </a:r>
+            <a:r>
+              <a:rPr lang="ru-RU" sz="2400" b="0" i="0" dirty="0" err="1">
+                <a:solidFill>
+                  <a:srgbClr val="000000"/>
+                </a:solidFill>
+                <a:effectLst/>
+                <a:latin typeface="Times New Roman" panose="02020603050405020304" pitchFamily="18" charset="0"/>
+                <a:cs typeface="Times New Roman" panose="02020603050405020304" pitchFamily="18" charset="0"/>
+              </a:rPr>
+              <a:t>великі</a:t>
+            </a:r>
+            <a:r>
+              <a:rPr lang="ru-RU" sz="2400" b="0" i="0" dirty="0">
+                <a:solidFill>
+                  <a:srgbClr val="000000"/>
+                </a:solidFill>
+                <a:effectLst/>
+                <a:latin typeface="Times New Roman" panose="02020603050405020304" pitchFamily="18" charset="0"/>
+                <a:cs typeface="Times New Roman" panose="02020603050405020304" pitchFamily="18" charset="0"/>
+              </a:rPr>
+              <a:t> </a:t>
+            </a:r>
+            <a:r>
+              <a:rPr lang="ru-RU" sz="2400" b="0" i="0" dirty="0" err="1">
+                <a:solidFill>
+                  <a:srgbClr val="000000"/>
+                </a:solidFill>
+                <a:effectLst/>
+                <a:latin typeface="Times New Roman" panose="02020603050405020304" pitchFamily="18" charset="0"/>
+                <a:cs typeface="Times New Roman" panose="02020603050405020304" pitchFamily="18" charset="0"/>
+              </a:rPr>
+              <a:t>елементи</a:t>
+            </a:r>
+            <a:r>
+              <a:rPr lang="ru-RU" sz="2400" b="0" i="0" dirty="0">
+                <a:solidFill>
+                  <a:srgbClr val="000000"/>
+                </a:solidFill>
+                <a:effectLst/>
+                <a:latin typeface="Times New Roman" panose="02020603050405020304" pitchFamily="18" charset="0"/>
+                <a:cs typeface="Times New Roman" panose="02020603050405020304" pitchFamily="18" charset="0"/>
+              </a:rPr>
+              <a:t> на одну </a:t>
+            </a:r>
+            <a:r>
+              <a:rPr lang="ru-RU" sz="2400" b="0" i="0" dirty="0" err="1">
+                <a:solidFill>
+                  <a:srgbClr val="000000"/>
+                </a:solidFill>
+                <a:effectLst/>
+                <a:latin typeface="Times New Roman" panose="02020603050405020304" pitchFamily="18" charset="0"/>
+                <a:cs typeface="Times New Roman" panose="02020603050405020304" pitchFamily="18" charset="0"/>
+              </a:rPr>
+              <a:t>позицію</a:t>
+            </a:r>
+            <a:r>
+              <a:rPr lang="ru-RU" sz="2400" b="0" i="0" dirty="0">
+                <a:solidFill>
+                  <a:srgbClr val="000000"/>
+                </a:solidFill>
+                <a:effectLst/>
+                <a:latin typeface="Times New Roman" panose="02020603050405020304" pitchFamily="18" charset="0"/>
+                <a:cs typeface="Times New Roman" panose="02020603050405020304" pitchFamily="18" charset="0"/>
+              </a:rPr>
+              <a:t> </a:t>
+            </a:r>
+            <a:r>
+              <a:rPr lang="ru-RU" sz="2400" b="0" i="0" dirty="0" err="1">
+                <a:solidFill>
+                  <a:srgbClr val="000000"/>
+                </a:solidFill>
+                <a:effectLst/>
+                <a:latin typeface="Times New Roman" panose="02020603050405020304" pitchFamily="18" charset="0"/>
+                <a:cs typeface="Times New Roman" panose="02020603050405020304" pitchFamily="18" charset="0"/>
+              </a:rPr>
+              <a:t>вгору</a:t>
+            </a:r>
+            <a:r>
+              <a:rPr lang="ru-RU" sz="2400" b="0" i="0" dirty="0">
+                <a:solidFill>
+                  <a:srgbClr val="000000"/>
+                </a:solidFill>
+                <a:effectLst/>
+                <a:latin typeface="Times New Roman" panose="02020603050405020304" pitchFamily="18" charset="0"/>
+                <a:cs typeface="Times New Roman" panose="02020603050405020304" pitchFamily="18" charset="0"/>
+              </a:rPr>
+              <a:t>, </a:t>
+            </a:r>
+            <a:r>
+              <a:rPr lang="ru-RU" sz="2400" b="0" i="0" dirty="0" err="1">
+                <a:solidFill>
+                  <a:srgbClr val="000000"/>
+                </a:solidFill>
+                <a:effectLst/>
+                <a:latin typeface="Times New Roman" panose="02020603050405020304" pitchFamily="18" charset="0"/>
+                <a:cs typeface="Times New Roman" panose="02020603050405020304" pitchFamily="18" charset="0"/>
+              </a:rPr>
+              <a:t>щоб</a:t>
+            </a:r>
+            <a:r>
+              <a:rPr lang="ru-RU" sz="2400" b="0" i="0" dirty="0">
+                <a:solidFill>
+                  <a:srgbClr val="000000"/>
+                </a:solidFill>
+                <a:effectLst/>
+                <a:latin typeface="Times New Roman" panose="02020603050405020304" pitchFamily="18" charset="0"/>
+                <a:cs typeface="Times New Roman" panose="02020603050405020304" pitchFamily="18" charset="0"/>
+              </a:rPr>
+              <a:t> </a:t>
+            </a:r>
+            <a:r>
+              <a:rPr lang="ru-RU" sz="2400" b="0" i="0" dirty="0" err="1">
+                <a:solidFill>
+                  <a:srgbClr val="000000"/>
+                </a:solidFill>
+                <a:effectLst/>
+                <a:latin typeface="Times New Roman" panose="02020603050405020304" pitchFamily="18" charset="0"/>
+                <a:cs typeface="Times New Roman" panose="02020603050405020304" pitchFamily="18" charset="0"/>
+              </a:rPr>
+              <a:t>створити</a:t>
+            </a:r>
+            <a:r>
+              <a:rPr lang="ru-RU" sz="2400" b="0" i="0" dirty="0">
+                <a:solidFill>
+                  <a:srgbClr val="000000"/>
+                </a:solidFill>
+                <a:effectLst/>
+                <a:latin typeface="Times New Roman" panose="02020603050405020304" pitchFamily="18" charset="0"/>
+                <a:cs typeface="Times New Roman" panose="02020603050405020304" pitchFamily="18" charset="0"/>
+              </a:rPr>
+              <a:t> </a:t>
+            </a:r>
+            <a:r>
+              <a:rPr lang="ru-RU" sz="2400" b="0" i="0" dirty="0" err="1">
+                <a:solidFill>
+                  <a:srgbClr val="000000"/>
+                </a:solidFill>
+                <a:effectLst/>
+                <a:latin typeface="Times New Roman" panose="02020603050405020304" pitchFamily="18" charset="0"/>
+                <a:cs typeface="Times New Roman" panose="02020603050405020304" pitchFamily="18" charset="0"/>
+              </a:rPr>
+              <a:t>місце</a:t>
+            </a:r>
+            <a:r>
+              <a:rPr lang="ru-RU" sz="2400" b="0" i="0" dirty="0">
+                <a:solidFill>
+                  <a:srgbClr val="000000"/>
+                </a:solidFill>
+                <a:effectLst/>
+                <a:latin typeface="Times New Roman" panose="02020603050405020304" pitchFamily="18" charset="0"/>
+                <a:cs typeface="Times New Roman" panose="02020603050405020304" pitchFamily="18" charset="0"/>
+              </a:rPr>
+              <a:t> для </a:t>
+            </a:r>
+            <a:r>
+              <a:rPr lang="ru-RU" sz="2400" b="0" i="0" dirty="0" err="1">
+                <a:solidFill>
+                  <a:srgbClr val="000000"/>
+                </a:solidFill>
+                <a:effectLst/>
+                <a:latin typeface="Times New Roman" panose="02020603050405020304" pitchFamily="18" charset="0"/>
+                <a:cs typeface="Times New Roman" panose="02020603050405020304" pitchFamily="18" charset="0"/>
+              </a:rPr>
+              <a:t>елемента</a:t>
+            </a:r>
+            <a:r>
+              <a:rPr lang="ru-RU" sz="2400" b="0" i="0" dirty="0">
+                <a:solidFill>
+                  <a:srgbClr val="000000"/>
+                </a:solidFill>
+                <a:effectLst/>
+                <a:latin typeface="Times New Roman" panose="02020603050405020304" pitchFamily="18" charset="0"/>
+                <a:cs typeface="Times New Roman" panose="02020603050405020304" pitchFamily="18" charset="0"/>
+              </a:rPr>
+              <a:t>, </a:t>
+            </a:r>
+            <a:r>
+              <a:rPr lang="ru-RU" sz="2400" b="0" i="0" dirty="0" err="1">
+                <a:solidFill>
+                  <a:srgbClr val="000000"/>
+                </a:solidFill>
+                <a:effectLst/>
+                <a:latin typeface="Times New Roman" panose="02020603050405020304" pitchFamily="18" charset="0"/>
+                <a:cs typeface="Times New Roman" panose="02020603050405020304" pitchFamily="18" charset="0"/>
+              </a:rPr>
+              <a:t>що</a:t>
+            </a:r>
+            <a:r>
+              <a:rPr lang="ru-RU" sz="2400" b="0" i="0" dirty="0">
+                <a:solidFill>
+                  <a:srgbClr val="000000"/>
+                </a:solidFill>
+                <a:effectLst/>
+                <a:latin typeface="Times New Roman" panose="02020603050405020304" pitchFamily="18" charset="0"/>
+                <a:cs typeface="Times New Roman" panose="02020603050405020304" pitchFamily="18" charset="0"/>
+              </a:rPr>
+              <a:t> </a:t>
+            </a:r>
+            <a:r>
+              <a:rPr lang="ru-RU" sz="2400" b="0" i="0" dirty="0" err="1">
+                <a:solidFill>
+                  <a:srgbClr val="000000"/>
+                </a:solidFill>
+                <a:effectLst/>
+                <a:latin typeface="Times New Roman" panose="02020603050405020304" pitchFamily="18" charset="0"/>
+                <a:cs typeface="Times New Roman" panose="02020603050405020304" pitchFamily="18" charset="0"/>
+              </a:rPr>
+              <a:t>переставляється</a:t>
+            </a:r>
+            <a:r>
+              <a:rPr lang="ru-RU" sz="2400" b="0" i="0" dirty="0">
+                <a:solidFill>
+                  <a:srgbClr val="000000"/>
+                </a:solidFill>
+                <a:effectLst/>
+                <a:latin typeface="Times New Roman" panose="02020603050405020304" pitchFamily="18" charset="0"/>
+                <a:cs typeface="Times New Roman" panose="02020603050405020304" pitchFamily="18" charset="0"/>
+              </a:rPr>
+              <a:t>.</a:t>
+            </a:r>
+            <a:endParaRPr lang="uk-UA" sz="2400" dirty="0">
+              <a:latin typeface="Times New Roman" panose="02020603050405020304" pitchFamily="18" charset="0"/>
+              <a:cs typeface="Times New Roman" panose="02020603050405020304" pitchFamily="18" charset="0"/>
+            </a:endParaRPr>
+          </a:p>
+        </p:txBody>
+      </p:sp>
+    </p:spTree>
+    <p:extLst>
+      <p:ext uri="{BB962C8B-B14F-4D97-AF65-F5344CB8AC3E}">
+        <p14:creationId xmlns:p14="http://schemas.microsoft.com/office/powerpoint/2010/main" val="391411571"/>
+      </p:ext>
+    </p:extLst>
+  </p:cSld>
+  <p:clrMapOvr>
+    <a:masterClrMapping/>
+  </p:clrMapOvr>
+</p:sld>
+</file>
+
+<file path=ppt/slides/slide12.xml><?xml version="1.0" encoding="utf-8"?>
+<p:sld xmlns:a="http://schemas.openxmlformats.org/drawingml/2006/main" xmlns:r="http://schemas.openxmlformats.org/officeDocument/2006/relationships" xmlns:p="http://schemas.openxmlformats.org/presentationml/2006/main">
+  <p:cSld>
+    <p:spTree>
+      <p:nvGrpSpPr>
+        <p:cNvPr id="1" name=""/>
+        <p:cNvGrpSpPr/>
+        <p:nvPr/>
+      </p:nvGrpSpPr>
+      <p:grpSpPr>
+        <a:xfrm>
+          <a:off x="0" y="0"/>
+          <a:ext cx="0" cy="0"/>
+          <a:chOff x="0" y="0"/>
+          <a:chExt cx="0" cy="0"/>
+        </a:xfrm>
+      </p:grpSpPr>
+      <p:sp>
+        <p:nvSpPr>
           <p:cNvPr id="4" name="Text Box 3">
             <a:extLst>
               <a:ext uri="{FF2B5EF4-FFF2-40B4-BE49-F238E27FC236}">
@@ -5008,7 +7002,7 @@
 </p:sld>
 </file>
 
-<file path=ppt/slides/slide11.xml><?xml version="1.0" encoding="utf-8"?>
+<file path=ppt/slides/slide13.xml><?xml version="1.0" encoding="utf-8"?>
 <p:sld xmlns:a="http://schemas.openxmlformats.org/drawingml/2006/main" xmlns:r="http://schemas.openxmlformats.org/officeDocument/2006/relationships" xmlns:p="http://schemas.openxmlformats.org/presentationml/2006/main">
   <p:cSld>
     <p:spTree>
@@ -5606,7 +7600,7 @@
 </p:sld>
 </file>
 
-<file path=ppt/slides/slide12.xml><?xml version="1.0" encoding="utf-8"?>
+<file path=ppt/slides/slide14.xml><?xml version="1.0" encoding="utf-8"?>
 <p:sld xmlns:a="http://schemas.openxmlformats.org/drawingml/2006/main" xmlns:r="http://schemas.openxmlformats.org/officeDocument/2006/relationships" xmlns:p="http://schemas.openxmlformats.org/presentationml/2006/main">
   <p:cSld>
     <p:spTree>
@@ -5997,7 +7991,7 @@
 </p:sld>
 </file>
 
-<file path=ppt/slides/slide13.xml><?xml version="1.0" encoding="utf-8"?>
+<file path=ppt/slides/slide15.xml><?xml version="1.0" encoding="utf-8"?>
 <p:sld xmlns:a="http://schemas.openxmlformats.org/drawingml/2006/main" xmlns:r="http://schemas.openxmlformats.org/officeDocument/2006/relationships" xmlns:p="http://schemas.openxmlformats.org/presentationml/2006/main">
   <p:cSld>
     <p:spTree>
@@ -7265,7 +9259,7 @@
 </p:sld>
 </file>
 
-<file path=ppt/slides/slide14.xml><?xml version="1.0" encoding="utf-8"?>
+<file path=ppt/slides/slide16.xml><?xml version="1.0" encoding="utf-8"?>
 <p:sld xmlns:a="http://schemas.openxmlformats.org/drawingml/2006/main" xmlns:r="http://schemas.openxmlformats.org/officeDocument/2006/relationships" xmlns:p="http://schemas.openxmlformats.org/presentationml/2006/main">
   <p:cSld>
     <p:spTree>
@@ -7717,7 +9711,7 @@
 </p:sld>
 </file>
 
-<file path=ppt/slides/slide15.xml><?xml version="1.0" encoding="utf-8"?>
+<file path=ppt/slides/slide17.xml><?xml version="1.0" encoding="utf-8"?>
 <p:sld xmlns:a="http://schemas.openxmlformats.org/drawingml/2006/main" xmlns:r="http://schemas.openxmlformats.org/officeDocument/2006/relationships" xmlns:p="http://schemas.openxmlformats.org/presentationml/2006/main">
   <p:cSld>
     <p:spTree>
@@ -8485,7 +10479,7 @@
 </p:sld>
 </file>
 
-<file path=ppt/slides/slide16.xml><?xml version="1.0" encoding="utf-8"?>
+<file path=ppt/slides/slide18.xml><?xml version="1.0" encoding="utf-8"?>
 <p:sld xmlns:a="http://schemas.openxmlformats.org/drawingml/2006/main" xmlns:r="http://schemas.openxmlformats.org/officeDocument/2006/relationships" xmlns:p="http://schemas.openxmlformats.org/presentationml/2006/main">
   <p:cSld>
     <p:spTree>
@@ -10963,7 +12957,7 @@
 </p:sld>
 </file>
 
-<file path=ppt/slides/slide17.xml><?xml version="1.0" encoding="utf-8"?>
+<file path=ppt/slides/slide19.xml><?xml version="1.0" encoding="utf-8"?>
 <p:sld xmlns:a="http://schemas.openxmlformats.org/drawingml/2006/main" xmlns:r="http://schemas.openxmlformats.org/officeDocument/2006/relationships" xmlns:p="http://schemas.openxmlformats.org/presentationml/2006/main">
   <p:cSld>
     <p:spTree>
@@ -11363,7 +13357,37 @@
 </p:sld>
 </file>
 
-<file path=ppt/slides/slide18.xml><?xml version="1.0" encoding="utf-8"?>
+<file path=ppt/slides/slide2.xml><?xml version="1.0" encoding="utf-8"?>
+<p:sld xmlns:a="http://schemas.openxmlformats.org/drawingml/2006/main" xmlns:r="http://schemas.openxmlformats.org/officeDocument/2006/relationships" xmlns:p="http://schemas.openxmlformats.org/presentationml/2006/main">
+  <p:cSld>
+    <p:spTree>
+      <p:nvGrpSpPr>
+        <p:cNvPr id="1" name=""/>
+        <p:cNvGrpSpPr/>
+        <p:nvPr/>
+      </p:nvGrpSpPr>
+      <p:grpSpPr>
+        <a:xfrm>
+          <a:off x="0" y="0"/>
+          <a:ext cx="0" cy="0"/>
+          <a:chOff x="0" y="0"/>
+          <a:chExt cx="0" cy="0"/>
+        </a:xfrm>
+      </p:grpSpPr>
+    </p:spTree>
+    <p:extLst>
+      <p:ext uri="{BB962C8B-B14F-4D97-AF65-F5344CB8AC3E}">
+        <p14:creationId xmlns:p14="http://schemas.microsoft.com/office/powerpoint/2010/main" val="3449110768"/>
+      </p:ext>
+    </p:extLst>
+  </p:cSld>
+  <p:clrMapOvr>
+    <a:masterClrMapping/>
+  </p:clrMapOvr>
+</p:sld>
+</file>
+
+<file path=ppt/slides/slide20.xml><?xml version="1.0" encoding="utf-8"?>
 <p:sld xmlns:a="http://schemas.openxmlformats.org/drawingml/2006/main" xmlns:r="http://schemas.openxmlformats.org/officeDocument/2006/relationships" xmlns:p="http://schemas.openxmlformats.org/presentationml/2006/main">
   <p:cSld>
     <p:spTree>
@@ -13138,7 +15162,7 @@
 </p:sld>
 </file>
 
-<file path=ppt/slides/slide19.xml><?xml version="1.0" encoding="utf-8"?>
+<file path=ppt/slides/slide21.xml><?xml version="1.0" encoding="utf-8"?>
 <p:sld xmlns:a="http://schemas.openxmlformats.org/drawingml/2006/main" xmlns:r="http://schemas.openxmlformats.org/officeDocument/2006/relationships" xmlns:p="http://schemas.openxmlformats.org/presentationml/2006/main">
   <p:cSld>
     <p:spTree>
@@ -15324,7 +17348,452 @@
 </p:sld>
 </file>
 
-<file path=ppt/slides/slide2.xml><?xml version="1.0" encoding="utf-8"?>
+<file path=ppt/slides/slide22.xml><?xml version="1.0" encoding="utf-8"?>
+<p:sld xmlns:a="http://schemas.openxmlformats.org/drawingml/2006/main" xmlns:r="http://schemas.openxmlformats.org/officeDocument/2006/relationships" xmlns:p="http://schemas.openxmlformats.org/presentationml/2006/main">
+  <p:cSld>
+    <p:spTree>
+      <p:nvGrpSpPr>
+        <p:cNvPr id="1" name=""/>
+        <p:cNvGrpSpPr/>
+        <p:nvPr/>
+      </p:nvGrpSpPr>
+      <p:grpSpPr>
+        <a:xfrm>
+          <a:off x="0" y="0"/>
+          <a:ext cx="0" cy="0"/>
+          <a:chOff x="0" y="0"/>
+          <a:chExt cx="0" cy="0"/>
+        </a:xfrm>
+      </p:grpSpPr>
+      <p:sp>
+        <p:nvSpPr>
+          <p:cNvPr id="3" name="TextBox 2">
+            <a:extLst>
+              <a:ext uri="{FF2B5EF4-FFF2-40B4-BE49-F238E27FC236}">
+                <a16:creationId xmlns:a16="http://schemas.microsoft.com/office/drawing/2014/main" id="{B2A81DC4-47BB-4D4E-B4E6-6CD06F8097A8}"/>
+              </a:ext>
+            </a:extLst>
+          </p:cNvPr>
+          <p:cNvSpPr txBox="1"/>
+          <p:nvPr/>
+        </p:nvSpPr>
+        <p:spPr>
+          <a:xfrm>
+            <a:off x="153773" y="1953607"/>
+            <a:ext cx="11881309" cy="4524315"/>
+          </a:xfrm>
+          <a:prstGeom prst="rect">
+            <a:avLst/>
+          </a:prstGeom>
+          <a:noFill/>
+        </p:spPr>
+        <p:txBody>
+          <a:bodyPr wrap="square">
+            <a:spAutoFit/>
+          </a:bodyPr>
+          <a:lstStyle/>
+          <a:p>
+            <a:pPr algn="l"/>
+            <a:r>
+              <a:rPr lang="uk-UA" sz="3200" b="0" i="0" dirty="0">
+                <a:solidFill>
+                  <a:srgbClr val="000000"/>
+                </a:solidFill>
+                <a:effectLst/>
+                <a:latin typeface="Times New Roman" panose="02020603050405020304" pitchFamily="18" charset="0"/>
+                <a:cs typeface="Times New Roman" panose="02020603050405020304" pitchFamily="18" charset="0"/>
+              </a:rPr>
+              <a:t>Пірамідальне сортування виконується "на місці". Її типова реалізація нестабільна, але її можна зробити такою. Вона приблизно в 2-3 рази повільніше за швидку.</a:t>
+            </a:r>
+          </a:p>
+          <a:p>
+            <a:pPr algn="l"/>
+            <a:r>
+              <a:rPr lang="uk-UA" sz="3200" b="0" i="0" dirty="0">
+                <a:solidFill>
+                  <a:srgbClr val="000000"/>
+                </a:solidFill>
+                <a:effectLst/>
+                <a:latin typeface="Times New Roman" panose="02020603050405020304" pitchFamily="18" charset="0"/>
+                <a:cs typeface="Times New Roman" panose="02020603050405020304" pitchFamily="18" charset="0"/>
+              </a:rPr>
+              <a:t>Для пірамідального сортування використовується мінімальний обсяг пам'яті. Вона проста розуміння, оскільки у ній не використовуються просунуті концепції, наприклад, рекурсія. У цьому пірамідальна сортування нестабільна, оскільки порядок елементів щодо одне одного може змінитися. Крім того, вона не є дуже ефективною для обробки дуже складних даних.</a:t>
+            </a:r>
+          </a:p>
+        </p:txBody>
+      </p:sp>
+      <p:sp>
+        <p:nvSpPr>
+          <p:cNvPr id="4" name="Text Box 3">
+            <a:extLst>
+              <a:ext uri="{FF2B5EF4-FFF2-40B4-BE49-F238E27FC236}">
+                <a16:creationId xmlns:a16="http://schemas.microsoft.com/office/drawing/2014/main" id="{B9E2FF62-E523-429E-8B47-9F3E604B7C48}"/>
+              </a:ext>
+            </a:extLst>
+          </p:cNvPr>
+          <p:cNvSpPr txBox="1">
+            <a:spLocks noChangeArrowheads="1"/>
+          </p:cNvSpPr>
+          <p:nvPr/>
+        </p:nvSpPr>
+        <p:spPr bwMode="auto">
+          <a:xfrm>
+            <a:off x="0" y="0"/>
+            <a:ext cx="12192000" cy="830997"/>
+          </a:xfrm>
+          <a:prstGeom prst="rect">
+            <a:avLst/>
+          </a:prstGeom>
+          <a:noFill/>
+          <a:ln w="9525">
+            <a:noFill/>
+            <a:miter lim="800000"/>
+            <a:headEnd/>
+            <a:tailEnd/>
+          </a:ln>
+        </p:spPr>
+        <p:txBody>
+          <a:bodyPr wrap="square">
+            <a:spAutoFit/>
+          </a:bodyPr>
+          <a:lstStyle/>
+          <a:p>
+            <a:pPr algn="ctr" eaLnBrk="0" hangingPunct="0">
+              <a:spcBef>
+                <a:spcPct val="50000"/>
+              </a:spcBef>
+            </a:pPr>
+            <a:r>
+              <a:rPr lang="ru-RU" sz="4800" dirty="0" err="1">
+                <a:latin typeface="Times New Roman" panose="02020603050405020304" pitchFamily="18" charset="0"/>
+                <a:cs typeface="Times New Roman" panose="02020603050405020304" pitchFamily="18" charset="0"/>
+              </a:rPr>
+              <a:t>Сортування</a:t>
+            </a:r>
+            <a:r>
+              <a:rPr lang="ru-RU" sz="4800" dirty="0">
+                <a:latin typeface="Times New Roman" panose="02020603050405020304" pitchFamily="18" charset="0"/>
+                <a:cs typeface="Times New Roman" panose="02020603050405020304" pitchFamily="18" charset="0"/>
+              </a:rPr>
+              <a:t> «</a:t>
+            </a:r>
+            <a:r>
+              <a:rPr lang="uk-UA" sz="4800" dirty="0">
+                <a:latin typeface="Times New Roman" panose="02020603050405020304" pitchFamily="18" charset="0"/>
+                <a:cs typeface="Times New Roman" panose="02020603050405020304" pitchFamily="18" charset="0"/>
+              </a:rPr>
+              <a:t>пірамідальне</a:t>
+            </a:r>
+            <a:r>
+              <a:rPr lang="ru-RU" sz="4800" dirty="0">
+                <a:latin typeface="Times New Roman" panose="02020603050405020304" pitchFamily="18" charset="0"/>
+                <a:cs typeface="Times New Roman" panose="02020603050405020304" pitchFamily="18" charset="0"/>
+              </a:rPr>
+              <a:t>». </a:t>
+            </a:r>
+            <a:r>
+              <a:rPr lang="uk-UA" sz="4800" dirty="0">
+                <a:latin typeface="Times New Roman" panose="02020603050405020304" pitchFamily="18" charset="0"/>
+                <a:cs typeface="Times New Roman" panose="02020603050405020304" pitchFamily="18" charset="0"/>
+              </a:rPr>
+              <a:t>Характеристика</a:t>
+            </a:r>
+            <a:endParaRPr lang="ru-RU" sz="4800" dirty="0">
+              <a:latin typeface="Times New Roman" panose="02020603050405020304" pitchFamily="18" charset="0"/>
+              <a:cs typeface="Times New Roman" panose="02020603050405020304" pitchFamily="18" charset="0"/>
+            </a:endParaRPr>
+          </a:p>
+        </p:txBody>
+      </p:sp>
+      <p:sp>
+        <p:nvSpPr>
+          <p:cNvPr id="8" name="TextBox 7">
+            <a:extLst>
+              <a:ext uri="{FF2B5EF4-FFF2-40B4-BE49-F238E27FC236}">
+                <a16:creationId xmlns:a16="http://schemas.microsoft.com/office/drawing/2014/main" id="{8BE8F0F3-94A6-447C-82DE-9FE96930CDF6}"/>
+              </a:ext>
+            </a:extLst>
+          </p:cNvPr>
+          <p:cNvSpPr txBox="1"/>
+          <p:nvPr/>
+        </p:nvSpPr>
+        <p:spPr>
+          <a:xfrm>
+            <a:off x="0" y="953931"/>
+            <a:ext cx="6094428" cy="461665"/>
+          </a:xfrm>
+          <a:prstGeom prst="rect">
+            <a:avLst/>
+          </a:prstGeom>
+          <a:noFill/>
+        </p:spPr>
+        <p:txBody>
+          <a:bodyPr wrap="square">
+            <a:spAutoFit/>
+          </a:bodyPr>
+          <a:lstStyle/>
+          <a:p>
+            <a:pPr algn="ctr"/>
+            <a:r>
+              <a:rPr lang="uk-UA" sz="2400" b="0" i="0" dirty="0">
+                <a:solidFill>
+                  <a:srgbClr val="000000"/>
+                </a:solidFill>
+                <a:effectLst/>
+                <a:latin typeface="Times New Roman" panose="02020603050405020304" pitchFamily="18" charset="0"/>
+                <a:cs typeface="Times New Roman" panose="02020603050405020304" pitchFamily="18" charset="0"/>
+              </a:rPr>
+              <a:t>Тимчасова складність: </a:t>
+            </a:r>
+            <a:r>
+              <a:rPr lang="en-US" sz="2400" b="1" i="0" dirty="0">
+                <a:solidFill>
+                  <a:srgbClr val="000000"/>
+                </a:solidFill>
+                <a:effectLst/>
+                <a:latin typeface="Times New Roman" panose="02020603050405020304" pitchFamily="18" charset="0"/>
+                <a:cs typeface="Times New Roman" panose="02020603050405020304" pitchFamily="18" charset="0"/>
+              </a:rPr>
+              <a:t>O(n log n)</a:t>
+            </a:r>
+            <a:endParaRPr lang="en-US" sz="2400" b="0" i="0" dirty="0">
+              <a:solidFill>
+                <a:srgbClr val="000000"/>
+              </a:solidFill>
+              <a:effectLst/>
+              <a:latin typeface="Times New Roman" panose="02020603050405020304" pitchFamily="18" charset="0"/>
+              <a:cs typeface="Times New Roman" panose="02020603050405020304" pitchFamily="18" charset="0"/>
+            </a:endParaRPr>
+          </a:p>
+        </p:txBody>
+      </p:sp>
+      <p:sp>
+        <p:nvSpPr>
+          <p:cNvPr id="10" name="TextBox 9">
+            <a:extLst>
+              <a:ext uri="{FF2B5EF4-FFF2-40B4-BE49-F238E27FC236}">
+                <a16:creationId xmlns:a16="http://schemas.microsoft.com/office/drawing/2014/main" id="{68C96D62-E671-4D5A-9CB3-27D544220FFA}"/>
+              </a:ext>
+            </a:extLst>
+          </p:cNvPr>
+          <p:cNvSpPr txBox="1"/>
+          <p:nvPr/>
+        </p:nvSpPr>
+        <p:spPr>
+          <a:xfrm>
+            <a:off x="6094428" y="953931"/>
+            <a:ext cx="6094429" cy="461665"/>
+          </a:xfrm>
+          <a:prstGeom prst="rect">
+            <a:avLst/>
+          </a:prstGeom>
+          <a:noFill/>
+        </p:spPr>
+        <p:txBody>
+          <a:bodyPr wrap="square">
+            <a:spAutoFit/>
+          </a:bodyPr>
+          <a:lstStyle/>
+          <a:p>
+            <a:pPr algn="ctr"/>
+            <a:r>
+              <a:rPr lang="uk-UA" sz="2400" dirty="0">
+                <a:solidFill>
+                  <a:srgbClr val="000000"/>
+                </a:solidFill>
+                <a:latin typeface="Times New Roman" panose="02020603050405020304" pitchFamily="18" charset="0"/>
+                <a:cs typeface="Times New Roman" panose="02020603050405020304" pitchFamily="18" charset="0"/>
+              </a:rPr>
+              <a:t>Додатковий простір: </a:t>
+            </a:r>
+            <a:r>
+              <a:rPr lang="en-US" sz="2400" b="1" dirty="0">
+                <a:solidFill>
+                  <a:srgbClr val="000000"/>
+                </a:solidFill>
+                <a:latin typeface="Times New Roman" panose="02020603050405020304" pitchFamily="18" charset="0"/>
+                <a:cs typeface="Times New Roman" panose="02020603050405020304" pitchFamily="18" charset="0"/>
+              </a:rPr>
+              <a:t>O(</a:t>
+            </a:r>
+            <a:r>
+              <a:rPr lang="uk-UA" sz="2400" b="1" dirty="0">
+                <a:solidFill>
+                  <a:srgbClr val="000000"/>
+                </a:solidFill>
+                <a:latin typeface="Times New Roman" panose="02020603050405020304" pitchFamily="18" charset="0"/>
+                <a:cs typeface="Times New Roman" panose="02020603050405020304" pitchFamily="18" charset="0"/>
+              </a:rPr>
+              <a:t>1</a:t>
+            </a:r>
+            <a:r>
+              <a:rPr lang="en-US" sz="2400" b="1" dirty="0">
+                <a:solidFill>
+                  <a:srgbClr val="000000"/>
+                </a:solidFill>
+                <a:latin typeface="Times New Roman" panose="02020603050405020304" pitchFamily="18" charset="0"/>
+                <a:cs typeface="Times New Roman" panose="02020603050405020304" pitchFamily="18" charset="0"/>
+              </a:rPr>
+              <a:t>)</a:t>
+            </a:r>
+            <a:endParaRPr lang="en-US" sz="2400" dirty="0">
+              <a:solidFill>
+                <a:srgbClr val="000000"/>
+              </a:solidFill>
+              <a:latin typeface="Times New Roman" panose="02020603050405020304" pitchFamily="18" charset="0"/>
+              <a:cs typeface="Times New Roman" panose="02020603050405020304" pitchFamily="18" charset="0"/>
+            </a:endParaRPr>
+          </a:p>
+        </p:txBody>
+      </p:sp>
+    </p:spTree>
+    <p:extLst>
+      <p:ext uri="{BB962C8B-B14F-4D97-AF65-F5344CB8AC3E}">
+        <p14:creationId xmlns:p14="http://schemas.microsoft.com/office/powerpoint/2010/main" val="2856266269"/>
+      </p:ext>
+    </p:extLst>
+  </p:cSld>
+  <p:clrMapOvr>
+    <a:masterClrMapping/>
+  </p:clrMapOvr>
+</p:sld>
+</file>
+
+<file path=ppt/slides/slide3.xml><?xml version="1.0" encoding="utf-8"?>
+<p:sld xmlns:a="http://schemas.openxmlformats.org/drawingml/2006/main" xmlns:r="http://schemas.openxmlformats.org/officeDocument/2006/relationships" xmlns:p="http://schemas.openxmlformats.org/presentationml/2006/main">
+  <p:cSld>
+    <p:spTree>
+      <p:nvGrpSpPr>
+        <p:cNvPr id="1" name=""/>
+        <p:cNvGrpSpPr/>
+        <p:nvPr/>
+      </p:nvGrpSpPr>
+      <p:grpSpPr>
+        <a:xfrm>
+          <a:off x="0" y="0"/>
+          <a:ext cx="0" cy="0"/>
+          <a:chOff x="0" y="0"/>
+          <a:chExt cx="0" cy="0"/>
+        </a:xfrm>
+      </p:grpSpPr>
+      <p:sp>
+        <p:nvSpPr>
+          <p:cNvPr id="4" name="Заголовок 3">
+            <a:extLst>
+              <a:ext uri="{FF2B5EF4-FFF2-40B4-BE49-F238E27FC236}">
+                <a16:creationId xmlns:a16="http://schemas.microsoft.com/office/drawing/2014/main" id="{8FE2BCA8-E83D-429B-887D-6FBFF82E5C4F}"/>
+              </a:ext>
+            </a:extLst>
+          </p:cNvPr>
+          <p:cNvSpPr>
+            <a:spLocks noGrp="1"/>
+          </p:cNvSpPr>
+          <p:nvPr>
+            <p:ph type="ctrTitle"/>
+          </p:nvPr>
+        </p:nvSpPr>
+        <p:spPr>
+          <a:xfrm>
+            <a:off x="905476" y="199579"/>
+            <a:ext cx="10684544" cy="826871"/>
+          </a:xfrm>
+        </p:spPr>
+        <p:txBody>
+          <a:bodyPr>
+            <a:normAutofit/>
+          </a:bodyPr>
+          <a:lstStyle/>
+          <a:p>
+            <a:r>
+              <a:rPr lang="uk-UA" sz="4000" b="1">
+                <a:solidFill>
+                  <a:srgbClr val="0070C0"/>
+                </a:solidFill>
+                <a:latin typeface="SchoolBookCTT" pitchFamily="2" charset="0"/>
+              </a:rPr>
+              <a:t>Графік зростання О</a:t>
+            </a:r>
+            <a:endParaRPr lang="ru-RU" sz="4000" b="1">
+              <a:solidFill>
+                <a:srgbClr val="0070C0"/>
+              </a:solidFill>
+              <a:latin typeface="SchoolBookCTT" pitchFamily="2" charset="0"/>
+            </a:endParaRPr>
+          </a:p>
+        </p:txBody>
+      </p:sp>
+      <p:pic>
+        <p:nvPicPr>
+          <p:cNvPr id="8" name="Рисунок 7">
+            <a:extLst>
+              <a:ext uri="{FF2B5EF4-FFF2-40B4-BE49-F238E27FC236}">
+                <a16:creationId xmlns:a16="http://schemas.microsoft.com/office/drawing/2014/main" id="{CCA24011-D6BD-4655-A4B5-2AED059A6789}"/>
+              </a:ext>
+            </a:extLst>
+          </p:cNvPr>
+          <p:cNvPicPr/>
+          <p:nvPr/>
+        </p:nvPicPr>
+        <p:blipFill>
+          <a:blip r:embed="rId3"/>
+          <a:stretch>
+            <a:fillRect/>
+          </a:stretch>
+        </p:blipFill>
+        <p:spPr>
+          <a:xfrm>
+            <a:off x="125731" y="2114550"/>
+            <a:ext cx="5177790" cy="3313827"/>
+          </a:xfrm>
+          <a:prstGeom prst="rect">
+            <a:avLst/>
+          </a:prstGeom>
+        </p:spPr>
+      </p:pic>
+      <p:pic>
+        <p:nvPicPr>
+          <p:cNvPr id="3" name="Рисунок 2">
+            <a:extLst>
+              <a:ext uri="{FF2B5EF4-FFF2-40B4-BE49-F238E27FC236}">
+                <a16:creationId xmlns:a16="http://schemas.microsoft.com/office/drawing/2014/main" id="{44EE51A9-94C2-0940-C7BC-1AC85F0D9E44}"/>
+              </a:ext>
+            </a:extLst>
+          </p:cNvPr>
+          <p:cNvPicPr>
+            <a:picLocks noChangeAspect="1"/>
+          </p:cNvPicPr>
+          <p:nvPr/>
+        </p:nvPicPr>
+        <p:blipFill>
+          <a:blip r:embed="rId4"/>
+          <a:stretch>
+            <a:fillRect/>
+          </a:stretch>
+        </p:blipFill>
+        <p:spPr>
+          <a:xfrm>
+            <a:off x="5377621" y="1851660"/>
+            <a:ext cx="6688648" cy="4046219"/>
+          </a:xfrm>
+          <a:prstGeom prst="rect">
+            <a:avLst/>
+          </a:prstGeom>
+        </p:spPr>
+      </p:pic>
+    </p:spTree>
+    <p:extLst>
+      <p:ext uri="{BB962C8B-B14F-4D97-AF65-F5344CB8AC3E}">
+        <p14:creationId xmlns:p14="http://schemas.microsoft.com/office/powerpoint/2010/main" val="1774876534"/>
+      </p:ext>
+    </p:extLst>
+  </p:cSld>
+  <p:clrMapOvr>
+    <a:masterClrMapping/>
+  </p:clrMapOvr>
+</p:sld>
+</file>
+
+<file path=ppt/slides/slide4.xml><?xml version="1.0" encoding="utf-8"?>
 <p:sld xmlns:a="http://schemas.openxmlformats.org/drawingml/2006/main" xmlns:r="http://schemas.openxmlformats.org/officeDocument/2006/relationships" xmlns:p="http://schemas.openxmlformats.org/presentationml/2006/main">
   <p:cSld>
     <p:spTree>
@@ -15361,7 +17830,7 @@
             <a:fld id="{03EBB990-6052-47BF-8FAC-BE22B6F47BF8}" type="slidenum">
               <a:rPr lang="ru-RU" smtClean="0"/>
               <a:pPr/>
-              <a:t>2</a:t>
+              <a:t>4</a:t>
             </a:fld>
             <a:endParaRPr lang="ru-RU"/>
           </a:p>
@@ -17304,318 +19773,7 @@
 </p:sld>
 </file>
 
-<file path=ppt/slides/slide20.xml><?xml version="1.0" encoding="utf-8"?>
-<p:sld xmlns:a="http://schemas.openxmlformats.org/drawingml/2006/main" xmlns:r="http://schemas.openxmlformats.org/officeDocument/2006/relationships" xmlns:p="http://schemas.openxmlformats.org/presentationml/2006/main">
-  <p:cSld>
-    <p:spTree>
-      <p:nvGrpSpPr>
-        <p:cNvPr id="1" name=""/>
-        <p:cNvGrpSpPr/>
-        <p:nvPr/>
-      </p:nvGrpSpPr>
-      <p:grpSpPr>
-        <a:xfrm>
-          <a:off x="0" y="0"/>
-          <a:ext cx="0" cy="0"/>
-          <a:chOff x="0" y="0"/>
-          <a:chExt cx="0" cy="0"/>
-        </a:xfrm>
-      </p:grpSpPr>
-      <p:sp>
-        <p:nvSpPr>
-          <p:cNvPr id="3" name="TextBox 2">
-            <a:extLst>
-              <a:ext uri="{FF2B5EF4-FFF2-40B4-BE49-F238E27FC236}">
-                <a16:creationId xmlns:a16="http://schemas.microsoft.com/office/drawing/2014/main" id="{B2A81DC4-47BB-4D4E-B4E6-6CD06F8097A8}"/>
-              </a:ext>
-            </a:extLst>
-          </p:cNvPr>
-          <p:cNvSpPr txBox="1"/>
-          <p:nvPr/>
-        </p:nvSpPr>
-        <p:spPr>
-          <a:xfrm>
-            <a:off x="153773" y="1953607"/>
-            <a:ext cx="11881309" cy="4524315"/>
-          </a:xfrm>
-          <a:prstGeom prst="rect">
-            <a:avLst/>
-          </a:prstGeom>
-          <a:noFill/>
-        </p:spPr>
-        <p:txBody>
-          <a:bodyPr wrap="square">
-            <a:spAutoFit/>
-          </a:bodyPr>
-          <a:lstStyle/>
-          <a:p>
-            <a:pPr algn="l"/>
-            <a:r>
-              <a:rPr lang="uk-UA" sz="3200" b="0" i="0" dirty="0">
-                <a:solidFill>
-                  <a:srgbClr val="000000"/>
-                </a:solidFill>
-                <a:effectLst/>
-                <a:latin typeface="Times New Roman" panose="02020603050405020304" pitchFamily="18" charset="0"/>
-                <a:cs typeface="Times New Roman" panose="02020603050405020304" pitchFamily="18" charset="0"/>
-              </a:rPr>
-              <a:t>Пірамідальне сортування виконується "на місці". Її типова реалізація нестабільна, але її можна зробити такою. Вона приблизно в 2-3 рази повільніше за швидку.</a:t>
-            </a:r>
-          </a:p>
-          <a:p>
-            <a:pPr algn="l"/>
-            <a:r>
-              <a:rPr lang="uk-UA" sz="3200" b="0" i="0" dirty="0">
-                <a:solidFill>
-                  <a:srgbClr val="000000"/>
-                </a:solidFill>
-                <a:effectLst/>
-                <a:latin typeface="Times New Roman" panose="02020603050405020304" pitchFamily="18" charset="0"/>
-                <a:cs typeface="Times New Roman" panose="02020603050405020304" pitchFamily="18" charset="0"/>
-              </a:rPr>
-              <a:t>Для пірамідального сортування використовується мінімальний обсяг пам'яті. Вона проста розуміння, оскільки у ній не використовуються просунуті концепції, наприклад, рекурсія. У цьому пірамідальна сортування нестабільна, оскільки порядок елементів щодо одне одного може змінитися. Крім того, вона не є дуже ефективною для обробки дуже складних даних.</a:t>
-            </a:r>
-          </a:p>
-        </p:txBody>
-      </p:sp>
-      <p:sp>
-        <p:nvSpPr>
-          <p:cNvPr id="4" name="Text Box 3">
-            <a:extLst>
-              <a:ext uri="{FF2B5EF4-FFF2-40B4-BE49-F238E27FC236}">
-                <a16:creationId xmlns:a16="http://schemas.microsoft.com/office/drawing/2014/main" id="{B9E2FF62-E523-429E-8B47-9F3E604B7C48}"/>
-              </a:ext>
-            </a:extLst>
-          </p:cNvPr>
-          <p:cNvSpPr txBox="1">
-            <a:spLocks noChangeArrowheads="1"/>
-          </p:cNvSpPr>
-          <p:nvPr/>
-        </p:nvSpPr>
-        <p:spPr bwMode="auto">
-          <a:xfrm>
-            <a:off x="0" y="0"/>
-            <a:ext cx="12192000" cy="830997"/>
-          </a:xfrm>
-          <a:prstGeom prst="rect">
-            <a:avLst/>
-          </a:prstGeom>
-          <a:noFill/>
-          <a:ln w="9525">
-            <a:noFill/>
-            <a:miter lim="800000"/>
-            <a:headEnd/>
-            <a:tailEnd/>
-          </a:ln>
-        </p:spPr>
-        <p:txBody>
-          <a:bodyPr wrap="square">
-            <a:spAutoFit/>
-          </a:bodyPr>
-          <a:lstStyle/>
-          <a:p>
-            <a:pPr algn="ctr" eaLnBrk="0" hangingPunct="0">
-              <a:spcBef>
-                <a:spcPct val="50000"/>
-              </a:spcBef>
-            </a:pPr>
-            <a:r>
-              <a:rPr lang="ru-RU" sz="4800" dirty="0" err="1">
-                <a:latin typeface="Times New Roman" panose="02020603050405020304" pitchFamily="18" charset="0"/>
-                <a:cs typeface="Times New Roman" panose="02020603050405020304" pitchFamily="18" charset="0"/>
-              </a:rPr>
-              <a:t>Сортування</a:t>
-            </a:r>
-            <a:r>
-              <a:rPr lang="ru-RU" sz="4800" dirty="0">
-                <a:latin typeface="Times New Roman" panose="02020603050405020304" pitchFamily="18" charset="0"/>
-                <a:cs typeface="Times New Roman" panose="02020603050405020304" pitchFamily="18" charset="0"/>
-              </a:rPr>
-              <a:t> «</a:t>
-            </a:r>
-            <a:r>
-              <a:rPr lang="uk-UA" sz="4800" dirty="0">
-                <a:latin typeface="Times New Roman" panose="02020603050405020304" pitchFamily="18" charset="0"/>
-                <a:cs typeface="Times New Roman" panose="02020603050405020304" pitchFamily="18" charset="0"/>
-              </a:rPr>
-              <a:t>пірамідальне</a:t>
-            </a:r>
-            <a:r>
-              <a:rPr lang="ru-RU" sz="4800" dirty="0">
-                <a:latin typeface="Times New Roman" panose="02020603050405020304" pitchFamily="18" charset="0"/>
-                <a:cs typeface="Times New Roman" panose="02020603050405020304" pitchFamily="18" charset="0"/>
-              </a:rPr>
-              <a:t>». </a:t>
-            </a:r>
-            <a:r>
-              <a:rPr lang="uk-UA" sz="4800" dirty="0">
-                <a:latin typeface="Times New Roman" panose="02020603050405020304" pitchFamily="18" charset="0"/>
-                <a:cs typeface="Times New Roman" panose="02020603050405020304" pitchFamily="18" charset="0"/>
-              </a:rPr>
-              <a:t>Характеристика</a:t>
-            </a:r>
-            <a:endParaRPr lang="ru-RU" sz="4800" dirty="0">
-              <a:latin typeface="Times New Roman" panose="02020603050405020304" pitchFamily="18" charset="0"/>
-              <a:cs typeface="Times New Roman" panose="02020603050405020304" pitchFamily="18" charset="0"/>
-            </a:endParaRPr>
-          </a:p>
-        </p:txBody>
-      </p:sp>
-      <p:sp>
-        <p:nvSpPr>
-          <p:cNvPr id="8" name="TextBox 7">
-            <a:extLst>
-              <a:ext uri="{FF2B5EF4-FFF2-40B4-BE49-F238E27FC236}">
-                <a16:creationId xmlns:a16="http://schemas.microsoft.com/office/drawing/2014/main" id="{8BE8F0F3-94A6-447C-82DE-9FE96930CDF6}"/>
-              </a:ext>
-            </a:extLst>
-          </p:cNvPr>
-          <p:cNvSpPr txBox="1"/>
-          <p:nvPr/>
-        </p:nvSpPr>
-        <p:spPr>
-          <a:xfrm>
-            <a:off x="0" y="953931"/>
-            <a:ext cx="6094428" cy="461665"/>
-          </a:xfrm>
-          <a:prstGeom prst="rect">
-            <a:avLst/>
-          </a:prstGeom>
-          <a:noFill/>
-        </p:spPr>
-        <p:txBody>
-          <a:bodyPr wrap="square">
-            <a:spAutoFit/>
-          </a:bodyPr>
-          <a:lstStyle/>
-          <a:p>
-            <a:pPr algn="ctr"/>
-            <a:r>
-              <a:rPr lang="uk-UA" sz="2400" b="0" i="0" dirty="0">
-                <a:solidFill>
-                  <a:srgbClr val="000000"/>
-                </a:solidFill>
-                <a:effectLst/>
-                <a:latin typeface="Times New Roman" panose="02020603050405020304" pitchFamily="18" charset="0"/>
-                <a:cs typeface="Times New Roman" panose="02020603050405020304" pitchFamily="18" charset="0"/>
-              </a:rPr>
-              <a:t>Тимчасова складність: </a:t>
-            </a:r>
-            <a:r>
-              <a:rPr lang="en-US" sz="2400" b="1" i="0" dirty="0">
-                <a:solidFill>
-                  <a:srgbClr val="000000"/>
-                </a:solidFill>
-                <a:effectLst/>
-                <a:latin typeface="Times New Roman" panose="02020603050405020304" pitchFamily="18" charset="0"/>
-                <a:cs typeface="Times New Roman" panose="02020603050405020304" pitchFamily="18" charset="0"/>
-              </a:rPr>
-              <a:t>O(n log n)</a:t>
-            </a:r>
-            <a:endParaRPr lang="en-US" sz="2400" b="0" i="0" dirty="0">
-              <a:solidFill>
-                <a:srgbClr val="000000"/>
-              </a:solidFill>
-              <a:effectLst/>
-              <a:latin typeface="Times New Roman" panose="02020603050405020304" pitchFamily="18" charset="0"/>
-              <a:cs typeface="Times New Roman" panose="02020603050405020304" pitchFamily="18" charset="0"/>
-            </a:endParaRPr>
-          </a:p>
-        </p:txBody>
-      </p:sp>
-      <p:sp>
-        <p:nvSpPr>
-          <p:cNvPr id="10" name="TextBox 9">
-            <a:extLst>
-              <a:ext uri="{FF2B5EF4-FFF2-40B4-BE49-F238E27FC236}">
-                <a16:creationId xmlns:a16="http://schemas.microsoft.com/office/drawing/2014/main" id="{68C96D62-E671-4D5A-9CB3-27D544220FFA}"/>
-              </a:ext>
-            </a:extLst>
-          </p:cNvPr>
-          <p:cNvSpPr txBox="1"/>
-          <p:nvPr/>
-        </p:nvSpPr>
-        <p:spPr>
-          <a:xfrm>
-            <a:off x="6094428" y="953931"/>
-            <a:ext cx="6094429" cy="461665"/>
-          </a:xfrm>
-          <a:prstGeom prst="rect">
-            <a:avLst/>
-          </a:prstGeom>
-          <a:noFill/>
-        </p:spPr>
-        <p:txBody>
-          <a:bodyPr wrap="square">
-            <a:spAutoFit/>
-          </a:bodyPr>
-          <a:lstStyle/>
-          <a:p>
-            <a:pPr algn="ctr"/>
-            <a:r>
-              <a:rPr lang="uk-UA" sz="2400" dirty="0">
-                <a:solidFill>
-                  <a:srgbClr val="000000"/>
-                </a:solidFill>
-                <a:latin typeface="Times New Roman" panose="02020603050405020304" pitchFamily="18" charset="0"/>
-                <a:cs typeface="Times New Roman" panose="02020603050405020304" pitchFamily="18" charset="0"/>
-              </a:rPr>
-              <a:t>Додатковий простір: </a:t>
-            </a:r>
-            <a:r>
-              <a:rPr lang="en-US" sz="2400" b="1" dirty="0">
-                <a:solidFill>
-                  <a:srgbClr val="000000"/>
-                </a:solidFill>
-                <a:latin typeface="Times New Roman" panose="02020603050405020304" pitchFamily="18" charset="0"/>
-                <a:cs typeface="Times New Roman" panose="02020603050405020304" pitchFamily="18" charset="0"/>
-              </a:rPr>
-              <a:t>O(</a:t>
-            </a:r>
-            <a:r>
-              <a:rPr lang="uk-UA" sz="2400" b="1" dirty="0">
-                <a:solidFill>
-                  <a:srgbClr val="000000"/>
-                </a:solidFill>
-                <a:latin typeface="Times New Roman" panose="02020603050405020304" pitchFamily="18" charset="0"/>
-                <a:cs typeface="Times New Roman" panose="02020603050405020304" pitchFamily="18" charset="0"/>
-              </a:rPr>
-              <a:t>1</a:t>
-            </a:r>
-            <a:r>
-              <a:rPr lang="en-US" sz="2400" b="1" dirty="0">
-                <a:solidFill>
-                  <a:srgbClr val="000000"/>
-                </a:solidFill>
-                <a:latin typeface="Times New Roman" panose="02020603050405020304" pitchFamily="18" charset="0"/>
-                <a:cs typeface="Times New Roman" panose="02020603050405020304" pitchFamily="18" charset="0"/>
-              </a:rPr>
-              <a:t>)</a:t>
-            </a:r>
-            <a:endParaRPr lang="en-US" sz="2400" dirty="0">
-              <a:solidFill>
-                <a:srgbClr val="000000"/>
-              </a:solidFill>
-              <a:latin typeface="Times New Roman" panose="02020603050405020304" pitchFamily="18" charset="0"/>
-              <a:cs typeface="Times New Roman" panose="02020603050405020304" pitchFamily="18" charset="0"/>
-            </a:endParaRPr>
-          </a:p>
-        </p:txBody>
-      </p:sp>
-    </p:spTree>
-    <p:extLst>
-      <p:ext uri="{BB962C8B-B14F-4D97-AF65-F5344CB8AC3E}">
-        <p14:creationId xmlns:p14="http://schemas.microsoft.com/office/powerpoint/2010/main" val="2856266269"/>
-      </p:ext>
-    </p:extLst>
-  </p:cSld>
-  <p:clrMapOvr>
-    <a:masterClrMapping/>
-  </p:clrMapOvr>
-</p:sld>
-</file>
-
-<file path=ppt/slides/slide3.xml><?xml version="1.0" encoding="utf-8"?>
+<file path=ppt/slides/slide5.xml><?xml version="1.0" encoding="utf-8"?>
 <p:sld xmlns:a="http://schemas.openxmlformats.org/drawingml/2006/main" xmlns:r="http://schemas.openxmlformats.org/officeDocument/2006/relationships" xmlns:p="http://schemas.openxmlformats.org/presentationml/2006/main">
   <p:cSld>
     <p:spTree>
@@ -18476,7 +20634,7 @@
 </p:sld>
 </file>
 
-<file path=ppt/slides/slide4.xml><?xml version="1.0" encoding="utf-8"?>
+<file path=ppt/slides/slide6.xml><?xml version="1.0" encoding="utf-8"?>
 <p:sld xmlns:a="http://schemas.openxmlformats.org/drawingml/2006/main" xmlns:r="http://schemas.openxmlformats.org/officeDocument/2006/relationships" xmlns:p="http://schemas.openxmlformats.org/presentationml/2006/main">
   <p:cSld>
     <p:spTree>
@@ -19637,7 +21795,7 @@
 </p:sld>
 </file>
 
-<file path=ppt/slides/slide5.xml><?xml version="1.0" encoding="utf-8"?>
+<file path=ppt/slides/slide7.xml><?xml version="1.0" encoding="utf-8"?>
 <p:sld xmlns:a="http://schemas.openxmlformats.org/drawingml/2006/main" xmlns:r="http://schemas.openxmlformats.org/officeDocument/2006/relationships" xmlns:p="http://schemas.openxmlformats.org/presentationml/2006/main">
   <p:cSld>
     <p:spTree>
@@ -19999,7 +22157,7 @@
 </p:sld>
 </file>
 
-<file path=ppt/slides/slide6.xml><?xml version="1.0" encoding="utf-8"?>
+<file path=ppt/slides/slide8.xml><?xml version="1.0" encoding="utf-8"?>
 <p:sld xmlns:a="http://schemas.openxmlformats.org/drawingml/2006/main" xmlns:r="http://schemas.openxmlformats.org/officeDocument/2006/relationships" xmlns:p="http://schemas.openxmlformats.org/presentationml/2006/main">
   <p:cSld>
     <p:spTree>
@@ -20400,7 +22558,7 @@
 </p:sld>
 </file>
 
-<file path=ppt/slides/slide7.xml><?xml version="1.0" encoding="utf-8"?>
+<file path=ppt/slides/slide9.xml><?xml version="1.0" encoding="utf-8"?>
 <p:sld xmlns:a="http://schemas.openxmlformats.org/drawingml/2006/main" xmlns:r="http://schemas.openxmlformats.org/officeDocument/2006/relationships" xmlns:p="http://schemas.openxmlformats.org/presentationml/2006/main">
   <p:cSld>
     <p:spTree>
@@ -22183,1895 +24341,6 @@
     <p:extLst>
       <p:ext uri="{BB962C8B-B14F-4D97-AF65-F5344CB8AC3E}">
         <p14:creationId xmlns:p14="http://schemas.microsoft.com/office/powerpoint/2010/main" val="4223130514"/>
-      </p:ext>
-    </p:extLst>
-  </p:cSld>
-  <p:clrMapOvr>
-    <a:masterClrMapping/>
-  </p:clrMapOvr>
-</p:sld>
-</file>
-
-<file path=ppt/slides/slide8.xml><?xml version="1.0" encoding="utf-8"?>
-<p:sld xmlns:a="http://schemas.openxmlformats.org/drawingml/2006/main" xmlns:r="http://schemas.openxmlformats.org/officeDocument/2006/relationships" xmlns:p="http://schemas.openxmlformats.org/presentationml/2006/main">
-  <p:cSld>
-    <p:spTree>
-      <p:nvGrpSpPr>
-        <p:cNvPr id="1" name=""/>
-        <p:cNvGrpSpPr/>
-        <p:nvPr/>
-      </p:nvGrpSpPr>
-      <p:grpSpPr>
-        <a:xfrm>
-          <a:off x="0" y="0"/>
-          <a:ext cx="0" cy="0"/>
-          <a:chOff x="0" y="0"/>
-          <a:chExt cx="0" cy="0"/>
-        </a:xfrm>
-      </p:grpSpPr>
-      <p:sp>
-        <p:nvSpPr>
-          <p:cNvPr id="2" name="Text Box 3">
-            <a:extLst>
-              <a:ext uri="{FF2B5EF4-FFF2-40B4-BE49-F238E27FC236}">
-                <a16:creationId xmlns:a16="http://schemas.microsoft.com/office/drawing/2014/main" id="{F875EA2F-466D-40C3-8F59-9FA651C7F228}"/>
-              </a:ext>
-            </a:extLst>
-          </p:cNvPr>
-          <p:cNvSpPr txBox="1">
-            <a:spLocks noChangeArrowheads="1"/>
-          </p:cNvSpPr>
-          <p:nvPr/>
-        </p:nvSpPr>
-        <p:spPr bwMode="auto">
-          <a:xfrm>
-            <a:off x="0" y="0"/>
-            <a:ext cx="12192000" cy="830997"/>
-          </a:xfrm>
-          <a:prstGeom prst="rect">
-            <a:avLst/>
-          </a:prstGeom>
-          <a:noFill/>
-          <a:ln w="9525">
-            <a:noFill/>
-            <a:miter lim="800000"/>
-            <a:headEnd/>
-            <a:tailEnd/>
-          </a:ln>
-        </p:spPr>
-        <p:txBody>
-          <a:bodyPr wrap="square">
-            <a:spAutoFit/>
-          </a:bodyPr>
-          <a:lstStyle/>
-          <a:p>
-            <a:pPr algn="ctr" eaLnBrk="0" hangingPunct="0">
-              <a:spcBef>
-                <a:spcPct val="50000"/>
-              </a:spcBef>
-            </a:pPr>
-            <a:r>
-              <a:rPr lang="ru-RU" sz="4800" dirty="0" err="1">
-                <a:latin typeface="Times New Roman" panose="02020603050405020304" pitchFamily="18" charset="0"/>
-                <a:cs typeface="Times New Roman" panose="02020603050405020304" pitchFamily="18" charset="0"/>
-              </a:rPr>
-              <a:t>Сортування</a:t>
-            </a:r>
-            <a:r>
-              <a:rPr lang="ru-RU" sz="4800" dirty="0">
-                <a:latin typeface="Times New Roman" panose="02020603050405020304" pitchFamily="18" charset="0"/>
-                <a:cs typeface="Times New Roman" panose="02020603050405020304" pitchFamily="18" charset="0"/>
-              </a:rPr>
-              <a:t> «</a:t>
-            </a:r>
-            <a:r>
-              <a:rPr lang="ru-RU" sz="4800" dirty="0" err="1">
-                <a:latin typeface="Times New Roman" panose="02020603050405020304" pitchFamily="18" charset="0"/>
-                <a:cs typeface="Times New Roman" panose="02020603050405020304" pitchFamily="18" charset="0"/>
-              </a:rPr>
-              <a:t>швидке</a:t>
-            </a:r>
-            <a:r>
-              <a:rPr lang="ru-RU" sz="4800" dirty="0">
-                <a:latin typeface="Times New Roman" panose="02020603050405020304" pitchFamily="18" charset="0"/>
-                <a:cs typeface="Times New Roman" panose="02020603050405020304" pitchFamily="18" charset="0"/>
-              </a:rPr>
-              <a:t>». </a:t>
-            </a:r>
-            <a:r>
-              <a:rPr lang="uk-UA" sz="4800" dirty="0">
-                <a:latin typeface="Times New Roman" panose="02020603050405020304" pitchFamily="18" charset="0"/>
-                <a:cs typeface="Times New Roman" panose="02020603050405020304" pitchFamily="18" charset="0"/>
-              </a:rPr>
-              <a:t>Характеристика</a:t>
-            </a:r>
-            <a:endParaRPr lang="ru-RU" sz="4800" dirty="0">
-              <a:latin typeface="Times New Roman" panose="02020603050405020304" pitchFamily="18" charset="0"/>
-              <a:cs typeface="Times New Roman" panose="02020603050405020304" pitchFamily="18" charset="0"/>
-            </a:endParaRPr>
-          </a:p>
-        </p:txBody>
-      </p:sp>
-      <p:sp>
-        <p:nvSpPr>
-          <p:cNvPr id="5" name="TextBox 4">
-            <a:extLst>
-              <a:ext uri="{FF2B5EF4-FFF2-40B4-BE49-F238E27FC236}">
-                <a16:creationId xmlns:a16="http://schemas.microsoft.com/office/drawing/2014/main" id="{24606B2F-EA42-4788-B669-30A50669B57A}"/>
-              </a:ext>
-            </a:extLst>
-          </p:cNvPr>
-          <p:cNvSpPr txBox="1"/>
-          <p:nvPr/>
-        </p:nvSpPr>
-        <p:spPr>
-          <a:xfrm>
-            <a:off x="888477" y="830997"/>
-            <a:ext cx="10565090" cy="4401205"/>
-          </a:xfrm>
-          <a:prstGeom prst="rect">
-            <a:avLst/>
-          </a:prstGeom>
-          <a:noFill/>
-        </p:spPr>
-        <p:txBody>
-          <a:bodyPr wrap="square">
-            <a:spAutoFit/>
-          </a:bodyPr>
-          <a:lstStyle/>
-          <a:p>
-            <a:pPr algn="l"/>
-            <a:r>
-              <a:rPr lang="uk-UA" sz="2000" b="1" i="0" dirty="0">
-                <a:effectLst/>
-                <a:latin typeface="Times New Roman" panose="02020603050405020304" pitchFamily="18" charset="0"/>
-                <a:cs typeface="Times New Roman" panose="02020603050405020304" pitchFamily="18" charset="0"/>
-              </a:rPr>
-              <a:t>Переваги і недоліки алгоритму </a:t>
-            </a:r>
-          </a:p>
-          <a:p>
-            <a:pPr algn="l"/>
-            <a:r>
-              <a:rPr lang="uk-UA" sz="2000" b="0" i="0" dirty="0">
-                <a:effectLst/>
-                <a:latin typeface="Times New Roman" panose="02020603050405020304" pitchFamily="18" charset="0"/>
-                <a:cs typeface="Times New Roman" panose="02020603050405020304" pitchFamily="18" charset="0"/>
-              </a:rPr>
-              <a:t>Що стосується складності швидкого сортування, то в найкращому випадку ми отримаємо складність </a:t>
-            </a:r>
-            <a:r>
-              <a:rPr lang="el-GR" sz="2000" b="0" i="0" dirty="0">
-                <a:effectLst/>
-                <a:latin typeface="Times New Roman" panose="02020603050405020304" pitchFamily="18" charset="0"/>
-                <a:cs typeface="Times New Roman" panose="02020603050405020304" pitchFamily="18" charset="0"/>
-              </a:rPr>
-              <a:t>Ω (</a:t>
-            </a:r>
-            <a:r>
-              <a:rPr lang="en-US" sz="2000" b="0" i="0" dirty="0">
-                <a:effectLst/>
-                <a:latin typeface="Times New Roman" panose="02020603050405020304" pitchFamily="18" charset="0"/>
-                <a:cs typeface="Times New Roman" panose="02020603050405020304" pitchFamily="18" charset="0"/>
-              </a:rPr>
-              <a:t>n log n), </a:t>
-            </a:r>
-            <a:r>
-              <a:rPr lang="uk-UA" sz="2000" b="0" i="0" dirty="0">
-                <a:effectLst/>
-                <a:latin typeface="Times New Roman" panose="02020603050405020304" pitchFamily="18" charset="0"/>
-                <a:cs typeface="Times New Roman" panose="02020603050405020304" pitchFamily="18" charset="0"/>
-              </a:rPr>
-              <a:t>а в найгіршому — </a:t>
-            </a:r>
-            <a:r>
-              <a:rPr lang="en-US" sz="2000" b="0" i="0" dirty="0">
-                <a:effectLst/>
-                <a:latin typeface="Times New Roman" panose="02020603050405020304" pitchFamily="18" charset="0"/>
-                <a:cs typeface="Times New Roman" panose="02020603050405020304" pitchFamily="18" charset="0"/>
-              </a:rPr>
-              <a:t>O(n</a:t>
-            </a:r>
-            <a:r>
-              <a:rPr lang="en-US" sz="2000" b="0" i="0" baseline="30000" dirty="0">
-                <a:effectLst/>
-                <a:latin typeface="Times New Roman" panose="02020603050405020304" pitchFamily="18" charset="0"/>
-                <a:cs typeface="Times New Roman" panose="02020603050405020304" pitchFamily="18" charset="0"/>
-              </a:rPr>
-              <a:t>2</a:t>
-            </a:r>
-            <a:r>
-              <a:rPr lang="en-US" sz="2000" b="0" i="0" dirty="0">
-                <a:effectLst/>
-                <a:latin typeface="Times New Roman" panose="02020603050405020304" pitchFamily="18" charset="0"/>
-                <a:cs typeface="Times New Roman" panose="02020603050405020304" pitchFamily="18" charset="0"/>
-              </a:rPr>
-              <a:t>). </a:t>
-            </a:r>
-            <a:r>
-              <a:rPr lang="uk-UA" sz="2000" b="0" i="0" dirty="0">
-                <a:effectLst/>
-                <a:latin typeface="Times New Roman" panose="02020603050405020304" pitchFamily="18" charset="0"/>
-                <a:cs typeface="Times New Roman" panose="02020603050405020304" pitchFamily="18" charset="0"/>
-              </a:rPr>
-              <a:t>Окрім низької обчислювальної складності цьому алгоритму притаманні й інші переваги: </a:t>
-            </a:r>
-          </a:p>
-          <a:p>
-            <a:pPr lvl="1">
-              <a:buFont typeface="Arial" panose="020B0604020202020204" pitchFamily="34" charset="0"/>
-              <a:buChar char="•"/>
-            </a:pPr>
-            <a:r>
-              <a:rPr lang="uk-UA" sz="2000" b="0" i="0" dirty="0">
-                <a:effectLst/>
-                <a:latin typeface="Times New Roman" panose="02020603050405020304" pitchFamily="18" charset="0"/>
-                <a:cs typeface="Times New Roman" panose="02020603050405020304" pitchFamily="18" charset="0"/>
-              </a:rPr>
-              <a:t>на практиці це один з найбільш швидкодіючих алгоритмів внутрішнього сортування; </a:t>
-            </a:r>
-          </a:p>
-          <a:p>
-            <a:pPr lvl="1">
-              <a:buFont typeface="Arial" panose="020B0604020202020204" pitchFamily="34" charset="0"/>
-              <a:buChar char="•"/>
-            </a:pPr>
-            <a:r>
-              <a:rPr lang="uk-UA" sz="2000" b="0" i="0" dirty="0">
-                <a:effectLst/>
-                <a:latin typeface="Times New Roman" panose="02020603050405020304" pitchFamily="18" charset="0"/>
-                <a:cs typeface="Times New Roman" panose="02020603050405020304" pitchFamily="18" charset="0"/>
-              </a:rPr>
-              <a:t>алгоритм доволі простий як для розуміння, так і для реалізації; </a:t>
-            </a:r>
-          </a:p>
-          <a:p>
-            <a:pPr lvl="1">
-              <a:buFont typeface="Arial" panose="020B0604020202020204" pitchFamily="34" charset="0"/>
-              <a:buChar char="•"/>
-            </a:pPr>
-            <a:r>
-              <a:rPr lang="uk-UA" sz="2000" b="0" i="0" dirty="0">
-                <a:effectLst/>
-                <a:latin typeface="Times New Roman" panose="02020603050405020304" pitchFamily="18" charset="0"/>
-                <a:cs typeface="Times New Roman" panose="02020603050405020304" pitchFamily="18" charset="0"/>
-              </a:rPr>
-              <a:t>потребує лише </a:t>
-            </a:r>
-            <a:r>
-              <a:rPr lang="en-US" sz="2000" b="0" i="0" dirty="0">
-                <a:effectLst/>
-                <a:latin typeface="Times New Roman" panose="02020603050405020304" pitchFamily="18" charset="0"/>
-                <a:cs typeface="Times New Roman" panose="02020603050405020304" pitchFamily="18" charset="0"/>
-              </a:rPr>
-              <a:t>O(n) </a:t>
-            </a:r>
-            <a:r>
-              <a:rPr lang="uk-UA" sz="2000" b="0" i="0" dirty="0">
-                <a:effectLst/>
-                <a:latin typeface="Times New Roman" panose="02020603050405020304" pitchFamily="18" charset="0"/>
-                <a:cs typeface="Times New Roman" panose="02020603050405020304" pitchFamily="18" charset="0"/>
-              </a:rPr>
-              <a:t>пам’яті, для покращеної версії — </a:t>
-            </a:r>
-            <a:r>
-              <a:rPr lang="en-US" sz="2000" b="0" i="0" dirty="0">
-                <a:effectLst/>
-                <a:latin typeface="Times New Roman" panose="02020603050405020304" pitchFamily="18" charset="0"/>
-                <a:cs typeface="Times New Roman" panose="02020603050405020304" pitchFamily="18" charset="0"/>
-              </a:rPr>
-              <a:t>O(1); </a:t>
-            </a:r>
-          </a:p>
-          <a:p>
-            <a:pPr lvl="1">
-              <a:buFont typeface="Arial" panose="020B0604020202020204" pitchFamily="34" charset="0"/>
-              <a:buChar char="•"/>
-            </a:pPr>
-            <a:r>
-              <a:rPr lang="uk-UA" sz="2000" b="0" i="0" dirty="0">
-                <a:effectLst/>
-                <a:latin typeface="Times New Roman" panose="02020603050405020304" pitchFamily="18" charset="0"/>
-                <a:cs typeface="Times New Roman" panose="02020603050405020304" pitchFamily="18" charset="0"/>
-              </a:rPr>
-              <a:t>дозволяє </a:t>
-            </a:r>
-            <a:r>
-              <a:rPr lang="uk-UA" sz="2000" b="0" i="0" dirty="0" err="1">
-                <a:effectLst/>
-                <a:latin typeface="Times New Roman" panose="02020603050405020304" pitchFamily="18" charset="0"/>
-                <a:cs typeface="Times New Roman" panose="02020603050405020304" pitchFamily="18" charset="0"/>
-              </a:rPr>
-              <a:t>розпаралелювання</a:t>
-            </a:r>
-            <a:r>
-              <a:rPr lang="uk-UA" sz="2000" b="0" i="0" dirty="0">
-                <a:effectLst/>
-                <a:latin typeface="Times New Roman" panose="02020603050405020304" pitchFamily="18" charset="0"/>
-                <a:cs typeface="Times New Roman" panose="02020603050405020304" pitchFamily="18" charset="0"/>
-              </a:rPr>
-              <a:t> для сортування </a:t>
-            </a:r>
-            <a:r>
-              <a:rPr lang="uk-UA" sz="2000" b="0" i="0" dirty="0" err="1">
-                <a:effectLst/>
-                <a:latin typeface="Times New Roman" panose="02020603050405020304" pitchFamily="18" charset="0"/>
-                <a:cs typeface="Times New Roman" panose="02020603050405020304" pitchFamily="18" charset="0"/>
-              </a:rPr>
-              <a:t>підмасивів</a:t>
-            </a:r>
-            <a:r>
-              <a:rPr lang="uk-UA" sz="2000" b="0" i="0" dirty="0">
-                <a:effectLst/>
-                <a:latin typeface="Times New Roman" panose="02020603050405020304" pitchFamily="18" charset="0"/>
-                <a:cs typeface="Times New Roman" panose="02020603050405020304" pitchFamily="18" charset="0"/>
-              </a:rPr>
-              <a:t>; </a:t>
-            </a:r>
-          </a:p>
-          <a:p>
-            <a:pPr lvl="1">
-              <a:buFont typeface="Arial" panose="020B0604020202020204" pitchFamily="34" charset="0"/>
-              <a:buChar char="•"/>
-            </a:pPr>
-            <a:r>
-              <a:rPr lang="uk-UA" sz="2000" b="0" i="0" dirty="0">
-                <a:effectLst/>
-                <a:latin typeface="Times New Roman" panose="02020603050405020304" pitchFamily="18" charset="0"/>
-                <a:cs typeface="Times New Roman" panose="02020603050405020304" pitchFamily="18" charset="0"/>
-              </a:rPr>
-              <a:t>працює на пов’язаних списках; </a:t>
-            </a:r>
-          </a:p>
-          <a:p>
-            <a:pPr lvl="1">
-              <a:buFont typeface="Arial" panose="020B0604020202020204" pitchFamily="34" charset="0"/>
-              <a:buChar char="•"/>
-            </a:pPr>
-            <a:r>
-              <a:rPr lang="uk-UA" sz="2000" b="0" i="0" dirty="0">
-                <a:effectLst/>
-                <a:latin typeface="Times New Roman" panose="02020603050405020304" pitchFamily="18" charset="0"/>
-                <a:cs typeface="Times New Roman" panose="02020603050405020304" pitchFamily="18" charset="0"/>
-              </a:rPr>
-              <a:t>є найефективнішим для сортування великої кількості даних. </a:t>
-            </a:r>
-          </a:p>
-          <a:p>
-            <a:pPr algn="l"/>
-            <a:endParaRPr lang="uk-UA" sz="2000" b="0" i="0" dirty="0">
-              <a:effectLst/>
-              <a:latin typeface="Times New Roman" panose="02020603050405020304" pitchFamily="18" charset="0"/>
-              <a:cs typeface="Times New Roman" panose="02020603050405020304" pitchFamily="18" charset="0"/>
-            </a:endParaRPr>
-          </a:p>
-          <a:p>
-            <a:pPr algn="l"/>
-            <a:r>
-              <a:rPr lang="uk-UA" sz="2000" b="1" i="1" dirty="0">
-                <a:effectLst/>
-                <a:latin typeface="Times New Roman" panose="02020603050405020304" pitchFamily="18" charset="0"/>
-                <a:cs typeface="Times New Roman" panose="02020603050405020304" pitchFamily="18" charset="0"/>
-              </a:rPr>
-              <a:t>Недоліками </a:t>
-            </a:r>
-            <a:r>
-              <a:rPr lang="uk-UA" sz="2000" b="0" i="0" dirty="0">
-                <a:effectLst/>
-                <a:latin typeface="Times New Roman" panose="02020603050405020304" pitchFamily="18" charset="0"/>
-                <a:cs typeface="Times New Roman" panose="02020603050405020304" pitchFamily="18" charset="0"/>
-              </a:rPr>
-              <a:t>можна вважати:  </a:t>
-            </a:r>
-          </a:p>
-          <a:p>
-            <a:pPr algn="l">
-              <a:buFont typeface="Arial" panose="020B0604020202020204" pitchFamily="34" charset="0"/>
-              <a:buChar char="•"/>
-            </a:pPr>
-            <a:r>
-              <a:rPr lang="uk-UA" sz="2000" b="0" i="0" dirty="0">
-                <a:effectLst/>
-                <a:latin typeface="Times New Roman" panose="02020603050405020304" pitchFamily="18" charset="0"/>
-                <a:cs typeface="Times New Roman" panose="02020603050405020304" pitchFamily="18" charset="0"/>
-              </a:rPr>
-              <a:t>нестійкість; </a:t>
-            </a:r>
-          </a:p>
-          <a:p>
-            <a:pPr algn="l">
-              <a:buFont typeface="Arial" panose="020B0604020202020204" pitchFamily="34" charset="0"/>
-              <a:buChar char="•"/>
-            </a:pPr>
-            <a:r>
-              <a:rPr lang="uk-UA" sz="2000" b="0" i="0" dirty="0">
-                <a:effectLst/>
-                <a:latin typeface="Times New Roman" panose="02020603050405020304" pitchFamily="18" charset="0"/>
-                <a:cs typeface="Times New Roman" panose="02020603050405020304" pitchFamily="18" charset="0"/>
-              </a:rPr>
-              <a:t>обчислювальна складність сильно деградує за умови невдалих вхідних даних.  </a:t>
-            </a:r>
-          </a:p>
-        </p:txBody>
-      </p:sp>
-    </p:spTree>
-    <p:extLst>
-      <p:ext uri="{BB962C8B-B14F-4D97-AF65-F5344CB8AC3E}">
-        <p14:creationId xmlns:p14="http://schemas.microsoft.com/office/powerpoint/2010/main" val="2193878294"/>
-      </p:ext>
-    </p:extLst>
-  </p:cSld>
-  <p:clrMapOvr>
-    <a:masterClrMapping/>
-  </p:clrMapOvr>
-</p:sld>
-</file>
-
-<file path=ppt/slides/slide9.xml><?xml version="1.0" encoding="utf-8"?>
-<p:sld xmlns:a="http://schemas.openxmlformats.org/drawingml/2006/main" xmlns:r="http://schemas.openxmlformats.org/officeDocument/2006/relationships" xmlns:p="http://schemas.openxmlformats.org/presentationml/2006/main">
-  <p:cSld>
-    <p:spTree>
-      <p:nvGrpSpPr>
-        <p:cNvPr id="1" name=""/>
-        <p:cNvGrpSpPr/>
-        <p:nvPr/>
-      </p:nvGrpSpPr>
-      <p:grpSpPr>
-        <a:xfrm>
-          <a:off x="0" y="0"/>
-          <a:ext cx="0" cy="0"/>
-          <a:chOff x="0" y="0"/>
-          <a:chExt cx="0" cy="0"/>
-        </a:xfrm>
-      </p:grpSpPr>
-      <p:sp>
-        <p:nvSpPr>
-          <p:cNvPr id="2" name="Text Box 3">
-            <a:extLst>
-              <a:ext uri="{FF2B5EF4-FFF2-40B4-BE49-F238E27FC236}">
-                <a16:creationId xmlns:a16="http://schemas.microsoft.com/office/drawing/2014/main" id="{A5092F20-3099-4B5E-8622-C93465A5B0BF}"/>
-              </a:ext>
-            </a:extLst>
-          </p:cNvPr>
-          <p:cNvSpPr txBox="1">
-            <a:spLocks noChangeArrowheads="1"/>
-          </p:cNvSpPr>
-          <p:nvPr/>
-        </p:nvSpPr>
-        <p:spPr bwMode="auto">
-          <a:xfrm>
-            <a:off x="0" y="0"/>
-            <a:ext cx="12192000" cy="830997"/>
-          </a:xfrm>
-          <a:prstGeom prst="rect">
-            <a:avLst/>
-          </a:prstGeom>
-          <a:noFill/>
-          <a:ln w="9525">
-            <a:noFill/>
-            <a:miter lim="800000"/>
-            <a:headEnd/>
-            <a:tailEnd/>
-          </a:ln>
-        </p:spPr>
-        <p:txBody>
-          <a:bodyPr wrap="square">
-            <a:spAutoFit/>
-          </a:bodyPr>
-          <a:lstStyle/>
-          <a:p>
-            <a:pPr algn="ctr" eaLnBrk="0" hangingPunct="0">
-              <a:spcBef>
-                <a:spcPct val="50000"/>
-              </a:spcBef>
-            </a:pPr>
-            <a:r>
-              <a:rPr lang="ru-RU" sz="4800" dirty="0" err="1">
-                <a:latin typeface="Times New Roman" panose="02020603050405020304" pitchFamily="18" charset="0"/>
-                <a:cs typeface="Times New Roman" panose="02020603050405020304" pitchFamily="18" charset="0"/>
-              </a:rPr>
-              <a:t>Сортування</a:t>
-            </a:r>
-            <a:r>
-              <a:rPr lang="ru-RU" sz="4800" dirty="0">
-                <a:latin typeface="Times New Roman" panose="02020603050405020304" pitchFamily="18" charset="0"/>
-                <a:cs typeface="Times New Roman" panose="02020603050405020304" pitchFamily="18" charset="0"/>
-              </a:rPr>
-              <a:t> «</a:t>
-            </a:r>
-            <a:r>
-              <a:rPr lang="ru-RU" sz="4800" dirty="0" err="1">
-                <a:latin typeface="Times New Roman" panose="02020603050405020304" pitchFamily="18" charset="0"/>
-                <a:cs typeface="Times New Roman" panose="02020603050405020304" pitchFamily="18" charset="0"/>
-              </a:rPr>
-              <a:t>вставкою</a:t>
-            </a:r>
-            <a:r>
-              <a:rPr lang="ru-RU" sz="4800" dirty="0">
-                <a:latin typeface="Times New Roman" panose="02020603050405020304" pitchFamily="18" charset="0"/>
-                <a:cs typeface="Times New Roman" panose="02020603050405020304" pitchFamily="18" charset="0"/>
-              </a:rPr>
-              <a:t>»</a:t>
-            </a:r>
-          </a:p>
-        </p:txBody>
-      </p:sp>
-      <p:sp>
-        <p:nvSpPr>
-          <p:cNvPr id="3" name="TextBox 2">
-            <a:extLst>
-              <a:ext uri="{FF2B5EF4-FFF2-40B4-BE49-F238E27FC236}">
-                <a16:creationId xmlns:a16="http://schemas.microsoft.com/office/drawing/2014/main" id="{57F8C8F0-BC93-4F9F-A38F-85DEAE02FE8E}"/>
-              </a:ext>
-            </a:extLst>
-          </p:cNvPr>
-          <p:cNvSpPr txBox="1"/>
-          <p:nvPr/>
-        </p:nvSpPr>
-        <p:spPr>
-          <a:xfrm>
-            <a:off x="452486" y="904973"/>
-            <a:ext cx="4496586" cy="1569660"/>
-          </a:xfrm>
-          <a:prstGeom prst="rect">
-            <a:avLst/>
-          </a:prstGeom>
-          <a:noFill/>
-          <a:ln w="28575">
-            <a:solidFill>
-              <a:schemeClr val="accent6">
-                <a:lumMod val="50000"/>
-              </a:schemeClr>
-            </a:solidFill>
-          </a:ln>
-        </p:spPr>
-        <p:txBody>
-          <a:bodyPr wrap="square" rtlCol="0">
-            <a:spAutoFit/>
-          </a:bodyPr>
-          <a:lstStyle/>
-          <a:p>
-            <a:pPr algn="just"/>
-            <a:r>
-              <a:rPr lang="ru-RU" sz="2400" b="0" i="0" dirty="0" err="1">
-                <a:solidFill>
-                  <a:srgbClr val="000000"/>
-                </a:solidFill>
-                <a:effectLst/>
-                <a:latin typeface="Times New Roman" panose="02020603050405020304" pitchFamily="18" charset="0"/>
-                <a:cs typeface="Times New Roman" panose="02020603050405020304" pitchFamily="18" charset="0"/>
-              </a:rPr>
-              <a:t>Сортування</a:t>
-            </a:r>
-            <a:r>
-              <a:rPr lang="ru-RU" sz="2400" b="0" i="0" dirty="0">
-                <a:solidFill>
-                  <a:srgbClr val="000000"/>
-                </a:solidFill>
-                <a:effectLst/>
-                <a:latin typeface="Times New Roman" panose="02020603050405020304" pitchFamily="18" charset="0"/>
-                <a:cs typeface="Times New Roman" panose="02020603050405020304" pitchFamily="18" charset="0"/>
-              </a:rPr>
-              <a:t> </a:t>
-            </a:r>
-            <a:r>
-              <a:rPr lang="ru-RU" sz="2400" b="0" i="0" dirty="0" err="1">
-                <a:solidFill>
-                  <a:srgbClr val="000000"/>
-                </a:solidFill>
-                <a:effectLst/>
-                <a:latin typeface="Times New Roman" panose="02020603050405020304" pitchFamily="18" charset="0"/>
-                <a:cs typeface="Times New Roman" panose="02020603050405020304" pitchFamily="18" charset="0"/>
-              </a:rPr>
-              <a:t>вставкою</a:t>
-            </a:r>
-            <a:r>
-              <a:rPr lang="ru-RU" sz="2400" b="0" i="0" dirty="0">
-                <a:solidFill>
-                  <a:srgbClr val="000000"/>
-                </a:solidFill>
-                <a:effectLst/>
-                <a:latin typeface="Times New Roman" panose="02020603050405020304" pitchFamily="18" charset="0"/>
-                <a:cs typeface="Times New Roman" panose="02020603050405020304" pitchFamily="18" charset="0"/>
-              </a:rPr>
-              <a:t> — </a:t>
-            </a:r>
-            <a:r>
-              <a:rPr lang="ru-RU" sz="2400" b="0" i="0" dirty="0" err="1">
-                <a:solidFill>
-                  <a:srgbClr val="000000"/>
-                </a:solidFill>
-                <a:effectLst/>
-                <a:latin typeface="Times New Roman" panose="02020603050405020304" pitchFamily="18" charset="0"/>
-                <a:cs typeface="Times New Roman" panose="02020603050405020304" pitchFamily="18" charset="0"/>
-              </a:rPr>
-              <a:t>це</a:t>
-            </a:r>
-            <a:r>
-              <a:rPr lang="ru-RU" sz="2400" b="0" i="0" dirty="0">
-                <a:solidFill>
-                  <a:srgbClr val="000000"/>
-                </a:solidFill>
-                <a:effectLst/>
-                <a:latin typeface="Times New Roman" panose="02020603050405020304" pitchFamily="18" charset="0"/>
-                <a:cs typeface="Times New Roman" panose="02020603050405020304" pitchFamily="18" charset="0"/>
-              </a:rPr>
-              <a:t> </a:t>
-            </a:r>
-            <a:r>
-              <a:rPr lang="ru-RU" sz="2400" b="0" i="0" dirty="0" err="1">
-                <a:solidFill>
-                  <a:srgbClr val="000000"/>
-                </a:solidFill>
-                <a:effectLst/>
-                <a:latin typeface="Times New Roman" panose="02020603050405020304" pitchFamily="18" charset="0"/>
-                <a:cs typeface="Times New Roman" panose="02020603050405020304" pitchFamily="18" charset="0"/>
-              </a:rPr>
-              <a:t>простий</a:t>
-            </a:r>
-            <a:r>
-              <a:rPr lang="ru-RU" sz="2400" b="0" i="0" dirty="0">
-                <a:solidFill>
-                  <a:srgbClr val="000000"/>
-                </a:solidFill>
-                <a:effectLst/>
-                <a:latin typeface="Times New Roman" panose="02020603050405020304" pitchFamily="18" charset="0"/>
-                <a:cs typeface="Times New Roman" panose="02020603050405020304" pitchFamily="18" charset="0"/>
-              </a:rPr>
-              <a:t> алгоритм </a:t>
-            </a:r>
-            <a:r>
-              <a:rPr lang="ru-RU" sz="2400" b="0" i="0" dirty="0" err="1">
-                <a:solidFill>
-                  <a:srgbClr val="000000"/>
-                </a:solidFill>
-                <a:effectLst/>
-                <a:latin typeface="Times New Roman" panose="02020603050405020304" pitchFamily="18" charset="0"/>
-                <a:cs typeface="Times New Roman" panose="02020603050405020304" pitchFamily="18" charset="0"/>
-              </a:rPr>
-              <a:t>сортування</a:t>
-            </a:r>
-            <a:r>
-              <a:rPr lang="ru-RU" sz="2400" b="0" i="0" dirty="0">
-                <a:solidFill>
-                  <a:srgbClr val="000000"/>
-                </a:solidFill>
-                <a:effectLst/>
-                <a:latin typeface="Times New Roman" panose="02020603050405020304" pitchFamily="18" charset="0"/>
-                <a:cs typeface="Times New Roman" panose="02020603050405020304" pitchFamily="18" charset="0"/>
-              </a:rPr>
-              <a:t> для </a:t>
-            </a:r>
-            <a:r>
-              <a:rPr lang="ru-RU" sz="2400" b="0" i="0" dirty="0" err="1">
-                <a:solidFill>
-                  <a:srgbClr val="000000"/>
-                </a:solidFill>
-                <a:effectLst/>
-                <a:latin typeface="Times New Roman" panose="02020603050405020304" pitchFamily="18" charset="0"/>
-                <a:cs typeface="Times New Roman" panose="02020603050405020304" pitchFamily="18" charset="0"/>
-              </a:rPr>
-              <a:t>масивів</a:t>
-            </a:r>
-            <a:r>
-              <a:rPr lang="ru-RU" sz="2400" b="0" i="0" dirty="0">
-                <a:solidFill>
-                  <a:srgbClr val="000000"/>
-                </a:solidFill>
-                <a:effectLst/>
-                <a:latin typeface="Times New Roman" panose="02020603050405020304" pitchFamily="18" charset="0"/>
-                <a:cs typeface="Times New Roman" panose="02020603050405020304" pitchFamily="18" charset="0"/>
-              </a:rPr>
-              <a:t> з невеликою </a:t>
-            </a:r>
-            <a:r>
-              <a:rPr lang="ru-RU" sz="2400" b="0" i="0" dirty="0" err="1">
-                <a:solidFill>
-                  <a:srgbClr val="000000"/>
-                </a:solidFill>
-                <a:effectLst/>
-                <a:latin typeface="Times New Roman" panose="02020603050405020304" pitchFamily="18" charset="0"/>
-                <a:cs typeface="Times New Roman" panose="02020603050405020304" pitchFamily="18" charset="0"/>
-              </a:rPr>
-              <a:t>кількістю</a:t>
-            </a:r>
-            <a:r>
-              <a:rPr lang="ru-RU" sz="2400" b="0" i="0" dirty="0">
-                <a:solidFill>
-                  <a:srgbClr val="000000"/>
-                </a:solidFill>
-                <a:effectLst/>
-                <a:latin typeface="Times New Roman" panose="02020603050405020304" pitchFamily="18" charset="0"/>
-                <a:cs typeface="Times New Roman" panose="02020603050405020304" pitchFamily="18" charset="0"/>
-              </a:rPr>
-              <a:t> </a:t>
-            </a:r>
-            <a:r>
-              <a:rPr lang="ru-RU" sz="2400" b="0" i="0" dirty="0" err="1">
-                <a:solidFill>
-                  <a:srgbClr val="000000"/>
-                </a:solidFill>
-                <a:effectLst/>
-                <a:latin typeface="Times New Roman" panose="02020603050405020304" pitchFamily="18" charset="0"/>
-                <a:cs typeface="Times New Roman" panose="02020603050405020304" pitchFamily="18" charset="0"/>
-              </a:rPr>
-              <a:t>елементів</a:t>
-            </a:r>
-            <a:r>
-              <a:rPr lang="ru-RU" sz="2400" b="0" i="0" dirty="0">
-                <a:solidFill>
-                  <a:srgbClr val="000000"/>
-                </a:solidFill>
-                <a:effectLst/>
-                <a:latin typeface="Times New Roman" panose="02020603050405020304" pitchFamily="18" charset="0"/>
-                <a:cs typeface="Times New Roman" panose="02020603050405020304" pitchFamily="18" charset="0"/>
-              </a:rPr>
-              <a:t>.</a:t>
-            </a:r>
-            <a:endParaRPr lang="uk-UA" sz="2400" dirty="0">
-              <a:latin typeface="Times New Roman" panose="02020603050405020304" pitchFamily="18" charset="0"/>
-              <a:cs typeface="Times New Roman" panose="02020603050405020304" pitchFamily="18" charset="0"/>
-            </a:endParaRPr>
-          </a:p>
-        </p:txBody>
-      </p:sp>
-      <p:sp>
-        <p:nvSpPr>
-          <p:cNvPr id="5" name="TextBox 4">
-            <a:extLst>
-              <a:ext uri="{FF2B5EF4-FFF2-40B4-BE49-F238E27FC236}">
-                <a16:creationId xmlns:a16="http://schemas.microsoft.com/office/drawing/2014/main" id="{0D326A10-0CCC-4D31-BA84-A03BC520B65C}"/>
-              </a:ext>
-            </a:extLst>
-          </p:cNvPr>
-          <p:cNvSpPr txBox="1"/>
-          <p:nvPr/>
-        </p:nvSpPr>
-        <p:spPr>
-          <a:xfrm>
-            <a:off x="5194169" y="904973"/>
-            <a:ext cx="6768445" cy="1569660"/>
-          </a:xfrm>
-          <a:prstGeom prst="rect">
-            <a:avLst/>
-          </a:prstGeom>
-          <a:noFill/>
-          <a:ln w="28575">
-            <a:solidFill>
-              <a:schemeClr val="accent2">
-                <a:lumMod val="75000"/>
-              </a:schemeClr>
-            </a:solidFill>
-          </a:ln>
-        </p:spPr>
-        <p:txBody>
-          <a:bodyPr wrap="square">
-            <a:spAutoFit/>
-          </a:bodyPr>
-          <a:lstStyle/>
-          <a:p>
-            <a:pPr algn="just"/>
-            <a:r>
-              <a:rPr lang="ru-RU" sz="2400" b="0" i="0" dirty="0" err="1">
-                <a:solidFill>
-                  <a:srgbClr val="000000"/>
-                </a:solidFill>
-                <a:effectLst/>
-                <a:latin typeface="Times New Roman" panose="02020603050405020304" pitchFamily="18" charset="0"/>
-                <a:cs typeface="Times New Roman" panose="02020603050405020304" pitchFamily="18" charset="0"/>
-              </a:rPr>
-              <a:t>Масив</a:t>
-            </a:r>
-            <a:r>
-              <a:rPr lang="ru-RU" sz="2400" b="0" i="0" dirty="0">
-                <a:solidFill>
-                  <a:srgbClr val="000000"/>
-                </a:solidFill>
-                <a:effectLst/>
-                <a:latin typeface="Times New Roman" panose="02020603050405020304" pitchFamily="18" charset="0"/>
-                <a:cs typeface="Times New Roman" panose="02020603050405020304" pitchFamily="18" charset="0"/>
-              </a:rPr>
-              <a:t> </a:t>
-            </a:r>
-            <a:r>
-              <a:rPr lang="ru-RU" sz="2400" b="0" i="0" dirty="0" err="1">
-                <a:solidFill>
-                  <a:srgbClr val="000000"/>
-                </a:solidFill>
-                <a:effectLst/>
-                <a:latin typeface="Times New Roman" panose="02020603050405020304" pitchFamily="18" charset="0"/>
-                <a:cs typeface="Times New Roman" panose="02020603050405020304" pitchFamily="18" charset="0"/>
-              </a:rPr>
-              <a:t>віртуально</a:t>
-            </a:r>
-            <a:r>
-              <a:rPr lang="ru-RU" sz="2400" b="0" i="0" dirty="0">
-                <a:solidFill>
-                  <a:srgbClr val="000000"/>
-                </a:solidFill>
-                <a:effectLst/>
-                <a:latin typeface="Times New Roman" panose="02020603050405020304" pitchFamily="18" charset="0"/>
-                <a:cs typeface="Times New Roman" panose="02020603050405020304" pitchFamily="18" charset="0"/>
-              </a:rPr>
-              <a:t> </a:t>
-            </a:r>
-            <a:r>
-              <a:rPr lang="ru-RU" sz="2400" b="0" i="0" dirty="0" err="1">
-                <a:solidFill>
-                  <a:srgbClr val="000000"/>
-                </a:solidFill>
-                <a:effectLst/>
-                <a:latin typeface="Times New Roman" panose="02020603050405020304" pitchFamily="18" charset="0"/>
-                <a:cs typeface="Times New Roman" panose="02020603050405020304" pitchFamily="18" charset="0"/>
-              </a:rPr>
-              <a:t>поділяється</a:t>
-            </a:r>
-            <a:r>
-              <a:rPr lang="ru-RU" sz="2400" b="0" i="0" dirty="0">
-                <a:solidFill>
-                  <a:srgbClr val="000000"/>
-                </a:solidFill>
-                <a:effectLst/>
-                <a:latin typeface="Times New Roman" panose="02020603050405020304" pitchFamily="18" charset="0"/>
-                <a:cs typeface="Times New Roman" panose="02020603050405020304" pitchFamily="18" charset="0"/>
-              </a:rPr>
-              <a:t> на </a:t>
-            </a:r>
-            <a:r>
-              <a:rPr lang="ru-RU" sz="2400" b="0" i="0" dirty="0" err="1">
-                <a:solidFill>
-                  <a:srgbClr val="000000"/>
-                </a:solidFill>
-                <a:effectLst/>
-                <a:latin typeface="Times New Roman" panose="02020603050405020304" pitchFamily="18" charset="0"/>
-                <a:cs typeface="Times New Roman" panose="02020603050405020304" pitchFamily="18" charset="0"/>
-              </a:rPr>
-              <a:t>відсортовану</a:t>
-            </a:r>
-            <a:r>
-              <a:rPr lang="ru-RU" sz="2400" b="0" i="0" dirty="0">
-                <a:solidFill>
-                  <a:srgbClr val="000000"/>
-                </a:solidFill>
-                <a:effectLst/>
-                <a:latin typeface="Times New Roman" panose="02020603050405020304" pitchFamily="18" charset="0"/>
-                <a:cs typeface="Times New Roman" panose="02020603050405020304" pitchFamily="18" charset="0"/>
-              </a:rPr>
-              <a:t> та </a:t>
-            </a:r>
-            <a:r>
-              <a:rPr lang="ru-RU" sz="2400" b="0" i="0" dirty="0" err="1">
-                <a:solidFill>
-                  <a:srgbClr val="000000"/>
-                </a:solidFill>
-                <a:effectLst/>
-                <a:latin typeface="Times New Roman" panose="02020603050405020304" pitchFamily="18" charset="0"/>
-                <a:cs typeface="Times New Roman" panose="02020603050405020304" pitchFamily="18" charset="0"/>
-              </a:rPr>
-              <a:t>невідсортовану</a:t>
-            </a:r>
-            <a:r>
-              <a:rPr lang="ru-RU" sz="2400" b="0" i="0" dirty="0">
-                <a:solidFill>
-                  <a:srgbClr val="000000"/>
-                </a:solidFill>
-                <a:effectLst/>
-                <a:latin typeface="Times New Roman" panose="02020603050405020304" pitchFamily="18" charset="0"/>
-                <a:cs typeface="Times New Roman" panose="02020603050405020304" pitchFamily="18" charset="0"/>
-              </a:rPr>
-              <a:t> </a:t>
-            </a:r>
-            <a:r>
-              <a:rPr lang="ru-RU" sz="2400" b="0" i="0" dirty="0" err="1">
-                <a:solidFill>
-                  <a:srgbClr val="000000"/>
-                </a:solidFill>
-                <a:effectLst/>
-                <a:latin typeface="Times New Roman" panose="02020603050405020304" pitchFamily="18" charset="0"/>
-                <a:cs typeface="Times New Roman" panose="02020603050405020304" pitchFamily="18" charset="0"/>
-              </a:rPr>
-              <a:t>частини</a:t>
-            </a:r>
-            <a:r>
-              <a:rPr lang="ru-RU" sz="2400" b="0" i="0" dirty="0">
-                <a:solidFill>
-                  <a:srgbClr val="000000"/>
-                </a:solidFill>
-                <a:effectLst/>
-                <a:latin typeface="Times New Roman" panose="02020603050405020304" pitchFamily="18" charset="0"/>
-                <a:cs typeface="Times New Roman" panose="02020603050405020304" pitchFamily="18" charset="0"/>
-              </a:rPr>
-              <a:t>. </a:t>
-            </a:r>
-            <a:r>
-              <a:rPr lang="ru-RU" sz="2400" b="0" i="0" dirty="0" err="1">
-                <a:solidFill>
-                  <a:srgbClr val="000000"/>
-                </a:solidFill>
-                <a:effectLst/>
-                <a:latin typeface="Times New Roman" panose="02020603050405020304" pitchFamily="18" charset="0"/>
-                <a:cs typeface="Times New Roman" panose="02020603050405020304" pitchFamily="18" charset="0"/>
-              </a:rPr>
-              <a:t>Потім</a:t>
-            </a:r>
-            <a:r>
-              <a:rPr lang="ru-RU" sz="2400" b="0" i="0" dirty="0">
-                <a:solidFill>
-                  <a:srgbClr val="000000"/>
-                </a:solidFill>
-                <a:effectLst/>
-                <a:latin typeface="Times New Roman" panose="02020603050405020304" pitchFamily="18" charset="0"/>
-                <a:cs typeface="Times New Roman" panose="02020603050405020304" pitchFamily="18" charset="0"/>
-              </a:rPr>
-              <a:t> </a:t>
-            </a:r>
-            <a:r>
-              <a:rPr lang="ru-RU" sz="2400" b="0" i="0" dirty="0" err="1">
-                <a:solidFill>
-                  <a:srgbClr val="000000"/>
-                </a:solidFill>
-                <a:effectLst/>
-                <a:latin typeface="Times New Roman" panose="02020603050405020304" pitchFamily="18" charset="0"/>
-                <a:cs typeface="Times New Roman" panose="02020603050405020304" pitchFamily="18" charset="0"/>
-              </a:rPr>
-              <a:t>елементи</a:t>
-            </a:r>
-            <a:r>
-              <a:rPr lang="ru-RU" sz="2400" b="0" i="0" dirty="0">
-                <a:solidFill>
-                  <a:srgbClr val="000000"/>
-                </a:solidFill>
-                <a:effectLst/>
-                <a:latin typeface="Times New Roman" panose="02020603050405020304" pitchFamily="18" charset="0"/>
-                <a:cs typeface="Times New Roman" panose="02020603050405020304" pitchFamily="18" charset="0"/>
-              </a:rPr>
-              <a:t> </a:t>
-            </a:r>
-            <a:r>
-              <a:rPr lang="ru-RU" sz="2400" b="0" i="0" dirty="0" err="1">
-                <a:solidFill>
-                  <a:srgbClr val="000000"/>
-                </a:solidFill>
-                <a:effectLst/>
-                <a:latin typeface="Times New Roman" panose="02020603050405020304" pitchFamily="18" charset="0"/>
-                <a:cs typeface="Times New Roman" panose="02020603050405020304" pitchFamily="18" charset="0"/>
-              </a:rPr>
-              <a:t>відсортованої</a:t>
-            </a:r>
-            <a:r>
-              <a:rPr lang="ru-RU" sz="2400" b="0" i="0" dirty="0">
-                <a:solidFill>
-                  <a:srgbClr val="000000"/>
-                </a:solidFill>
-                <a:effectLst/>
-                <a:latin typeface="Times New Roman" panose="02020603050405020304" pitchFamily="18" charset="0"/>
-                <a:cs typeface="Times New Roman" panose="02020603050405020304" pitchFamily="18" charset="0"/>
-              </a:rPr>
-              <a:t> </a:t>
-            </a:r>
-            <a:r>
-              <a:rPr lang="ru-RU" sz="2400" b="0" i="0" dirty="0" err="1">
-                <a:solidFill>
-                  <a:srgbClr val="000000"/>
-                </a:solidFill>
-                <a:effectLst/>
-                <a:latin typeface="Times New Roman" panose="02020603050405020304" pitchFamily="18" charset="0"/>
-                <a:cs typeface="Times New Roman" panose="02020603050405020304" pitchFamily="18" charset="0"/>
-              </a:rPr>
-              <a:t>частини</a:t>
-            </a:r>
-            <a:r>
-              <a:rPr lang="ru-RU" sz="2400" b="0" i="0" dirty="0">
-                <a:solidFill>
-                  <a:srgbClr val="000000"/>
-                </a:solidFill>
-                <a:effectLst/>
-                <a:latin typeface="Times New Roman" panose="02020603050405020304" pitchFamily="18" charset="0"/>
-                <a:cs typeface="Times New Roman" panose="02020603050405020304" pitchFamily="18" charset="0"/>
-              </a:rPr>
-              <a:t> </a:t>
-            </a:r>
-            <a:r>
-              <a:rPr lang="ru-RU" sz="2400" b="0" i="0" dirty="0" err="1">
-                <a:solidFill>
-                  <a:srgbClr val="000000"/>
-                </a:solidFill>
-                <a:effectLst/>
-                <a:latin typeface="Times New Roman" panose="02020603050405020304" pitchFamily="18" charset="0"/>
-                <a:cs typeface="Times New Roman" panose="02020603050405020304" pitchFamily="18" charset="0"/>
-              </a:rPr>
-              <a:t>переміщуються</a:t>
-            </a:r>
-            <a:r>
-              <a:rPr lang="ru-RU" sz="2400" b="0" i="0" dirty="0">
-                <a:solidFill>
-                  <a:srgbClr val="000000"/>
-                </a:solidFill>
-                <a:effectLst/>
-                <a:latin typeface="Times New Roman" panose="02020603050405020304" pitchFamily="18" charset="0"/>
-                <a:cs typeface="Times New Roman" panose="02020603050405020304" pitchFamily="18" charset="0"/>
-              </a:rPr>
-              <a:t> на </a:t>
-            </a:r>
-            <a:r>
-              <a:rPr lang="ru-RU" sz="2400" b="0" i="0" dirty="0" err="1">
-                <a:solidFill>
-                  <a:srgbClr val="000000"/>
-                </a:solidFill>
-                <a:effectLst/>
-                <a:latin typeface="Times New Roman" panose="02020603050405020304" pitchFamily="18" charset="0"/>
-                <a:cs typeface="Times New Roman" panose="02020603050405020304" pitchFamily="18" charset="0"/>
-              </a:rPr>
-              <a:t>необхідну</a:t>
-            </a:r>
-            <a:r>
-              <a:rPr lang="ru-RU" sz="2400" b="0" i="0" dirty="0">
-                <a:solidFill>
-                  <a:srgbClr val="000000"/>
-                </a:solidFill>
-                <a:effectLst/>
-                <a:latin typeface="Times New Roman" panose="02020603050405020304" pitchFamily="18" charset="0"/>
-                <a:cs typeface="Times New Roman" panose="02020603050405020304" pitchFamily="18" charset="0"/>
-              </a:rPr>
-              <a:t> </a:t>
-            </a:r>
-            <a:r>
-              <a:rPr lang="ru-RU" sz="2400" b="0" i="0" dirty="0" err="1">
-                <a:solidFill>
-                  <a:srgbClr val="000000"/>
-                </a:solidFill>
-                <a:effectLst/>
-                <a:latin typeface="Times New Roman" panose="02020603050405020304" pitchFamily="18" charset="0"/>
-                <a:cs typeface="Times New Roman" panose="02020603050405020304" pitchFamily="18" charset="0"/>
-              </a:rPr>
-              <a:t>позицію</a:t>
-            </a:r>
-            <a:r>
-              <a:rPr lang="ru-RU" sz="2400" b="0" i="0" dirty="0">
-                <a:solidFill>
-                  <a:srgbClr val="000000"/>
-                </a:solidFill>
-                <a:effectLst/>
-                <a:latin typeface="Times New Roman" panose="02020603050405020304" pitchFamily="18" charset="0"/>
-                <a:cs typeface="Times New Roman" panose="02020603050405020304" pitchFamily="18" charset="0"/>
-              </a:rPr>
-              <a:t> у </a:t>
-            </a:r>
-            <a:r>
-              <a:rPr lang="ru-RU" sz="2400" b="0" i="0" dirty="0" err="1">
-                <a:solidFill>
-                  <a:srgbClr val="000000"/>
-                </a:solidFill>
-                <a:effectLst/>
-                <a:latin typeface="Times New Roman" panose="02020603050405020304" pitchFamily="18" charset="0"/>
-                <a:cs typeface="Times New Roman" panose="02020603050405020304" pitchFamily="18" charset="0"/>
-              </a:rPr>
-              <a:t>відсортованій</a:t>
-            </a:r>
-            <a:r>
-              <a:rPr lang="ru-RU" sz="2400" b="0" i="0" dirty="0">
-                <a:solidFill>
-                  <a:srgbClr val="000000"/>
-                </a:solidFill>
-                <a:effectLst/>
-                <a:latin typeface="Times New Roman" panose="02020603050405020304" pitchFamily="18" charset="0"/>
-                <a:cs typeface="Times New Roman" panose="02020603050405020304" pitchFamily="18" charset="0"/>
-              </a:rPr>
-              <a:t> </a:t>
-            </a:r>
-            <a:r>
-              <a:rPr lang="ru-RU" sz="2400" b="0" i="0" dirty="0" err="1">
-                <a:solidFill>
-                  <a:srgbClr val="000000"/>
-                </a:solidFill>
-                <a:effectLst/>
-                <a:latin typeface="Times New Roman" panose="02020603050405020304" pitchFamily="18" charset="0"/>
-                <a:cs typeface="Times New Roman" panose="02020603050405020304" pitchFamily="18" charset="0"/>
-              </a:rPr>
-              <a:t>частині</a:t>
-            </a:r>
-            <a:r>
-              <a:rPr lang="ru-RU" sz="2400" b="0" i="0" dirty="0">
-                <a:solidFill>
-                  <a:srgbClr val="000000"/>
-                </a:solidFill>
-                <a:effectLst/>
-                <a:latin typeface="Times New Roman" panose="02020603050405020304" pitchFamily="18" charset="0"/>
-                <a:cs typeface="Times New Roman" panose="02020603050405020304" pitchFamily="18" charset="0"/>
-              </a:rPr>
-              <a:t>.</a:t>
-            </a:r>
-            <a:endParaRPr lang="uk-UA" sz="2400" dirty="0">
-              <a:latin typeface="Times New Roman" panose="02020603050405020304" pitchFamily="18" charset="0"/>
-              <a:cs typeface="Times New Roman" panose="02020603050405020304" pitchFamily="18" charset="0"/>
-            </a:endParaRPr>
-          </a:p>
-        </p:txBody>
-      </p:sp>
-      <p:sp>
-        <p:nvSpPr>
-          <p:cNvPr id="6" name="TextBox 5">
-            <a:extLst>
-              <a:ext uri="{FF2B5EF4-FFF2-40B4-BE49-F238E27FC236}">
-                <a16:creationId xmlns:a16="http://schemas.microsoft.com/office/drawing/2014/main" id="{EDE1D415-8135-4AF2-9250-C393FB321B29}"/>
-              </a:ext>
-            </a:extLst>
-          </p:cNvPr>
-          <p:cNvSpPr txBox="1"/>
-          <p:nvPr/>
-        </p:nvSpPr>
-        <p:spPr>
-          <a:xfrm>
-            <a:off x="0" y="2598003"/>
-            <a:ext cx="12192000" cy="830997"/>
-          </a:xfrm>
-          <a:prstGeom prst="rect">
-            <a:avLst/>
-          </a:prstGeom>
-          <a:noFill/>
-        </p:spPr>
-        <p:txBody>
-          <a:bodyPr wrap="square" rtlCol="0">
-            <a:spAutoFit/>
-          </a:bodyPr>
-          <a:lstStyle/>
-          <a:p>
-            <a:pPr algn="ctr"/>
-            <a:r>
-              <a:rPr lang="uk-UA" sz="4800" dirty="0">
-                <a:latin typeface="Times New Roman" panose="02020603050405020304" pitchFamily="18" charset="0"/>
-                <a:cs typeface="Times New Roman" panose="02020603050405020304" pitchFamily="18" charset="0"/>
-              </a:rPr>
-              <a:t>Алгоритм сортування «</a:t>
-            </a:r>
-            <a:r>
-              <a:rPr lang="ru-RU" sz="4800" dirty="0" err="1">
-                <a:latin typeface="Times New Roman" panose="02020603050405020304" pitchFamily="18" charset="0"/>
-                <a:cs typeface="Times New Roman" panose="02020603050405020304" pitchFamily="18" charset="0"/>
-              </a:rPr>
-              <a:t>вставкою</a:t>
-            </a:r>
-            <a:r>
-              <a:rPr lang="ru-RU" sz="4800" dirty="0">
-                <a:latin typeface="Times New Roman" panose="02020603050405020304" pitchFamily="18" charset="0"/>
-                <a:cs typeface="Times New Roman" panose="02020603050405020304" pitchFamily="18" charset="0"/>
-              </a:rPr>
-              <a:t>»</a:t>
-            </a:r>
-            <a:endParaRPr lang="uk-UA" sz="4800" dirty="0">
-              <a:latin typeface="Times New Roman" panose="02020603050405020304" pitchFamily="18" charset="0"/>
-              <a:cs typeface="Times New Roman" panose="02020603050405020304" pitchFamily="18" charset="0"/>
-            </a:endParaRPr>
-          </a:p>
-        </p:txBody>
-      </p:sp>
-      <p:sp>
-        <p:nvSpPr>
-          <p:cNvPr id="8" name="TextBox 7">
-            <a:extLst>
-              <a:ext uri="{FF2B5EF4-FFF2-40B4-BE49-F238E27FC236}">
-                <a16:creationId xmlns:a16="http://schemas.microsoft.com/office/drawing/2014/main" id="{4AAFAD2B-753A-4DE3-AABC-77F59CEED8B6}"/>
-              </a:ext>
-            </a:extLst>
-          </p:cNvPr>
-          <p:cNvSpPr txBox="1"/>
-          <p:nvPr/>
-        </p:nvSpPr>
-        <p:spPr>
-          <a:xfrm>
-            <a:off x="452486" y="3552370"/>
-            <a:ext cx="11510128" cy="1938992"/>
-          </a:xfrm>
-          <a:prstGeom prst="rect">
-            <a:avLst/>
-          </a:prstGeom>
-          <a:noFill/>
-          <a:ln w="28575">
-            <a:solidFill>
-              <a:schemeClr val="tx2"/>
-            </a:solidFill>
-          </a:ln>
-        </p:spPr>
-        <p:txBody>
-          <a:bodyPr wrap="square">
-            <a:spAutoFit/>
-          </a:bodyPr>
-          <a:lstStyle/>
-          <a:p>
-            <a:pPr algn="just"/>
-            <a:r>
-              <a:rPr lang="ru-RU" sz="2400" b="0" i="0" dirty="0" err="1">
-                <a:solidFill>
-                  <a:srgbClr val="000000"/>
-                </a:solidFill>
-                <a:effectLst/>
-                <a:latin typeface="Times New Roman" panose="02020603050405020304" pitchFamily="18" charset="0"/>
-                <a:cs typeface="Times New Roman" panose="02020603050405020304" pitchFamily="18" charset="0"/>
-              </a:rPr>
-              <a:t>Щоб</a:t>
-            </a:r>
-            <a:r>
-              <a:rPr lang="ru-RU" sz="2400" b="0" i="0" dirty="0">
-                <a:solidFill>
-                  <a:srgbClr val="000000"/>
-                </a:solidFill>
-                <a:effectLst/>
-                <a:latin typeface="Times New Roman" panose="02020603050405020304" pitchFamily="18" charset="0"/>
-                <a:cs typeface="Times New Roman" panose="02020603050405020304" pitchFamily="18" charset="0"/>
-              </a:rPr>
-              <a:t> </a:t>
-            </a:r>
-            <a:r>
-              <a:rPr lang="ru-RU" sz="2400" b="0" i="0" dirty="0" err="1">
-                <a:solidFill>
-                  <a:srgbClr val="000000"/>
-                </a:solidFill>
-                <a:effectLst/>
-                <a:latin typeface="Times New Roman" panose="02020603050405020304" pitchFamily="18" charset="0"/>
-                <a:cs typeface="Times New Roman" panose="02020603050405020304" pitchFamily="18" charset="0"/>
-              </a:rPr>
-              <a:t>відсортувати</a:t>
-            </a:r>
-            <a:r>
-              <a:rPr lang="ru-RU" sz="2400" b="0" i="0" dirty="0">
-                <a:solidFill>
-                  <a:srgbClr val="000000"/>
-                </a:solidFill>
-                <a:effectLst/>
-                <a:latin typeface="Times New Roman" panose="02020603050405020304" pitchFamily="18" charset="0"/>
-                <a:cs typeface="Times New Roman" panose="02020603050405020304" pitchFamily="18" charset="0"/>
-              </a:rPr>
-              <a:t> </a:t>
-            </a:r>
-            <a:r>
-              <a:rPr lang="ru-RU" sz="2400" b="0" i="0" dirty="0" err="1">
-                <a:solidFill>
-                  <a:srgbClr val="000000"/>
-                </a:solidFill>
-                <a:effectLst/>
-                <a:latin typeface="Times New Roman" panose="02020603050405020304" pitchFamily="18" charset="0"/>
-                <a:cs typeface="Times New Roman" panose="02020603050405020304" pitchFamily="18" charset="0"/>
-              </a:rPr>
-              <a:t>масив</a:t>
-            </a:r>
-            <a:r>
-              <a:rPr lang="ru-RU" sz="2400" b="0" i="0" dirty="0">
-                <a:solidFill>
-                  <a:srgbClr val="000000"/>
-                </a:solidFill>
-                <a:effectLst/>
-                <a:latin typeface="Times New Roman" panose="02020603050405020304" pitchFamily="18" charset="0"/>
-                <a:cs typeface="Times New Roman" panose="02020603050405020304" pitchFamily="18" charset="0"/>
-              </a:rPr>
-              <a:t> </a:t>
-            </a:r>
-            <a:r>
-              <a:rPr lang="ru-RU" sz="2400" b="0" i="0" dirty="0" err="1">
-                <a:solidFill>
-                  <a:srgbClr val="000000"/>
-                </a:solidFill>
-                <a:effectLst/>
-                <a:latin typeface="Times New Roman" panose="02020603050405020304" pitchFamily="18" charset="0"/>
-                <a:cs typeface="Times New Roman" panose="02020603050405020304" pitchFamily="18" charset="0"/>
-              </a:rPr>
-              <a:t>розміром</a:t>
-            </a:r>
-            <a:r>
-              <a:rPr lang="ru-RU" sz="2400" b="0" i="0" dirty="0">
-                <a:solidFill>
-                  <a:srgbClr val="000000"/>
-                </a:solidFill>
-                <a:effectLst/>
-                <a:latin typeface="Times New Roman" panose="02020603050405020304" pitchFamily="18" charset="0"/>
-                <a:cs typeface="Times New Roman" panose="02020603050405020304" pitchFamily="18" charset="0"/>
-              </a:rPr>
-              <a:t> N за </a:t>
-            </a:r>
-            <a:r>
-              <a:rPr lang="ru-RU" sz="2400" b="0" i="0" dirty="0" err="1">
-                <a:solidFill>
-                  <a:srgbClr val="000000"/>
-                </a:solidFill>
-                <a:effectLst/>
-                <a:latin typeface="Times New Roman" panose="02020603050405020304" pitchFamily="18" charset="0"/>
-                <a:cs typeface="Times New Roman" panose="02020603050405020304" pitchFamily="18" charset="0"/>
-              </a:rPr>
-              <a:t>зростанням</a:t>
-            </a:r>
-            <a:r>
-              <a:rPr lang="ru-RU" sz="2400" b="0" i="0" dirty="0">
-                <a:solidFill>
-                  <a:srgbClr val="000000"/>
-                </a:solidFill>
-                <a:effectLst/>
-                <a:latin typeface="Times New Roman" panose="02020603050405020304" pitchFamily="18" charset="0"/>
-                <a:cs typeface="Times New Roman" panose="02020603050405020304" pitchFamily="18" charset="0"/>
-              </a:rPr>
-              <a:t> методом вставки, </a:t>
-            </a:r>
-            <a:r>
-              <a:rPr lang="ru-RU" sz="2400" b="0" i="0" dirty="0" err="1">
-                <a:solidFill>
-                  <a:srgbClr val="000000"/>
-                </a:solidFill>
-                <a:effectLst/>
-                <a:latin typeface="Times New Roman" panose="02020603050405020304" pitchFamily="18" charset="0"/>
-                <a:cs typeface="Times New Roman" panose="02020603050405020304" pitchFamily="18" charset="0"/>
-              </a:rPr>
-              <a:t>потрібно</a:t>
-            </a:r>
-            <a:r>
-              <a:rPr lang="ru-RU" sz="2400" b="0" i="0" dirty="0">
-                <a:solidFill>
-                  <a:srgbClr val="000000"/>
-                </a:solidFill>
-                <a:effectLst/>
-                <a:latin typeface="Times New Roman" panose="02020603050405020304" pitchFamily="18" charset="0"/>
-                <a:cs typeface="Times New Roman" panose="02020603050405020304" pitchFamily="18" charset="0"/>
-              </a:rPr>
-              <a:t> провести </a:t>
-            </a:r>
-            <a:r>
-              <a:rPr lang="ru-RU" sz="2400" b="0" i="0" dirty="0" err="1">
-                <a:solidFill>
-                  <a:srgbClr val="000000"/>
-                </a:solidFill>
-                <a:effectLst/>
-                <a:latin typeface="Times New Roman" panose="02020603050405020304" pitchFamily="18" charset="0"/>
-                <a:cs typeface="Times New Roman" panose="02020603050405020304" pitchFamily="18" charset="0"/>
-              </a:rPr>
-              <a:t>ітерацію</a:t>
-            </a:r>
-            <a:r>
-              <a:rPr lang="ru-RU" sz="2400" b="0" i="0" dirty="0">
-                <a:solidFill>
-                  <a:srgbClr val="000000"/>
-                </a:solidFill>
-                <a:effectLst/>
-                <a:latin typeface="Times New Roman" panose="02020603050405020304" pitchFamily="18" charset="0"/>
-                <a:cs typeface="Times New Roman" panose="02020603050405020304" pitchFamily="18" charset="0"/>
-              </a:rPr>
-              <a:t> </a:t>
-            </a:r>
-            <a:r>
-              <a:rPr lang="ru-RU" sz="2400" b="0" i="0" dirty="0" err="1">
-                <a:solidFill>
-                  <a:srgbClr val="000000"/>
-                </a:solidFill>
-                <a:effectLst/>
-                <a:latin typeface="Times New Roman" panose="02020603050405020304" pitchFamily="18" charset="0"/>
-                <a:cs typeface="Times New Roman" panose="02020603050405020304" pitchFamily="18" charset="0"/>
-              </a:rPr>
-              <a:t>масиву</a:t>
-            </a:r>
-            <a:r>
-              <a:rPr lang="ru-RU" sz="2400" b="0" i="0" dirty="0">
-                <a:solidFill>
-                  <a:srgbClr val="000000"/>
-                </a:solidFill>
-                <a:effectLst/>
-                <a:latin typeface="Times New Roman" panose="02020603050405020304" pitchFamily="18" charset="0"/>
-                <a:cs typeface="Times New Roman" panose="02020603050405020304" pitchFamily="18" charset="0"/>
-              </a:rPr>
-              <a:t> і </a:t>
-            </a:r>
-            <a:r>
-              <a:rPr lang="ru-RU" sz="2400" b="0" i="0" dirty="0" err="1">
-                <a:solidFill>
-                  <a:srgbClr val="000000"/>
-                </a:solidFill>
-                <a:effectLst/>
-                <a:latin typeface="Times New Roman" panose="02020603050405020304" pitchFamily="18" charset="0"/>
-                <a:cs typeface="Times New Roman" panose="02020603050405020304" pitchFamily="18" charset="0"/>
-              </a:rPr>
-              <a:t>порівняти</a:t>
-            </a:r>
-            <a:r>
-              <a:rPr lang="ru-RU" sz="2400" b="0" i="0" dirty="0">
-                <a:solidFill>
-                  <a:srgbClr val="000000"/>
-                </a:solidFill>
-                <a:effectLst/>
-                <a:latin typeface="Times New Roman" panose="02020603050405020304" pitchFamily="18" charset="0"/>
-                <a:cs typeface="Times New Roman" panose="02020603050405020304" pitchFamily="18" charset="0"/>
-              </a:rPr>
-              <a:t> </a:t>
-            </a:r>
-            <a:r>
-              <a:rPr lang="ru-RU" sz="2400" b="0" i="0" dirty="0" err="1">
-                <a:solidFill>
-                  <a:srgbClr val="000000"/>
-                </a:solidFill>
-                <a:effectLst/>
-                <a:latin typeface="Times New Roman" panose="02020603050405020304" pitchFamily="18" charset="0"/>
-                <a:cs typeface="Times New Roman" panose="02020603050405020304" pitchFamily="18" charset="0"/>
-              </a:rPr>
-              <a:t>поточний</a:t>
-            </a:r>
-            <a:r>
-              <a:rPr lang="ru-RU" sz="2400" b="0" i="0" dirty="0">
-                <a:solidFill>
-                  <a:srgbClr val="000000"/>
-                </a:solidFill>
-                <a:effectLst/>
-                <a:latin typeface="Times New Roman" panose="02020603050405020304" pitchFamily="18" charset="0"/>
-                <a:cs typeface="Times New Roman" panose="02020603050405020304" pitchFamily="18" charset="0"/>
-              </a:rPr>
-              <a:t> </a:t>
-            </a:r>
-            <a:r>
-              <a:rPr lang="ru-RU" sz="2400" b="0" i="0" dirty="0" err="1">
-                <a:solidFill>
-                  <a:srgbClr val="000000"/>
-                </a:solidFill>
-                <a:effectLst/>
-                <a:latin typeface="Times New Roman" panose="02020603050405020304" pitchFamily="18" charset="0"/>
-                <a:cs typeface="Times New Roman" panose="02020603050405020304" pitchFamily="18" charset="0"/>
-              </a:rPr>
-              <a:t>елемент</a:t>
-            </a:r>
-            <a:r>
-              <a:rPr lang="ru-RU" sz="2400" b="0" i="0" dirty="0">
-                <a:solidFill>
-                  <a:srgbClr val="000000"/>
-                </a:solidFill>
-                <a:effectLst/>
-                <a:latin typeface="Times New Roman" panose="02020603050405020304" pitchFamily="18" charset="0"/>
-                <a:cs typeface="Times New Roman" panose="02020603050405020304" pitchFamily="18" charset="0"/>
-              </a:rPr>
-              <a:t> (ключ) з </a:t>
-            </a:r>
-            <a:r>
-              <a:rPr lang="ru-RU" sz="2400" b="0" i="0" dirty="0" err="1">
-                <a:solidFill>
-                  <a:srgbClr val="000000"/>
-                </a:solidFill>
-                <a:effectLst/>
-                <a:latin typeface="Times New Roman" panose="02020603050405020304" pitchFamily="18" charset="0"/>
-                <a:cs typeface="Times New Roman" panose="02020603050405020304" pitchFamily="18" charset="0"/>
-              </a:rPr>
-              <a:t>попереднім</a:t>
-            </a:r>
-            <a:r>
-              <a:rPr lang="ru-RU" sz="2400" b="0" i="0" dirty="0">
-                <a:solidFill>
-                  <a:srgbClr val="000000"/>
-                </a:solidFill>
-                <a:effectLst/>
-                <a:latin typeface="Times New Roman" panose="02020603050405020304" pitchFamily="18" charset="0"/>
-                <a:cs typeface="Times New Roman" panose="02020603050405020304" pitchFamily="18" charset="0"/>
-              </a:rPr>
-              <a:t>. </a:t>
-            </a:r>
-            <a:r>
-              <a:rPr lang="ru-RU" sz="2400" b="0" i="0" dirty="0" err="1">
-                <a:solidFill>
-                  <a:srgbClr val="000000"/>
-                </a:solidFill>
-                <a:effectLst/>
-                <a:latin typeface="Times New Roman" panose="02020603050405020304" pitchFamily="18" charset="0"/>
-                <a:cs typeface="Times New Roman" panose="02020603050405020304" pitchFamily="18" charset="0"/>
-              </a:rPr>
-              <a:t>Якщо</a:t>
-            </a:r>
-            <a:r>
-              <a:rPr lang="ru-RU" sz="2400" b="0" i="0" dirty="0">
-                <a:solidFill>
-                  <a:srgbClr val="000000"/>
-                </a:solidFill>
-                <a:effectLst/>
-                <a:latin typeface="Times New Roman" panose="02020603050405020304" pitchFamily="18" charset="0"/>
-                <a:cs typeface="Times New Roman" panose="02020603050405020304" pitchFamily="18" charset="0"/>
-              </a:rPr>
-              <a:t> </a:t>
-            </a:r>
-            <a:r>
-              <a:rPr lang="ru-RU" sz="2400" b="0" i="0" dirty="0" err="1">
-                <a:solidFill>
-                  <a:srgbClr val="000000"/>
-                </a:solidFill>
-                <a:effectLst/>
-                <a:latin typeface="Times New Roman" panose="02020603050405020304" pitchFamily="18" charset="0"/>
-                <a:cs typeface="Times New Roman" panose="02020603050405020304" pitchFamily="18" charset="0"/>
-              </a:rPr>
-              <a:t>ключовий</a:t>
-            </a:r>
-            <a:r>
-              <a:rPr lang="ru-RU" sz="2400" b="0" i="0" dirty="0">
-                <a:solidFill>
-                  <a:srgbClr val="000000"/>
-                </a:solidFill>
-                <a:effectLst/>
-                <a:latin typeface="Times New Roman" panose="02020603050405020304" pitchFamily="18" charset="0"/>
-                <a:cs typeface="Times New Roman" panose="02020603050405020304" pitchFamily="18" charset="0"/>
-              </a:rPr>
-              <a:t> </a:t>
-            </a:r>
-            <a:r>
-              <a:rPr lang="ru-RU" sz="2400" b="0" i="0" dirty="0" err="1">
-                <a:solidFill>
-                  <a:srgbClr val="000000"/>
-                </a:solidFill>
-                <a:effectLst/>
-                <a:latin typeface="Times New Roman" panose="02020603050405020304" pitchFamily="18" charset="0"/>
-                <a:cs typeface="Times New Roman" panose="02020603050405020304" pitchFamily="18" charset="0"/>
-              </a:rPr>
-              <a:t>елемент</a:t>
-            </a:r>
-            <a:r>
-              <a:rPr lang="ru-RU" sz="2400" b="0" i="0" dirty="0">
-                <a:solidFill>
-                  <a:srgbClr val="000000"/>
-                </a:solidFill>
-                <a:effectLst/>
-                <a:latin typeface="Times New Roman" panose="02020603050405020304" pitchFamily="18" charset="0"/>
-                <a:cs typeface="Times New Roman" panose="02020603050405020304" pitchFamily="18" charset="0"/>
-              </a:rPr>
-              <a:t> </a:t>
-            </a:r>
-            <a:r>
-              <a:rPr lang="ru-RU" sz="2400" b="0" i="0" dirty="0" err="1">
-                <a:solidFill>
-                  <a:srgbClr val="000000"/>
-                </a:solidFill>
-                <a:effectLst/>
-                <a:latin typeface="Times New Roman" panose="02020603050405020304" pitchFamily="18" charset="0"/>
-                <a:cs typeface="Times New Roman" panose="02020603050405020304" pitchFamily="18" charset="0"/>
-              </a:rPr>
-              <a:t>менший</a:t>
-            </a:r>
-            <a:r>
-              <a:rPr lang="ru-RU" sz="2400" b="0" i="0" dirty="0">
-                <a:solidFill>
-                  <a:srgbClr val="000000"/>
-                </a:solidFill>
-                <a:effectLst/>
-                <a:latin typeface="Times New Roman" panose="02020603050405020304" pitchFamily="18" charset="0"/>
-                <a:cs typeface="Times New Roman" panose="02020603050405020304" pitchFamily="18" charset="0"/>
-              </a:rPr>
-              <a:t> за попередника, то </a:t>
-            </a:r>
-            <a:r>
-              <a:rPr lang="ru-RU" sz="2400" b="0" i="0" dirty="0" err="1">
-                <a:solidFill>
-                  <a:srgbClr val="000000"/>
-                </a:solidFill>
-                <a:effectLst/>
-                <a:latin typeface="Times New Roman" panose="02020603050405020304" pitchFamily="18" charset="0"/>
-                <a:cs typeface="Times New Roman" panose="02020603050405020304" pitchFamily="18" charset="0"/>
-              </a:rPr>
-              <a:t>порівняти</a:t>
-            </a:r>
-            <a:r>
-              <a:rPr lang="ru-RU" sz="2400" b="0" i="0" dirty="0">
-                <a:solidFill>
-                  <a:srgbClr val="000000"/>
-                </a:solidFill>
-                <a:effectLst/>
-                <a:latin typeface="Times New Roman" panose="02020603050405020304" pitchFamily="18" charset="0"/>
-                <a:cs typeface="Times New Roman" panose="02020603050405020304" pitchFamily="18" charset="0"/>
-              </a:rPr>
-              <a:t> </a:t>
-            </a:r>
-            <a:r>
-              <a:rPr lang="ru-RU" sz="2400" b="0" i="0" dirty="0" err="1">
-                <a:solidFill>
-                  <a:srgbClr val="000000"/>
-                </a:solidFill>
-                <a:effectLst/>
-                <a:latin typeface="Times New Roman" panose="02020603050405020304" pitchFamily="18" charset="0"/>
-                <a:cs typeface="Times New Roman" panose="02020603050405020304" pitchFamily="18" charset="0"/>
-              </a:rPr>
-              <a:t>його</a:t>
-            </a:r>
-            <a:r>
-              <a:rPr lang="ru-RU" sz="2400" b="0" i="0" dirty="0">
-                <a:solidFill>
-                  <a:srgbClr val="000000"/>
-                </a:solidFill>
-                <a:effectLst/>
-                <a:latin typeface="Times New Roman" panose="02020603050405020304" pitchFamily="18" charset="0"/>
-                <a:cs typeface="Times New Roman" panose="02020603050405020304" pitchFamily="18" charset="0"/>
-              </a:rPr>
-              <a:t> з </a:t>
-            </a:r>
-            <a:r>
-              <a:rPr lang="ru-RU" sz="2400" b="0" i="0" dirty="0" err="1">
-                <a:solidFill>
-                  <a:srgbClr val="000000"/>
-                </a:solidFill>
-                <a:effectLst/>
-                <a:latin typeface="Times New Roman" panose="02020603050405020304" pitchFamily="18" charset="0"/>
-                <a:cs typeface="Times New Roman" panose="02020603050405020304" pitchFamily="18" charset="0"/>
-              </a:rPr>
-              <a:t>елементами</a:t>
-            </a:r>
-            <a:r>
-              <a:rPr lang="ru-RU" sz="2400" b="0" i="0" dirty="0">
-                <a:solidFill>
-                  <a:srgbClr val="000000"/>
-                </a:solidFill>
-                <a:effectLst/>
-                <a:latin typeface="Times New Roman" panose="02020603050405020304" pitchFamily="18" charset="0"/>
-                <a:cs typeface="Times New Roman" panose="02020603050405020304" pitchFamily="18" charset="0"/>
-              </a:rPr>
-              <a:t>, </a:t>
-            </a:r>
-            <a:r>
-              <a:rPr lang="ru-RU" sz="2400" b="0" i="0" dirty="0" err="1">
-                <a:solidFill>
-                  <a:srgbClr val="000000"/>
-                </a:solidFill>
-                <a:effectLst/>
-                <a:latin typeface="Times New Roman" panose="02020603050405020304" pitchFamily="18" charset="0"/>
-                <a:cs typeface="Times New Roman" panose="02020603050405020304" pitchFamily="18" charset="0"/>
-              </a:rPr>
-              <a:t>розташованими</a:t>
-            </a:r>
-            <a:r>
-              <a:rPr lang="ru-RU" sz="2400" b="0" i="0" dirty="0">
-                <a:solidFill>
-                  <a:srgbClr val="000000"/>
-                </a:solidFill>
-                <a:effectLst/>
-                <a:latin typeface="Times New Roman" panose="02020603050405020304" pitchFamily="18" charset="0"/>
-                <a:cs typeface="Times New Roman" panose="02020603050405020304" pitchFamily="18" charset="0"/>
-              </a:rPr>
-              <a:t> перед попередником. </a:t>
-            </a:r>
-            <a:r>
-              <a:rPr lang="ru-RU" sz="2400" b="0" i="0" dirty="0" err="1">
-                <a:solidFill>
-                  <a:srgbClr val="000000"/>
-                </a:solidFill>
-                <a:effectLst/>
-                <a:latin typeface="Times New Roman" panose="02020603050405020304" pitchFamily="18" charset="0"/>
-                <a:cs typeface="Times New Roman" panose="02020603050405020304" pitchFamily="18" charset="0"/>
-              </a:rPr>
-              <a:t>Перемістити</a:t>
-            </a:r>
-            <a:r>
-              <a:rPr lang="ru-RU" sz="2400" b="0" i="0" dirty="0">
-                <a:solidFill>
-                  <a:srgbClr val="000000"/>
-                </a:solidFill>
-                <a:effectLst/>
-                <a:latin typeface="Times New Roman" panose="02020603050405020304" pitchFamily="18" charset="0"/>
-                <a:cs typeface="Times New Roman" panose="02020603050405020304" pitchFamily="18" charset="0"/>
-              </a:rPr>
-              <a:t> </a:t>
-            </a:r>
-            <a:r>
-              <a:rPr lang="ru-RU" sz="2400" b="0" i="0" dirty="0" err="1">
-                <a:solidFill>
-                  <a:srgbClr val="000000"/>
-                </a:solidFill>
-                <a:effectLst/>
-                <a:latin typeface="Times New Roman" panose="02020603050405020304" pitchFamily="18" charset="0"/>
-                <a:cs typeface="Times New Roman" panose="02020603050405020304" pitchFamily="18" charset="0"/>
-              </a:rPr>
-              <a:t>великі</a:t>
-            </a:r>
-            <a:r>
-              <a:rPr lang="ru-RU" sz="2400" b="0" i="0" dirty="0">
-                <a:solidFill>
-                  <a:srgbClr val="000000"/>
-                </a:solidFill>
-                <a:effectLst/>
-                <a:latin typeface="Times New Roman" panose="02020603050405020304" pitchFamily="18" charset="0"/>
-                <a:cs typeface="Times New Roman" panose="02020603050405020304" pitchFamily="18" charset="0"/>
-              </a:rPr>
-              <a:t> </a:t>
-            </a:r>
-            <a:r>
-              <a:rPr lang="ru-RU" sz="2400" b="0" i="0" dirty="0" err="1">
-                <a:solidFill>
-                  <a:srgbClr val="000000"/>
-                </a:solidFill>
-                <a:effectLst/>
-                <a:latin typeface="Times New Roman" panose="02020603050405020304" pitchFamily="18" charset="0"/>
-                <a:cs typeface="Times New Roman" panose="02020603050405020304" pitchFamily="18" charset="0"/>
-              </a:rPr>
-              <a:t>елементи</a:t>
-            </a:r>
-            <a:r>
-              <a:rPr lang="ru-RU" sz="2400" b="0" i="0" dirty="0">
-                <a:solidFill>
-                  <a:srgbClr val="000000"/>
-                </a:solidFill>
-                <a:effectLst/>
-                <a:latin typeface="Times New Roman" panose="02020603050405020304" pitchFamily="18" charset="0"/>
-                <a:cs typeface="Times New Roman" panose="02020603050405020304" pitchFamily="18" charset="0"/>
-              </a:rPr>
-              <a:t> на одну </a:t>
-            </a:r>
-            <a:r>
-              <a:rPr lang="ru-RU" sz="2400" b="0" i="0" dirty="0" err="1">
-                <a:solidFill>
-                  <a:srgbClr val="000000"/>
-                </a:solidFill>
-                <a:effectLst/>
-                <a:latin typeface="Times New Roman" panose="02020603050405020304" pitchFamily="18" charset="0"/>
-                <a:cs typeface="Times New Roman" panose="02020603050405020304" pitchFamily="18" charset="0"/>
-              </a:rPr>
-              <a:t>позицію</a:t>
-            </a:r>
-            <a:r>
-              <a:rPr lang="ru-RU" sz="2400" b="0" i="0" dirty="0">
-                <a:solidFill>
-                  <a:srgbClr val="000000"/>
-                </a:solidFill>
-                <a:effectLst/>
-                <a:latin typeface="Times New Roman" panose="02020603050405020304" pitchFamily="18" charset="0"/>
-                <a:cs typeface="Times New Roman" panose="02020603050405020304" pitchFamily="18" charset="0"/>
-              </a:rPr>
-              <a:t> </a:t>
-            </a:r>
-            <a:r>
-              <a:rPr lang="ru-RU" sz="2400" b="0" i="0" dirty="0" err="1">
-                <a:solidFill>
-                  <a:srgbClr val="000000"/>
-                </a:solidFill>
-                <a:effectLst/>
-                <a:latin typeface="Times New Roman" panose="02020603050405020304" pitchFamily="18" charset="0"/>
-                <a:cs typeface="Times New Roman" panose="02020603050405020304" pitchFamily="18" charset="0"/>
-              </a:rPr>
-              <a:t>вгору</a:t>
-            </a:r>
-            <a:r>
-              <a:rPr lang="ru-RU" sz="2400" b="0" i="0" dirty="0">
-                <a:solidFill>
-                  <a:srgbClr val="000000"/>
-                </a:solidFill>
-                <a:effectLst/>
-                <a:latin typeface="Times New Roman" panose="02020603050405020304" pitchFamily="18" charset="0"/>
-                <a:cs typeface="Times New Roman" panose="02020603050405020304" pitchFamily="18" charset="0"/>
-              </a:rPr>
-              <a:t>, </a:t>
-            </a:r>
-            <a:r>
-              <a:rPr lang="ru-RU" sz="2400" b="0" i="0" dirty="0" err="1">
-                <a:solidFill>
-                  <a:srgbClr val="000000"/>
-                </a:solidFill>
-                <a:effectLst/>
-                <a:latin typeface="Times New Roman" panose="02020603050405020304" pitchFamily="18" charset="0"/>
-                <a:cs typeface="Times New Roman" panose="02020603050405020304" pitchFamily="18" charset="0"/>
-              </a:rPr>
-              <a:t>щоб</a:t>
-            </a:r>
-            <a:r>
-              <a:rPr lang="ru-RU" sz="2400" b="0" i="0" dirty="0">
-                <a:solidFill>
-                  <a:srgbClr val="000000"/>
-                </a:solidFill>
-                <a:effectLst/>
-                <a:latin typeface="Times New Roman" panose="02020603050405020304" pitchFamily="18" charset="0"/>
-                <a:cs typeface="Times New Roman" panose="02020603050405020304" pitchFamily="18" charset="0"/>
-              </a:rPr>
-              <a:t> </a:t>
-            </a:r>
-            <a:r>
-              <a:rPr lang="ru-RU" sz="2400" b="0" i="0" dirty="0" err="1">
-                <a:solidFill>
-                  <a:srgbClr val="000000"/>
-                </a:solidFill>
-                <a:effectLst/>
-                <a:latin typeface="Times New Roman" panose="02020603050405020304" pitchFamily="18" charset="0"/>
-                <a:cs typeface="Times New Roman" panose="02020603050405020304" pitchFamily="18" charset="0"/>
-              </a:rPr>
-              <a:t>створити</a:t>
-            </a:r>
-            <a:r>
-              <a:rPr lang="ru-RU" sz="2400" b="0" i="0" dirty="0">
-                <a:solidFill>
-                  <a:srgbClr val="000000"/>
-                </a:solidFill>
-                <a:effectLst/>
-                <a:latin typeface="Times New Roman" panose="02020603050405020304" pitchFamily="18" charset="0"/>
-                <a:cs typeface="Times New Roman" panose="02020603050405020304" pitchFamily="18" charset="0"/>
-              </a:rPr>
-              <a:t> </a:t>
-            </a:r>
-            <a:r>
-              <a:rPr lang="ru-RU" sz="2400" b="0" i="0" dirty="0" err="1">
-                <a:solidFill>
-                  <a:srgbClr val="000000"/>
-                </a:solidFill>
-                <a:effectLst/>
-                <a:latin typeface="Times New Roman" panose="02020603050405020304" pitchFamily="18" charset="0"/>
-                <a:cs typeface="Times New Roman" panose="02020603050405020304" pitchFamily="18" charset="0"/>
-              </a:rPr>
-              <a:t>місце</a:t>
-            </a:r>
-            <a:r>
-              <a:rPr lang="ru-RU" sz="2400" b="0" i="0" dirty="0">
-                <a:solidFill>
-                  <a:srgbClr val="000000"/>
-                </a:solidFill>
-                <a:effectLst/>
-                <a:latin typeface="Times New Roman" panose="02020603050405020304" pitchFamily="18" charset="0"/>
-                <a:cs typeface="Times New Roman" panose="02020603050405020304" pitchFamily="18" charset="0"/>
-              </a:rPr>
-              <a:t> для </a:t>
-            </a:r>
-            <a:r>
-              <a:rPr lang="ru-RU" sz="2400" b="0" i="0" dirty="0" err="1">
-                <a:solidFill>
-                  <a:srgbClr val="000000"/>
-                </a:solidFill>
-                <a:effectLst/>
-                <a:latin typeface="Times New Roman" panose="02020603050405020304" pitchFamily="18" charset="0"/>
-                <a:cs typeface="Times New Roman" panose="02020603050405020304" pitchFamily="18" charset="0"/>
-              </a:rPr>
-              <a:t>елемента</a:t>
-            </a:r>
-            <a:r>
-              <a:rPr lang="ru-RU" sz="2400" b="0" i="0" dirty="0">
-                <a:solidFill>
-                  <a:srgbClr val="000000"/>
-                </a:solidFill>
-                <a:effectLst/>
-                <a:latin typeface="Times New Roman" panose="02020603050405020304" pitchFamily="18" charset="0"/>
-                <a:cs typeface="Times New Roman" panose="02020603050405020304" pitchFamily="18" charset="0"/>
-              </a:rPr>
-              <a:t>, </a:t>
-            </a:r>
-            <a:r>
-              <a:rPr lang="ru-RU" sz="2400" b="0" i="0" dirty="0" err="1">
-                <a:solidFill>
-                  <a:srgbClr val="000000"/>
-                </a:solidFill>
-                <a:effectLst/>
-                <a:latin typeface="Times New Roman" panose="02020603050405020304" pitchFamily="18" charset="0"/>
-                <a:cs typeface="Times New Roman" panose="02020603050405020304" pitchFamily="18" charset="0"/>
-              </a:rPr>
-              <a:t>що</a:t>
-            </a:r>
-            <a:r>
-              <a:rPr lang="ru-RU" sz="2400" b="0" i="0" dirty="0">
-                <a:solidFill>
-                  <a:srgbClr val="000000"/>
-                </a:solidFill>
-                <a:effectLst/>
-                <a:latin typeface="Times New Roman" panose="02020603050405020304" pitchFamily="18" charset="0"/>
-                <a:cs typeface="Times New Roman" panose="02020603050405020304" pitchFamily="18" charset="0"/>
-              </a:rPr>
-              <a:t> </a:t>
-            </a:r>
-            <a:r>
-              <a:rPr lang="ru-RU" sz="2400" b="0" i="0" dirty="0" err="1">
-                <a:solidFill>
-                  <a:srgbClr val="000000"/>
-                </a:solidFill>
-                <a:effectLst/>
-                <a:latin typeface="Times New Roman" panose="02020603050405020304" pitchFamily="18" charset="0"/>
-                <a:cs typeface="Times New Roman" panose="02020603050405020304" pitchFamily="18" charset="0"/>
-              </a:rPr>
-              <a:t>переставляється</a:t>
-            </a:r>
-            <a:r>
-              <a:rPr lang="ru-RU" sz="2400" b="0" i="0" dirty="0">
-                <a:solidFill>
-                  <a:srgbClr val="000000"/>
-                </a:solidFill>
-                <a:effectLst/>
-                <a:latin typeface="Times New Roman" panose="02020603050405020304" pitchFamily="18" charset="0"/>
-                <a:cs typeface="Times New Roman" panose="02020603050405020304" pitchFamily="18" charset="0"/>
-              </a:rPr>
-              <a:t>.</a:t>
-            </a:r>
-            <a:endParaRPr lang="uk-UA" sz="2400" dirty="0">
-              <a:latin typeface="Times New Roman" panose="02020603050405020304" pitchFamily="18" charset="0"/>
-              <a:cs typeface="Times New Roman" panose="02020603050405020304" pitchFamily="18" charset="0"/>
-            </a:endParaRPr>
-          </a:p>
-        </p:txBody>
-      </p:sp>
-    </p:spTree>
-    <p:extLst>
-      <p:ext uri="{BB962C8B-B14F-4D97-AF65-F5344CB8AC3E}">
-        <p14:creationId xmlns:p14="http://schemas.microsoft.com/office/powerpoint/2010/main" val="391411571"/>
       </p:ext>
     </p:extLst>
   </p:cSld>

--- a/Java Урок 8 Масиви. Алгоритми сортування.pptx
+++ b/Java Урок 8 Масиви. Алгоритми сортування.pptx
@@ -5,31 +5,30 @@
     <p:sldMasterId id="2147483648" r:id="rId1"/>
   </p:sldMasterIdLst>
   <p:notesMasterIdLst>
-    <p:notesMasterId r:id="rId24"/>
+    <p:notesMasterId r:id="rId23"/>
   </p:notesMasterIdLst>
   <p:sldIdLst>
     <p:sldId id="314" r:id="rId2"/>
-    <p:sldId id="336" r:id="rId3"/>
-    <p:sldId id="300" r:id="rId4"/>
-    <p:sldId id="278" r:id="rId5"/>
-    <p:sldId id="316" r:id="rId6"/>
-    <p:sldId id="317" r:id="rId7"/>
-    <p:sldId id="318" r:id="rId8"/>
-    <p:sldId id="335" r:id="rId9"/>
-    <p:sldId id="334" r:id="rId10"/>
-    <p:sldId id="333" r:id="rId11"/>
-    <p:sldId id="319" r:id="rId12"/>
-    <p:sldId id="320" r:id="rId13"/>
-    <p:sldId id="321" r:id="rId14"/>
-    <p:sldId id="322" r:id="rId15"/>
-    <p:sldId id="323" r:id="rId16"/>
-    <p:sldId id="324" r:id="rId17"/>
-    <p:sldId id="325" r:id="rId18"/>
-    <p:sldId id="326" r:id="rId19"/>
-    <p:sldId id="327" r:id="rId20"/>
-    <p:sldId id="330" r:id="rId21"/>
-    <p:sldId id="328" r:id="rId22"/>
-    <p:sldId id="332" r:id="rId23"/>
+    <p:sldId id="300" r:id="rId3"/>
+    <p:sldId id="278" r:id="rId4"/>
+    <p:sldId id="316" r:id="rId5"/>
+    <p:sldId id="317" r:id="rId6"/>
+    <p:sldId id="318" r:id="rId7"/>
+    <p:sldId id="335" r:id="rId8"/>
+    <p:sldId id="334" r:id="rId9"/>
+    <p:sldId id="333" r:id="rId10"/>
+    <p:sldId id="319" r:id="rId11"/>
+    <p:sldId id="320" r:id="rId12"/>
+    <p:sldId id="321" r:id="rId13"/>
+    <p:sldId id="322" r:id="rId14"/>
+    <p:sldId id="323" r:id="rId15"/>
+    <p:sldId id="324" r:id="rId16"/>
+    <p:sldId id="325" r:id="rId17"/>
+    <p:sldId id="326" r:id="rId18"/>
+    <p:sldId id="327" r:id="rId19"/>
+    <p:sldId id="330" r:id="rId20"/>
+    <p:sldId id="328" r:id="rId21"/>
+    <p:sldId id="332" r:id="rId22"/>
   </p:sldIdLst>
   <p:sldSz cx="12192000" cy="6858000"/>
   <p:notesSz cx="6858000" cy="9144000"/>
@@ -218,7 +217,7 @@
           <a:p>
             <a:fld id="{FBB4BF9E-3F1F-4A7F-AD48-2A75BDECB5CA}" type="datetimeFigureOut">
               <a:rPr lang="uk-UA" smtClean="0"/>
-              <a:t>11.02.2024</a:t>
+              <a:t>21.02.2024</a:t>
             </a:fld>
             <a:endParaRPr lang="uk-UA"/>
           </a:p>
@@ -570,7 +569,7 @@
           <a:p>
             <a:fld id="{C83854A3-6714-4526-AEDE-747CDFA70004}" type="slidenum">
               <a:rPr lang="ru-RU" smtClean="0"/>
-              <a:t>3</a:t>
+              <a:t>2</a:t>
             </a:fld>
             <a:endParaRPr lang="ru-RU"/>
           </a:p>
@@ -626,7 +625,7 @@
             <a:fld id="{77FD83DD-733F-47D0-899C-B7DB1D0B653D}" type="slidenum">
               <a:rPr lang="ru-RU" smtClean="0"/>
               <a:pPr/>
-              <a:t>4</a:t>
+              <a:t>3</a:t>
             </a:fld>
             <a:endParaRPr lang="ru-RU"/>
           </a:p>
@@ -826,7 +825,7 @@
           <a:p>
             <a:fld id="{1D2F25C8-2E79-4CB5-8BA5-E4A416168F39}" type="datetimeFigureOut">
               <a:rPr lang="uk-UA" smtClean="0"/>
-              <a:t>11.02.2024</a:t>
+              <a:t>21.02.2024</a:t>
             </a:fld>
             <a:endParaRPr lang="uk-UA"/>
           </a:p>
@@ -1026,7 +1025,7 @@
           <a:p>
             <a:fld id="{1D2F25C8-2E79-4CB5-8BA5-E4A416168F39}" type="datetimeFigureOut">
               <a:rPr lang="uk-UA" smtClean="0"/>
-              <a:t>11.02.2024</a:t>
+              <a:t>21.02.2024</a:t>
             </a:fld>
             <a:endParaRPr lang="uk-UA"/>
           </a:p>
@@ -1236,7 +1235,7 @@
           <a:p>
             <a:fld id="{1D2F25C8-2E79-4CB5-8BA5-E4A416168F39}" type="datetimeFigureOut">
               <a:rPr lang="uk-UA" smtClean="0"/>
-              <a:t>11.02.2024</a:t>
+              <a:t>21.02.2024</a:t>
             </a:fld>
             <a:endParaRPr lang="uk-UA"/>
           </a:p>
@@ -1436,7 +1435,7 @@
           <a:p>
             <a:fld id="{1D2F25C8-2E79-4CB5-8BA5-E4A416168F39}" type="datetimeFigureOut">
               <a:rPr lang="uk-UA" smtClean="0"/>
-              <a:t>11.02.2024</a:t>
+              <a:t>21.02.2024</a:t>
             </a:fld>
             <a:endParaRPr lang="uk-UA"/>
           </a:p>
@@ -1712,7 +1711,7 @@
           <a:p>
             <a:fld id="{1D2F25C8-2E79-4CB5-8BA5-E4A416168F39}" type="datetimeFigureOut">
               <a:rPr lang="uk-UA" smtClean="0"/>
-              <a:t>11.02.2024</a:t>
+              <a:t>21.02.2024</a:t>
             </a:fld>
             <a:endParaRPr lang="uk-UA"/>
           </a:p>
@@ -1980,7 +1979,7 @@
           <a:p>
             <a:fld id="{1D2F25C8-2E79-4CB5-8BA5-E4A416168F39}" type="datetimeFigureOut">
               <a:rPr lang="uk-UA" smtClean="0"/>
-              <a:t>11.02.2024</a:t>
+              <a:t>21.02.2024</a:t>
             </a:fld>
             <a:endParaRPr lang="uk-UA"/>
           </a:p>
@@ -2395,7 +2394,7 @@
           <a:p>
             <a:fld id="{1D2F25C8-2E79-4CB5-8BA5-E4A416168F39}" type="datetimeFigureOut">
               <a:rPr lang="uk-UA" smtClean="0"/>
-              <a:t>11.02.2024</a:t>
+              <a:t>21.02.2024</a:t>
             </a:fld>
             <a:endParaRPr lang="uk-UA"/>
           </a:p>
@@ -2537,7 +2536,7 @@
           <a:p>
             <a:fld id="{1D2F25C8-2E79-4CB5-8BA5-E4A416168F39}" type="datetimeFigureOut">
               <a:rPr lang="uk-UA" smtClean="0"/>
-              <a:t>11.02.2024</a:t>
+              <a:t>21.02.2024</a:t>
             </a:fld>
             <a:endParaRPr lang="uk-UA"/>
           </a:p>
@@ -2650,7 +2649,7 @@
           <a:p>
             <a:fld id="{1D2F25C8-2E79-4CB5-8BA5-E4A416168F39}" type="datetimeFigureOut">
               <a:rPr lang="uk-UA" smtClean="0"/>
-              <a:t>11.02.2024</a:t>
+              <a:t>21.02.2024</a:t>
             </a:fld>
             <a:endParaRPr lang="uk-UA"/>
           </a:p>
@@ -2963,7 +2962,7 @@
           <a:p>
             <a:fld id="{1D2F25C8-2E79-4CB5-8BA5-E4A416168F39}" type="datetimeFigureOut">
               <a:rPr lang="uk-UA" smtClean="0"/>
-              <a:t>11.02.2024</a:t>
+              <a:t>21.02.2024</a:t>
             </a:fld>
             <a:endParaRPr lang="uk-UA"/>
           </a:p>
@@ -3252,7 +3251,7 @@
           <a:p>
             <a:fld id="{1D2F25C8-2E79-4CB5-8BA5-E4A416168F39}" type="datetimeFigureOut">
               <a:rPr lang="uk-UA" smtClean="0"/>
-              <a:t>11.02.2024</a:t>
+              <a:t>21.02.2024</a:t>
             </a:fld>
             <a:endParaRPr lang="uk-UA"/>
           </a:p>
@@ -3495,7 +3494,7 @@
           <a:p>
             <a:fld id="{1D2F25C8-2E79-4CB5-8BA5-E4A416168F39}" type="datetimeFigureOut">
               <a:rPr lang="uk-UA" smtClean="0"/>
-              <a:t>11.02.2024</a:t>
+              <a:t>21.02.2024</a:t>
             </a:fld>
             <a:endParaRPr lang="uk-UA"/>
           </a:p>
@@ -4016,421 +4015,6 @@
           <p:cNvPr id="2" name="Text Box 3">
             <a:extLst>
               <a:ext uri="{FF2B5EF4-FFF2-40B4-BE49-F238E27FC236}">
-                <a16:creationId xmlns:a16="http://schemas.microsoft.com/office/drawing/2014/main" id="{F875EA2F-466D-40C3-8F59-9FA651C7F228}"/>
-              </a:ext>
-            </a:extLst>
-          </p:cNvPr>
-          <p:cNvSpPr txBox="1">
-            <a:spLocks noChangeArrowheads="1"/>
-          </p:cNvSpPr>
-          <p:nvPr/>
-        </p:nvSpPr>
-        <p:spPr bwMode="auto">
-          <a:xfrm>
-            <a:off x="0" y="0"/>
-            <a:ext cx="12192000" cy="830997"/>
-          </a:xfrm>
-          <a:prstGeom prst="rect">
-            <a:avLst/>
-          </a:prstGeom>
-          <a:noFill/>
-          <a:ln w="9525">
-            <a:noFill/>
-            <a:miter lim="800000"/>
-            <a:headEnd/>
-            <a:tailEnd/>
-          </a:ln>
-        </p:spPr>
-        <p:txBody>
-          <a:bodyPr wrap="square">
-            <a:spAutoFit/>
-          </a:bodyPr>
-          <a:lstStyle/>
-          <a:p>
-            <a:pPr algn="ctr" eaLnBrk="0" hangingPunct="0">
-              <a:spcBef>
-                <a:spcPct val="50000"/>
-              </a:spcBef>
-            </a:pPr>
-            <a:r>
-              <a:rPr lang="ru-RU" sz="4800" dirty="0" err="1">
-                <a:latin typeface="Times New Roman" panose="02020603050405020304" pitchFamily="18" charset="0"/>
-                <a:cs typeface="Times New Roman" panose="02020603050405020304" pitchFamily="18" charset="0"/>
-              </a:rPr>
-              <a:t>Сортування</a:t>
-            </a:r>
-            <a:r>
-              <a:rPr lang="ru-RU" sz="4800" dirty="0">
-                <a:latin typeface="Times New Roman" panose="02020603050405020304" pitchFamily="18" charset="0"/>
-                <a:cs typeface="Times New Roman" panose="02020603050405020304" pitchFamily="18" charset="0"/>
-              </a:rPr>
-              <a:t> «</a:t>
-            </a:r>
-            <a:r>
-              <a:rPr lang="ru-RU" sz="4800" dirty="0" err="1">
-                <a:latin typeface="Times New Roman" panose="02020603050405020304" pitchFamily="18" charset="0"/>
-                <a:cs typeface="Times New Roman" panose="02020603050405020304" pitchFamily="18" charset="0"/>
-              </a:rPr>
-              <a:t>швидке</a:t>
-            </a:r>
-            <a:r>
-              <a:rPr lang="ru-RU" sz="4800" dirty="0">
-                <a:latin typeface="Times New Roman" panose="02020603050405020304" pitchFamily="18" charset="0"/>
-                <a:cs typeface="Times New Roman" panose="02020603050405020304" pitchFamily="18" charset="0"/>
-              </a:rPr>
-              <a:t>». </a:t>
-            </a:r>
-            <a:r>
-              <a:rPr lang="uk-UA" sz="4800" dirty="0">
-                <a:latin typeface="Times New Roman" panose="02020603050405020304" pitchFamily="18" charset="0"/>
-                <a:cs typeface="Times New Roman" panose="02020603050405020304" pitchFamily="18" charset="0"/>
-              </a:rPr>
-              <a:t>Характеристика</a:t>
-            </a:r>
-            <a:endParaRPr lang="ru-RU" sz="4800" dirty="0">
-              <a:latin typeface="Times New Roman" panose="02020603050405020304" pitchFamily="18" charset="0"/>
-              <a:cs typeface="Times New Roman" panose="02020603050405020304" pitchFamily="18" charset="0"/>
-            </a:endParaRPr>
-          </a:p>
-        </p:txBody>
-      </p:sp>
-      <p:sp>
-        <p:nvSpPr>
-          <p:cNvPr id="5" name="TextBox 4">
-            <a:extLst>
-              <a:ext uri="{FF2B5EF4-FFF2-40B4-BE49-F238E27FC236}">
-                <a16:creationId xmlns:a16="http://schemas.microsoft.com/office/drawing/2014/main" id="{24606B2F-EA42-4788-B669-30A50669B57A}"/>
-              </a:ext>
-            </a:extLst>
-          </p:cNvPr>
-          <p:cNvSpPr txBox="1"/>
-          <p:nvPr/>
-        </p:nvSpPr>
-        <p:spPr>
-          <a:xfrm>
-            <a:off x="888477" y="830997"/>
-            <a:ext cx="10565090" cy="4401205"/>
-          </a:xfrm>
-          <a:prstGeom prst="rect">
-            <a:avLst/>
-          </a:prstGeom>
-          <a:noFill/>
-        </p:spPr>
-        <p:txBody>
-          <a:bodyPr wrap="square">
-            <a:spAutoFit/>
-          </a:bodyPr>
-          <a:lstStyle/>
-          <a:p>
-            <a:pPr algn="l"/>
-            <a:r>
-              <a:rPr lang="uk-UA" sz="2000" b="1" i="0" dirty="0">
-                <a:effectLst/>
-                <a:latin typeface="Times New Roman" panose="02020603050405020304" pitchFamily="18" charset="0"/>
-                <a:cs typeface="Times New Roman" panose="02020603050405020304" pitchFamily="18" charset="0"/>
-              </a:rPr>
-              <a:t>Переваги і недоліки алгоритму </a:t>
-            </a:r>
-          </a:p>
-          <a:p>
-            <a:pPr algn="l"/>
-            <a:r>
-              <a:rPr lang="uk-UA" sz="2000" b="0" i="0" dirty="0">
-                <a:effectLst/>
-                <a:latin typeface="Times New Roman" panose="02020603050405020304" pitchFamily="18" charset="0"/>
-                <a:cs typeface="Times New Roman" panose="02020603050405020304" pitchFamily="18" charset="0"/>
-              </a:rPr>
-              <a:t>Що стосується складності швидкого сортування, то в найкращому випадку ми отримаємо складність </a:t>
-            </a:r>
-            <a:r>
-              <a:rPr lang="el-GR" sz="2000" b="0" i="0" dirty="0">
-                <a:effectLst/>
-                <a:latin typeface="Times New Roman" panose="02020603050405020304" pitchFamily="18" charset="0"/>
-                <a:cs typeface="Times New Roman" panose="02020603050405020304" pitchFamily="18" charset="0"/>
-              </a:rPr>
-              <a:t>Ω (</a:t>
-            </a:r>
-            <a:r>
-              <a:rPr lang="en-US" sz="2000" b="0" i="0" dirty="0">
-                <a:effectLst/>
-                <a:latin typeface="Times New Roman" panose="02020603050405020304" pitchFamily="18" charset="0"/>
-                <a:cs typeface="Times New Roman" panose="02020603050405020304" pitchFamily="18" charset="0"/>
-              </a:rPr>
-              <a:t>n log n), </a:t>
-            </a:r>
-            <a:r>
-              <a:rPr lang="uk-UA" sz="2000" b="0" i="0" dirty="0">
-                <a:effectLst/>
-                <a:latin typeface="Times New Roman" panose="02020603050405020304" pitchFamily="18" charset="0"/>
-                <a:cs typeface="Times New Roman" panose="02020603050405020304" pitchFamily="18" charset="0"/>
-              </a:rPr>
-              <a:t>а в найгіршому — </a:t>
-            </a:r>
-            <a:r>
-              <a:rPr lang="en-US" sz="2000" b="0" i="0" dirty="0">
-                <a:effectLst/>
-                <a:latin typeface="Times New Roman" panose="02020603050405020304" pitchFamily="18" charset="0"/>
-                <a:cs typeface="Times New Roman" panose="02020603050405020304" pitchFamily="18" charset="0"/>
-              </a:rPr>
-              <a:t>O(n</a:t>
-            </a:r>
-            <a:r>
-              <a:rPr lang="en-US" sz="2000" b="0" i="0" baseline="30000" dirty="0">
-                <a:effectLst/>
-                <a:latin typeface="Times New Roman" panose="02020603050405020304" pitchFamily="18" charset="0"/>
-                <a:cs typeface="Times New Roman" panose="02020603050405020304" pitchFamily="18" charset="0"/>
-              </a:rPr>
-              <a:t>2</a:t>
-            </a:r>
-            <a:r>
-              <a:rPr lang="en-US" sz="2000" b="0" i="0" dirty="0">
-                <a:effectLst/>
-                <a:latin typeface="Times New Roman" panose="02020603050405020304" pitchFamily="18" charset="0"/>
-                <a:cs typeface="Times New Roman" panose="02020603050405020304" pitchFamily="18" charset="0"/>
-              </a:rPr>
-              <a:t>). </a:t>
-            </a:r>
-            <a:r>
-              <a:rPr lang="uk-UA" sz="2000" b="0" i="0" dirty="0">
-                <a:effectLst/>
-                <a:latin typeface="Times New Roman" panose="02020603050405020304" pitchFamily="18" charset="0"/>
-                <a:cs typeface="Times New Roman" panose="02020603050405020304" pitchFamily="18" charset="0"/>
-              </a:rPr>
-              <a:t>Окрім низької обчислювальної складності цьому алгоритму притаманні й інші переваги: </a:t>
-            </a:r>
-          </a:p>
-          <a:p>
-            <a:pPr lvl="1">
-              <a:buFont typeface="Arial" panose="020B0604020202020204" pitchFamily="34" charset="0"/>
-              <a:buChar char="•"/>
-            </a:pPr>
-            <a:r>
-              <a:rPr lang="uk-UA" sz="2000" b="0" i="0" dirty="0">
-                <a:effectLst/>
-                <a:latin typeface="Times New Roman" panose="02020603050405020304" pitchFamily="18" charset="0"/>
-                <a:cs typeface="Times New Roman" panose="02020603050405020304" pitchFamily="18" charset="0"/>
-              </a:rPr>
-              <a:t>на практиці це один з найбільш швидкодіючих алгоритмів внутрішнього сортування; </a:t>
-            </a:r>
-          </a:p>
-          <a:p>
-            <a:pPr lvl="1">
-              <a:buFont typeface="Arial" panose="020B0604020202020204" pitchFamily="34" charset="0"/>
-              <a:buChar char="•"/>
-            </a:pPr>
-            <a:r>
-              <a:rPr lang="uk-UA" sz="2000" b="0" i="0" dirty="0">
-                <a:effectLst/>
-                <a:latin typeface="Times New Roman" panose="02020603050405020304" pitchFamily="18" charset="0"/>
-                <a:cs typeface="Times New Roman" panose="02020603050405020304" pitchFamily="18" charset="0"/>
-              </a:rPr>
-              <a:t>алгоритм доволі простий як для розуміння, так і для реалізації; </a:t>
-            </a:r>
-          </a:p>
-          <a:p>
-            <a:pPr lvl="1">
-              <a:buFont typeface="Arial" panose="020B0604020202020204" pitchFamily="34" charset="0"/>
-              <a:buChar char="•"/>
-            </a:pPr>
-            <a:r>
-              <a:rPr lang="uk-UA" sz="2000" b="0" i="0" dirty="0">
-                <a:effectLst/>
-                <a:latin typeface="Times New Roman" panose="02020603050405020304" pitchFamily="18" charset="0"/>
-                <a:cs typeface="Times New Roman" panose="02020603050405020304" pitchFamily="18" charset="0"/>
-              </a:rPr>
-              <a:t>потребує лише </a:t>
-            </a:r>
-            <a:r>
-              <a:rPr lang="en-US" sz="2000" b="0" i="0" dirty="0">
-                <a:effectLst/>
-                <a:latin typeface="Times New Roman" panose="02020603050405020304" pitchFamily="18" charset="0"/>
-                <a:cs typeface="Times New Roman" panose="02020603050405020304" pitchFamily="18" charset="0"/>
-              </a:rPr>
-              <a:t>O(n) </a:t>
-            </a:r>
-            <a:r>
-              <a:rPr lang="uk-UA" sz="2000" b="0" i="0" dirty="0">
-                <a:effectLst/>
-                <a:latin typeface="Times New Roman" panose="02020603050405020304" pitchFamily="18" charset="0"/>
-                <a:cs typeface="Times New Roman" panose="02020603050405020304" pitchFamily="18" charset="0"/>
-              </a:rPr>
-              <a:t>пам’яті, для покращеної версії — </a:t>
-            </a:r>
-            <a:r>
-              <a:rPr lang="en-US" sz="2000" b="0" i="0" dirty="0">
-                <a:effectLst/>
-                <a:latin typeface="Times New Roman" panose="02020603050405020304" pitchFamily="18" charset="0"/>
-                <a:cs typeface="Times New Roman" panose="02020603050405020304" pitchFamily="18" charset="0"/>
-              </a:rPr>
-              <a:t>O(1); </a:t>
-            </a:r>
-          </a:p>
-          <a:p>
-            <a:pPr lvl="1">
-              <a:buFont typeface="Arial" panose="020B0604020202020204" pitchFamily="34" charset="0"/>
-              <a:buChar char="•"/>
-            </a:pPr>
-            <a:r>
-              <a:rPr lang="uk-UA" sz="2000" b="0" i="0" dirty="0">
-                <a:effectLst/>
-                <a:latin typeface="Times New Roman" panose="02020603050405020304" pitchFamily="18" charset="0"/>
-                <a:cs typeface="Times New Roman" panose="02020603050405020304" pitchFamily="18" charset="0"/>
-              </a:rPr>
-              <a:t>дозволяє </a:t>
-            </a:r>
-            <a:r>
-              <a:rPr lang="uk-UA" sz="2000" b="0" i="0" dirty="0" err="1">
-                <a:effectLst/>
-                <a:latin typeface="Times New Roman" panose="02020603050405020304" pitchFamily="18" charset="0"/>
-                <a:cs typeface="Times New Roman" panose="02020603050405020304" pitchFamily="18" charset="0"/>
-              </a:rPr>
-              <a:t>розпаралелювання</a:t>
-            </a:r>
-            <a:r>
-              <a:rPr lang="uk-UA" sz="2000" b="0" i="0" dirty="0">
-                <a:effectLst/>
-                <a:latin typeface="Times New Roman" panose="02020603050405020304" pitchFamily="18" charset="0"/>
-                <a:cs typeface="Times New Roman" panose="02020603050405020304" pitchFamily="18" charset="0"/>
-              </a:rPr>
-              <a:t> для сортування </a:t>
-            </a:r>
-            <a:r>
-              <a:rPr lang="uk-UA" sz="2000" b="0" i="0" dirty="0" err="1">
-                <a:effectLst/>
-                <a:latin typeface="Times New Roman" panose="02020603050405020304" pitchFamily="18" charset="0"/>
-                <a:cs typeface="Times New Roman" panose="02020603050405020304" pitchFamily="18" charset="0"/>
-              </a:rPr>
-              <a:t>підмасивів</a:t>
-            </a:r>
-            <a:r>
-              <a:rPr lang="uk-UA" sz="2000" b="0" i="0" dirty="0">
-                <a:effectLst/>
-                <a:latin typeface="Times New Roman" panose="02020603050405020304" pitchFamily="18" charset="0"/>
-                <a:cs typeface="Times New Roman" panose="02020603050405020304" pitchFamily="18" charset="0"/>
-              </a:rPr>
-              <a:t>; </a:t>
-            </a:r>
-          </a:p>
-          <a:p>
-            <a:pPr lvl="1">
-              <a:buFont typeface="Arial" panose="020B0604020202020204" pitchFamily="34" charset="0"/>
-              <a:buChar char="•"/>
-            </a:pPr>
-            <a:r>
-              <a:rPr lang="uk-UA" sz="2000" b="0" i="0" dirty="0">
-                <a:effectLst/>
-                <a:latin typeface="Times New Roman" panose="02020603050405020304" pitchFamily="18" charset="0"/>
-                <a:cs typeface="Times New Roman" panose="02020603050405020304" pitchFamily="18" charset="0"/>
-              </a:rPr>
-              <a:t>працює на пов’язаних списках; </a:t>
-            </a:r>
-          </a:p>
-          <a:p>
-            <a:pPr lvl="1">
-              <a:buFont typeface="Arial" panose="020B0604020202020204" pitchFamily="34" charset="0"/>
-              <a:buChar char="•"/>
-            </a:pPr>
-            <a:r>
-              <a:rPr lang="uk-UA" sz="2000" b="0" i="0" dirty="0">
-                <a:effectLst/>
-                <a:latin typeface="Times New Roman" panose="02020603050405020304" pitchFamily="18" charset="0"/>
-                <a:cs typeface="Times New Roman" panose="02020603050405020304" pitchFamily="18" charset="0"/>
-              </a:rPr>
-              <a:t>є найефективнішим для сортування великої кількості даних. </a:t>
-            </a:r>
-          </a:p>
-          <a:p>
-            <a:pPr algn="l"/>
-            <a:endParaRPr lang="uk-UA" sz="2000" b="0" i="0" dirty="0">
-              <a:effectLst/>
-              <a:latin typeface="Times New Roman" panose="02020603050405020304" pitchFamily="18" charset="0"/>
-              <a:cs typeface="Times New Roman" panose="02020603050405020304" pitchFamily="18" charset="0"/>
-            </a:endParaRPr>
-          </a:p>
-          <a:p>
-            <a:pPr algn="l"/>
-            <a:r>
-              <a:rPr lang="uk-UA" sz="2000" b="1" i="1" dirty="0">
-                <a:effectLst/>
-                <a:latin typeface="Times New Roman" panose="02020603050405020304" pitchFamily="18" charset="0"/>
-                <a:cs typeface="Times New Roman" panose="02020603050405020304" pitchFamily="18" charset="0"/>
-              </a:rPr>
-              <a:t>Недоліками </a:t>
-            </a:r>
-            <a:r>
-              <a:rPr lang="uk-UA" sz="2000" b="0" i="0" dirty="0">
-                <a:effectLst/>
-                <a:latin typeface="Times New Roman" panose="02020603050405020304" pitchFamily="18" charset="0"/>
-                <a:cs typeface="Times New Roman" panose="02020603050405020304" pitchFamily="18" charset="0"/>
-              </a:rPr>
-              <a:t>можна вважати:  </a:t>
-            </a:r>
-          </a:p>
-          <a:p>
-            <a:pPr algn="l">
-              <a:buFont typeface="Arial" panose="020B0604020202020204" pitchFamily="34" charset="0"/>
-              <a:buChar char="•"/>
-            </a:pPr>
-            <a:r>
-              <a:rPr lang="uk-UA" sz="2000" b="0" i="0" dirty="0">
-                <a:effectLst/>
-                <a:latin typeface="Times New Roman" panose="02020603050405020304" pitchFamily="18" charset="0"/>
-                <a:cs typeface="Times New Roman" panose="02020603050405020304" pitchFamily="18" charset="0"/>
-              </a:rPr>
-              <a:t>нестійкість; </a:t>
-            </a:r>
-          </a:p>
-          <a:p>
-            <a:pPr algn="l">
-              <a:buFont typeface="Arial" panose="020B0604020202020204" pitchFamily="34" charset="0"/>
-              <a:buChar char="•"/>
-            </a:pPr>
-            <a:r>
-              <a:rPr lang="uk-UA" sz="2000" b="0" i="0" dirty="0">
-                <a:effectLst/>
-                <a:latin typeface="Times New Roman" panose="02020603050405020304" pitchFamily="18" charset="0"/>
-                <a:cs typeface="Times New Roman" panose="02020603050405020304" pitchFamily="18" charset="0"/>
-              </a:rPr>
-              <a:t>обчислювальна складність сильно деградує за умови невдалих вхідних даних.  </a:t>
-            </a:r>
-          </a:p>
-        </p:txBody>
-      </p:sp>
-    </p:spTree>
-    <p:extLst>
-      <p:ext uri="{BB962C8B-B14F-4D97-AF65-F5344CB8AC3E}">
-        <p14:creationId xmlns:p14="http://schemas.microsoft.com/office/powerpoint/2010/main" val="2193878294"/>
-      </p:ext>
-    </p:extLst>
-  </p:cSld>
-  <p:clrMapOvr>
-    <a:masterClrMapping/>
-  </p:clrMapOvr>
-</p:sld>
-</file>
-
-<file path=ppt/slides/slide11.xml><?xml version="1.0" encoding="utf-8"?>
-<p:sld xmlns:a="http://schemas.openxmlformats.org/drawingml/2006/main" xmlns:r="http://schemas.openxmlformats.org/officeDocument/2006/relationships" xmlns:p="http://schemas.openxmlformats.org/presentationml/2006/main">
-  <p:cSld>
-    <p:spTree>
-      <p:nvGrpSpPr>
-        <p:cNvPr id="1" name=""/>
-        <p:cNvGrpSpPr/>
-        <p:nvPr/>
-      </p:nvGrpSpPr>
-      <p:grpSpPr>
-        <a:xfrm>
-          <a:off x="0" y="0"/>
-          <a:ext cx="0" cy="0"/>
-          <a:chOff x="0" y="0"/>
-          <a:chExt cx="0" cy="0"/>
-        </a:xfrm>
-      </p:grpSpPr>
-      <p:sp>
-        <p:nvSpPr>
-          <p:cNvPr id="2" name="Text Box 3">
-            <a:extLst>
-              <a:ext uri="{FF2B5EF4-FFF2-40B4-BE49-F238E27FC236}">
                 <a16:creationId xmlns:a16="http://schemas.microsoft.com/office/drawing/2014/main" id="{A5092F20-3099-4B5E-8622-C93465A5B0BF}"/>
               </a:ext>
             </a:extLst>
@@ -5883,7 +5467,7 @@
 </p:sld>
 </file>
 
-<file path=ppt/slides/slide12.xml><?xml version="1.0" encoding="utf-8"?>
+<file path=ppt/slides/slide11.xml><?xml version="1.0" encoding="utf-8"?>
 <p:sld xmlns:a="http://schemas.openxmlformats.org/drawingml/2006/main" xmlns:r="http://schemas.openxmlformats.org/officeDocument/2006/relationships" xmlns:p="http://schemas.openxmlformats.org/presentationml/2006/main">
   <p:cSld>
     <p:spTree>
@@ -7002,7 +6586,7 @@
 </p:sld>
 </file>
 
-<file path=ppt/slides/slide13.xml><?xml version="1.0" encoding="utf-8"?>
+<file path=ppt/slides/slide12.xml><?xml version="1.0" encoding="utf-8"?>
 <p:sld xmlns:a="http://schemas.openxmlformats.org/drawingml/2006/main" xmlns:r="http://schemas.openxmlformats.org/officeDocument/2006/relationships" xmlns:p="http://schemas.openxmlformats.org/presentationml/2006/main">
   <p:cSld>
     <p:spTree>
@@ -7600,7 +7184,7 @@
 </p:sld>
 </file>
 
-<file path=ppt/slides/slide14.xml><?xml version="1.0" encoding="utf-8"?>
+<file path=ppt/slides/slide13.xml><?xml version="1.0" encoding="utf-8"?>
 <p:sld xmlns:a="http://schemas.openxmlformats.org/drawingml/2006/main" xmlns:r="http://schemas.openxmlformats.org/officeDocument/2006/relationships" xmlns:p="http://schemas.openxmlformats.org/presentationml/2006/main">
   <p:cSld>
     <p:spTree>
@@ -7991,7 +7575,7 @@
 </p:sld>
 </file>
 
-<file path=ppt/slides/slide15.xml><?xml version="1.0" encoding="utf-8"?>
+<file path=ppt/slides/slide14.xml><?xml version="1.0" encoding="utf-8"?>
 <p:sld xmlns:a="http://schemas.openxmlformats.org/drawingml/2006/main" xmlns:r="http://schemas.openxmlformats.org/officeDocument/2006/relationships" xmlns:p="http://schemas.openxmlformats.org/presentationml/2006/main">
   <p:cSld>
     <p:spTree>
@@ -9259,7 +8843,7 @@
 </p:sld>
 </file>
 
-<file path=ppt/slides/slide16.xml><?xml version="1.0" encoding="utf-8"?>
+<file path=ppt/slides/slide15.xml><?xml version="1.0" encoding="utf-8"?>
 <p:sld xmlns:a="http://schemas.openxmlformats.org/drawingml/2006/main" xmlns:r="http://schemas.openxmlformats.org/officeDocument/2006/relationships" xmlns:p="http://schemas.openxmlformats.org/presentationml/2006/main">
   <p:cSld>
     <p:spTree>
@@ -9711,7 +9295,7 @@
 </p:sld>
 </file>
 
-<file path=ppt/slides/slide17.xml><?xml version="1.0" encoding="utf-8"?>
+<file path=ppt/slides/slide16.xml><?xml version="1.0" encoding="utf-8"?>
 <p:sld xmlns:a="http://schemas.openxmlformats.org/drawingml/2006/main" xmlns:r="http://schemas.openxmlformats.org/officeDocument/2006/relationships" xmlns:p="http://schemas.openxmlformats.org/presentationml/2006/main">
   <p:cSld>
     <p:spTree>
@@ -10479,7 +10063,7 @@
 </p:sld>
 </file>
 
-<file path=ppt/slides/slide18.xml><?xml version="1.0" encoding="utf-8"?>
+<file path=ppt/slides/slide17.xml><?xml version="1.0" encoding="utf-8"?>
 <p:sld xmlns:a="http://schemas.openxmlformats.org/drawingml/2006/main" xmlns:r="http://schemas.openxmlformats.org/officeDocument/2006/relationships" xmlns:p="http://schemas.openxmlformats.org/presentationml/2006/main">
   <p:cSld>
     <p:spTree>
@@ -12957,7 +12541,7 @@
 </p:sld>
 </file>
 
-<file path=ppt/slides/slide19.xml><?xml version="1.0" encoding="utf-8"?>
+<file path=ppt/slides/slide18.xml><?xml version="1.0" encoding="utf-8"?>
 <p:sld xmlns:a="http://schemas.openxmlformats.org/drawingml/2006/main" xmlns:r="http://schemas.openxmlformats.org/officeDocument/2006/relationships" xmlns:p="http://schemas.openxmlformats.org/presentationml/2006/main">
   <p:cSld>
     <p:spTree>
@@ -13357,37 +12941,7 @@
 </p:sld>
 </file>
 
-<file path=ppt/slides/slide2.xml><?xml version="1.0" encoding="utf-8"?>
-<p:sld xmlns:a="http://schemas.openxmlformats.org/drawingml/2006/main" xmlns:r="http://schemas.openxmlformats.org/officeDocument/2006/relationships" xmlns:p="http://schemas.openxmlformats.org/presentationml/2006/main">
-  <p:cSld>
-    <p:spTree>
-      <p:nvGrpSpPr>
-        <p:cNvPr id="1" name=""/>
-        <p:cNvGrpSpPr/>
-        <p:nvPr/>
-      </p:nvGrpSpPr>
-      <p:grpSpPr>
-        <a:xfrm>
-          <a:off x="0" y="0"/>
-          <a:ext cx="0" cy="0"/>
-          <a:chOff x="0" y="0"/>
-          <a:chExt cx="0" cy="0"/>
-        </a:xfrm>
-      </p:grpSpPr>
-    </p:spTree>
-    <p:extLst>
-      <p:ext uri="{BB962C8B-B14F-4D97-AF65-F5344CB8AC3E}">
-        <p14:creationId xmlns:p14="http://schemas.microsoft.com/office/powerpoint/2010/main" val="3449110768"/>
-      </p:ext>
-    </p:extLst>
-  </p:cSld>
-  <p:clrMapOvr>
-    <a:masterClrMapping/>
-  </p:clrMapOvr>
-</p:sld>
-</file>
-
-<file path=ppt/slides/slide20.xml><?xml version="1.0" encoding="utf-8"?>
+<file path=ppt/slides/slide19.xml><?xml version="1.0" encoding="utf-8"?>
 <p:sld xmlns:a="http://schemas.openxmlformats.org/drawingml/2006/main" xmlns:r="http://schemas.openxmlformats.org/officeDocument/2006/relationships" xmlns:p="http://schemas.openxmlformats.org/presentationml/2006/main">
   <p:cSld>
     <p:spTree>
@@ -13778,7 +13332,7 @@
                 <a:latin typeface="Times New Roman" panose="02020603050405020304" pitchFamily="18" charset="0"/>
                 <a:cs typeface="Times New Roman" panose="02020603050405020304" pitchFamily="18" charset="0"/>
               </a:rPr>
-              <a:t>злиттям</a:t>
+              <a:t>пірамідальне</a:t>
             </a:r>
             <a:r>
               <a:rPr lang="ru-RU" sz="4800" dirty="0">
@@ -15162,2504 +14716,7 @@
 </p:sld>
 </file>
 
-<file path=ppt/slides/slide21.xml><?xml version="1.0" encoding="utf-8"?>
-<p:sld xmlns:a="http://schemas.openxmlformats.org/drawingml/2006/main" xmlns:r="http://schemas.openxmlformats.org/officeDocument/2006/relationships" xmlns:p="http://schemas.openxmlformats.org/presentationml/2006/main">
-  <p:cSld>
-    <p:spTree>
-      <p:nvGrpSpPr>
-        <p:cNvPr id="1" name=""/>
-        <p:cNvGrpSpPr/>
-        <p:nvPr/>
-      </p:nvGrpSpPr>
-      <p:grpSpPr>
-        <a:xfrm>
-          <a:off x="0" y="0"/>
-          <a:ext cx="0" cy="0"/>
-          <a:chOff x="0" y="0"/>
-          <a:chExt cx="0" cy="0"/>
-        </a:xfrm>
-      </p:grpSpPr>
-      <p:sp>
-        <p:nvSpPr>
-          <p:cNvPr id="4" name="Text Box 3">
-            <a:extLst>
-              <a:ext uri="{FF2B5EF4-FFF2-40B4-BE49-F238E27FC236}">
-                <a16:creationId xmlns:a16="http://schemas.microsoft.com/office/drawing/2014/main" id="{A323A61A-EEAB-4FC4-8B98-58755A1FE8B2}"/>
-              </a:ext>
-            </a:extLst>
-          </p:cNvPr>
-          <p:cNvSpPr txBox="1">
-            <a:spLocks noChangeArrowheads="1"/>
-          </p:cNvSpPr>
-          <p:nvPr/>
-        </p:nvSpPr>
-        <p:spPr bwMode="auto">
-          <a:xfrm>
-            <a:off x="0" y="0"/>
-            <a:ext cx="12192000" cy="830997"/>
-          </a:xfrm>
-          <a:prstGeom prst="rect">
-            <a:avLst/>
-          </a:prstGeom>
-          <a:noFill/>
-          <a:ln w="9525">
-            <a:noFill/>
-            <a:miter lim="800000"/>
-            <a:headEnd/>
-            <a:tailEnd/>
-          </a:ln>
-        </p:spPr>
-        <p:txBody>
-          <a:bodyPr wrap="square">
-            <a:spAutoFit/>
-          </a:bodyPr>
-          <a:lstStyle/>
-          <a:p>
-            <a:pPr algn="ctr" eaLnBrk="0" hangingPunct="0">
-              <a:spcBef>
-                <a:spcPct val="50000"/>
-              </a:spcBef>
-            </a:pPr>
-            <a:r>
-              <a:rPr lang="ru-RU" sz="4800" dirty="0" err="1">
-                <a:latin typeface="Times New Roman" panose="02020603050405020304" pitchFamily="18" charset="0"/>
-                <a:cs typeface="Times New Roman" panose="02020603050405020304" pitchFamily="18" charset="0"/>
-              </a:rPr>
-              <a:t>Сортування</a:t>
-            </a:r>
-            <a:r>
-              <a:rPr lang="ru-RU" sz="4800" dirty="0">
-                <a:latin typeface="Times New Roman" panose="02020603050405020304" pitchFamily="18" charset="0"/>
-                <a:cs typeface="Times New Roman" panose="02020603050405020304" pitchFamily="18" charset="0"/>
-              </a:rPr>
-              <a:t> «п</a:t>
-            </a:r>
-            <a:r>
-              <a:rPr lang="uk-UA" sz="4800" dirty="0" err="1">
-                <a:latin typeface="Times New Roman" panose="02020603050405020304" pitchFamily="18" charset="0"/>
-                <a:cs typeface="Times New Roman" panose="02020603050405020304" pitchFamily="18" charset="0"/>
-              </a:rPr>
-              <a:t>ірамідальне</a:t>
-            </a:r>
-            <a:r>
-              <a:rPr lang="ru-RU" sz="4800" dirty="0">
-                <a:latin typeface="Times New Roman" panose="02020603050405020304" pitchFamily="18" charset="0"/>
-                <a:cs typeface="Times New Roman" panose="02020603050405020304" pitchFamily="18" charset="0"/>
-              </a:rPr>
-              <a:t>». Приклад</a:t>
-            </a:r>
-          </a:p>
-        </p:txBody>
-      </p:sp>
-      <p:sp>
-        <p:nvSpPr>
-          <p:cNvPr id="5" name="TextBox 4">
-            <a:extLst>
-              <a:ext uri="{FF2B5EF4-FFF2-40B4-BE49-F238E27FC236}">
-                <a16:creationId xmlns:a16="http://schemas.microsoft.com/office/drawing/2014/main" id="{AADA095C-8732-49F2-A20D-F663E40876AD}"/>
-              </a:ext>
-            </a:extLst>
-          </p:cNvPr>
-          <p:cNvSpPr txBox="1"/>
-          <p:nvPr/>
-        </p:nvSpPr>
-        <p:spPr>
-          <a:xfrm>
-            <a:off x="134332" y="1132654"/>
-            <a:ext cx="4635631" cy="5247590"/>
-          </a:xfrm>
-          <a:prstGeom prst="rect">
-            <a:avLst/>
-          </a:prstGeom>
-          <a:noFill/>
-        </p:spPr>
-        <p:txBody>
-          <a:bodyPr wrap="square">
-            <a:spAutoFit/>
-          </a:bodyPr>
-          <a:lstStyle/>
-          <a:p>
-            <a:r>
-              <a:rPr lang="uk-UA" sz="500" dirty="0" err="1">
-                <a:latin typeface="Courier New" panose="02070309020205020404" pitchFamily="49" charset="0"/>
-                <a:cs typeface="Courier New" panose="02070309020205020404" pitchFamily="49" charset="0"/>
-              </a:rPr>
-              <a:t>public</a:t>
-            </a:r>
-            <a:r>
-              <a:rPr lang="uk-UA" sz="500" dirty="0">
-                <a:latin typeface="Courier New" panose="02070309020205020404" pitchFamily="49" charset="0"/>
-                <a:cs typeface="Courier New" panose="02070309020205020404" pitchFamily="49" charset="0"/>
-              </a:rPr>
-              <a:t> </a:t>
-            </a:r>
-            <a:r>
-              <a:rPr lang="uk-UA" sz="500" dirty="0" err="1">
-                <a:latin typeface="Courier New" panose="02070309020205020404" pitchFamily="49" charset="0"/>
-                <a:cs typeface="Courier New" panose="02070309020205020404" pitchFamily="49" charset="0"/>
-              </a:rPr>
-              <a:t>class</a:t>
-            </a:r>
-            <a:r>
-              <a:rPr lang="uk-UA" sz="500" dirty="0">
-                <a:latin typeface="Courier New" panose="02070309020205020404" pitchFamily="49" charset="0"/>
-                <a:cs typeface="Courier New" panose="02070309020205020404" pitchFamily="49" charset="0"/>
-              </a:rPr>
-              <a:t> </a:t>
-            </a:r>
-            <a:r>
-              <a:rPr lang="uk-UA" sz="500" dirty="0" err="1">
-                <a:latin typeface="Courier New" panose="02070309020205020404" pitchFamily="49" charset="0"/>
-                <a:cs typeface="Courier New" panose="02070309020205020404" pitchFamily="49" charset="0"/>
-              </a:rPr>
-              <a:t>HeapSort</a:t>
-            </a:r>
-            <a:r>
-              <a:rPr lang="uk-UA" sz="500" dirty="0">
-                <a:latin typeface="Courier New" panose="02070309020205020404" pitchFamily="49" charset="0"/>
-                <a:cs typeface="Courier New" panose="02070309020205020404" pitchFamily="49" charset="0"/>
-              </a:rPr>
-              <a:t> {</a:t>
-            </a:r>
-          </a:p>
-          <a:p>
-            <a:r>
-              <a:rPr lang="uk-UA" sz="500" dirty="0">
-                <a:latin typeface="Courier New" panose="02070309020205020404" pitchFamily="49" charset="0"/>
-                <a:cs typeface="Courier New" panose="02070309020205020404" pitchFamily="49" charset="0"/>
-              </a:rPr>
-              <a:t>    </a:t>
-            </a:r>
-          </a:p>
-          <a:p>
-            <a:r>
-              <a:rPr lang="uk-UA" sz="500" dirty="0">
-                <a:latin typeface="Courier New" panose="02070309020205020404" pitchFamily="49" charset="0"/>
-                <a:cs typeface="Courier New" panose="02070309020205020404" pitchFamily="49" charset="0"/>
-              </a:rPr>
-              <a:t>    // Метод для сортування масиву за допомогою пірамідального сортування</a:t>
-            </a:r>
-          </a:p>
-          <a:p>
-            <a:r>
-              <a:rPr lang="uk-UA" sz="500" dirty="0">
-                <a:latin typeface="Courier New" panose="02070309020205020404" pitchFamily="49" charset="0"/>
-                <a:cs typeface="Courier New" panose="02070309020205020404" pitchFamily="49" charset="0"/>
-              </a:rPr>
-              <a:t>    </a:t>
-            </a:r>
-            <a:r>
-              <a:rPr lang="uk-UA" sz="500" dirty="0" err="1">
-                <a:latin typeface="Courier New" panose="02070309020205020404" pitchFamily="49" charset="0"/>
-                <a:cs typeface="Courier New" panose="02070309020205020404" pitchFamily="49" charset="0"/>
-              </a:rPr>
-              <a:t>public</a:t>
-            </a:r>
-            <a:r>
-              <a:rPr lang="uk-UA" sz="500" dirty="0">
-                <a:latin typeface="Courier New" panose="02070309020205020404" pitchFamily="49" charset="0"/>
-                <a:cs typeface="Courier New" panose="02070309020205020404" pitchFamily="49" charset="0"/>
-              </a:rPr>
-              <a:t> </a:t>
-            </a:r>
-            <a:r>
-              <a:rPr lang="uk-UA" sz="500" dirty="0" err="1">
-                <a:latin typeface="Courier New" panose="02070309020205020404" pitchFamily="49" charset="0"/>
-                <a:cs typeface="Courier New" panose="02070309020205020404" pitchFamily="49" charset="0"/>
-              </a:rPr>
-              <a:t>static</a:t>
-            </a:r>
-            <a:r>
-              <a:rPr lang="uk-UA" sz="500" dirty="0">
-                <a:latin typeface="Courier New" panose="02070309020205020404" pitchFamily="49" charset="0"/>
-                <a:cs typeface="Courier New" panose="02070309020205020404" pitchFamily="49" charset="0"/>
-              </a:rPr>
-              <a:t> </a:t>
-            </a:r>
-            <a:r>
-              <a:rPr lang="uk-UA" sz="500" dirty="0" err="1">
-                <a:latin typeface="Courier New" panose="02070309020205020404" pitchFamily="49" charset="0"/>
-                <a:cs typeface="Courier New" panose="02070309020205020404" pitchFamily="49" charset="0"/>
-              </a:rPr>
-              <a:t>void</a:t>
-            </a:r>
-            <a:r>
-              <a:rPr lang="uk-UA" sz="500" dirty="0">
-                <a:latin typeface="Courier New" panose="02070309020205020404" pitchFamily="49" charset="0"/>
-                <a:cs typeface="Courier New" panose="02070309020205020404" pitchFamily="49" charset="0"/>
-              </a:rPr>
-              <a:t> </a:t>
-            </a:r>
-            <a:r>
-              <a:rPr lang="uk-UA" sz="500" dirty="0" err="1">
-                <a:latin typeface="Courier New" panose="02070309020205020404" pitchFamily="49" charset="0"/>
-                <a:cs typeface="Courier New" panose="02070309020205020404" pitchFamily="49" charset="0"/>
-              </a:rPr>
-              <a:t>heapSort</a:t>
-            </a:r>
-            <a:r>
-              <a:rPr lang="uk-UA" sz="500" dirty="0">
-                <a:latin typeface="Courier New" panose="02070309020205020404" pitchFamily="49" charset="0"/>
-                <a:cs typeface="Courier New" panose="02070309020205020404" pitchFamily="49" charset="0"/>
-              </a:rPr>
-              <a:t>(</a:t>
-            </a:r>
-            <a:r>
-              <a:rPr lang="uk-UA" sz="500" dirty="0" err="1">
-                <a:latin typeface="Courier New" panose="02070309020205020404" pitchFamily="49" charset="0"/>
-                <a:cs typeface="Courier New" panose="02070309020205020404" pitchFamily="49" charset="0"/>
-              </a:rPr>
-              <a:t>int</a:t>
-            </a:r>
-            <a:r>
-              <a:rPr lang="uk-UA" sz="500" dirty="0">
-                <a:latin typeface="Courier New" panose="02070309020205020404" pitchFamily="49" charset="0"/>
-                <a:cs typeface="Courier New" panose="02070309020205020404" pitchFamily="49" charset="0"/>
-              </a:rPr>
-              <a:t>[] </a:t>
-            </a:r>
-            <a:r>
-              <a:rPr lang="uk-UA" sz="500" dirty="0" err="1">
-                <a:latin typeface="Courier New" panose="02070309020205020404" pitchFamily="49" charset="0"/>
-                <a:cs typeface="Courier New" panose="02070309020205020404" pitchFamily="49" charset="0"/>
-              </a:rPr>
-              <a:t>array</a:t>
-            </a:r>
-            <a:r>
-              <a:rPr lang="uk-UA" sz="500" dirty="0">
-                <a:latin typeface="Courier New" panose="02070309020205020404" pitchFamily="49" charset="0"/>
-                <a:cs typeface="Courier New" panose="02070309020205020404" pitchFamily="49" charset="0"/>
-              </a:rPr>
-              <a:t>) {</a:t>
-            </a:r>
-          </a:p>
-          <a:p>
-            <a:r>
-              <a:rPr lang="uk-UA" sz="500" dirty="0">
-                <a:latin typeface="Courier New" panose="02070309020205020404" pitchFamily="49" charset="0"/>
-                <a:cs typeface="Courier New" panose="02070309020205020404" pitchFamily="49" charset="0"/>
-              </a:rPr>
-              <a:t>        </a:t>
-            </a:r>
-            <a:r>
-              <a:rPr lang="uk-UA" sz="500" dirty="0" err="1">
-                <a:latin typeface="Courier New" panose="02070309020205020404" pitchFamily="49" charset="0"/>
-                <a:cs typeface="Courier New" panose="02070309020205020404" pitchFamily="49" charset="0"/>
-              </a:rPr>
-              <a:t>int</a:t>
-            </a:r>
-            <a:r>
-              <a:rPr lang="uk-UA" sz="500" dirty="0">
-                <a:latin typeface="Courier New" panose="02070309020205020404" pitchFamily="49" charset="0"/>
-                <a:cs typeface="Courier New" panose="02070309020205020404" pitchFamily="49" charset="0"/>
-              </a:rPr>
-              <a:t> n = </a:t>
-            </a:r>
-            <a:r>
-              <a:rPr lang="uk-UA" sz="500" dirty="0" err="1">
-                <a:latin typeface="Courier New" panose="02070309020205020404" pitchFamily="49" charset="0"/>
-                <a:cs typeface="Courier New" panose="02070309020205020404" pitchFamily="49" charset="0"/>
-              </a:rPr>
-              <a:t>array.length</a:t>
-            </a:r>
-            <a:r>
-              <a:rPr lang="uk-UA" sz="500" dirty="0">
-                <a:latin typeface="Courier New" panose="02070309020205020404" pitchFamily="49" charset="0"/>
-                <a:cs typeface="Courier New" panose="02070309020205020404" pitchFamily="49" charset="0"/>
-              </a:rPr>
-              <a:t>;</a:t>
-            </a:r>
-          </a:p>
-          <a:p>
-            <a:endParaRPr lang="uk-UA" sz="500" dirty="0">
-              <a:latin typeface="Courier New" panose="02070309020205020404" pitchFamily="49" charset="0"/>
-              <a:cs typeface="Courier New" panose="02070309020205020404" pitchFamily="49" charset="0"/>
-            </a:endParaRPr>
-          </a:p>
-          <a:p>
-            <a:r>
-              <a:rPr lang="uk-UA" sz="500" dirty="0">
-                <a:latin typeface="Courier New" panose="02070309020205020404" pitchFamily="49" charset="0"/>
-                <a:cs typeface="Courier New" panose="02070309020205020404" pitchFamily="49" charset="0"/>
-              </a:rPr>
-              <a:t>        // Побудова купи (</a:t>
-            </a:r>
-            <a:r>
-              <a:rPr lang="uk-UA" sz="500" dirty="0" err="1">
-                <a:latin typeface="Courier New" panose="02070309020205020404" pitchFamily="49" charset="0"/>
-                <a:cs typeface="Courier New" panose="02070309020205020404" pitchFamily="49" charset="0"/>
-              </a:rPr>
-              <a:t>heap</a:t>
-            </a:r>
-            <a:r>
-              <a:rPr lang="uk-UA" sz="500" dirty="0">
-                <a:latin typeface="Courier New" panose="02070309020205020404" pitchFamily="49" charset="0"/>
-                <a:cs typeface="Courier New" panose="02070309020205020404" pitchFamily="49" charset="0"/>
-              </a:rPr>
-              <a:t>)</a:t>
-            </a:r>
-          </a:p>
-          <a:p>
-            <a:r>
-              <a:rPr lang="uk-UA" sz="500" dirty="0">
-                <a:latin typeface="Courier New" panose="02070309020205020404" pitchFamily="49" charset="0"/>
-                <a:cs typeface="Courier New" panose="02070309020205020404" pitchFamily="49" charset="0"/>
-              </a:rPr>
-              <a:t>        </a:t>
-            </a:r>
-            <a:r>
-              <a:rPr lang="uk-UA" sz="500" dirty="0" err="1">
-                <a:latin typeface="Courier New" panose="02070309020205020404" pitchFamily="49" charset="0"/>
-                <a:cs typeface="Courier New" panose="02070309020205020404" pitchFamily="49" charset="0"/>
-              </a:rPr>
-              <a:t>for</a:t>
-            </a:r>
-            <a:r>
-              <a:rPr lang="uk-UA" sz="500" dirty="0">
-                <a:latin typeface="Courier New" panose="02070309020205020404" pitchFamily="49" charset="0"/>
-                <a:cs typeface="Courier New" panose="02070309020205020404" pitchFamily="49" charset="0"/>
-              </a:rPr>
-              <a:t> (</a:t>
-            </a:r>
-            <a:r>
-              <a:rPr lang="uk-UA" sz="500" dirty="0" err="1">
-                <a:latin typeface="Courier New" panose="02070309020205020404" pitchFamily="49" charset="0"/>
-                <a:cs typeface="Courier New" panose="02070309020205020404" pitchFamily="49" charset="0"/>
-              </a:rPr>
-              <a:t>int</a:t>
-            </a:r>
-            <a:r>
-              <a:rPr lang="uk-UA" sz="500" dirty="0">
-                <a:latin typeface="Courier New" panose="02070309020205020404" pitchFamily="49" charset="0"/>
-                <a:cs typeface="Courier New" panose="02070309020205020404" pitchFamily="49" charset="0"/>
-              </a:rPr>
-              <a:t> i = n / 2 - 1; i &gt;= 0; i--)</a:t>
-            </a:r>
-          </a:p>
-          <a:p>
-            <a:r>
-              <a:rPr lang="uk-UA" sz="500" dirty="0">
-                <a:latin typeface="Courier New" panose="02070309020205020404" pitchFamily="49" charset="0"/>
-                <a:cs typeface="Courier New" panose="02070309020205020404" pitchFamily="49" charset="0"/>
-              </a:rPr>
-              <a:t>            </a:t>
-            </a:r>
-            <a:r>
-              <a:rPr lang="uk-UA" sz="500" dirty="0" err="1">
-                <a:latin typeface="Courier New" panose="02070309020205020404" pitchFamily="49" charset="0"/>
-                <a:cs typeface="Courier New" panose="02070309020205020404" pitchFamily="49" charset="0"/>
-              </a:rPr>
-              <a:t>heapify</a:t>
-            </a:r>
-            <a:r>
-              <a:rPr lang="uk-UA" sz="500" dirty="0">
-                <a:latin typeface="Courier New" panose="02070309020205020404" pitchFamily="49" charset="0"/>
-                <a:cs typeface="Courier New" panose="02070309020205020404" pitchFamily="49" charset="0"/>
-              </a:rPr>
-              <a:t>(</a:t>
-            </a:r>
-            <a:r>
-              <a:rPr lang="uk-UA" sz="500" dirty="0" err="1">
-                <a:latin typeface="Courier New" panose="02070309020205020404" pitchFamily="49" charset="0"/>
-                <a:cs typeface="Courier New" panose="02070309020205020404" pitchFamily="49" charset="0"/>
-              </a:rPr>
-              <a:t>array</a:t>
-            </a:r>
-            <a:r>
-              <a:rPr lang="uk-UA" sz="500" dirty="0">
-                <a:latin typeface="Courier New" panose="02070309020205020404" pitchFamily="49" charset="0"/>
-                <a:cs typeface="Courier New" panose="02070309020205020404" pitchFamily="49" charset="0"/>
-              </a:rPr>
-              <a:t>, n, i);</a:t>
-            </a:r>
-          </a:p>
-          <a:p>
-            <a:endParaRPr lang="uk-UA" sz="500" dirty="0">
-              <a:latin typeface="Courier New" panose="02070309020205020404" pitchFamily="49" charset="0"/>
-              <a:cs typeface="Courier New" panose="02070309020205020404" pitchFamily="49" charset="0"/>
-            </a:endParaRPr>
-          </a:p>
-          <a:p>
-            <a:r>
-              <a:rPr lang="uk-UA" sz="500" dirty="0">
-                <a:latin typeface="Courier New" panose="02070309020205020404" pitchFamily="49" charset="0"/>
-                <a:cs typeface="Courier New" panose="02070309020205020404" pitchFamily="49" charset="0"/>
-              </a:rPr>
-              <a:t>        // Поступове видалення максимального елементу з купи і вставлення його у відсортовану частину масиву</a:t>
-            </a:r>
-          </a:p>
-          <a:p>
-            <a:r>
-              <a:rPr lang="uk-UA" sz="500" dirty="0">
-                <a:latin typeface="Courier New" panose="02070309020205020404" pitchFamily="49" charset="0"/>
-                <a:cs typeface="Courier New" panose="02070309020205020404" pitchFamily="49" charset="0"/>
-              </a:rPr>
-              <a:t>        </a:t>
-            </a:r>
-            <a:r>
-              <a:rPr lang="uk-UA" sz="500" dirty="0" err="1">
-                <a:latin typeface="Courier New" panose="02070309020205020404" pitchFamily="49" charset="0"/>
-                <a:cs typeface="Courier New" panose="02070309020205020404" pitchFamily="49" charset="0"/>
-              </a:rPr>
-              <a:t>for</a:t>
-            </a:r>
-            <a:r>
-              <a:rPr lang="uk-UA" sz="500" dirty="0">
-                <a:latin typeface="Courier New" panose="02070309020205020404" pitchFamily="49" charset="0"/>
-                <a:cs typeface="Courier New" panose="02070309020205020404" pitchFamily="49" charset="0"/>
-              </a:rPr>
-              <a:t> (</a:t>
-            </a:r>
-            <a:r>
-              <a:rPr lang="uk-UA" sz="500" dirty="0" err="1">
-                <a:latin typeface="Courier New" panose="02070309020205020404" pitchFamily="49" charset="0"/>
-                <a:cs typeface="Courier New" panose="02070309020205020404" pitchFamily="49" charset="0"/>
-              </a:rPr>
-              <a:t>int</a:t>
-            </a:r>
-            <a:r>
-              <a:rPr lang="uk-UA" sz="500" dirty="0">
-                <a:latin typeface="Courier New" panose="02070309020205020404" pitchFamily="49" charset="0"/>
-                <a:cs typeface="Courier New" panose="02070309020205020404" pitchFamily="49" charset="0"/>
-              </a:rPr>
-              <a:t> i = n - 1; i &gt; 0; i--) {</a:t>
-            </a:r>
-          </a:p>
-          <a:p>
-            <a:r>
-              <a:rPr lang="uk-UA" sz="500" dirty="0">
-                <a:latin typeface="Courier New" panose="02070309020205020404" pitchFamily="49" charset="0"/>
-                <a:cs typeface="Courier New" panose="02070309020205020404" pitchFamily="49" charset="0"/>
-              </a:rPr>
-              <a:t>            // Переміщаємо поточний корінь у кінець</a:t>
-            </a:r>
-          </a:p>
-          <a:p>
-            <a:r>
-              <a:rPr lang="uk-UA" sz="500" dirty="0">
-                <a:latin typeface="Courier New" panose="02070309020205020404" pitchFamily="49" charset="0"/>
-                <a:cs typeface="Courier New" panose="02070309020205020404" pitchFamily="49" charset="0"/>
-              </a:rPr>
-              <a:t>            </a:t>
-            </a:r>
-            <a:r>
-              <a:rPr lang="uk-UA" sz="500" dirty="0" err="1">
-                <a:latin typeface="Courier New" panose="02070309020205020404" pitchFamily="49" charset="0"/>
-                <a:cs typeface="Courier New" panose="02070309020205020404" pitchFamily="49" charset="0"/>
-              </a:rPr>
-              <a:t>int</a:t>
-            </a:r>
-            <a:r>
-              <a:rPr lang="uk-UA" sz="500" dirty="0">
-                <a:latin typeface="Courier New" panose="02070309020205020404" pitchFamily="49" charset="0"/>
-                <a:cs typeface="Courier New" panose="02070309020205020404" pitchFamily="49" charset="0"/>
-              </a:rPr>
-              <a:t> </a:t>
-            </a:r>
-            <a:r>
-              <a:rPr lang="uk-UA" sz="500" dirty="0" err="1">
-                <a:latin typeface="Courier New" panose="02070309020205020404" pitchFamily="49" charset="0"/>
-                <a:cs typeface="Courier New" panose="02070309020205020404" pitchFamily="49" charset="0"/>
-              </a:rPr>
-              <a:t>temp</a:t>
-            </a:r>
-            <a:r>
-              <a:rPr lang="uk-UA" sz="500" dirty="0">
-                <a:latin typeface="Courier New" panose="02070309020205020404" pitchFamily="49" charset="0"/>
-                <a:cs typeface="Courier New" panose="02070309020205020404" pitchFamily="49" charset="0"/>
-              </a:rPr>
-              <a:t> = </a:t>
-            </a:r>
-            <a:r>
-              <a:rPr lang="uk-UA" sz="500" dirty="0" err="1">
-                <a:latin typeface="Courier New" panose="02070309020205020404" pitchFamily="49" charset="0"/>
-                <a:cs typeface="Courier New" panose="02070309020205020404" pitchFamily="49" charset="0"/>
-              </a:rPr>
-              <a:t>array</a:t>
-            </a:r>
-            <a:r>
-              <a:rPr lang="uk-UA" sz="500" dirty="0">
-                <a:latin typeface="Courier New" panose="02070309020205020404" pitchFamily="49" charset="0"/>
-                <a:cs typeface="Courier New" panose="02070309020205020404" pitchFamily="49" charset="0"/>
-              </a:rPr>
-              <a:t>[0];</a:t>
-            </a:r>
-          </a:p>
-          <a:p>
-            <a:r>
-              <a:rPr lang="uk-UA" sz="500" dirty="0">
-                <a:latin typeface="Courier New" panose="02070309020205020404" pitchFamily="49" charset="0"/>
-                <a:cs typeface="Courier New" panose="02070309020205020404" pitchFamily="49" charset="0"/>
-              </a:rPr>
-              <a:t>            </a:t>
-            </a:r>
-            <a:r>
-              <a:rPr lang="uk-UA" sz="500" dirty="0" err="1">
-                <a:latin typeface="Courier New" panose="02070309020205020404" pitchFamily="49" charset="0"/>
-                <a:cs typeface="Courier New" panose="02070309020205020404" pitchFamily="49" charset="0"/>
-              </a:rPr>
-              <a:t>array</a:t>
-            </a:r>
-            <a:r>
-              <a:rPr lang="uk-UA" sz="500" dirty="0">
-                <a:latin typeface="Courier New" panose="02070309020205020404" pitchFamily="49" charset="0"/>
-                <a:cs typeface="Courier New" panose="02070309020205020404" pitchFamily="49" charset="0"/>
-              </a:rPr>
-              <a:t>[0] = </a:t>
-            </a:r>
-            <a:r>
-              <a:rPr lang="uk-UA" sz="500" dirty="0" err="1">
-                <a:latin typeface="Courier New" panose="02070309020205020404" pitchFamily="49" charset="0"/>
-                <a:cs typeface="Courier New" panose="02070309020205020404" pitchFamily="49" charset="0"/>
-              </a:rPr>
-              <a:t>array</a:t>
-            </a:r>
-            <a:r>
-              <a:rPr lang="uk-UA" sz="500" dirty="0">
-                <a:latin typeface="Courier New" panose="02070309020205020404" pitchFamily="49" charset="0"/>
-                <a:cs typeface="Courier New" panose="02070309020205020404" pitchFamily="49" charset="0"/>
-              </a:rPr>
-              <a:t>[i];</a:t>
-            </a:r>
-          </a:p>
-          <a:p>
-            <a:r>
-              <a:rPr lang="uk-UA" sz="500" dirty="0">
-                <a:latin typeface="Courier New" panose="02070309020205020404" pitchFamily="49" charset="0"/>
-                <a:cs typeface="Courier New" panose="02070309020205020404" pitchFamily="49" charset="0"/>
-              </a:rPr>
-              <a:t>            </a:t>
-            </a:r>
-            <a:r>
-              <a:rPr lang="uk-UA" sz="500" dirty="0" err="1">
-                <a:latin typeface="Courier New" panose="02070309020205020404" pitchFamily="49" charset="0"/>
-                <a:cs typeface="Courier New" panose="02070309020205020404" pitchFamily="49" charset="0"/>
-              </a:rPr>
-              <a:t>array</a:t>
-            </a:r>
-            <a:r>
-              <a:rPr lang="uk-UA" sz="500" dirty="0">
-                <a:latin typeface="Courier New" panose="02070309020205020404" pitchFamily="49" charset="0"/>
-                <a:cs typeface="Courier New" panose="02070309020205020404" pitchFamily="49" charset="0"/>
-              </a:rPr>
-              <a:t>[i] = </a:t>
-            </a:r>
-            <a:r>
-              <a:rPr lang="uk-UA" sz="500" dirty="0" err="1">
-                <a:latin typeface="Courier New" panose="02070309020205020404" pitchFamily="49" charset="0"/>
-                <a:cs typeface="Courier New" panose="02070309020205020404" pitchFamily="49" charset="0"/>
-              </a:rPr>
-              <a:t>temp</a:t>
-            </a:r>
-            <a:r>
-              <a:rPr lang="uk-UA" sz="500" dirty="0">
-                <a:latin typeface="Courier New" panose="02070309020205020404" pitchFamily="49" charset="0"/>
-                <a:cs typeface="Courier New" panose="02070309020205020404" pitchFamily="49" charset="0"/>
-              </a:rPr>
-              <a:t>;</a:t>
-            </a:r>
-          </a:p>
-          <a:p>
-            <a:endParaRPr lang="uk-UA" sz="500" dirty="0">
-              <a:latin typeface="Courier New" panose="02070309020205020404" pitchFamily="49" charset="0"/>
-              <a:cs typeface="Courier New" panose="02070309020205020404" pitchFamily="49" charset="0"/>
-            </a:endParaRPr>
-          </a:p>
-          <a:p>
-            <a:r>
-              <a:rPr lang="uk-UA" sz="500" dirty="0">
-                <a:latin typeface="Courier New" panose="02070309020205020404" pitchFamily="49" charset="0"/>
-                <a:cs typeface="Courier New" panose="02070309020205020404" pitchFamily="49" charset="0"/>
-              </a:rPr>
-              <a:t>            // </a:t>
-            </a:r>
-            <a:r>
-              <a:rPr lang="uk-UA" sz="500" dirty="0" err="1">
-                <a:latin typeface="Courier New" panose="02070309020205020404" pitchFamily="49" charset="0"/>
-                <a:cs typeface="Courier New" panose="02070309020205020404" pitchFamily="49" charset="0"/>
-              </a:rPr>
-              <a:t>Викликамо</a:t>
-            </a:r>
-            <a:r>
-              <a:rPr lang="uk-UA" sz="500" dirty="0">
-                <a:latin typeface="Courier New" panose="02070309020205020404" pitchFamily="49" charset="0"/>
-                <a:cs typeface="Courier New" panose="02070309020205020404" pitchFamily="49" charset="0"/>
-              </a:rPr>
-              <a:t> </a:t>
-            </a:r>
-            <a:r>
-              <a:rPr lang="uk-UA" sz="500" dirty="0" err="1">
-                <a:latin typeface="Courier New" panose="02070309020205020404" pitchFamily="49" charset="0"/>
-                <a:cs typeface="Courier New" panose="02070309020205020404" pitchFamily="49" charset="0"/>
-              </a:rPr>
-              <a:t>heapify</a:t>
-            </a:r>
-            <a:r>
-              <a:rPr lang="uk-UA" sz="500" dirty="0">
-                <a:latin typeface="Courier New" panose="02070309020205020404" pitchFamily="49" charset="0"/>
-                <a:cs typeface="Courier New" panose="02070309020205020404" pitchFamily="49" charset="0"/>
-              </a:rPr>
-              <a:t> на зменшеній купі</a:t>
-            </a:r>
-          </a:p>
-          <a:p>
-            <a:r>
-              <a:rPr lang="uk-UA" sz="500" dirty="0">
-                <a:latin typeface="Courier New" panose="02070309020205020404" pitchFamily="49" charset="0"/>
-                <a:cs typeface="Courier New" panose="02070309020205020404" pitchFamily="49" charset="0"/>
-              </a:rPr>
-              <a:t>            </a:t>
-            </a:r>
-            <a:r>
-              <a:rPr lang="uk-UA" sz="500" dirty="0" err="1">
-                <a:latin typeface="Courier New" panose="02070309020205020404" pitchFamily="49" charset="0"/>
-                <a:cs typeface="Courier New" panose="02070309020205020404" pitchFamily="49" charset="0"/>
-              </a:rPr>
-              <a:t>heapify</a:t>
-            </a:r>
-            <a:r>
-              <a:rPr lang="uk-UA" sz="500" dirty="0">
-                <a:latin typeface="Courier New" panose="02070309020205020404" pitchFamily="49" charset="0"/>
-                <a:cs typeface="Courier New" panose="02070309020205020404" pitchFamily="49" charset="0"/>
-              </a:rPr>
-              <a:t>(</a:t>
-            </a:r>
-            <a:r>
-              <a:rPr lang="uk-UA" sz="500" dirty="0" err="1">
-                <a:latin typeface="Courier New" panose="02070309020205020404" pitchFamily="49" charset="0"/>
-                <a:cs typeface="Courier New" panose="02070309020205020404" pitchFamily="49" charset="0"/>
-              </a:rPr>
-              <a:t>array</a:t>
-            </a:r>
-            <a:r>
-              <a:rPr lang="uk-UA" sz="500" dirty="0">
-                <a:latin typeface="Courier New" panose="02070309020205020404" pitchFamily="49" charset="0"/>
-                <a:cs typeface="Courier New" panose="02070309020205020404" pitchFamily="49" charset="0"/>
-              </a:rPr>
-              <a:t>, i, 0);</a:t>
-            </a:r>
-          </a:p>
-          <a:p>
-            <a:r>
-              <a:rPr lang="uk-UA" sz="500" dirty="0">
-                <a:latin typeface="Courier New" panose="02070309020205020404" pitchFamily="49" charset="0"/>
-                <a:cs typeface="Courier New" panose="02070309020205020404" pitchFamily="49" charset="0"/>
-              </a:rPr>
-              <a:t>        }</a:t>
-            </a:r>
-          </a:p>
-          <a:p>
-            <a:r>
-              <a:rPr lang="uk-UA" sz="500" dirty="0">
-                <a:latin typeface="Courier New" panose="02070309020205020404" pitchFamily="49" charset="0"/>
-                <a:cs typeface="Courier New" panose="02070309020205020404" pitchFamily="49" charset="0"/>
-              </a:rPr>
-              <a:t>    }</a:t>
-            </a:r>
-          </a:p>
-          <a:p>
-            <a:endParaRPr lang="uk-UA" sz="500" dirty="0">
-              <a:latin typeface="Courier New" panose="02070309020205020404" pitchFamily="49" charset="0"/>
-              <a:cs typeface="Courier New" panose="02070309020205020404" pitchFamily="49" charset="0"/>
-            </a:endParaRPr>
-          </a:p>
-          <a:p>
-            <a:r>
-              <a:rPr lang="uk-UA" sz="500" dirty="0">
-                <a:latin typeface="Courier New" panose="02070309020205020404" pitchFamily="49" charset="0"/>
-                <a:cs typeface="Courier New" panose="02070309020205020404" pitchFamily="49" charset="0"/>
-              </a:rPr>
-              <a:t>    // Функція для виконання </a:t>
-            </a:r>
-            <a:r>
-              <a:rPr lang="uk-UA" sz="500" dirty="0" err="1">
-                <a:latin typeface="Courier New" panose="02070309020205020404" pitchFamily="49" charset="0"/>
-                <a:cs typeface="Courier New" panose="02070309020205020404" pitchFamily="49" charset="0"/>
-              </a:rPr>
-              <a:t>heapify</a:t>
-            </a:r>
-            <a:r>
-              <a:rPr lang="uk-UA" sz="500" dirty="0">
-                <a:latin typeface="Courier New" panose="02070309020205020404" pitchFamily="49" charset="0"/>
-                <a:cs typeface="Courier New" panose="02070309020205020404" pitchFamily="49" charset="0"/>
-              </a:rPr>
-              <a:t> </a:t>
-            </a:r>
-            <a:r>
-              <a:rPr lang="uk-UA" sz="500" dirty="0" err="1">
-                <a:latin typeface="Courier New" panose="02070309020205020404" pitchFamily="49" charset="0"/>
-                <a:cs typeface="Courier New" panose="02070309020205020404" pitchFamily="49" charset="0"/>
-              </a:rPr>
-              <a:t>піддерева</a:t>
-            </a:r>
-            <a:r>
-              <a:rPr lang="uk-UA" sz="500" dirty="0">
-                <a:latin typeface="Courier New" panose="02070309020205020404" pitchFamily="49" charset="0"/>
-                <a:cs typeface="Courier New" panose="02070309020205020404" pitchFamily="49" charset="0"/>
-              </a:rPr>
-              <a:t> з коренем індексу i, що має розмір n</a:t>
-            </a:r>
-          </a:p>
-          <a:p>
-            <a:r>
-              <a:rPr lang="uk-UA" sz="500" dirty="0">
-                <a:latin typeface="Courier New" panose="02070309020205020404" pitchFamily="49" charset="0"/>
-                <a:cs typeface="Courier New" panose="02070309020205020404" pitchFamily="49" charset="0"/>
-              </a:rPr>
-              <a:t>    </a:t>
-            </a:r>
-            <a:r>
-              <a:rPr lang="uk-UA" sz="500" dirty="0" err="1">
-                <a:latin typeface="Courier New" panose="02070309020205020404" pitchFamily="49" charset="0"/>
-                <a:cs typeface="Courier New" panose="02070309020205020404" pitchFamily="49" charset="0"/>
-              </a:rPr>
-              <a:t>static</a:t>
-            </a:r>
-            <a:r>
-              <a:rPr lang="uk-UA" sz="500" dirty="0">
-                <a:latin typeface="Courier New" panose="02070309020205020404" pitchFamily="49" charset="0"/>
-                <a:cs typeface="Courier New" panose="02070309020205020404" pitchFamily="49" charset="0"/>
-              </a:rPr>
-              <a:t> </a:t>
-            </a:r>
-            <a:r>
-              <a:rPr lang="uk-UA" sz="500" dirty="0" err="1">
-                <a:latin typeface="Courier New" panose="02070309020205020404" pitchFamily="49" charset="0"/>
-                <a:cs typeface="Courier New" panose="02070309020205020404" pitchFamily="49" charset="0"/>
-              </a:rPr>
-              <a:t>void</a:t>
-            </a:r>
-            <a:r>
-              <a:rPr lang="uk-UA" sz="500" dirty="0">
-                <a:latin typeface="Courier New" panose="02070309020205020404" pitchFamily="49" charset="0"/>
-                <a:cs typeface="Courier New" panose="02070309020205020404" pitchFamily="49" charset="0"/>
-              </a:rPr>
-              <a:t> </a:t>
-            </a:r>
-            <a:r>
-              <a:rPr lang="uk-UA" sz="500" dirty="0" err="1">
-                <a:latin typeface="Courier New" panose="02070309020205020404" pitchFamily="49" charset="0"/>
-                <a:cs typeface="Courier New" panose="02070309020205020404" pitchFamily="49" charset="0"/>
-              </a:rPr>
-              <a:t>heapify</a:t>
-            </a:r>
-            <a:r>
-              <a:rPr lang="uk-UA" sz="500" dirty="0">
-                <a:latin typeface="Courier New" panose="02070309020205020404" pitchFamily="49" charset="0"/>
-                <a:cs typeface="Courier New" panose="02070309020205020404" pitchFamily="49" charset="0"/>
-              </a:rPr>
-              <a:t>(</a:t>
-            </a:r>
-            <a:r>
-              <a:rPr lang="uk-UA" sz="500" dirty="0" err="1">
-                <a:latin typeface="Courier New" panose="02070309020205020404" pitchFamily="49" charset="0"/>
-                <a:cs typeface="Courier New" panose="02070309020205020404" pitchFamily="49" charset="0"/>
-              </a:rPr>
-              <a:t>int</a:t>
-            </a:r>
-            <a:r>
-              <a:rPr lang="uk-UA" sz="500" dirty="0">
-                <a:latin typeface="Courier New" panose="02070309020205020404" pitchFamily="49" charset="0"/>
-                <a:cs typeface="Courier New" panose="02070309020205020404" pitchFamily="49" charset="0"/>
-              </a:rPr>
-              <a:t>[] </a:t>
-            </a:r>
-            <a:r>
-              <a:rPr lang="uk-UA" sz="500" dirty="0" err="1">
-                <a:latin typeface="Courier New" panose="02070309020205020404" pitchFamily="49" charset="0"/>
-                <a:cs typeface="Courier New" panose="02070309020205020404" pitchFamily="49" charset="0"/>
-              </a:rPr>
-              <a:t>array</a:t>
-            </a:r>
-            <a:r>
-              <a:rPr lang="uk-UA" sz="500" dirty="0">
-                <a:latin typeface="Courier New" panose="02070309020205020404" pitchFamily="49" charset="0"/>
-                <a:cs typeface="Courier New" panose="02070309020205020404" pitchFamily="49" charset="0"/>
-              </a:rPr>
-              <a:t>, </a:t>
-            </a:r>
-            <a:r>
-              <a:rPr lang="uk-UA" sz="500" dirty="0" err="1">
-                <a:latin typeface="Courier New" panose="02070309020205020404" pitchFamily="49" charset="0"/>
-                <a:cs typeface="Courier New" panose="02070309020205020404" pitchFamily="49" charset="0"/>
-              </a:rPr>
-              <a:t>int</a:t>
-            </a:r>
-            <a:r>
-              <a:rPr lang="uk-UA" sz="500" dirty="0">
-                <a:latin typeface="Courier New" panose="02070309020205020404" pitchFamily="49" charset="0"/>
-                <a:cs typeface="Courier New" panose="02070309020205020404" pitchFamily="49" charset="0"/>
-              </a:rPr>
-              <a:t> n, </a:t>
-            </a:r>
-            <a:r>
-              <a:rPr lang="uk-UA" sz="500" dirty="0" err="1">
-                <a:latin typeface="Courier New" panose="02070309020205020404" pitchFamily="49" charset="0"/>
-                <a:cs typeface="Courier New" panose="02070309020205020404" pitchFamily="49" charset="0"/>
-              </a:rPr>
-              <a:t>int</a:t>
-            </a:r>
-            <a:r>
-              <a:rPr lang="uk-UA" sz="500" dirty="0">
-                <a:latin typeface="Courier New" panose="02070309020205020404" pitchFamily="49" charset="0"/>
-                <a:cs typeface="Courier New" panose="02070309020205020404" pitchFamily="49" charset="0"/>
-              </a:rPr>
-              <a:t> i) {</a:t>
-            </a:r>
-          </a:p>
-          <a:p>
-            <a:r>
-              <a:rPr lang="uk-UA" sz="500" dirty="0">
-                <a:latin typeface="Courier New" panose="02070309020205020404" pitchFamily="49" charset="0"/>
-                <a:cs typeface="Courier New" panose="02070309020205020404" pitchFamily="49" charset="0"/>
-              </a:rPr>
-              <a:t>        </a:t>
-            </a:r>
-            <a:r>
-              <a:rPr lang="uk-UA" sz="500" dirty="0" err="1">
-                <a:latin typeface="Courier New" panose="02070309020205020404" pitchFamily="49" charset="0"/>
-                <a:cs typeface="Courier New" panose="02070309020205020404" pitchFamily="49" charset="0"/>
-              </a:rPr>
-              <a:t>int</a:t>
-            </a:r>
-            <a:r>
-              <a:rPr lang="uk-UA" sz="500" dirty="0">
-                <a:latin typeface="Courier New" panose="02070309020205020404" pitchFamily="49" charset="0"/>
-                <a:cs typeface="Courier New" panose="02070309020205020404" pitchFamily="49" charset="0"/>
-              </a:rPr>
-              <a:t> </a:t>
-            </a:r>
-            <a:r>
-              <a:rPr lang="uk-UA" sz="500" dirty="0" err="1">
-                <a:latin typeface="Courier New" panose="02070309020205020404" pitchFamily="49" charset="0"/>
-                <a:cs typeface="Courier New" panose="02070309020205020404" pitchFamily="49" charset="0"/>
-              </a:rPr>
-              <a:t>largest</a:t>
-            </a:r>
-            <a:r>
-              <a:rPr lang="uk-UA" sz="500" dirty="0">
-                <a:latin typeface="Courier New" panose="02070309020205020404" pitchFamily="49" charset="0"/>
-                <a:cs typeface="Courier New" panose="02070309020205020404" pitchFamily="49" charset="0"/>
-              </a:rPr>
-              <a:t> = i; // </a:t>
-            </a:r>
-            <a:r>
-              <a:rPr lang="uk-UA" sz="500" dirty="0" err="1">
-                <a:latin typeface="Courier New" panose="02070309020205020404" pitchFamily="49" charset="0"/>
-                <a:cs typeface="Courier New" panose="02070309020205020404" pitchFamily="49" charset="0"/>
-              </a:rPr>
-              <a:t>Ініціалізуємо</a:t>
-            </a:r>
-            <a:r>
-              <a:rPr lang="uk-UA" sz="500" dirty="0">
-                <a:latin typeface="Courier New" panose="02070309020205020404" pitchFamily="49" charset="0"/>
-                <a:cs typeface="Courier New" panose="02070309020205020404" pitchFamily="49" charset="0"/>
-              </a:rPr>
-              <a:t> найбільший елемент як корінь</a:t>
-            </a:r>
-          </a:p>
-          <a:p>
-            <a:r>
-              <a:rPr lang="uk-UA" sz="500" dirty="0">
-                <a:latin typeface="Courier New" panose="02070309020205020404" pitchFamily="49" charset="0"/>
-                <a:cs typeface="Courier New" panose="02070309020205020404" pitchFamily="49" charset="0"/>
-              </a:rPr>
-              <a:t>        </a:t>
-            </a:r>
-            <a:r>
-              <a:rPr lang="uk-UA" sz="500" dirty="0" err="1">
-                <a:latin typeface="Courier New" panose="02070309020205020404" pitchFamily="49" charset="0"/>
-                <a:cs typeface="Courier New" panose="02070309020205020404" pitchFamily="49" charset="0"/>
-              </a:rPr>
-              <a:t>int</a:t>
-            </a:r>
-            <a:r>
-              <a:rPr lang="uk-UA" sz="500" dirty="0">
-                <a:latin typeface="Courier New" panose="02070309020205020404" pitchFamily="49" charset="0"/>
-                <a:cs typeface="Courier New" panose="02070309020205020404" pitchFamily="49" charset="0"/>
-              </a:rPr>
-              <a:t> </a:t>
-            </a:r>
-            <a:r>
-              <a:rPr lang="uk-UA" sz="500" dirty="0" err="1">
-                <a:latin typeface="Courier New" panose="02070309020205020404" pitchFamily="49" charset="0"/>
-                <a:cs typeface="Courier New" panose="02070309020205020404" pitchFamily="49" charset="0"/>
-              </a:rPr>
-              <a:t>left</a:t>
-            </a:r>
-            <a:r>
-              <a:rPr lang="uk-UA" sz="500" dirty="0">
-                <a:latin typeface="Courier New" panose="02070309020205020404" pitchFamily="49" charset="0"/>
-                <a:cs typeface="Courier New" panose="02070309020205020404" pitchFamily="49" charset="0"/>
-              </a:rPr>
-              <a:t> = 2 * i + 1; // Лівий дочірній вузол</a:t>
-            </a:r>
-          </a:p>
-          <a:p>
-            <a:r>
-              <a:rPr lang="uk-UA" sz="500" dirty="0">
-                <a:latin typeface="Courier New" panose="02070309020205020404" pitchFamily="49" charset="0"/>
-                <a:cs typeface="Courier New" panose="02070309020205020404" pitchFamily="49" charset="0"/>
-              </a:rPr>
-              <a:t>        </a:t>
-            </a:r>
-            <a:r>
-              <a:rPr lang="uk-UA" sz="500" dirty="0" err="1">
-                <a:latin typeface="Courier New" panose="02070309020205020404" pitchFamily="49" charset="0"/>
-                <a:cs typeface="Courier New" panose="02070309020205020404" pitchFamily="49" charset="0"/>
-              </a:rPr>
-              <a:t>int</a:t>
-            </a:r>
-            <a:r>
-              <a:rPr lang="uk-UA" sz="500" dirty="0">
-                <a:latin typeface="Courier New" panose="02070309020205020404" pitchFamily="49" charset="0"/>
-                <a:cs typeface="Courier New" panose="02070309020205020404" pitchFamily="49" charset="0"/>
-              </a:rPr>
-              <a:t> </a:t>
-            </a:r>
-            <a:r>
-              <a:rPr lang="uk-UA" sz="500" dirty="0" err="1">
-                <a:latin typeface="Courier New" panose="02070309020205020404" pitchFamily="49" charset="0"/>
-                <a:cs typeface="Courier New" panose="02070309020205020404" pitchFamily="49" charset="0"/>
-              </a:rPr>
-              <a:t>right</a:t>
-            </a:r>
-            <a:r>
-              <a:rPr lang="uk-UA" sz="500" dirty="0">
-                <a:latin typeface="Courier New" panose="02070309020205020404" pitchFamily="49" charset="0"/>
-                <a:cs typeface="Courier New" panose="02070309020205020404" pitchFamily="49" charset="0"/>
-              </a:rPr>
-              <a:t> = 2 * i + 2; // Правий дочірній вузол</a:t>
-            </a:r>
-          </a:p>
-          <a:p>
-            <a:endParaRPr lang="uk-UA" sz="500" dirty="0">
-              <a:latin typeface="Courier New" panose="02070309020205020404" pitchFamily="49" charset="0"/>
-              <a:cs typeface="Courier New" panose="02070309020205020404" pitchFamily="49" charset="0"/>
-            </a:endParaRPr>
-          </a:p>
-          <a:p>
-            <a:r>
-              <a:rPr lang="uk-UA" sz="500" dirty="0">
-                <a:latin typeface="Courier New" panose="02070309020205020404" pitchFamily="49" charset="0"/>
-                <a:cs typeface="Courier New" panose="02070309020205020404" pitchFamily="49" charset="0"/>
-              </a:rPr>
-              <a:t>        // Якщо лівий дочірній вузол більший за корінь</a:t>
-            </a:r>
-          </a:p>
-          <a:p>
-            <a:r>
-              <a:rPr lang="uk-UA" sz="500" dirty="0">
-                <a:latin typeface="Courier New" panose="02070309020205020404" pitchFamily="49" charset="0"/>
-                <a:cs typeface="Courier New" panose="02070309020205020404" pitchFamily="49" charset="0"/>
-              </a:rPr>
-              <a:t>        </a:t>
-            </a:r>
-            <a:r>
-              <a:rPr lang="uk-UA" sz="500" dirty="0" err="1">
-                <a:latin typeface="Courier New" panose="02070309020205020404" pitchFamily="49" charset="0"/>
-                <a:cs typeface="Courier New" panose="02070309020205020404" pitchFamily="49" charset="0"/>
-              </a:rPr>
-              <a:t>if</a:t>
-            </a:r>
-            <a:r>
-              <a:rPr lang="uk-UA" sz="500" dirty="0">
-                <a:latin typeface="Courier New" panose="02070309020205020404" pitchFamily="49" charset="0"/>
-                <a:cs typeface="Courier New" panose="02070309020205020404" pitchFamily="49" charset="0"/>
-              </a:rPr>
-              <a:t> (</a:t>
-            </a:r>
-            <a:r>
-              <a:rPr lang="uk-UA" sz="500" dirty="0" err="1">
-                <a:latin typeface="Courier New" panose="02070309020205020404" pitchFamily="49" charset="0"/>
-                <a:cs typeface="Courier New" panose="02070309020205020404" pitchFamily="49" charset="0"/>
-              </a:rPr>
-              <a:t>left</a:t>
-            </a:r>
-            <a:r>
-              <a:rPr lang="uk-UA" sz="500" dirty="0">
-                <a:latin typeface="Courier New" panose="02070309020205020404" pitchFamily="49" charset="0"/>
-                <a:cs typeface="Courier New" panose="02070309020205020404" pitchFamily="49" charset="0"/>
-              </a:rPr>
-              <a:t> &lt; n &amp;&amp; </a:t>
-            </a:r>
-            <a:r>
-              <a:rPr lang="uk-UA" sz="500" dirty="0" err="1">
-                <a:latin typeface="Courier New" panose="02070309020205020404" pitchFamily="49" charset="0"/>
-                <a:cs typeface="Courier New" panose="02070309020205020404" pitchFamily="49" charset="0"/>
-              </a:rPr>
-              <a:t>array</a:t>
-            </a:r>
-            <a:r>
-              <a:rPr lang="uk-UA" sz="500" dirty="0">
-                <a:latin typeface="Courier New" panose="02070309020205020404" pitchFamily="49" charset="0"/>
-                <a:cs typeface="Courier New" panose="02070309020205020404" pitchFamily="49" charset="0"/>
-              </a:rPr>
-              <a:t>[</a:t>
-            </a:r>
-            <a:r>
-              <a:rPr lang="uk-UA" sz="500" dirty="0" err="1">
-                <a:latin typeface="Courier New" panose="02070309020205020404" pitchFamily="49" charset="0"/>
-                <a:cs typeface="Courier New" panose="02070309020205020404" pitchFamily="49" charset="0"/>
-              </a:rPr>
-              <a:t>left</a:t>
-            </a:r>
-            <a:r>
-              <a:rPr lang="uk-UA" sz="500" dirty="0">
-                <a:latin typeface="Courier New" panose="02070309020205020404" pitchFamily="49" charset="0"/>
-                <a:cs typeface="Courier New" panose="02070309020205020404" pitchFamily="49" charset="0"/>
-              </a:rPr>
-              <a:t>] &gt; </a:t>
-            </a:r>
-            <a:r>
-              <a:rPr lang="uk-UA" sz="500" dirty="0" err="1">
-                <a:latin typeface="Courier New" panose="02070309020205020404" pitchFamily="49" charset="0"/>
-                <a:cs typeface="Courier New" panose="02070309020205020404" pitchFamily="49" charset="0"/>
-              </a:rPr>
-              <a:t>array</a:t>
-            </a:r>
-            <a:r>
-              <a:rPr lang="uk-UA" sz="500" dirty="0">
-                <a:latin typeface="Courier New" panose="02070309020205020404" pitchFamily="49" charset="0"/>
-                <a:cs typeface="Courier New" panose="02070309020205020404" pitchFamily="49" charset="0"/>
-              </a:rPr>
-              <a:t>[</a:t>
-            </a:r>
-            <a:r>
-              <a:rPr lang="uk-UA" sz="500" dirty="0" err="1">
-                <a:latin typeface="Courier New" panose="02070309020205020404" pitchFamily="49" charset="0"/>
-                <a:cs typeface="Courier New" panose="02070309020205020404" pitchFamily="49" charset="0"/>
-              </a:rPr>
-              <a:t>largest</a:t>
-            </a:r>
-            <a:r>
-              <a:rPr lang="uk-UA" sz="500" dirty="0">
-                <a:latin typeface="Courier New" panose="02070309020205020404" pitchFamily="49" charset="0"/>
-                <a:cs typeface="Courier New" panose="02070309020205020404" pitchFamily="49" charset="0"/>
-              </a:rPr>
-              <a:t>])</a:t>
-            </a:r>
-          </a:p>
-          <a:p>
-            <a:r>
-              <a:rPr lang="uk-UA" sz="500" dirty="0">
-                <a:latin typeface="Courier New" panose="02070309020205020404" pitchFamily="49" charset="0"/>
-                <a:cs typeface="Courier New" panose="02070309020205020404" pitchFamily="49" charset="0"/>
-              </a:rPr>
-              <a:t>            </a:t>
-            </a:r>
-            <a:r>
-              <a:rPr lang="uk-UA" sz="500" dirty="0" err="1">
-                <a:latin typeface="Courier New" panose="02070309020205020404" pitchFamily="49" charset="0"/>
-                <a:cs typeface="Courier New" panose="02070309020205020404" pitchFamily="49" charset="0"/>
-              </a:rPr>
-              <a:t>largest</a:t>
-            </a:r>
-            <a:r>
-              <a:rPr lang="uk-UA" sz="500" dirty="0">
-                <a:latin typeface="Courier New" panose="02070309020205020404" pitchFamily="49" charset="0"/>
-                <a:cs typeface="Courier New" panose="02070309020205020404" pitchFamily="49" charset="0"/>
-              </a:rPr>
-              <a:t> = </a:t>
-            </a:r>
-            <a:r>
-              <a:rPr lang="uk-UA" sz="500" dirty="0" err="1">
-                <a:latin typeface="Courier New" panose="02070309020205020404" pitchFamily="49" charset="0"/>
-                <a:cs typeface="Courier New" panose="02070309020205020404" pitchFamily="49" charset="0"/>
-              </a:rPr>
-              <a:t>left</a:t>
-            </a:r>
-            <a:r>
-              <a:rPr lang="uk-UA" sz="500" dirty="0">
-                <a:latin typeface="Courier New" panose="02070309020205020404" pitchFamily="49" charset="0"/>
-                <a:cs typeface="Courier New" panose="02070309020205020404" pitchFamily="49" charset="0"/>
-              </a:rPr>
-              <a:t>;</a:t>
-            </a:r>
-          </a:p>
-          <a:p>
-            <a:endParaRPr lang="uk-UA" sz="500" dirty="0">
-              <a:latin typeface="Courier New" panose="02070309020205020404" pitchFamily="49" charset="0"/>
-              <a:cs typeface="Courier New" panose="02070309020205020404" pitchFamily="49" charset="0"/>
-            </a:endParaRPr>
-          </a:p>
-          <a:p>
-            <a:r>
-              <a:rPr lang="uk-UA" sz="500" dirty="0">
-                <a:latin typeface="Courier New" panose="02070309020205020404" pitchFamily="49" charset="0"/>
-                <a:cs typeface="Courier New" panose="02070309020205020404" pitchFamily="49" charset="0"/>
-              </a:rPr>
-              <a:t>        // Якщо правий дочірній вузол більший за найбільший досі вузол</a:t>
-            </a:r>
-          </a:p>
-          <a:p>
-            <a:r>
-              <a:rPr lang="uk-UA" sz="500" dirty="0">
-                <a:latin typeface="Courier New" panose="02070309020205020404" pitchFamily="49" charset="0"/>
-                <a:cs typeface="Courier New" panose="02070309020205020404" pitchFamily="49" charset="0"/>
-              </a:rPr>
-              <a:t>        </a:t>
-            </a:r>
-            <a:r>
-              <a:rPr lang="uk-UA" sz="500" dirty="0" err="1">
-                <a:latin typeface="Courier New" panose="02070309020205020404" pitchFamily="49" charset="0"/>
-                <a:cs typeface="Courier New" panose="02070309020205020404" pitchFamily="49" charset="0"/>
-              </a:rPr>
-              <a:t>if</a:t>
-            </a:r>
-            <a:r>
-              <a:rPr lang="uk-UA" sz="500" dirty="0">
-                <a:latin typeface="Courier New" panose="02070309020205020404" pitchFamily="49" charset="0"/>
-                <a:cs typeface="Courier New" panose="02070309020205020404" pitchFamily="49" charset="0"/>
-              </a:rPr>
-              <a:t> (</a:t>
-            </a:r>
-            <a:r>
-              <a:rPr lang="uk-UA" sz="500" dirty="0" err="1">
-                <a:latin typeface="Courier New" panose="02070309020205020404" pitchFamily="49" charset="0"/>
-                <a:cs typeface="Courier New" panose="02070309020205020404" pitchFamily="49" charset="0"/>
-              </a:rPr>
-              <a:t>right</a:t>
-            </a:r>
-            <a:r>
-              <a:rPr lang="uk-UA" sz="500" dirty="0">
-                <a:latin typeface="Courier New" panose="02070309020205020404" pitchFamily="49" charset="0"/>
-                <a:cs typeface="Courier New" panose="02070309020205020404" pitchFamily="49" charset="0"/>
-              </a:rPr>
-              <a:t> &lt; n &amp;&amp; </a:t>
-            </a:r>
-            <a:r>
-              <a:rPr lang="uk-UA" sz="500" dirty="0" err="1">
-                <a:latin typeface="Courier New" panose="02070309020205020404" pitchFamily="49" charset="0"/>
-                <a:cs typeface="Courier New" panose="02070309020205020404" pitchFamily="49" charset="0"/>
-              </a:rPr>
-              <a:t>array</a:t>
-            </a:r>
-            <a:r>
-              <a:rPr lang="uk-UA" sz="500" dirty="0">
-                <a:latin typeface="Courier New" panose="02070309020205020404" pitchFamily="49" charset="0"/>
-                <a:cs typeface="Courier New" panose="02070309020205020404" pitchFamily="49" charset="0"/>
-              </a:rPr>
-              <a:t>[</a:t>
-            </a:r>
-            <a:r>
-              <a:rPr lang="uk-UA" sz="500" dirty="0" err="1">
-                <a:latin typeface="Courier New" panose="02070309020205020404" pitchFamily="49" charset="0"/>
-                <a:cs typeface="Courier New" panose="02070309020205020404" pitchFamily="49" charset="0"/>
-              </a:rPr>
-              <a:t>right</a:t>
-            </a:r>
-            <a:r>
-              <a:rPr lang="uk-UA" sz="500" dirty="0">
-                <a:latin typeface="Courier New" panose="02070309020205020404" pitchFamily="49" charset="0"/>
-                <a:cs typeface="Courier New" panose="02070309020205020404" pitchFamily="49" charset="0"/>
-              </a:rPr>
-              <a:t>] &gt; </a:t>
-            </a:r>
-            <a:r>
-              <a:rPr lang="uk-UA" sz="500" dirty="0" err="1">
-                <a:latin typeface="Courier New" panose="02070309020205020404" pitchFamily="49" charset="0"/>
-                <a:cs typeface="Courier New" panose="02070309020205020404" pitchFamily="49" charset="0"/>
-              </a:rPr>
-              <a:t>array</a:t>
-            </a:r>
-            <a:r>
-              <a:rPr lang="uk-UA" sz="500" dirty="0">
-                <a:latin typeface="Courier New" panose="02070309020205020404" pitchFamily="49" charset="0"/>
-                <a:cs typeface="Courier New" panose="02070309020205020404" pitchFamily="49" charset="0"/>
-              </a:rPr>
-              <a:t>[</a:t>
-            </a:r>
-            <a:r>
-              <a:rPr lang="uk-UA" sz="500" dirty="0" err="1">
-                <a:latin typeface="Courier New" panose="02070309020205020404" pitchFamily="49" charset="0"/>
-                <a:cs typeface="Courier New" panose="02070309020205020404" pitchFamily="49" charset="0"/>
-              </a:rPr>
-              <a:t>largest</a:t>
-            </a:r>
-            <a:r>
-              <a:rPr lang="uk-UA" sz="500" dirty="0">
-                <a:latin typeface="Courier New" panose="02070309020205020404" pitchFamily="49" charset="0"/>
-                <a:cs typeface="Courier New" panose="02070309020205020404" pitchFamily="49" charset="0"/>
-              </a:rPr>
-              <a:t>])</a:t>
-            </a:r>
-          </a:p>
-          <a:p>
-            <a:r>
-              <a:rPr lang="uk-UA" sz="500" dirty="0">
-                <a:latin typeface="Courier New" panose="02070309020205020404" pitchFamily="49" charset="0"/>
-                <a:cs typeface="Courier New" panose="02070309020205020404" pitchFamily="49" charset="0"/>
-              </a:rPr>
-              <a:t>            </a:t>
-            </a:r>
-            <a:r>
-              <a:rPr lang="uk-UA" sz="500" dirty="0" err="1">
-                <a:latin typeface="Courier New" panose="02070309020205020404" pitchFamily="49" charset="0"/>
-                <a:cs typeface="Courier New" panose="02070309020205020404" pitchFamily="49" charset="0"/>
-              </a:rPr>
-              <a:t>largest</a:t>
-            </a:r>
-            <a:r>
-              <a:rPr lang="uk-UA" sz="500" dirty="0">
-                <a:latin typeface="Courier New" panose="02070309020205020404" pitchFamily="49" charset="0"/>
-                <a:cs typeface="Courier New" panose="02070309020205020404" pitchFamily="49" charset="0"/>
-              </a:rPr>
-              <a:t> = </a:t>
-            </a:r>
-            <a:r>
-              <a:rPr lang="uk-UA" sz="500" dirty="0" err="1">
-                <a:latin typeface="Courier New" panose="02070309020205020404" pitchFamily="49" charset="0"/>
-                <a:cs typeface="Courier New" panose="02070309020205020404" pitchFamily="49" charset="0"/>
-              </a:rPr>
-              <a:t>right</a:t>
-            </a:r>
-            <a:r>
-              <a:rPr lang="uk-UA" sz="500" dirty="0">
-                <a:latin typeface="Courier New" panose="02070309020205020404" pitchFamily="49" charset="0"/>
-                <a:cs typeface="Courier New" panose="02070309020205020404" pitchFamily="49" charset="0"/>
-              </a:rPr>
-              <a:t>;</a:t>
-            </a:r>
-          </a:p>
-          <a:p>
-            <a:endParaRPr lang="uk-UA" sz="500" dirty="0">
-              <a:latin typeface="Courier New" panose="02070309020205020404" pitchFamily="49" charset="0"/>
-              <a:cs typeface="Courier New" panose="02070309020205020404" pitchFamily="49" charset="0"/>
-            </a:endParaRPr>
-          </a:p>
-          <a:p>
-            <a:r>
-              <a:rPr lang="uk-UA" sz="500" dirty="0">
-                <a:latin typeface="Courier New" panose="02070309020205020404" pitchFamily="49" charset="0"/>
-                <a:cs typeface="Courier New" panose="02070309020205020404" pitchFamily="49" charset="0"/>
-              </a:rPr>
-              <a:t>        // Якщо найбільший елемент не корінь</a:t>
-            </a:r>
-          </a:p>
-          <a:p>
-            <a:r>
-              <a:rPr lang="uk-UA" sz="500" dirty="0">
-                <a:latin typeface="Courier New" panose="02070309020205020404" pitchFamily="49" charset="0"/>
-                <a:cs typeface="Courier New" panose="02070309020205020404" pitchFamily="49" charset="0"/>
-              </a:rPr>
-              <a:t>        </a:t>
-            </a:r>
-            <a:r>
-              <a:rPr lang="uk-UA" sz="500" dirty="0" err="1">
-                <a:latin typeface="Courier New" panose="02070309020205020404" pitchFamily="49" charset="0"/>
-                <a:cs typeface="Courier New" panose="02070309020205020404" pitchFamily="49" charset="0"/>
-              </a:rPr>
-              <a:t>if</a:t>
-            </a:r>
-            <a:r>
-              <a:rPr lang="uk-UA" sz="500" dirty="0">
-                <a:latin typeface="Courier New" panose="02070309020205020404" pitchFamily="49" charset="0"/>
-                <a:cs typeface="Courier New" panose="02070309020205020404" pitchFamily="49" charset="0"/>
-              </a:rPr>
-              <a:t> (</a:t>
-            </a:r>
-            <a:r>
-              <a:rPr lang="uk-UA" sz="500" dirty="0" err="1">
-                <a:latin typeface="Courier New" panose="02070309020205020404" pitchFamily="49" charset="0"/>
-                <a:cs typeface="Courier New" panose="02070309020205020404" pitchFamily="49" charset="0"/>
-              </a:rPr>
-              <a:t>largest</a:t>
-            </a:r>
-            <a:r>
-              <a:rPr lang="uk-UA" sz="500" dirty="0">
-                <a:latin typeface="Courier New" panose="02070309020205020404" pitchFamily="49" charset="0"/>
-                <a:cs typeface="Courier New" panose="02070309020205020404" pitchFamily="49" charset="0"/>
-              </a:rPr>
-              <a:t> != i) {</a:t>
-            </a:r>
-          </a:p>
-          <a:p>
-            <a:r>
-              <a:rPr lang="uk-UA" sz="500" dirty="0">
-                <a:latin typeface="Courier New" panose="02070309020205020404" pitchFamily="49" charset="0"/>
-                <a:cs typeface="Courier New" panose="02070309020205020404" pitchFamily="49" charset="0"/>
-              </a:rPr>
-              <a:t>            </a:t>
-            </a:r>
-            <a:r>
-              <a:rPr lang="uk-UA" sz="500" dirty="0" err="1">
-                <a:latin typeface="Courier New" panose="02070309020205020404" pitchFamily="49" charset="0"/>
-                <a:cs typeface="Courier New" panose="02070309020205020404" pitchFamily="49" charset="0"/>
-              </a:rPr>
-              <a:t>int</a:t>
-            </a:r>
-            <a:r>
-              <a:rPr lang="uk-UA" sz="500" dirty="0">
-                <a:latin typeface="Courier New" panose="02070309020205020404" pitchFamily="49" charset="0"/>
-                <a:cs typeface="Courier New" panose="02070309020205020404" pitchFamily="49" charset="0"/>
-              </a:rPr>
-              <a:t> </a:t>
-            </a:r>
-            <a:r>
-              <a:rPr lang="uk-UA" sz="500" dirty="0" err="1">
-                <a:latin typeface="Courier New" panose="02070309020205020404" pitchFamily="49" charset="0"/>
-                <a:cs typeface="Courier New" panose="02070309020205020404" pitchFamily="49" charset="0"/>
-              </a:rPr>
-              <a:t>swap</a:t>
-            </a:r>
-            <a:r>
-              <a:rPr lang="uk-UA" sz="500" dirty="0">
-                <a:latin typeface="Courier New" panose="02070309020205020404" pitchFamily="49" charset="0"/>
-                <a:cs typeface="Courier New" panose="02070309020205020404" pitchFamily="49" charset="0"/>
-              </a:rPr>
-              <a:t> = </a:t>
-            </a:r>
-            <a:r>
-              <a:rPr lang="uk-UA" sz="500" dirty="0" err="1">
-                <a:latin typeface="Courier New" panose="02070309020205020404" pitchFamily="49" charset="0"/>
-                <a:cs typeface="Courier New" panose="02070309020205020404" pitchFamily="49" charset="0"/>
-              </a:rPr>
-              <a:t>array</a:t>
-            </a:r>
-            <a:r>
-              <a:rPr lang="uk-UA" sz="500" dirty="0">
-                <a:latin typeface="Courier New" panose="02070309020205020404" pitchFamily="49" charset="0"/>
-                <a:cs typeface="Courier New" panose="02070309020205020404" pitchFamily="49" charset="0"/>
-              </a:rPr>
-              <a:t>[i];</a:t>
-            </a:r>
-          </a:p>
-          <a:p>
-            <a:r>
-              <a:rPr lang="uk-UA" sz="500" dirty="0">
-                <a:latin typeface="Courier New" panose="02070309020205020404" pitchFamily="49" charset="0"/>
-                <a:cs typeface="Courier New" panose="02070309020205020404" pitchFamily="49" charset="0"/>
-              </a:rPr>
-              <a:t>            </a:t>
-            </a:r>
-            <a:r>
-              <a:rPr lang="uk-UA" sz="500" dirty="0" err="1">
-                <a:latin typeface="Courier New" panose="02070309020205020404" pitchFamily="49" charset="0"/>
-                <a:cs typeface="Courier New" panose="02070309020205020404" pitchFamily="49" charset="0"/>
-              </a:rPr>
-              <a:t>array</a:t>
-            </a:r>
-            <a:r>
-              <a:rPr lang="uk-UA" sz="500" dirty="0">
-                <a:latin typeface="Courier New" panose="02070309020205020404" pitchFamily="49" charset="0"/>
-                <a:cs typeface="Courier New" panose="02070309020205020404" pitchFamily="49" charset="0"/>
-              </a:rPr>
-              <a:t>[i] = </a:t>
-            </a:r>
-            <a:r>
-              <a:rPr lang="uk-UA" sz="500" dirty="0" err="1">
-                <a:latin typeface="Courier New" panose="02070309020205020404" pitchFamily="49" charset="0"/>
-                <a:cs typeface="Courier New" panose="02070309020205020404" pitchFamily="49" charset="0"/>
-              </a:rPr>
-              <a:t>array</a:t>
-            </a:r>
-            <a:r>
-              <a:rPr lang="uk-UA" sz="500" dirty="0">
-                <a:latin typeface="Courier New" panose="02070309020205020404" pitchFamily="49" charset="0"/>
-                <a:cs typeface="Courier New" panose="02070309020205020404" pitchFamily="49" charset="0"/>
-              </a:rPr>
-              <a:t>[</a:t>
-            </a:r>
-            <a:r>
-              <a:rPr lang="uk-UA" sz="500" dirty="0" err="1">
-                <a:latin typeface="Courier New" panose="02070309020205020404" pitchFamily="49" charset="0"/>
-                <a:cs typeface="Courier New" panose="02070309020205020404" pitchFamily="49" charset="0"/>
-              </a:rPr>
-              <a:t>largest</a:t>
-            </a:r>
-            <a:r>
-              <a:rPr lang="uk-UA" sz="500" dirty="0">
-                <a:latin typeface="Courier New" panose="02070309020205020404" pitchFamily="49" charset="0"/>
-                <a:cs typeface="Courier New" panose="02070309020205020404" pitchFamily="49" charset="0"/>
-              </a:rPr>
-              <a:t>];</a:t>
-            </a:r>
-          </a:p>
-          <a:p>
-            <a:r>
-              <a:rPr lang="uk-UA" sz="500" dirty="0">
-                <a:latin typeface="Courier New" panose="02070309020205020404" pitchFamily="49" charset="0"/>
-                <a:cs typeface="Courier New" panose="02070309020205020404" pitchFamily="49" charset="0"/>
-              </a:rPr>
-              <a:t>            </a:t>
-            </a:r>
-            <a:r>
-              <a:rPr lang="uk-UA" sz="500" dirty="0" err="1">
-                <a:latin typeface="Courier New" panose="02070309020205020404" pitchFamily="49" charset="0"/>
-                <a:cs typeface="Courier New" panose="02070309020205020404" pitchFamily="49" charset="0"/>
-              </a:rPr>
-              <a:t>array</a:t>
-            </a:r>
-            <a:r>
-              <a:rPr lang="uk-UA" sz="500" dirty="0">
-                <a:latin typeface="Courier New" panose="02070309020205020404" pitchFamily="49" charset="0"/>
-                <a:cs typeface="Courier New" panose="02070309020205020404" pitchFamily="49" charset="0"/>
-              </a:rPr>
-              <a:t>[</a:t>
-            </a:r>
-            <a:r>
-              <a:rPr lang="uk-UA" sz="500" dirty="0" err="1">
-                <a:latin typeface="Courier New" panose="02070309020205020404" pitchFamily="49" charset="0"/>
-                <a:cs typeface="Courier New" panose="02070309020205020404" pitchFamily="49" charset="0"/>
-              </a:rPr>
-              <a:t>largest</a:t>
-            </a:r>
-            <a:r>
-              <a:rPr lang="uk-UA" sz="500" dirty="0">
-                <a:latin typeface="Courier New" panose="02070309020205020404" pitchFamily="49" charset="0"/>
-                <a:cs typeface="Courier New" panose="02070309020205020404" pitchFamily="49" charset="0"/>
-              </a:rPr>
-              <a:t>] = </a:t>
-            </a:r>
-            <a:r>
-              <a:rPr lang="uk-UA" sz="500" dirty="0" err="1">
-                <a:latin typeface="Courier New" panose="02070309020205020404" pitchFamily="49" charset="0"/>
-                <a:cs typeface="Courier New" panose="02070309020205020404" pitchFamily="49" charset="0"/>
-              </a:rPr>
-              <a:t>swap</a:t>
-            </a:r>
-            <a:r>
-              <a:rPr lang="uk-UA" sz="500" dirty="0">
-                <a:latin typeface="Courier New" panose="02070309020205020404" pitchFamily="49" charset="0"/>
-                <a:cs typeface="Courier New" panose="02070309020205020404" pitchFamily="49" charset="0"/>
-              </a:rPr>
-              <a:t>;</a:t>
-            </a:r>
-          </a:p>
-          <a:p>
-            <a:endParaRPr lang="uk-UA" sz="500" dirty="0">
-              <a:latin typeface="Courier New" panose="02070309020205020404" pitchFamily="49" charset="0"/>
-              <a:cs typeface="Courier New" panose="02070309020205020404" pitchFamily="49" charset="0"/>
-            </a:endParaRPr>
-          </a:p>
-          <a:p>
-            <a:r>
-              <a:rPr lang="uk-UA" sz="500" dirty="0">
-                <a:latin typeface="Courier New" panose="02070309020205020404" pitchFamily="49" charset="0"/>
-                <a:cs typeface="Courier New" panose="02070309020205020404" pitchFamily="49" charset="0"/>
-              </a:rPr>
-              <a:t>            // </a:t>
-            </a:r>
-            <a:r>
-              <a:rPr lang="uk-UA" sz="500" dirty="0" err="1">
-                <a:latin typeface="Courier New" panose="02070309020205020404" pitchFamily="49" charset="0"/>
-                <a:cs typeface="Courier New" panose="02070309020205020404" pitchFamily="49" charset="0"/>
-              </a:rPr>
-              <a:t>Рекурсивно</a:t>
-            </a:r>
-            <a:r>
-              <a:rPr lang="uk-UA" sz="500" dirty="0">
-                <a:latin typeface="Courier New" panose="02070309020205020404" pitchFamily="49" charset="0"/>
-                <a:cs typeface="Courier New" panose="02070309020205020404" pitchFamily="49" charset="0"/>
-              </a:rPr>
-              <a:t> </a:t>
-            </a:r>
-            <a:r>
-              <a:rPr lang="uk-UA" sz="500" dirty="0" err="1">
-                <a:latin typeface="Courier New" panose="02070309020205020404" pitchFamily="49" charset="0"/>
-                <a:cs typeface="Courier New" panose="02070309020205020404" pitchFamily="49" charset="0"/>
-              </a:rPr>
-              <a:t>heapify</a:t>
-            </a:r>
-            <a:r>
-              <a:rPr lang="uk-UA" sz="500" dirty="0">
-                <a:latin typeface="Courier New" panose="02070309020205020404" pitchFamily="49" charset="0"/>
-                <a:cs typeface="Courier New" panose="02070309020205020404" pitchFamily="49" charset="0"/>
-              </a:rPr>
-              <a:t> </a:t>
-            </a:r>
-            <a:r>
-              <a:rPr lang="uk-UA" sz="500" dirty="0" err="1">
-                <a:latin typeface="Courier New" panose="02070309020205020404" pitchFamily="49" charset="0"/>
-                <a:cs typeface="Courier New" panose="02070309020205020404" pitchFamily="49" charset="0"/>
-              </a:rPr>
-              <a:t>піддерево</a:t>
-            </a:r>
-            <a:endParaRPr lang="uk-UA" sz="500" dirty="0">
-              <a:latin typeface="Courier New" panose="02070309020205020404" pitchFamily="49" charset="0"/>
-              <a:cs typeface="Courier New" panose="02070309020205020404" pitchFamily="49" charset="0"/>
-            </a:endParaRPr>
-          </a:p>
-          <a:p>
-            <a:r>
-              <a:rPr lang="uk-UA" sz="500" dirty="0">
-                <a:latin typeface="Courier New" panose="02070309020205020404" pitchFamily="49" charset="0"/>
-                <a:cs typeface="Courier New" panose="02070309020205020404" pitchFamily="49" charset="0"/>
-              </a:rPr>
-              <a:t>            </a:t>
-            </a:r>
-            <a:r>
-              <a:rPr lang="uk-UA" sz="500" dirty="0" err="1">
-                <a:latin typeface="Courier New" panose="02070309020205020404" pitchFamily="49" charset="0"/>
-                <a:cs typeface="Courier New" panose="02070309020205020404" pitchFamily="49" charset="0"/>
-              </a:rPr>
-              <a:t>heapify</a:t>
-            </a:r>
-            <a:r>
-              <a:rPr lang="uk-UA" sz="500" dirty="0">
-                <a:latin typeface="Courier New" panose="02070309020205020404" pitchFamily="49" charset="0"/>
-                <a:cs typeface="Courier New" panose="02070309020205020404" pitchFamily="49" charset="0"/>
-              </a:rPr>
-              <a:t>(</a:t>
-            </a:r>
-            <a:r>
-              <a:rPr lang="uk-UA" sz="500" dirty="0" err="1">
-                <a:latin typeface="Courier New" panose="02070309020205020404" pitchFamily="49" charset="0"/>
-                <a:cs typeface="Courier New" panose="02070309020205020404" pitchFamily="49" charset="0"/>
-              </a:rPr>
-              <a:t>array</a:t>
-            </a:r>
-            <a:r>
-              <a:rPr lang="uk-UA" sz="500" dirty="0">
-                <a:latin typeface="Courier New" panose="02070309020205020404" pitchFamily="49" charset="0"/>
-                <a:cs typeface="Courier New" panose="02070309020205020404" pitchFamily="49" charset="0"/>
-              </a:rPr>
-              <a:t>, n, </a:t>
-            </a:r>
-            <a:r>
-              <a:rPr lang="uk-UA" sz="500" dirty="0" err="1">
-                <a:latin typeface="Courier New" panose="02070309020205020404" pitchFamily="49" charset="0"/>
-                <a:cs typeface="Courier New" panose="02070309020205020404" pitchFamily="49" charset="0"/>
-              </a:rPr>
-              <a:t>largest</a:t>
-            </a:r>
-            <a:r>
-              <a:rPr lang="uk-UA" sz="500" dirty="0">
-                <a:latin typeface="Courier New" panose="02070309020205020404" pitchFamily="49" charset="0"/>
-                <a:cs typeface="Courier New" panose="02070309020205020404" pitchFamily="49" charset="0"/>
-              </a:rPr>
-              <a:t>);</a:t>
-            </a:r>
-          </a:p>
-          <a:p>
-            <a:r>
-              <a:rPr lang="uk-UA" sz="500" dirty="0">
-                <a:latin typeface="Courier New" panose="02070309020205020404" pitchFamily="49" charset="0"/>
-                <a:cs typeface="Courier New" panose="02070309020205020404" pitchFamily="49" charset="0"/>
-              </a:rPr>
-              <a:t>        }</a:t>
-            </a:r>
-          </a:p>
-          <a:p>
-            <a:r>
-              <a:rPr lang="uk-UA" sz="500" dirty="0">
-                <a:latin typeface="Courier New" panose="02070309020205020404" pitchFamily="49" charset="0"/>
-                <a:cs typeface="Courier New" panose="02070309020205020404" pitchFamily="49" charset="0"/>
-              </a:rPr>
-              <a:t>    }</a:t>
-            </a:r>
-          </a:p>
-          <a:p>
-            <a:endParaRPr lang="uk-UA" sz="500" dirty="0">
-              <a:latin typeface="Courier New" panose="02070309020205020404" pitchFamily="49" charset="0"/>
-              <a:cs typeface="Courier New" panose="02070309020205020404" pitchFamily="49" charset="0"/>
-            </a:endParaRPr>
-          </a:p>
-          <a:p>
-            <a:r>
-              <a:rPr lang="uk-UA" sz="500" dirty="0">
-                <a:latin typeface="Courier New" panose="02070309020205020404" pitchFamily="49" charset="0"/>
-                <a:cs typeface="Courier New" panose="02070309020205020404" pitchFamily="49" charset="0"/>
-              </a:rPr>
-              <a:t>    // Метод для виведення масиву на екран</a:t>
-            </a:r>
-          </a:p>
-          <a:p>
-            <a:r>
-              <a:rPr lang="uk-UA" sz="500" dirty="0">
-                <a:latin typeface="Courier New" panose="02070309020205020404" pitchFamily="49" charset="0"/>
-                <a:cs typeface="Courier New" panose="02070309020205020404" pitchFamily="49" charset="0"/>
-              </a:rPr>
-              <a:t>    </a:t>
-            </a:r>
-            <a:r>
-              <a:rPr lang="uk-UA" sz="500" dirty="0" err="1">
-                <a:latin typeface="Courier New" panose="02070309020205020404" pitchFamily="49" charset="0"/>
-                <a:cs typeface="Courier New" panose="02070309020205020404" pitchFamily="49" charset="0"/>
-              </a:rPr>
-              <a:t>public</a:t>
-            </a:r>
-            <a:r>
-              <a:rPr lang="uk-UA" sz="500" dirty="0">
-                <a:latin typeface="Courier New" panose="02070309020205020404" pitchFamily="49" charset="0"/>
-                <a:cs typeface="Courier New" panose="02070309020205020404" pitchFamily="49" charset="0"/>
-              </a:rPr>
-              <a:t> </a:t>
-            </a:r>
-            <a:r>
-              <a:rPr lang="uk-UA" sz="500" dirty="0" err="1">
-                <a:latin typeface="Courier New" panose="02070309020205020404" pitchFamily="49" charset="0"/>
-                <a:cs typeface="Courier New" panose="02070309020205020404" pitchFamily="49" charset="0"/>
-              </a:rPr>
-              <a:t>static</a:t>
-            </a:r>
-            <a:r>
-              <a:rPr lang="uk-UA" sz="500" dirty="0">
-                <a:latin typeface="Courier New" panose="02070309020205020404" pitchFamily="49" charset="0"/>
-                <a:cs typeface="Courier New" panose="02070309020205020404" pitchFamily="49" charset="0"/>
-              </a:rPr>
-              <a:t> </a:t>
-            </a:r>
-            <a:r>
-              <a:rPr lang="uk-UA" sz="500" dirty="0" err="1">
-                <a:latin typeface="Courier New" panose="02070309020205020404" pitchFamily="49" charset="0"/>
-                <a:cs typeface="Courier New" panose="02070309020205020404" pitchFamily="49" charset="0"/>
-              </a:rPr>
-              <a:t>void</a:t>
-            </a:r>
-            <a:r>
-              <a:rPr lang="uk-UA" sz="500" dirty="0">
-                <a:latin typeface="Courier New" panose="02070309020205020404" pitchFamily="49" charset="0"/>
-                <a:cs typeface="Courier New" panose="02070309020205020404" pitchFamily="49" charset="0"/>
-              </a:rPr>
-              <a:t> </a:t>
-            </a:r>
-            <a:r>
-              <a:rPr lang="uk-UA" sz="500" dirty="0" err="1">
-                <a:latin typeface="Courier New" panose="02070309020205020404" pitchFamily="49" charset="0"/>
-                <a:cs typeface="Courier New" panose="02070309020205020404" pitchFamily="49" charset="0"/>
-              </a:rPr>
-              <a:t>printArray</a:t>
-            </a:r>
-            <a:r>
-              <a:rPr lang="uk-UA" sz="500" dirty="0">
-                <a:latin typeface="Courier New" panose="02070309020205020404" pitchFamily="49" charset="0"/>
-                <a:cs typeface="Courier New" panose="02070309020205020404" pitchFamily="49" charset="0"/>
-              </a:rPr>
-              <a:t>(</a:t>
-            </a:r>
-            <a:r>
-              <a:rPr lang="uk-UA" sz="500" dirty="0" err="1">
-                <a:latin typeface="Courier New" panose="02070309020205020404" pitchFamily="49" charset="0"/>
-                <a:cs typeface="Courier New" panose="02070309020205020404" pitchFamily="49" charset="0"/>
-              </a:rPr>
-              <a:t>int</a:t>
-            </a:r>
-            <a:r>
-              <a:rPr lang="uk-UA" sz="500" dirty="0">
-                <a:latin typeface="Courier New" panose="02070309020205020404" pitchFamily="49" charset="0"/>
-                <a:cs typeface="Courier New" panose="02070309020205020404" pitchFamily="49" charset="0"/>
-              </a:rPr>
-              <a:t>[] </a:t>
-            </a:r>
-            <a:r>
-              <a:rPr lang="uk-UA" sz="500" dirty="0" err="1">
-                <a:latin typeface="Courier New" panose="02070309020205020404" pitchFamily="49" charset="0"/>
-                <a:cs typeface="Courier New" panose="02070309020205020404" pitchFamily="49" charset="0"/>
-              </a:rPr>
-              <a:t>array</a:t>
-            </a:r>
-            <a:r>
-              <a:rPr lang="uk-UA" sz="500" dirty="0">
-                <a:latin typeface="Courier New" panose="02070309020205020404" pitchFamily="49" charset="0"/>
-                <a:cs typeface="Courier New" panose="02070309020205020404" pitchFamily="49" charset="0"/>
-              </a:rPr>
-              <a:t>) {</a:t>
-            </a:r>
-          </a:p>
-          <a:p>
-            <a:r>
-              <a:rPr lang="uk-UA" sz="500" dirty="0">
-                <a:latin typeface="Courier New" panose="02070309020205020404" pitchFamily="49" charset="0"/>
-                <a:cs typeface="Courier New" panose="02070309020205020404" pitchFamily="49" charset="0"/>
-              </a:rPr>
-              <a:t>        </a:t>
-            </a:r>
-            <a:r>
-              <a:rPr lang="uk-UA" sz="500" dirty="0" err="1">
-                <a:latin typeface="Courier New" panose="02070309020205020404" pitchFamily="49" charset="0"/>
-                <a:cs typeface="Courier New" panose="02070309020205020404" pitchFamily="49" charset="0"/>
-              </a:rPr>
-              <a:t>int</a:t>
-            </a:r>
-            <a:r>
-              <a:rPr lang="uk-UA" sz="500" dirty="0">
-                <a:latin typeface="Courier New" panose="02070309020205020404" pitchFamily="49" charset="0"/>
-                <a:cs typeface="Courier New" panose="02070309020205020404" pitchFamily="49" charset="0"/>
-              </a:rPr>
-              <a:t> n = </a:t>
-            </a:r>
-            <a:r>
-              <a:rPr lang="uk-UA" sz="500" dirty="0" err="1">
-                <a:latin typeface="Courier New" panose="02070309020205020404" pitchFamily="49" charset="0"/>
-                <a:cs typeface="Courier New" panose="02070309020205020404" pitchFamily="49" charset="0"/>
-              </a:rPr>
-              <a:t>array.length</a:t>
-            </a:r>
-            <a:r>
-              <a:rPr lang="uk-UA" sz="500" dirty="0">
-                <a:latin typeface="Courier New" panose="02070309020205020404" pitchFamily="49" charset="0"/>
-                <a:cs typeface="Courier New" panose="02070309020205020404" pitchFamily="49" charset="0"/>
-              </a:rPr>
-              <a:t>;</a:t>
-            </a:r>
-          </a:p>
-          <a:p>
-            <a:r>
-              <a:rPr lang="uk-UA" sz="500" dirty="0">
-                <a:latin typeface="Courier New" panose="02070309020205020404" pitchFamily="49" charset="0"/>
-                <a:cs typeface="Courier New" panose="02070309020205020404" pitchFamily="49" charset="0"/>
-              </a:rPr>
-              <a:t>        </a:t>
-            </a:r>
-            <a:r>
-              <a:rPr lang="uk-UA" sz="500" dirty="0" err="1">
-                <a:latin typeface="Courier New" panose="02070309020205020404" pitchFamily="49" charset="0"/>
-                <a:cs typeface="Courier New" panose="02070309020205020404" pitchFamily="49" charset="0"/>
-              </a:rPr>
-              <a:t>for</a:t>
-            </a:r>
-            <a:r>
-              <a:rPr lang="uk-UA" sz="500" dirty="0">
-                <a:latin typeface="Courier New" panose="02070309020205020404" pitchFamily="49" charset="0"/>
-                <a:cs typeface="Courier New" panose="02070309020205020404" pitchFamily="49" charset="0"/>
-              </a:rPr>
-              <a:t> (</a:t>
-            </a:r>
-            <a:r>
-              <a:rPr lang="uk-UA" sz="500" dirty="0" err="1">
-                <a:latin typeface="Courier New" panose="02070309020205020404" pitchFamily="49" charset="0"/>
-                <a:cs typeface="Courier New" panose="02070309020205020404" pitchFamily="49" charset="0"/>
-              </a:rPr>
-              <a:t>int</a:t>
-            </a:r>
-            <a:r>
-              <a:rPr lang="uk-UA" sz="500" dirty="0">
-                <a:latin typeface="Courier New" panose="02070309020205020404" pitchFamily="49" charset="0"/>
-                <a:cs typeface="Courier New" panose="02070309020205020404" pitchFamily="49" charset="0"/>
-              </a:rPr>
-              <a:t> i = 0; i &lt; n; ++i)</a:t>
-            </a:r>
-          </a:p>
-          <a:p>
-            <a:r>
-              <a:rPr lang="uk-UA" sz="500" dirty="0">
-                <a:latin typeface="Courier New" panose="02070309020205020404" pitchFamily="49" charset="0"/>
-                <a:cs typeface="Courier New" panose="02070309020205020404" pitchFamily="49" charset="0"/>
-              </a:rPr>
-              <a:t>            </a:t>
-            </a:r>
-            <a:r>
-              <a:rPr lang="uk-UA" sz="500" dirty="0" err="1">
-                <a:latin typeface="Courier New" panose="02070309020205020404" pitchFamily="49" charset="0"/>
-                <a:cs typeface="Courier New" panose="02070309020205020404" pitchFamily="49" charset="0"/>
-              </a:rPr>
-              <a:t>System.out.print</a:t>
-            </a:r>
-            <a:r>
-              <a:rPr lang="uk-UA" sz="500" dirty="0">
-                <a:latin typeface="Courier New" panose="02070309020205020404" pitchFamily="49" charset="0"/>
-                <a:cs typeface="Courier New" panose="02070309020205020404" pitchFamily="49" charset="0"/>
-              </a:rPr>
-              <a:t>(</a:t>
-            </a:r>
-            <a:r>
-              <a:rPr lang="uk-UA" sz="500" dirty="0" err="1">
-                <a:latin typeface="Courier New" panose="02070309020205020404" pitchFamily="49" charset="0"/>
-                <a:cs typeface="Courier New" panose="02070309020205020404" pitchFamily="49" charset="0"/>
-              </a:rPr>
-              <a:t>array</a:t>
-            </a:r>
-            <a:r>
-              <a:rPr lang="uk-UA" sz="500" dirty="0">
-                <a:latin typeface="Courier New" panose="02070309020205020404" pitchFamily="49" charset="0"/>
-                <a:cs typeface="Courier New" panose="02070309020205020404" pitchFamily="49" charset="0"/>
-              </a:rPr>
-              <a:t>[i] + " ");</a:t>
-            </a:r>
-          </a:p>
-          <a:p>
-            <a:r>
-              <a:rPr lang="uk-UA" sz="500" dirty="0">
-                <a:latin typeface="Courier New" panose="02070309020205020404" pitchFamily="49" charset="0"/>
-                <a:cs typeface="Courier New" panose="02070309020205020404" pitchFamily="49" charset="0"/>
-              </a:rPr>
-              <a:t>        </a:t>
-            </a:r>
-            <a:r>
-              <a:rPr lang="uk-UA" sz="500" dirty="0" err="1">
-                <a:latin typeface="Courier New" panose="02070309020205020404" pitchFamily="49" charset="0"/>
-                <a:cs typeface="Courier New" panose="02070309020205020404" pitchFamily="49" charset="0"/>
-              </a:rPr>
-              <a:t>System.out.println</a:t>
-            </a:r>
-            <a:r>
-              <a:rPr lang="uk-UA" sz="500" dirty="0">
-                <a:latin typeface="Courier New" panose="02070309020205020404" pitchFamily="49" charset="0"/>
-                <a:cs typeface="Courier New" panose="02070309020205020404" pitchFamily="49" charset="0"/>
-              </a:rPr>
-              <a:t>();</a:t>
-            </a:r>
-          </a:p>
-          <a:p>
-            <a:r>
-              <a:rPr lang="uk-UA" sz="500" dirty="0">
-                <a:latin typeface="Courier New" panose="02070309020205020404" pitchFamily="49" charset="0"/>
-                <a:cs typeface="Courier New" panose="02070309020205020404" pitchFamily="49" charset="0"/>
-              </a:rPr>
-              <a:t>    }</a:t>
-            </a:r>
-          </a:p>
-          <a:p>
-            <a:endParaRPr lang="uk-UA" sz="500" dirty="0">
-              <a:latin typeface="Courier New" panose="02070309020205020404" pitchFamily="49" charset="0"/>
-              <a:cs typeface="Courier New" panose="02070309020205020404" pitchFamily="49" charset="0"/>
-            </a:endParaRPr>
-          </a:p>
-          <a:p>
-            <a:r>
-              <a:rPr lang="uk-UA" sz="500" dirty="0">
-                <a:latin typeface="Courier New" panose="02070309020205020404" pitchFamily="49" charset="0"/>
-                <a:cs typeface="Courier New" panose="02070309020205020404" pitchFamily="49" charset="0"/>
-              </a:rPr>
-              <a:t>    // Приклад використання</a:t>
-            </a:r>
-          </a:p>
-          <a:p>
-            <a:r>
-              <a:rPr lang="uk-UA" sz="500" dirty="0">
-                <a:latin typeface="Courier New" panose="02070309020205020404" pitchFamily="49" charset="0"/>
-                <a:cs typeface="Courier New" panose="02070309020205020404" pitchFamily="49" charset="0"/>
-              </a:rPr>
-              <a:t>    </a:t>
-            </a:r>
-            <a:r>
-              <a:rPr lang="uk-UA" sz="500" dirty="0" err="1">
-                <a:latin typeface="Courier New" panose="02070309020205020404" pitchFamily="49" charset="0"/>
-                <a:cs typeface="Courier New" panose="02070309020205020404" pitchFamily="49" charset="0"/>
-              </a:rPr>
-              <a:t>public</a:t>
-            </a:r>
-            <a:r>
-              <a:rPr lang="uk-UA" sz="500" dirty="0">
-                <a:latin typeface="Courier New" panose="02070309020205020404" pitchFamily="49" charset="0"/>
-                <a:cs typeface="Courier New" panose="02070309020205020404" pitchFamily="49" charset="0"/>
-              </a:rPr>
-              <a:t> </a:t>
-            </a:r>
-            <a:r>
-              <a:rPr lang="uk-UA" sz="500" dirty="0" err="1">
-                <a:latin typeface="Courier New" panose="02070309020205020404" pitchFamily="49" charset="0"/>
-                <a:cs typeface="Courier New" panose="02070309020205020404" pitchFamily="49" charset="0"/>
-              </a:rPr>
-              <a:t>static</a:t>
-            </a:r>
-            <a:r>
-              <a:rPr lang="uk-UA" sz="500" dirty="0">
-                <a:latin typeface="Courier New" panose="02070309020205020404" pitchFamily="49" charset="0"/>
-                <a:cs typeface="Courier New" panose="02070309020205020404" pitchFamily="49" charset="0"/>
-              </a:rPr>
-              <a:t> </a:t>
-            </a:r>
-            <a:r>
-              <a:rPr lang="uk-UA" sz="500" dirty="0" err="1">
-                <a:latin typeface="Courier New" panose="02070309020205020404" pitchFamily="49" charset="0"/>
-                <a:cs typeface="Courier New" panose="02070309020205020404" pitchFamily="49" charset="0"/>
-              </a:rPr>
-              <a:t>void</a:t>
-            </a:r>
-            <a:r>
-              <a:rPr lang="uk-UA" sz="500" dirty="0">
-                <a:latin typeface="Courier New" panose="02070309020205020404" pitchFamily="49" charset="0"/>
-                <a:cs typeface="Courier New" panose="02070309020205020404" pitchFamily="49" charset="0"/>
-              </a:rPr>
-              <a:t> </a:t>
-            </a:r>
-            <a:r>
-              <a:rPr lang="uk-UA" sz="500" dirty="0" err="1">
-                <a:latin typeface="Courier New" panose="02070309020205020404" pitchFamily="49" charset="0"/>
-                <a:cs typeface="Courier New" panose="02070309020205020404" pitchFamily="49" charset="0"/>
-              </a:rPr>
-              <a:t>main</a:t>
-            </a:r>
-            <a:r>
-              <a:rPr lang="uk-UA" sz="500" dirty="0">
-                <a:latin typeface="Courier New" panose="02070309020205020404" pitchFamily="49" charset="0"/>
-                <a:cs typeface="Courier New" panose="02070309020205020404" pitchFamily="49" charset="0"/>
-              </a:rPr>
-              <a:t>(</a:t>
-            </a:r>
-            <a:r>
-              <a:rPr lang="uk-UA" sz="500" dirty="0" err="1">
-                <a:latin typeface="Courier New" panose="02070309020205020404" pitchFamily="49" charset="0"/>
-                <a:cs typeface="Courier New" panose="02070309020205020404" pitchFamily="49" charset="0"/>
-              </a:rPr>
-              <a:t>String</a:t>
-            </a:r>
-            <a:r>
-              <a:rPr lang="uk-UA" sz="500" dirty="0">
-                <a:latin typeface="Courier New" panose="02070309020205020404" pitchFamily="49" charset="0"/>
-                <a:cs typeface="Courier New" panose="02070309020205020404" pitchFamily="49" charset="0"/>
-              </a:rPr>
-              <a:t>[] </a:t>
-            </a:r>
-            <a:r>
-              <a:rPr lang="uk-UA" sz="500" dirty="0" err="1">
-                <a:latin typeface="Courier New" panose="02070309020205020404" pitchFamily="49" charset="0"/>
-                <a:cs typeface="Courier New" panose="02070309020205020404" pitchFamily="49" charset="0"/>
-              </a:rPr>
-              <a:t>args</a:t>
-            </a:r>
-            <a:r>
-              <a:rPr lang="uk-UA" sz="500" dirty="0">
-                <a:latin typeface="Courier New" panose="02070309020205020404" pitchFamily="49" charset="0"/>
-                <a:cs typeface="Courier New" panose="02070309020205020404" pitchFamily="49" charset="0"/>
-              </a:rPr>
-              <a:t>) {</a:t>
-            </a:r>
-          </a:p>
-          <a:p>
-            <a:r>
-              <a:rPr lang="uk-UA" sz="500" dirty="0">
-                <a:latin typeface="Courier New" panose="02070309020205020404" pitchFamily="49" charset="0"/>
-                <a:cs typeface="Courier New" panose="02070309020205020404" pitchFamily="49" charset="0"/>
-              </a:rPr>
-              <a:t>        </a:t>
-            </a:r>
-            <a:r>
-              <a:rPr lang="uk-UA" sz="500" dirty="0" err="1">
-                <a:latin typeface="Courier New" panose="02070309020205020404" pitchFamily="49" charset="0"/>
-                <a:cs typeface="Courier New" panose="02070309020205020404" pitchFamily="49" charset="0"/>
-              </a:rPr>
-              <a:t>int</a:t>
-            </a:r>
-            <a:r>
-              <a:rPr lang="uk-UA" sz="500" dirty="0">
-                <a:latin typeface="Courier New" panose="02070309020205020404" pitchFamily="49" charset="0"/>
-                <a:cs typeface="Courier New" panose="02070309020205020404" pitchFamily="49" charset="0"/>
-              </a:rPr>
-              <a:t>[] </a:t>
-            </a:r>
-            <a:r>
-              <a:rPr lang="uk-UA" sz="500" dirty="0" err="1">
-                <a:latin typeface="Courier New" panose="02070309020205020404" pitchFamily="49" charset="0"/>
-                <a:cs typeface="Courier New" panose="02070309020205020404" pitchFamily="49" charset="0"/>
-              </a:rPr>
-              <a:t>array</a:t>
-            </a:r>
-            <a:r>
-              <a:rPr lang="uk-UA" sz="500" dirty="0">
-                <a:latin typeface="Courier New" panose="02070309020205020404" pitchFamily="49" charset="0"/>
-                <a:cs typeface="Courier New" panose="02070309020205020404" pitchFamily="49" charset="0"/>
-              </a:rPr>
-              <a:t> = {12, 11, 13, 5, 6, 7};</a:t>
-            </a:r>
-          </a:p>
-          <a:p>
-            <a:r>
-              <a:rPr lang="uk-UA" sz="500" dirty="0">
-                <a:latin typeface="Courier New" panose="02070309020205020404" pitchFamily="49" charset="0"/>
-                <a:cs typeface="Courier New" panose="02070309020205020404" pitchFamily="49" charset="0"/>
-              </a:rPr>
-              <a:t>        </a:t>
-            </a:r>
-            <a:r>
-              <a:rPr lang="uk-UA" sz="500" dirty="0" err="1">
-                <a:latin typeface="Courier New" panose="02070309020205020404" pitchFamily="49" charset="0"/>
-                <a:cs typeface="Courier New" panose="02070309020205020404" pitchFamily="49" charset="0"/>
-              </a:rPr>
-              <a:t>System.out.println</a:t>
-            </a:r>
-            <a:r>
-              <a:rPr lang="uk-UA" sz="500" dirty="0">
-                <a:latin typeface="Courier New" panose="02070309020205020404" pitchFamily="49" charset="0"/>
-                <a:cs typeface="Courier New" panose="02070309020205020404" pitchFamily="49" charset="0"/>
-              </a:rPr>
-              <a:t>("Даний масив:");</a:t>
-            </a:r>
-          </a:p>
-          <a:p>
-            <a:r>
-              <a:rPr lang="uk-UA" sz="500" dirty="0">
-                <a:latin typeface="Courier New" panose="02070309020205020404" pitchFamily="49" charset="0"/>
-                <a:cs typeface="Courier New" panose="02070309020205020404" pitchFamily="49" charset="0"/>
-              </a:rPr>
-              <a:t>        </a:t>
-            </a:r>
-            <a:r>
-              <a:rPr lang="uk-UA" sz="500" dirty="0" err="1">
-                <a:latin typeface="Courier New" panose="02070309020205020404" pitchFamily="49" charset="0"/>
-                <a:cs typeface="Courier New" panose="02070309020205020404" pitchFamily="49" charset="0"/>
-              </a:rPr>
-              <a:t>printArray</a:t>
-            </a:r>
-            <a:r>
-              <a:rPr lang="uk-UA" sz="500" dirty="0">
-                <a:latin typeface="Courier New" panose="02070309020205020404" pitchFamily="49" charset="0"/>
-                <a:cs typeface="Courier New" panose="02070309020205020404" pitchFamily="49" charset="0"/>
-              </a:rPr>
-              <a:t>(</a:t>
-            </a:r>
-            <a:r>
-              <a:rPr lang="uk-UA" sz="500" dirty="0" err="1">
-                <a:latin typeface="Courier New" panose="02070309020205020404" pitchFamily="49" charset="0"/>
-                <a:cs typeface="Courier New" panose="02070309020205020404" pitchFamily="49" charset="0"/>
-              </a:rPr>
-              <a:t>array</a:t>
-            </a:r>
-            <a:r>
-              <a:rPr lang="uk-UA" sz="500" dirty="0">
-                <a:latin typeface="Courier New" panose="02070309020205020404" pitchFamily="49" charset="0"/>
-                <a:cs typeface="Courier New" panose="02070309020205020404" pitchFamily="49" charset="0"/>
-              </a:rPr>
-              <a:t>);</a:t>
-            </a:r>
-          </a:p>
-          <a:p>
-            <a:endParaRPr lang="uk-UA" sz="500" dirty="0">
-              <a:latin typeface="Courier New" panose="02070309020205020404" pitchFamily="49" charset="0"/>
-              <a:cs typeface="Courier New" panose="02070309020205020404" pitchFamily="49" charset="0"/>
-            </a:endParaRPr>
-          </a:p>
-          <a:p>
-            <a:r>
-              <a:rPr lang="uk-UA" sz="500" dirty="0">
-                <a:latin typeface="Courier New" panose="02070309020205020404" pitchFamily="49" charset="0"/>
-                <a:cs typeface="Courier New" panose="02070309020205020404" pitchFamily="49" charset="0"/>
-              </a:rPr>
-              <a:t>        </a:t>
-            </a:r>
-            <a:r>
-              <a:rPr lang="uk-UA" sz="500" dirty="0" err="1">
-                <a:latin typeface="Courier New" panose="02070309020205020404" pitchFamily="49" charset="0"/>
-                <a:cs typeface="Courier New" panose="02070309020205020404" pitchFamily="49" charset="0"/>
-              </a:rPr>
-              <a:t>heapSort</a:t>
-            </a:r>
-            <a:r>
-              <a:rPr lang="uk-UA" sz="500" dirty="0">
-                <a:latin typeface="Courier New" panose="02070309020205020404" pitchFamily="49" charset="0"/>
-                <a:cs typeface="Courier New" panose="02070309020205020404" pitchFamily="49" charset="0"/>
-              </a:rPr>
-              <a:t>(</a:t>
-            </a:r>
-            <a:r>
-              <a:rPr lang="uk-UA" sz="500" dirty="0" err="1">
-                <a:latin typeface="Courier New" panose="02070309020205020404" pitchFamily="49" charset="0"/>
-                <a:cs typeface="Courier New" panose="02070309020205020404" pitchFamily="49" charset="0"/>
-              </a:rPr>
-              <a:t>array</a:t>
-            </a:r>
-            <a:r>
-              <a:rPr lang="uk-UA" sz="500" dirty="0">
-                <a:latin typeface="Courier New" panose="02070309020205020404" pitchFamily="49" charset="0"/>
-                <a:cs typeface="Courier New" panose="02070309020205020404" pitchFamily="49" charset="0"/>
-              </a:rPr>
-              <a:t>);</a:t>
-            </a:r>
-          </a:p>
-          <a:p>
-            <a:endParaRPr lang="uk-UA" sz="500" dirty="0">
-              <a:latin typeface="Courier New" panose="02070309020205020404" pitchFamily="49" charset="0"/>
-              <a:cs typeface="Courier New" panose="02070309020205020404" pitchFamily="49" charset="0"/>
-            </a:endParaRPr>
-          </a:p>
-          <a:p>
-            <a:r>
-              <a:rPr lang="uk-UA" sz="500" dirty="0">
-                <a:latin typeface="Courier New" panose="02070309020205020404" pitchFamily="49" charset="0"/>
-                <a:cs typeface="Courier New" panose="02070309020205020404" pitchFamily="49" charset="0"/>
-              </a:rPr>
-              <a:t>        </a:t>
-            </a:r>
-            <a:r>
-              <a:rPr lang="uk-UA" sz="500" dirty="0" err="1">
-                <a:latin typeface="Courier New" panose="02070309020205020404" pitchFamily="49" charset="0"/>
-                <a:cs typeface="Courier New" panose="02070309020205020404" pitchFamily="49" charset="0"/>
-              </a:rPr>
-              <a:t>System.out.println</a:t>
-            </a:r>
-            <a:r>
-              <a:rPr lang="uk-UA" sz="500" dirty="0">
-                <a:latin typeface="Courier New" panose="02070309020205020404" pitchFamily="49" charset="0"/>
-                <a:cs typeface="Courier New" panose="02070309020205020404" pitchFamily="49" charset="0"/>
-              </a:rPr>
-              <a:t>("Відсортований масив:");</a:t>
-            </a:r>
-          </a:p>
-          <a:p>
-            <a:r>
-              <a:rPr lang="uk-UA" sz="500" dirty="0">
-                <a:latin typeface="Courier New" panose="02070309020205020404" pitchFamily="49" charset="0"/>
-                <a:cs typeface="Courier New" panose="02070309020205020404" pitchFamily="49" charset="0"/>
-              </a:rPr>
-              <a:t>        </a:t>
-            </a:r>
-            <a:r>
-              <a:rPr lang="uk-UA" sz="500" dirty="0" err="1">
-                <a:latin typeface="Courier New" panose="02070309020205020404" pitchFamily="49" charset="0"/>
-                <a:cs typeface="Courier New" panose="02070309020205020404" pitchFamily="49" charset="0"/>
-              </a:rPr>
-              <a:t>printArray</a:t>
-            </a:r>
-            <a:r>
-              <a:rPr lang="uk-UA" sz="500" dirty="0">
-                <a:latin typeface="Courier New" panose="02070309020205020404" pitchFamily="49" charset="0"/>
-                <a:cs typeface="Courier New" panose="02070309020205020404" pitchFamily="49" charset="0"/>
-              </a:rPr>
-              <a:t>(</a:t>
-            </a:r>
-            <a:r>
-              <a:rPr lang="uk-UA" sz="500" dirty="0" err="1">
-                <a:latin typeface="Courier New" panose="02070309020205020404" pitchFamily="49" charset="0"/>
-                <a:cs typeface="Courier New" panose="02070309020205020404" pitchFamily="49" charset="0"/>
-              </a:rPr>
-              <a:t>array</a:t>
-            </a:r>
-            <a:r>
-              <a:rPr lang="uk-UA" sz="500" dirty="0">
-                <a:latin typeface="Courier New" panose="02070309020205020404" pitchFamily="49" charset="0"/>
-                <a:cs typeface="Courier New" panose="02070309020205020404" pitchFamily="49" charset="0"/>
-              </a:rPr>
-              <a:t>);</a:t>
-            </a:r>
-          </a:p>
-          <a:p>
-            <a:r>
-              <a:rPr lang="uk-UA" sz="500" dirty="0">
-                <a:latin typeface="Courier New" panose="02070309020205020404" pitchFamily="49" charset="0"/>
-                <a:cs typeface="Courier New" panose="02070309020205020404" pitchFamily="49" charset="0"/>
-              </a:rPr>
-              <a:t>    }</a:t>
-            </a:r>
-          </a:p>
-          <a:p>
-            <a:r>
-              <a:rPr lang="uk-UA" sz="500" dirty="0">
-                <a:latin typeface="Courier New" panose="02070309020205020404" pitchFamily="49" charset="0"/>
-                <a:cs typeface="Courier New" panose="02070309020205020404" pitchFamily="49" charset="0"/>
-              </a:rPr>
-              <a:t>}</a:t>
-            </a:r>
-          </a:p>
-        </p:txBody>
-      </p:sp>
-    </p:spTree>
-    <p:extLst>
-      <p:ext uri="{BB962C8B-B14F-4D97-AF65-F5344CB8AC3E}">
-        <p14:creationId xmlns:p14="http://schemas.microsoft.com/office/powerpoint/2010/main" val="2067238835"/>
-      </p:ext>
-    </p:extLst>
-  </p:cSld>
-  <p:clrMapOvr>
-    <a:masterClrMapping/>
-  </p:clrMapOvr>
-</p:sld>
-</file>
-
-<file path=ppt/slides/slide22.xml><?xml version="1.0" encoding="utf-8"?>
-<p:sld xmlns:a="http://schemas.openxmlformats.org/drawingml/2006/main" xmlns:r="http://schemas.openxmlformats.org/officeDocument/2006/relationships" xmlns:p="http://schemas.openxmlformats.org/presentationml/2006/main">
-  <p:cSld>
-    <p:spTree>
-      <p:nvGrpSpPr>
-        <p:cNvPr id="1" name=""/>
-        <p:cNvGrpSpPr/>
-        <p:nvPr/>
-      </p:nvGrpSpPr>
-      <p:grpSpPr>
-        <a:xfrm>
-          <a:off x="0" y="0"/>
-          <a:ext cx="0" cy="0"/>
-          <a:chOff x="0" y="0"/>
-          <a:chExt cx="0" cy="0"/>
-        </a:xfrm>
-      </p:grpSpPr>
-      <p:sp>
-        <p:nvSpPr>
-          <p:cNvPr id="3" name="TextBox 2">
-            <a:extLst>
-              <a:ext uri="{FF2B5EF4-FFF2-40B4-BE49-F238E27FC236}">
-                <a16:creationId xmlns:a16="http://schemas.microsoft.com/office/drawing/2014/main" id="{B2A81DC4-47BB-4D4E-B4E6-6CD06F8097A8}"/>
-              </a:ext>
-            </a:extLst>
-          </p:cNvPr>
-          <p:cNvSpPr txBox="1"/>
-          <p:nvPr/>
-        </p:nvSpPr>
-        <p:spPr>
-          <a:xfrm>
-            <a:off x="153773" y="1953607"/>
-            <a:ext cx="11881309" cy="4524315"/>
-          </a:xfrm>
-          <a:prstGeom prst="rect">
-            <a:avLst/>
-          </a:prstGeom>
-          <a:noFill/>
-        </p:spPr>
-        <p:txBody>
-          <a:bodyPr wrap="square">
-            <a:spAutoFit/>
-          </a:bodyPr>
-          <a:lstStyle/>
-          <a:p>
-            <a:pPr algn="l"/>
-            <a:r>
-              <a:rPr lang="uk-UA" sz="3200" b="0" i="0" dirty="0">
-                <a:solidFill>
-                  <a:srgbClr val="000000"/>
-                </a:solidFill>
-                <a:effectLst/>
-                <a:latin typeface="Times New Roman" panose="02020603050405020304" pitchFamily="18" charset="0"/>
-                <a:cs typeface="Times New Roman" panose="02020603050405020304" pitchFamily="18" charset="0"/>
-              </a:rPr>
-              <a:t>Пірамідальне сортування виконується "на місці". Її типова реалізація нестабільна, але її можна зробити такою. Вона приблизно в 2-3 рази повільніше за швидку.</a:t>
-            </a:r>
-          </a:p>
-          <a:p>
-            <a:pPr algn="l"/>
-            <a:r>
-              <a:rPr lang="uk-UA" sz="3200" b="0" i="0" dirty="0">
-                <a:solidFill>
-                  <a:srgbClr val="000000"/>
-                </a:solidFill>
-                <a:effectLst/>
-                <a:latin typeface="Times New Roman" panose="02020603050405020304" pitchFamily="18" charset="0"/>
-                <a:cs typeface="Times New Roman" panose="02020603050405020304" pitchFamily="18" charset="0"/>
-              </a:rPr>
-              <a:t>Для пірамідального сортування використовується мінімальний обсяг пам'яті. Вона проста розуміння, оскільки у ній не використовуються просунуті концепції, наприклад, рекурсія. У цьому пірамідальна сортування нестабільна, оскільки порядок елементів щодо одне одного може змінитися. Крім того, вона не є дуже ефективною для обробки дуже складних даних.</a:t>
-            </a:r>
-          </a:p>
-        </p:txBody>
-      </p:sp>
-      <p:sp>
-        <p:nvSpPr>
-          <p:cNvPr id="4" name="Text Box 3">
-            <a:extLst>
-              <a:ext uri="{FF2B5EF4-FFF2-40B4-BE49-F238E27FC236}">
-                <a16:creationId xmlns:a16="http://schemas.microsoft.com/office/drawing/2014/main" id="{B9E2FF62-E523-429E-8B47-9F3E604B7C48}"/>
-              </a:ext>
-            </a:extLst>
-          </p:cNvPr>
-          <p:cNvSpPr txBox="1">
-            <a:spLocks noChangeArrowheads="1"/>
-          </p:cNvSpPr>
-          <p:nvPr/>
-        </p:nvSpPr>
-        <p:spPr bwMode="auto">
-          <a:xfrm>
-            <a:off x="0" y="0"/>
-            <a:ext cx="12192000" cy="830997"/>
-          </a:xfrm>
-          <a:prstGeom prst="rect">
-            <a:avLst/>
-          </a:prstGeom>
-          <a:noFill/>
-          <a:ln w="9525">
-            <a:noFill/>
-            <a:miter lim="800000"/>
-            <a:headEnd/>
-            <a:tailEnd/>
-          </a:ln>
-        </p:spPr>
-        <p:txBody>
-          <a:bodyPr wrap="square">
-            <a:spAutoFit/>
-          </a:bodyPr>
-          <a:lstStyle/>
-          <a:p>
-            <a:pPr algn="ctr" eaLnBrk="0" hangingPunct="0">
-              <a:spcBef>
-                <a:spcPct val="50000"/>
-              </a:spcBef>
-            </a:pPr>
-            <a:r>
-              <a:rPr lang="ru-RU" sz="4800" dirty="0" err="1">
-                <a:latin typeface="Times New Roman" panose="02020603050405020304" pitchFamily="18" charset="0"/>
-                <a:cs typeface="Times New Roman" panose="02020603050405020304" pitchFamily="18" charset="0"/>
-              </a:rPr>
-              <a:t>Сортування</a:t>
-            </a:r>
-            <a:r>
-              <a:rPr lang="ru-RU" sz="4800" dirty="0">
-                <a:latin typeface="Times New Roman" panose="02020603050405020304" pitchFamily="18" charset="0"/>
-                <a:cs typeface="Times New Roman" panose="02020603050405020304" pitchFamily="18" charset="0"/>
-              </a:rPr>
-              <a:t> «</a:t>
-            </a:r>
-            <a:r>
-              <a:rPr lang="uk-UA" sz="4800" dirty="0">
-                <a:latin typeface="Times New Roman" panose="02020603050405020304" pitchFamily="18" charset="0"/>
-                <a:cs typeface="Times New Roman" panose="02020603050405020304" pitchFamily="18" charset="0"/>
-              </a:rPr>
-              <a:t>пірамідальне</a:t>
-            </a:r>
-            <a:r>
-              <a:rPr lang="ru-RU" sz="4800" dirty="0">
-                <a:latin typeface="Times New Roman" panose="02020603050405020304" pitchFamily="18" charset="0"/>
-                <a:cs typeface="Times New Roman" panose="02020603050405020304" pitchFamily="18" charset="0"/>
-              </a:rPr>
-              <a:t>». </a:t>
-            </a:r>
-            <a:r>
-              <a:rPr lang="uk-UA" sz="4800" dirty="0">
-                <a:latin typeface="Times New Roman" panose="02020603050405020304" pitchFamily="18" charset="0"/>
-                <a:cs typeface="Times New Roman" panose="02020603050405020304" pitchFamily="18" charset="0"/>
-              </a:rPr>
-              <a:t>Характеристика</a:t>
-            </a:r>
-            <a:endParaRPr lang="ru-RU" sz="4800" dirty="0">
-              <a:latin typeface="Times New Roman" panose="02020603050405020304" pitchFamily="18" charset="0"/>
-              <a:cs typeface="Times New Roman" panose="02020603050405020304" pitchFamily="18" charset="0"/>
-            </a:endParaRPr>
-          </a:p>
-        </p:txBody>
-      </p:sp>
-      <p:sp>
-        <p:nvSpPr>
-          <p:cNvPr id="8" name="TextBox 7">
-            <a:extLst>
-              <a:ext uri="{FF2B5EF4-FFF2-40B4-BE49-F238E27FC236}">
-                <a16:creationId xmlns:a16="http://schemas.microsoft.com/office/drawing/2014/main" id="{8BE8F0F3-94A6-447C-82DE-9FE96930CDF6}"/>
-              </a:ext>
-            </a:extLst>
-          </p:cNvPr>
-          <p:cNvSpPr txBox="1"/>
-          <p:nvPr/>
-        </p:nvSpPr>
-        <p:spPr>
-          <a:xfrm>
-            <a:off x="0" y="953931"/>
-            <a:ext cx="6094428" cy="461665"/>
-          </a:xfrm>
-          <a:prstGeom prst="rect">
-            <a:avLst/>
-          </a:prstGeom>
-          <a:noFill/>
-        </p:spPr>
-        <p:txBody>
-          <a:bodyPr wrap="square">
-            <a:spAutoFit/>
-          </a:bodyPr>
-          <a:lstStyle/>
-          <a:p>
-            <a:pPr algn="ctr"/>
-            <a:r>
-              <a:rPr lang="uk-UA" sz="2400" b="0" i="0" dirty="0">
-                <a:solidFill>
-                  <a:srgbClr val="000000"/>
-                </a:solidFill>
-                <a:effectLst/>
-                <a:latin typeface="Times New Roman" panose="02020603050405020304" pitchFamily="18" charset="0"/>
-                <a:cs typeface="Times New Roman" panose="02020603050405020304" pitchFamily="18" charset="0"/>
-              </a:rPr>
-              <a:t>Тимчасова складність: </a:t>
-            </a:r>
-            <a:r>
-              <a:rPr lang="en-US" sz="2400" b="1" i="0" dirty="0">
-                <a:solidFill>
-                  <a:srgbClr val="000000"/>
-                </a:solidFill>
-                <a:effectLst/>
-                <a:latin typeface="Times New Roman" panose="02020603050405020304" pitchFamily="18" charset="0"/>
-                <a:cs typeface="Times New Roman" panose="02020603050405020304" pitchFamily="18" charset="0"/>
-              </a:rPr>
-              <a:t>O(n log n)</a:t>
-            </a:r>
-            <a:endParaRPr lang="en-US" sz="2400" b="0" i="0" dirty="0">
-              <a:solidFill>
-                <a:srgbClr val="000000"/>
-              </a:solidFill>
-              <a:effectLst/>
-              <a:latin typeface="Times New Roman" panose="02020603050405020304" pitchFamily="18" charset="0"/>
-              <a:cs typeface="Times New Roman" panose="02020603050405020304" pitchFamily="18" charset="0"/>
-            </a:endParaRPr>
-          </a:p>
-        </p:txBody>
-      </p:sp>
-      <p:sp>
-        <p:nvSpPr>
-          <p:cNvPr id="10" name="TextBox 9">
-            <a:extLst>
-              <a:ext uri="{FF2B5EF4-FFF2-40B4-BE49-F238E27FC236}">
-                <a16:creationId xmlns:a16="http://schemas.microsoft.com/office/drawing/2014/main" id="{68C96D62-E671-4D5A-9CB3-27D544220FFA}"/>
-              </a:ext>
-            </a:extLst>
-          </p:cNvPr>
-          <p:cNvSpPr txBox="1"/>
-          <p:nvPr/>
-        </p:nvSpPr>
-        <p:spPr>
-          <a:xfrm>
-            <a:off x="6094428" y="953931"/>
-            <a:ext cx="6094429" cy="461665"/>
-          </a:xfrm>
-          <a:prstGeom prst="rect">
-            <a:avLst/>
-          </a:prstGeom>
-          <a:noFill/>
-        </p:spPr>
-        <p:txBody>
-          <a:bodyPr wrap="square">
-            <a:spAutoFit/>
-          </a:bodyPr>
-          <a:lstStyle/>
-          <a:p>
-            <a:pPr algn="ctr"/>
-            <a:r>
-              <a:rPr lang="uk-UA" sz="2400" dirty="0">
-                <a:solidFill>
-                  <a:srgbClr val="000000"/>
-                </a:solidFill>
-                <a:latin typeface="Times New Roman" panose="02020603050405020304" pitchFamily="18" charset="0"/>
-                <a:cs typeface="Times New Roman" panose="02020603050405020304" pitchFamily="18" charset="0"/>
-              </a:rPr>
-              <a:t>Додатковий простір: </a:t>
-            </a:r>
-            <a:r>
-              <a:rPr lang="en-US" sz="2400" b="1" dirty="0">
-                <a:solidFill>
-                  <a:srgbClr val="000000"/>
-                </a:solidFill>
-                <a:latin typeface="Times New Roman" panose="02020603050405020304" pitchFamily="18" charset="0"/>
-                <a:cs typeface="Times New Roman" panose="02020603050405020304" pitchFamily="18" charset="0"/>
-              </a:rPr>
-              <a:t>O(</a:t>
-            </a:r>
-            <a:r>
-              <a:rPr lang="uk-UA" sz="2400" b="1" dirty="0">
-                <a:solidFill>
-                  <a:srgbClr val="000000"/>
-                </a:solidFill>
-                <a:latin typeface="Times New Roman" panose="02020603050405020304" pitchFamily="18" charset="0"/>
-                <a:cs typeface="Times New Roman" panose="02020603050405020304" pitchFamily="18" charset="0"/>
-              </a:rPr>
-              <a:t>1</a:t>
-            </a:r>
-            <a:r>
-              <a:rPr lang="en-US" sz="2400" b="1" dirty="0">
-                <a:solidFill>
-                  <a:srgbClr val="000000"/>
-                </a:solidFill>
-                <a:latin typeface="Times New Roman" panose="02020603050405020304" pitchFamily="18" charset="0"/>
-                <a:cs typeface="Times New Roman" panose="02020603050405020304" pitchFamily="18" charset="0"/>
-              </a:rPr>
-              <a:t>)</a:t>
-            </a:r>
-            <a:endParaRPr lang="en-US" sz="2400" dirty="0">
-              <a:solidFill>
-                <a:srgbClr val="000000"/>
-              </a:solidFill>
-              <a:latin typeface="Times New Roman" panose="02020603050405020304" pitchFamily="18" charset="0"/>
-              <a:cs typeface="Times New Roman" panose="02020603050405020304" pitchFamily="18" charset="0"/>
-            </a:endParaRPr>
-          </a:p>
-        </p:txBody>
-      </p:sp>
-    </p:spTree>
-    <p:extLst>
-      <p:ext uri="{BB962C8B-B14F-4D97-AF65-F5344CB8AC3E}">
-        <p14:creationId xmlns:p14="http://schemas.microsoft.com/office/powerpoint/2010/main" val="2856266269"/>
-      </p:ext>
-    </p:extLst>
-  </p:cSld>
-  <p:clrMapOvr>
-    <a:masterClrMapping/>
-  </p:clrMapOvr>
-</p:sld>
-</file>
-
-<file path=ppt/slides/slide3.xml><?xml version="1.0" encoding="utf-8"?>
+<file path=ppt/slides/slide2.xml><?xml version="1.0" encoding="utf-8"?>
 <p:sld xmlns:a="http://schemas.openxmlformats.org/drawingml/2006/main" xmlns:r="http://schemas.openxmlformats.org/officeDocument/2006/relationships" xmlns:p="http://schemas.openxmlformats.org/presentationml/2006/main">
   <p:cSld>
     <p:spTree>
@@ -17793,7 +14850,2504 @@
 </p:sld>
 </file>
 
-<file path=ppt/slides/slide4.xml><?xml version="1.0" encoding="utf-8"?>
+<file path=ppt/slides/slide20.xml><?xml version="1.0" encoding="utf-8"?>
+<p:sld xmlns:a="http://schemas.openxmlformats.org/drawingml/2006/main" xmlns:r="http://schemas.openxmlformats.org/officeDocument/2006/relationships" xmlns:p="http://schemas.openxmlformats.org/presentationml/2006/main">
+  <p:cSld>
+    <p:spTree>
+      <p:nvGrpSpPr>
+        <p:cNvPr id="1" name=""/>
+        <p:cNvGrpSpPr/>
+        <p:nvPr/>
+      </p:nvGrpSpPr>
+      <p:grpSpPr>
+        <a:xfrm>
+          <a:off x="0" y="0"/>
+          <a:ext cx="0" cy="0"/>
+          <a:chOff x="0" y="0"/>
+          <a:chExt cx="0" cy="0"/>
+        </a:xfrm>
+      </p:grpSpPr>
+      <p:sp>
+        <p:nvSpPr>
+          <p:cNvPr id="4" name="Text Box 3">
+            <a:extLst>
+              <a:ext uri="{FF2B5EF4-FFF2-40B4-BE49-F238E27FC236}">
+                <a16:creationId xmlns:a16="http://schemas.microsoft.com/office/drawing/2014/main" id="{A323A61A-EEAB-4FC4-8B98-58755A1FE8B2}"/>
+              </a:ext>
+            </a:extLst>
+          </p:cNvPr>
+          <p:cNvSpPr txBox="1">
+            <a:spLocks noChangeArrowheads="1"/>
+          </p:cNvSpPr>
+          <p:nvPr/>
+        </p:nvSpPr>
+        <p:spPr bwMode="auto">
+          <a:xfrm>
+            <a:off x="0" y="0"/>
+            <a:ext cx="12192000" cy="830997"/>
+          </a:xfrm>
+          <a:prstGeom prst="rect">
+            <a:avLst/>
+          </a:prstGeom>
+          <a:noFill/>
+          <a:ln w="9525">
+            <a:noFill/>
+            <a:miter lim="800000"/>
+            <a:headEnd/>
+            <a:tailEnd/>
+          </a:ln>
+        </p:spPr>
+        <p:txBody>
+          <a:bodyPr wrap="square">
+            <a:spAutoFit/>
+          </a:bodyPr>
+          <a:lstStyle/>
+          <a:p>
+            <a:pPr algn="ctr" eaLnBrk="0" hangingPunct="0">
+              <a:spcBef>
+                <a:spcPct val="50000"/>
+              </a:spcBef>
+            </a:pPr>
+            <a:r>
+              <a:rPr lang="ru-RU" sz="4800" dirty="0" err="1">
+                <a:latin typeface="Times New Roman" panose="02020603050405020304" pitchFamily="18" charset="0"/>
+                <a:cs typeface="Times New Roman" panose="02020603050405020304" pitchFamily="18" charset="0"/>
+              </a:rPr>
+              <a:t>Сортування</a:t>
+            </a:r>
+            <a:r>
+              <a:rPr lang="ru-RU" sz="4800" dirty="0">
+                <a:latin typeface="Times New Roman" panose="02020603050405020304" pitchFamily="18" charset="0"/>
+                <a:cs typeface="Times New Roman" panose="02020603050405020304" pitchFamily="18" charset="0"/>
+              </a:rPr>
+              <a:t> «п</a:t>
+            </a:r>
+            <a:r>
+              <a:rPr lang="uk-UA" sz="4800" dirty="0" err="1">
+                <a:latin typeface="Times New Roman" panose="02020603050405020304" pitchFamily="18" charset="0"/>
+                <a:cs typeface="Times New Roman" panose="02020603050405020304" pitchFamily="18" charset="0"/>
+              </a:rPr>
+              <a:t>ірамідальне</a:t>
+            </a:r>
+            <a:r>
+              <a:rPr lang="ru-RU" sz="4800" dirty="0">
+                <a:latin typeface="Times New Roman" panose="02020603050405020304" pitchFamily="18" charset="0"/>
+                <a:cs typeface="Times New Roman" panose="02020603050405020304" pitchFamily="18" charset="0"/>
+              </a:rPr>
+              <a:t>». Приклад</a:t>
+            </a:r>
+          </a:p>
+        </p:txBody>
+      </p:sp>
+      <p:sp>
+        <p:nvSpPr>
+          <p:cNvPr id="5" name="TextBox 4">
+            <a:extLst>
+              <a:ext uri="{FF2B5EF4-FFF2-40B4-BE49-F238E27FC236}">
+                <a16:creationId xmlns:a16="http://schemas.microsoft.com/office/drawing/2014/main" id="{AADA095C-8732-49F2-A20D-F663E40876AD}"/>
+              </a:ext>
+            </a:extLst>
+          </p:cNvPr>
+          <p:cNvSpPr txBox="1"/>
+          <p:nvPr/>
+        </p:nvSpPr>
+        <p:spPr>
+          <a:xfrm>
+            <a:off x="134332" y="1132654"/>
+            <a:ext cx="4635631" cy="5247590"/>
+          </a:xfrm>
+          <a:prstGeom prst="rect">
+            <a:avLst/>
+          </a:prstGeom>
+          <a:noFill/>
+        </p:spPr>
+        <p:txBody>
+          <a:bodyPr wrap="square">
+            <a:spAutoFit/>
+          </a:bodyPr>
+          <a:lstStyle/>
+          <a:p>
+            <a:r>
+              <a:rPr lang="uk-UA" sz="500" dirty="0" err="1">
+                <a:latin typeface="Courier New" panose="02070309020205020404" pitchFamily="49" charset="0"/>
+                <a:cs typeface="Courier New" panose="02070309020205020404" pitchFamily="49" charset="0"/>
+              </a:rPr>
+              <a:t>public</a:t>
+            </a:r>
+            <a:r>
+              <a:rPr lang="uk-UA" sz="500" dirty="0">
+                <a:latin typeface="Courier New" panose="02070309020205020404" pitchFamily="49" charset="0"/>
+                <a:cs typeface="Courier New" panose="02070309020205020404" pitchFamily="49" charset="0"/>
+              </a:rPr>
+              <a:t> </a:t>
+            </a:r>
+            <a:r>
+              <a:rPr lang="uk-UA" sz="500" dirty="0" err="1">
+                <a:latin typeface="Courier New" panose="02070309020205020404" pitchFamily="49" charset="0"/>
+                <a:cs typeface="Courier New" panose="02070309020205020404" pitchFamily="49" charset="0"/>
+              </a:rPr>
+              <a:t>class</a:t>
+            </a:r>
+            <a:r>
+              <a:rPr lang="uk-UA" sz="500" dirty="0">
+                <a:latin typeface="Courier New" panose="02070309020205020404" pitchFamily="49" charset="0"/>
+                <a:cs typeface="Courier New" panose="02070309020205020404" pitchFamily="49" charset="0"/>
+              </a:rPr>
+              <a:t> </a:t>
+            </a:r>
+            <a:r>
+              <a:rPr lang="uk-UA" sz="500" dirty="0" err="1">
+                <a:latin typeface="Courier New" panose="02070309020205020404" pitchFamily="49" charset="0"/>
+                <a:cs typeface="Courier New" panose="02070309020205020404" pitchFamily="49" charset="0"/>
+              </a:rPr>
+              <a:t>HeapSort</a:t>
+            </a:r>
+            <a:r>
+              <a:rPr lang="uk-UA" sz="500" dirty="0">
+                <a:latin typeface="Courier New" panose="02070309020205020404" pitchFamily="49" charset="0"/>
+                <a:cs typeface="Courier New" panose="02070309020205020404" pitchFamily="49" charset="0"/>
+              </a:rPr>
+              <a:t> {</a:t>
+            </a:r>
+          </a:p>
+          <a:p>
+            <a:r>
+              <a:rPr lang="uk-UA" sz="500" dirty="0">
+                <a:latin typeface="Courier New" panose="02070309020205020404" pitchFamily="49" charset="0"/>
+                <a:cs typeface="Courier New" panose="02070309020205020404" pitchFamily="49" charset="0"/>
+              </a:rPr>
+              <a:t>    </a:t>
+            </a:r>
+          </a:p>
+          <a:p>
+            <a:r>
+              <a:rPr lang="uk-UA" sz="500" dirty="0">
+                <a:latin typeface="Courier New" panose="02070309020205020404" pitchFamily="49" charset="0"/>
+                <a:cs typeface="Courier New" panose="02070309020205020404" pitchFamily="49" charset="0"/>
+              </a:rPr>
+              <a:t>    // Метод для сортування масиву за допомогою пірамідального сортування</a:t>
+            </a:r>
+          </a:p>
+          <a:p>
+            <a:r>
+              <a:rPr lang="uk-UA" sz="500" dirty="0">
+                <a:latin typeface="Courier New" panose="02070309020205020404" pitchFamily="49" charset="0"/>
+                <a:cs typeface="Courier New" panose="02070309020205020404" pitchFamily="49" charset="0"/>
+              </a:rPr>
+              <a:t>    </a:t>
+            </a:r>
+            <a:r>
+              <a:rPr lang="uk-UA" sz="500" dirty="0" err="1">
+                <a:latin typeface="Courier New" panose="02070309020205020404" pitchFamily="49" charset="0"/>
+                <a:cs typeface="Courier New" panose="02070309020205020404" pitchFamily="49" charset="0"/>
+              </a:rPr>
+              <a:t>public</a:t>
+            </a:r>
+            <a:r>
+              <a:rPr lang="uk-UA" sz="500" dirty="0">
+                <a:latin typeface="Courier New" panose="02070309020205020404" pitchFamily="49" charset="0"/>
+                <a:cs typeface="Courier New" panose="02070309020205020404" pitchFamily="49" charset="0"/>
+              </a:rPr>
+              <a:t> </a:t>
+            </a:r>
+            <a:r>
+              <a:rPr lang="uk-UA" sz="500" dirty="0" err="1">
+                <a:latin typeface="Courier New" panose="02070309020205020404" pitchFamily="49" charset="0"/>
+                <a:cs typeface="Courier New" panose="02070309020205020404" pitchFamily="49" charset="0"/>
+              </a:rPr>
+              <a:t>static</a:t>
+            </a:r>
+            <a:r>
+              <a:rPr lang="uk-UA" sz="500" dirty="0">
+                <a:latin typeface="Courier New" panose="02070309020205020404" pitchFamily="49" charset="0"/>
+                <a:cs typeface="Courier New" panose="02070309020205020404" pitchFamily="49" charset="0"/>
+              </a:rPr>
+              <a:t> </a:t>
+            </a:r>
+            <a:r>
+              <a:rPr lang="uk-UA" sz="500" dirty="0" err="1">
+                <a:latin typeface="Courier New" panose="02070309020205020404" pitchFamily="49" charset="0"/>
+                <a:cs typeface="Courier New" panose="02070309020205020404" pitchFamily="49" charset="0"/>
+              </a:rPr>
+              <a:t>void</a:t>
+            </a:r>
+            <a:r>
+              <a:rPr lang="uk-UA" sz="500" dirty="0">
+                <a:latin typeface="Courier New" panose="02070309020205020404" pitchFamily="49" charset="0"/>
+                <a:cs typeface="Courier New" panose="02070309020205020404" pitchFamily="49" charset="0"/>
+              </a:rPr>
+              <a:t> </a:t>
+            </a:r>
+            <a:r>
+              <a:rPr lang="uk-UA" sz="500" dirty="0" err="1">
+                <a:latin typeface="Courier New" panose="02070309020205020404" pitchFamily="49" charset="0"/>
+                <a:cs typeface="Courier New" panose="02070309020205020404" pitchFamily="49" charset="0"/>
+              </a:rPr>
+              <a:t>heapSort</a:t>
+            </a:r>
+            <a:r>
+              <a:rPr lang="uk-UA" sz="500" dirty="0">
+                <a:latin typeface="Courier New" panose="02070309020205020404" pitchFamily="49" charset="0"/>
+                <a:cs typeface="Courier New" panose="02070309020205020404" pitchFamily="49" charset="0"/>
+              </a:rPr>
+              <a:t>(</a:t>
+            </a:r>
+            <a:r>
+              <a:rPr lang="uk-UA" sz="500" dirty="0" err="1">
+                <a:latin typeface="Courier New" panose="02070309020205020404" pitchFamily="49" charset="0"/>
+                <a:cs typeface="Courier New" panose="02070309020205020404" pitchFamily="49" charset="0"/>
+              </a:rPr>
+              <a:t>int</a:t>
+            </a:r>
+            <a:r>
+              <a:rPr lang="uk-UA" sz="500" dirty="0">
+                <a:latin typeface="Courier New" panose="02070309020205020404" pitchFamily="49" charset="0"/>
+                <a:cs typeface="Courier New" panose="02070309020205020404" pitchFamily="49" charset="0"/>
+              </a:rPr>
+              <a:t>[] </a:t>
+            </a:r>
+            <a:r>
+              <a:rPr lang="uk-UA" sz="500" dirty="0" err="1">
+                <a:latin typeface="Courier New" panose="02070309020205020404" pitchFamily="49" charset="0"/>
+                <a:cs typeface="Courier New" panose="02070309020205020404" pitchFamily="49" charset="0"/>
+              </a:rPr>
+              <a:t>array</a:t>
+            </a:r>
+            <a:r>
+              <a:rPr lang="uk-UA" sz="500" dirty="0">
+                <a:latin typeface="Courier New" panose="02070309020205020404" pitchFamily="49" charset="0"/>
+                <a:cs typeface="Courier New" panose="02070309020205020404" pitchFamily="49" charset="0"/>
+              </a:rPr>
+              <a:t>) {</a:t>
+            </a:r>
+          </a:p>
+          <a:p>
+            <a:r>
+              <a:rPr lang="uk-UA" sz="500" dirty="0">
+                <a:latin typeface="Courier New" panose="02070309020205020404" pitchFamily="49" charset="0"/>
+                <a:cs typeface="Courier New" panose="02070309020205020404" pitchFamily="49" charset="0"/>
+              </a:rPr>
+              <a:t>        </a:t>
+            </a:r>
+            <a:r>
+              <a:rPr lang="uk-UA" sz="500" dirty="0" err="1">
+                <a:latin typeface="Courier New" panose="02070309020205020404" pitchFamily="49" charset="0"/>
+                <a:cs typeface="Courier New" panose="02070309020205020404" pitchFamily="49" charset="0"/>
+              </a:rPr>
+              <a:t>int</a:t>
+            </a:r>
+            <a:r>
+              <a:rPr lang="uk-UA" sz="500" dirty="0">
+                <a:latin typeface="Courier New" panose="02070309020205020404" pitchFamily="49" charset="0"/>
+                <a:cs typeface="Courier New" panose="02070309020205020404" pitchFamily="49" charset="0"/>
+              </a:rPr>
+              <a:t> n = </a:t>
+            </a:r>
+            <a:r>
+              <a:rPr lang="uk-UA" sz="500" dirty="0" err="1">
+                <a:latin typeface="Courier New" panose="02070309020205020404" pitchFamily="49" charset="0"/>
+                <a:cs typeface="Courier New" panose="02070309020205020404" pitchFamily="49" charset="0"/>
+              </a:rPr>
+              <a:t>array.length</a:t>
+            </a:r>
+            <a:r>
+              <a:rPr lang="uk-UA" sz="500" dirty="0">
+                <a:latin typeface="Courier New" panose="02070309020205020404" pitchFamily="49" charset="0"/>
+                <a:cs typeface="Courier New" panose="02070309020205020404" pitchFamily="49" charset="0"/>
+              </a:rPr>
+              <a:t>;</a:t>
+            </a:r>
+          </a:p>
+          <a:p>
+            <a:endParaRPr lang="uk-UA" sz="500" dirty="0">
+              <a:latin typeface="Courier New" panose="02070309020205020404" pitchFamily="49" charset="0"/>
+              <a:cs typeface="Courier New" panose="02070309020205020404" pitchFamily="49" charset="0"/>
+            </a:endParaRPr>
+          </a:p>
+          <a:p>
+            <a:r>
+              <a:rPr lang="uk-UA" sz="500" dirty="0">
+                <a:latin typeface="Courier New" panose="02070309020205020404" pitchFamily="49" charset="0"/>
+                <a:cs typeface="Courier New" panose="02070309020205020404" pitchFamily="49" charset="0"/>
+              </a:rPr>
+              <a:t>        // Побудова купи (</a:t>
+            </a:r>
+            <a:r>
+              <a:rPr lang="uk-UA" sz="500" dirty="0" err="1">
+                <a:latin typeface="Courier New" panose="02070309020205020404" pitchFamily="49" charset="0"/>
+                <a:cs typeface="Courier New" panose="02070309020205020404" pitchFamily="49" charset="0"/>
+              </a:rPr>
+              <a:t>heap</a:t>
+            </a:r>
+            <a:r>
+              <a:rPr lang="uk-UA" sz="500" dirty="0">
+                <a:latin typeface="Courier New" panose="02070309020205020404" pitchFamily="49" charset="0"/>
+                <a:cs typeface="Courier New" panose="02070309020205020404" pitchFamily="49" charset="0"/>
+              </a:rPr>
+              <a:t>)</a:t>
+            </a:r>
+          </a:p>
+          <a:p>
+            <a:r>
+              <a:rPr lang="uk-UA" sz="500" dirty="0">
+                <a:latin typeface="Courier New" panose="02070309020205020404" pitchFamily="49" charset="0"/>
+                <a:cs typeface="Courier New" panose="02070309020205020404" pitchFamily="49" charset="0"/>
+              </a:rPr>
+              <a:t>        </a:t>
+            </a:r>
+            <a:r>
+              <a:rPr lang="uk-UA" sz="500" dirty="0" err="1">
+                <a:latin typeface="Courier New" panose="02070309020205020404" pitchFamily="49" charset="0"/>
+                <a:cs typeface="Courier New" panose="02070309020205020404" pitchFamily="49" charset="0"/>
+              </a:rPr>
+              <a:t>for</a:t>
+            </a:r>
+            <a:r>
+              <a:rPr lang="uk-UA" sz="500" dirty="0">
+                <a:latin typeface="Courier New" panose="02070309020205020404" pitchFamily="49" charset="0"/>
+                <a:cs typeface="Courier New" panose="02070309020205020404" pitchFamily="49" charset="0"/>
+              </a:rPr>
+              <a:t> (</a:t>
+            </a:r>
+            <a:r>
+              <a:rPr lang="uk-UA" sz="500" dirty="0" err="1">
+                <a:latin typeface="Courier New" panose="02070309020205020404" pitchFamily="49" charset="0"/>
+                <a:cs typeface="Courier New" panose="02070309020205020404" pitchFamily="49" charset="0"/>
+              </a:rPr>
+              <a:t>int</a:t>
+            </a:r>
+            <a:r>
+              <a:rPr lang="uk-UA" sz="500" dirty="0">
+                <a:latin typeface="Courier New" panose="02070309020205020404" pitchFamily="49" charset="0"/>
+                <a:cs typeface="Courier New" panose="02070309020205020404" pitchFamily="49" charset="0"/>
+              </a:rPr>
+              <a:t> i = n / 2 - 1; i &gt;= 0; i--)</a:t>
+            </a:r>
+          </a:p>
+          <a:p>
+            <a:r>
+              <a:rPr lang="uk-UA" sz="500" dirty="0">
+                <a:latin typeface="Courier New" panose="02070309020205020404" pitchFamily="49" charset="0"/>
+                <a:cs typeface="Courier New" panose="02070309020205020404" pitchFamily="49" charset="0"/>
+              </a:rPr>
+              <a:t>            </a:t>
+            </a:r>
+            <a:r>
+              <a:rPr lang="uk-UA" sz="500" dirty="0" err="1">
+                <a:latin typeface="Courier New" panose="02070309020205020404" pitchFamily="49" charset="0"/>
+                <a:cs typeface="Courier New" panose="02070309020205020404" pitchFamily="49" charset="0"/>
+              </a:rPr>
+              <a:t>heapify</a:t>
+            </a:r>
+            <a:r>
+              <a:rPr lang="uk-UA" sz="500" dirty="0">
+                <a:latin typeface="Courier New" panose="02070309020205020404" pitchFamily="49" charset="0"/>
+                <a:cs typeface="Courier New" panose="02070309020205020404" pitchFamily="49" charset="0"/>
+              </a:rPr>
+              <a:t>(</a:t>
+            </a:r>
+            <a:r>
+              <a:rPr lang="uk-UA" sz="500" dirty="0" err="1">
+                <a:latin typeface="Courier New" panose="02070309020205020404" pitchFamily="49" charset="0"/>
+                <a:cs typeface="Courier New" panose="02070309020205020404" pitchFamily="49" charset="0"/>
+              </a:rPr>
+              <a:t>array</a:t>
+            </a:r>
+            <a:r>
+              <a:rPr lang="uk-UA" sz="500" dirty="0">
+                <a:latin typeface="Courier New" panose="02070309020205020404" pitchFamily="49" charset="0"/>
+                <a:cs typeface="Courier New" panose="02070309020205020404" pitchFamily="49" charset="0"/>
+              </a:rPr>
+              <a:t>, n, i);</a:t>
+            </a:r>
+          </a:p>
+          <a:p>
+            <a:endParaRPr lang="uk-UA" sz="500" dirty="0">
+              <a:latin typeface="Courier New" panose="02070309020205020404" pitchFamily="49" charset="0"/>
+              <a:cs typeface="Courier New" panose="02070309020205020404" pitchFamily="49" charset="0"/>
+            </a:endParaRPr>
+          </a:p>
+          <a:p>
+            <a:r>
+              <a:rPr lang="uk-UA" sz="500" dirty="0">
+                <a:latin typeface="Courier New" panose="02070309020205020404" pitchFamily="49" charset="0"/>
+                <a:cs typeface="Courier New" panose="02070309020205020404" pitchFamily="49" charset="0"/>
+              </a:rPr>
+              <a:t>        // Поступове видалення максимального елементу з купи і вставлення його у відсортовану частину масиву</a:t>
+            </a:r>
+          </a:p>
+          <a:p>
+            <a:r>
+              <a:rPr lang="uk-UA" sz="500" dirty="0">
+                <a:latin typeface="Courier New" panose="02070309020205020404" pitchFamily="49" charset="0"/>
+                <a:cs typeface="Courier New" panose="02070309020205020404" pitchFamily="49" charset="0"/>
+              </a:rPr>
+              <a:t>        </a:t>
+            </a:r>
+            <a:r>
+              <a:rPr lang="uk-UA" sz="500" dirty="0" err="1">
+                <a:latin typeface="Courier New" panose="02070309020205020404" pitchFamily="49" charset="0"/>
+                <a:cs typeface="Courier New" panose="02070309020205020404" pitchFamily="49" charset="0"/>
+              </a:rPr>
+              <a:t>for</a:t>
+            </a:r>
+            <a:r>
+              <a:rPr lang="uk-UA" sz="500" dirty="0">
+                <a:latin typeface="Courier New" panose="02070309020205020404" pitchFamily="49" charset="0"/>
+                <a:cs typeface="Courier New" panose="02070309020205020404" pitchFamily="49" charset="0"/>
+              </a:rPr>
+              <a:t> (</a:t>
+            </a:r>
+            <a:r>
+              <a:rPr lang="uk-UA" sz="500" dirty="0" err="1">
+                <a:latin typeface="Courier New" panose="02070309020205020404" pitchFamily="49" charset="0"/>
+                <a:cs typeface="Courier New" panose="02070309020205020404" pitchFamily="49" charset="0"/>
+              </a:rPr>
+              <a:t>int</a:t>
+            </a:r>
+            <a:r>
+              <a:rPr lang="uk-UA" sz="500" dirty="0">
+                <a:latin typeface="Courier New" panose="02070309020205020404" pitchFamily="49" charset="0"/>
+                <a:cs typeface="Courier New" panose="02070309020205020404" pitchFamily="49" charset="0"/>
+              </a:rPr>
+              <a:t> i = n - 1; i &gt; 0; i--) {</a:t>
+            </a:r>
+          </a:p>
+          <a:p>
+            <a:r>
+              <a:rPr lang="uk-UA" sz="500" dirty="0">
+                <a:latin typeface="Courier New" panose="02070309020205020404" pitchFamily="49" charset="0"/>
+                <a:cs typeface="Courier New" panose="02070309020205020404" pitchFamily="49" charset="0"/>
+              </a:rPr>
+              <a:t>            // Переміщаємо поточний корінь у кінець</a:t>
+            </a:r>
+          </a:p>
+          <a:p>
+            <a:r>
+              <a:rPr lang="uk-UA" sz="500" dirty="0">
+                <a:latin typeface="Courier New" panose="02070309020205020404" pitchFamily="49" charset="0"/>
+                <a:cs typeface="Courier New" panose="02070309020205020404" pitchFamily="49" charset="0"/>
+              </a:rPr>
+              <a:t>            </a:t>
+            </a:r>
+            <a:r>
+              <a:rPr lang="uk-UA" sz="500" dirty="0" err="1">
+                <a:latin typeface="Courier New" panose="02070309020205020404" pitchFamily="49" charset="0"/>
+                <a:cs typeface="Courier New" panose="02070309020205020404" pitchFamily="49" charset="0"/>
+              </a:rPr>
+              <a:t>int</a:t>
+            </a:r>
+            <a:r>
+              <a:rPr lang="uk-UA" sz="500" dirty="0">
+                <a:latin typeface="Courier New" panose="02070309020205020404" pitchFamily="49" charset="0"/>
+                <a:cs typeface="Courier New" panose="02070309020205020404" pitchFamily="49" charset="0"/>
+              </a:rPr>
+              <a:t> </a:t>
+            </a:r>
+            <a:r>
+              <a:rPr lang="uk-UA" sz="500" dirty="0" err="1">
+                <a:latin typeface="Courier New" panose="02070309020205020404" pitchFamily="49" charset="0"/>
+                <a:cs typeface="Courier New" panose="02070309020205020404" pitchFamily="49" charset="0"/>
+              </a:rPr>
+              <a:t>temp</a:t>
+            </a:r>
+            <a:r>
+              <a:rPr lang="uk-UA" sz="500" dirty="0">
+                <a:latin typeface="Courier New" panose="02070309020205020404" pitchFamily="49" charset="0"/>
+                <a:cs typeface="Courier New" panose="02070309020205020404" pitchFamily="49" charset="0"/>
+              </a:rPr>
+              <a:t> = </a:t>
+            </a:r>
+            <a:r>
+              <a:rPr lang="uk-UA" sz="500" dirty="0" err="1">
+                <a:latin typeface="Courier New" panose="02070309020205020404" pitchFamily="49" charset="0"/>
+                <a:cs typeface="Courier New" panose="02070309020205020404" pitchFamily="49" charset="0"/>
+              </a:rPr>
+              <a:t>array</a:t>
+            </a:r>
+            <a:r>
+              <a:rPr lang="uk-UA" sz="500" dirty="0">
+                <a:latin typeface="Courier New" panose="02070309020205020404" pitchFamily="49" charset="0"/>
+                <a:cs typeface="Courier New" panose="02070309020205020404" pitchFamily="49" charset="0"/>
+              </a:rPr>
+              <a:t>[0];</a:t>
+            </a:r>
+          </a:p>
+          <a:p>
+            <a:r>
+              <a:rPr lang="uk-UA" sz="500" dirty="0">
+                <a:latin typeface="Courier New" panose="02070309020205020404" pitchFamily="49" charset="0"/>
+                <a:cs typeface="Courier New" panose="02070309020205020404" pitchFamily="49" charset="0"/>
+              </a:rPr>
+              <a:t>            </a:t>
+            </a:r>
+            <a:r>
+              <a:rPr lang="uk-UA" sz="500" dirty="0" err="1">
+                <a:latin typeface="Courier New" panose="02070309020205020404" pitchFamily="49" charset="0"/>
+                <a:cs typeface="Courier New" panose="02070309020205020404" pitchFamily="49" charset="0"/>
+              </a:rPr>
+              <a:t>array</a:t>
+            </a:r>
+            <a:r>
+              <a:rPr lang="uk-UA" sz="500" dirty="0">
+                <a:latin typeface="Courier New" panose="02070309020205020404" pitchFamily="49" charset="0"/>
+                <a:cs typeface="Courier New" panose="02070309020205020404" pitchFamily="49" charset="0"/>
+              </a:rPr>
+              <a:t>[0] = </a:t>
+            </a:r>
+            <a:r>
+              <a:rPr lang="uk-UA" sz="500" dirty="0" err="1">
+                <a:latin typeface="Courier New" panose="02070309020205020404" pitchFamily="49" charset="0"/>
+                <a:cs typeface="Courier New" panose="02070309020205020404" pitchFamily="49" charset="0"/>
+              </a:rPr>
+              <a:t>array</a:t>
+            </a:r>
+            <a:r>
+              <a:rPr lang="uk-UA" sz="500" dirty="0">
+                <a:latin typeface="Courier New" panose="02070309020205020404" pitchFamily="49" charset="0"/>
+                <a:cs typeface="Courier New" panose="02070309020205020404" pitchFamily="49" charset="0"/>
+              </a:rPr>
+              <a:t>[i];</a:t>
+            </a:r>
+          </a:p>
+          <a:p>
+            <a:r>
+              <a:rPr lang="uk-UA" sz="500" dirty="0">
+                <a:latin typeface="Courier New" panose="02070309020205020404" pitchFamily="49" charset="0"/>
+                <a:cs typeface="Courier New" panose="02070309020205020404" pitchFamily="49" charset="0"/>
+              </a:rPr>
+              <a:t>            </a:t>
+            </a:r>
+            <a:r>
+              <a:rPr lang="uk-UA" sz="500" dirty="0" err="1">
+                <a:latin typeface="Courier New" panose="02070309020205020404" pitchFamily="49" charset="0"/>
+                <a:cs typeface="Courier New" panose="02070309020205020404" pitchFamily="49" charset="0"/>
+              </a:rPr>
+              <a:t>array</a:t>
+            </a:r>
+            <a:r>
+              <a:rPr lang="uk-UA" sz="500" dirty="0">
+                <a:latin typeface="Courier New" panose="02070309020205020404" pitchFamily="49" charset="0"/>
+                <a:cs typeface="Courier New" panose="02070309020205020404" pitchFamily="49" charset="0"/>
+              </a:rPr>
+              <a:t>[i] = </a:t>
+            </a:r>
+            <a:r>
+              <a:rPr lang="uk-UA" sz="500" dirty="0" err="1">
+                <a:latin typeface="Courier New" panose="02070309020205020404" pitchFamily="49" charset="0"/>
+                <a:cs typeface="Courier New" panose="02070309020205020404" pitchFamily="49" charset="0"/>
+              </a:rPr>
+              <a:t>temp</a:t>
+            </a:r>
+            <a:r>
+              <a:rPr lang="uk-UA" sz="500" dirty="0">
+                <a:latin typeface="Courier New" panose="02070309020205020404" pitchFamily="49" charset="0"/>
+                <a:cs typeface="Courier New" panose="02070309020205020404" pitchFamily="49" charset="0"/>
+              </a:rPr>
+              <a:t>;</a:t>
+            </a:r>
+          </a:p>
+          <a:p>
+            <a:endParaRPr lang="uk-UA" sz="500" dirty="0">
+              <a:latin typeface="Courier New" panose="02070309020205020404" pitchFamily="49" charset="0"/>
+              <a:cs typeface="Courier New" panose="02070309020205020404" pitchFamily="49" charset="0"/>
+            </a:endParaRPr>
+          </a:p>
+          <a:p>
+            <a:r>
+              <a:rPr lang="uk-UA" sz="500" dirty="0">
+                <a:latin typeface="Courier New" panose="02070309020205020404" pitchFamily="49" charset="0"/>
+                <a:cs typeface="Courier New" panose="02070309020205020404" pitchFamily="49" charset="0"/>
+              </a:rPr>
+              <a:t>            // </a:t>
+            </a:r>
+            <a:r>
+              <a:rPr lang="uk-UA" sz="500" dirty="0" err="1">
+                <a:latin typeface="Courier New" panose="02070309020205020404" pitchFamily="49" charset="0"/>
+                <a:cs typeface="Courier New" panose="02070309020205020404" pitchFamily="49" charset="0"/>
+              </a:rPr>
+              <a:t>Викликамо</a:t>
+            </a:r>
+            <a:r>
+              <a:rPr lang="uk-UA" sz="500" dirty="0">
+                <a:latin typeface="Courier New" panose="02070309020205020404" pitchFamily="49" charset="0"/>
+                <a:cs typeface="Courier New" panose="02070309020205020404" pitchFamily="49" charset="0"/>
+              </a:rPr>
+              <a:t> </a:t>
+            </a:r>
+            <a:r>
+              <a:rPr lang="uk-UA" sz="500" dirty="0" err="1">
+                <a:latin typeface="Courier New" panose="02070309020205020404" pitchFamily="49" charset="0"/>
+                <a:cs typeface="Courier New" panose="02070309020205020404" pitchFamily="49" charset="0"/>
+              </a:rPr>
+              <a:t>heapify</a:t>
+            </a:r>
+            <a:r>
+              <a:rPr lang="uk-UA" sz="500" dirty="0">
+                <a:latin typeface="Courier New" panose="02070309020205020404" pitchFamily="49" charset="0"/>
+                <a:cs typeface="Courier New" panose="02070309020205020404" pitchFamily="49" charset="0"/>
+              </a:rPr>
+              <a:t> на зменшеній купі</a:t>
+            </a:r>
+          </a:p>
+          <a:p>
+            <a:r>
+              <a:rPr lang="uk-UA" sz="500" dirty="0">
+                <a:latin typeface="Courier New" panose="02070309020205020404" pitchFamily="49" charset="0"/>
+                <a:cs typeface="Courier New" panose="02070309020205020404" pitchFamily="49" charset="0"/>
+              </a:rPr>
+              <a:t>            </a:t>
+            </a:r>
+            <a:r>
+              <a:rPr lang="uk-UA" sz="500" dirty="0" err="1">
+                <a:latin typeface="Courier New" panose="02070309020205020404" pitchFamily="49" charset="0"/>
+                <a:cs typeface="Courier New" panose="02070309020205020404" pitchFamily="49" charset="0"/>
+              </a:rPr>
+              <a:t>heapify</a:t>
+            </a:r>
+            <a:r>
+              <a:rPr lang="uk-UA" sz="500" dirty="0">
+                <a:latin typeface="Courier New" panose="02070309020205020404" pitchFamily="49" charset="0"/>
+                <a:cs typeface="Courier New" panose="02070309020205020404" pitchFamily="49" charset="0"/>
+              </a:rPr>
+              <a:t>(</a:t>
+            </a:r>
+            <a:r>
+              <a:rPr lang="uk-UA" sz="500" dirty="0" err="1">
+                <a:latin typeface="Courier New" panose="02070309020205020404" pitchFamily="49" charset="0"/>
+                <a:cs typeface="Courier New" panose="02070309020205020404" pitchFamily="49" charset="0"/>
+              </a:rPr>
+              <a:t>array</a:t>
+            </a:r>
+            <a:r>
+              <a:rPr lang="uk-UA" sz="500" dirty="0">
+                <a:latin typeface="Courier New" panose="02070309020205020404" pitchFamily="49" charset="0"/>
+                <a:cs typeface="Courier New" panose="02070309020205020404" pitchFamily="49" charset="0"/>
+              </a:rPr>
+              <a:t>, i, 0);</a:t>
+            </a:r>
+          </a:p>
+          <a:p>
+            <a:r>
+              <a:rPr lang="uk-UA" sz="500" dirty="0">
+                <a:latin typeface="Courier New" panose="02070309020205020404" pitchFamily="49" charset="0"/>
+                <a:cs typeface="Courier New" panose="02070309020205020404" pitchFamily="49" charset="0"/>
+              </a:rPr>
+              <a:t>        }</a:t>
+            </a:r>
+          </a:p>
+          <a:p>
+            <a:r>
+              <a:rPr lang="uk-UA" sz="500" dirty="0">
+                <a:latin typeface="Courier New" panose="02070309020205020404" pitchFamily="49" charset="0"/>
+                <a:cs typeface="Courier New" panose="02070309020205020404" pitchFamily="49" charset="0"/>
+              </a:rPr>
+              <a:t>    }</a:t>
+            </a:r>
+          </a:p>
+          <a:p>
+            <a:endParaRPr lang="uk-UA" sz="500" dirty="0">
+              <a:latin typeface="Courier New" panose="02070309020205020404" pitchFamily="49" charset="0"/>
+              <a:cs typeface="Courier New" panose="02070309020205020404" pitchFamily="49" charset="0"/>
+            </a:endParaRPr>
+          </a:p>
+          <a:p>
+            <a:r>
+              <a:rPr lang="uk-UA" sz="500" dirty="0">
+                <a:latin typeface="Courier New" panose="02070309020205020404" pitchFamily="49" charset="0"/>
+                <a:cs typeface="Courier New" panose="02070309020205020404" pitchFamily="49" charset="0"/>
+              </a:rPr>
+              <a:t>    // Функція для виконання </a:t>
+            </a:r>
+            <a:r>
+              <a:rPr lang="uk-UA" sz="500" dirty="0" err="1">
+                <a:latin typeface="Courier New" panose="02070309020205020404" pitchFamily="49" charset="0"/>
+                <a:cs typeface="Courier New" panose="02070309020205020404" pitchFamily="49" charset="0"/>
+              </a:rPr>
+              <a:t>heapify</a:t>
+            </a:r>
+            <a:r>
+              <a:rPr lang="uk-UA" sz="500" dirty="0">
+                <a:latin typeface="Courier New" panose="02070309020205020404" pitchFamily="49" charset="0"/>
+                <a:cs typeface="Courier New" panose="02070309020205020404" pitchFamily="49" charset="0"/>
+              </a:rPr>
+              <a:t> </a:t>
+            </a:r>
+            <a:r>
+              <a:rPr lang="uk-UA" sz="500" dirty="0" err="1">
+                <a:latin typeface="Courier New" panose="02070309020205020404" pitchFamily="49" charset="0"/>
+                <a:cs typeface="Courier New" panose="02070309020205020404" pitchFamily="49" charset="0"/>
+              </a:rPr>
+              <a:t>піддерева</a:t>
+            </a:r>
+            <a:r>
+              <a:rPr lang="uk-UA" sz="500" dirty="0">
+                <a:latin typeface="Courier New" panose="02070309020205020404" pitchFamily="49" charset="0"/>
+                <a:cs typeface="Courier New" panose="02070309020205020404" pitchFamily="49" charset="0"/>
+              </a:rPr>
+              <a:t> з коренем індексу i, що має розмір n</a:t>
+            </a:r>
+          </a:p>
+          <a:p>
+            <a:r>
+              <a:rPr lang="uk-UA" sz="500" dirty="0">
+                <a:latin typeface="Courier New" panose="02070309020205020404" pitchFamily="49" charset="0"/>
+                <a:cs typeface="Courier New" panose="02070309020205020404" pitchFamily="49" charset="0"/>
+              </a:rPr>
+              <a:t>    </a:t>
+            </a:r>
+            <a:r>
+              <a:rPr lang="uk-UA" sz="500" dirty="0" err="1">
+                <a:latin typeface="Courier New" panose="02070309020205020404" pitchFamily="49" charset="0"/>
+                <a:cs typeface="Courier New" panose="02070309020205020404" pitchFamily="49" charset="0"/>
+              </a:rPr>
+              <a:t>static</a:t>
+            </a:r>
+            <a:r>
+              <a:rPr lang="uk-UA" sz="500" dirty="0">
+                <a:latin typeface="Courier New" panose="02070309020205020404" pitchFamily="49" charset="0"/>
+                <a:cs typeface="Courier New" panose="02070309020205020404" pitchFamily="49" charset="0"/>
+              </a:rPr>
+              <a:t> </a:t>
+            </a:r>
+            <a:r>
+              <a:rPr lang="uk-UA" sz="500" dirty="0" err="1">
+                <a:latin typeface="Courier New" panose="02070309020205020404" pitchFamily="49" charset="0"/>
+                <a:cs typeface="Courier New" panose="02070309020205020404" pitchFamily="49" charset="0"/>
+              </a:rPr>
+              <a:t>void</a:t>
+            </a:r>
+            <a:r>
+              <a:rPr lang="uk-UA" sz="500" dirty="0">
+                <a:latin typeface="Courier New" panose="02070309020205020404" pitchFamily="49" charset="0"/>
+                <a:cs typeface="Courier New" panose="02070309020205020404" pitchFamily="49" charset="0"/>
+              </a:rPr>
+              <a:t> </a:t>
+            </a:r>
+            <a:r>
+              <a:rPr lang="uk-UA" sz="500" dirty="0" err="1">
+                <a:latin typeface="Courier New" panose="02070309020205020404" pitchFamily="49" charset="0"/>
+                <a:cs typeface="Courier New" panose="02070309020205020404" pitchFamily="49" charset="0"/>
+              </a:rPr>
+              <a:t>heapify</a:t>
+            </a:r>
+            <a:r>
+              <a:rPr lang="uk-UA" sz="500" dirty="0">
+                <a:latin typeface="Courier New" panose="02070309020205020404" pitchFamily="49" charset="0"/>
+                <a:cs typeface="Courier New" panose="02070309020205020404" pitchFamily="49" charset="0"/>
+              </a:rPr>
+              <a:t>(</a:t>
+            </a:r>
+            <a:r>
+              <a:rPr lang="uk-UA" sz="500" dirty="0" err="1">
+                <a:latin typeface="Courier New" panose="02070309020205020404" pitchFamily="49" charset="0"/>
+                <a:cs typeface="Courier New" panose="02070309020205020404" pitchFamily="49" charset="0"/>
+              </a:rPr>
+              <a:t>int</a:t>
+            </a:r>
+            <a:r>
+              <a:rPr lang="uk-UA" sz="500" dirty="0">
+                <a:latin typeface="Courier New" panose="02070309020205020404" pitchFamily="49" charset="0"/>
+                <a:cs typeface="Courier New" panose="02070309020205020404" pitchFamily="49" charset="0"/>
+              </a:rPr>
+              <a:t>[] </a:t>
+            </a:r>
+            <a:r>
+              <a:rPr lang="uk-UA" sz="500" dirty="0" err="1">
+                <a:latin typeface="Courier New" panose="02070309020205020404" pitchFamily="49" charset="0"/>
+                <a:cs typeface="Courier New" panose="02070309020205020404" pitchFamily="49" charset="0"/>
+              </a:rPr>
+              <a:t>array</a:t>
+            </a:r>
+            <a:r>
+              <a:rPr lang="uk-UA" sz="500" dirty="0">
+                <a:latin typeface="Courier New" panose="02070309020205020404" pitchFamily="49" charset="0"/>
+                <a:cs typeface="Courier New" panose="02070309020205020404" pitchFamily="49" charset="0"/>
+              </a:rPr>
+              <a:t>, </a:t>
+            </a:r>
+            <a:r>
+              <a:rPr lang="uk-UA" sz="500" dirty="0" err="1">
+                <a:latin typeface="Courier New" panose="02070309020205020404" pitchFamily="49" charset="0"/>
+                <a:cs typeface="Courier New" panose="02070309020205020404" pitchFamily="49" charset="0"/>
+              </a:rPr>
+              <a:t>int</a:t>
+            </a:r>
+            <a:r>
+              <a:rPr lang="uk-UA" sz="500" dirty="0">
+                <a:latin typeface="Courier New" panose="02070309020205020404" pitchFamily="49" charset="0"/>
+                <a:cs typeface="Courier New" panose="02070309020205020404" pitchFamily="49" charset="0"/>
+              </a:rPr>
+              <a:t> n, </a:t>
+            </a:r>
+            <a:r>
+              <a:rPr lang="uk-UA" sz="500" dirty="0" err="1">
+                <a:latin typeface="Courier New" panose="02070309020205020404" pitchFamily="49" charset="0"/>
+                <a:cs typeface="Courier New" panose="02070309020205020404" pitchFamily="49" charset="0"/>
+              </a:rPr>
+              <a:t>int</a:t>
+            </a:r>
+            <a:r>
+              <a:rPr lang="uk-UA" sz="500" dirty="0">
+                <a:latin typeface="Courier New" panose="02070309020205020404" pitchFamily="49" charset="0"/>
+                <a:cs typeface="Courier New" panose="02070309020205020404" pitchFamily="49" charset="0"/>
+              </a:rPr>
+              <a:t> i) {</a:t>
+            </a:r>
+          </a:p>
+          <a:p>
+            <a:r>
+              <a:rPr lang="uk-UA" sz="500" dirty="0">
+                <a:latin typeface="Courier New" panose="02070309020205020404" pitchFamily="49" charset="0"/>
+                <a:cs typeface="Courier New" panose="02070309020205020404" pitchFamily="49" charset="0"/>
+              </a:rPr>
+              <a:t>        </a:t>
+            </a:r>
+            <a:r>
+              <a:rPr lang="uk-UA" sz="500" dirty="0" err="1">
+                <a:latin typeface="Courier New" panose="02070309020205020404" pitchFamily="49" charset="0"/>
+                <a:cs typeface="Courier New" panose="02070309020205020404" pitchFamily="49" charset="0"/>
+              </a:rPr>
+              <a:t>int</a:t>
+            </a:r>
+            <a:r>
+              <a:rPr lang="uk-UA" sz="500" dirty="0">
+                <a:latin typeface="Courier New" panose="02070309020205020404" pitchFamily="49" charset="0"/>
+                <a:cs typeface="Courier New" panose="02070309020205020404" pitchFamily="49" charset="0"/>
+              </a:rPr>
+              <a:t> </a:t>
+            </a:r>
+            <a:r>
+              <a:rPr lang="uk-UA" sz="500" dirty="0" err="1">
+                <a:latin typeface="Courier New" panose="02070309020205020404" pitchFamily="49" charset="0"/>
+                <a:cs typeface="Courier New" panose="02070309020205020404" pitchFamily="49" charset="0"/>
+              </a:rPr>
+              <a:t>largest</a:t>
+            </a:r>
+            <a:r>
+              <a:rPr lang="uk-UA" sz="500" dirty="0">
+                <a:latin typeface="Courier New" panose="02070309020205020404" pitchFamily="49" charset="0"/>
+                <a:cs typeface="Courier New" panose="02070309020205020404" pitchFamily="49" charset="0"/>
+              </a:rPr>
+              <a:t> = i; // </a:t>
+            </a:r>
+            <a:r>
+              <a:rPr lang="uk-UA" sz="500" dirty="0" err="1">
+                <a:latin typeface="Courier New" panose="02070309020205020404" pitchFamily="49" charset="0"/>
+                <a:cs typeface="Courier New" panose="02070309020205020404" pitchFamily="49" charset="0"/>
+              </a:rPr>
+              <a:t>Ініціалізуємо</a:t>
+            </a:r>
+            <a:r>
+              <a:rPr lang="uk-UA" sz="500" dirty="0">
+                <a:latin typeface="Courier New" panose="02070309020205020404" pitchFamily="49" charset="0"/>
+                <a:cs typeface="Courier New" panose="02070309020205020404" pitchFamily="49" charset="0"/>
+              </a:rPr>
+              <a:t> найбільший елемент як корінь</a:t>
+            </a:r>
+          </a:p>
+          <a:p>
+            <a:r>
+              <a:rPr lang="uk-UA" sz="500" dirty="0">
+                <a:latin typeface="Courier New" panose="02070309020205020404" pitchFamily="49" charset="0"/>
+                <a:cs typeface="Courier New" panose="02070309020205020404" pitchFamily="49" charset="0"/>
+              </a:rPr>
+              <a:t>        </a:t>
+            </a:r>
+            <a:r>
+              <a:rPr lang="uk-UA" sz="500" dirty="0" err="1">
+                <a:latin typeface="Courier New" panose="02070309020205020404" pitchFamily="49" charset="0"/>
+                <a:cs typeface="Courier New" panose="02070309020205020404" pitchFamily="49" charset="0"/>
+              </a:rPr>
+              <a:t>int</a:t>
+            </a:r>
+            <a:r>
+              <a:rPr lang="uk-UA" sz="500" dirty="0">
+                <a:latin typeface="Courier New" panose="02070309020205020404" pitchFamily="49" charset="0"/>
+                <a:cs typeface="Courier New" panose="02070309020205020404" pitchFamily="49" charset="0"/>
+              </a:rPr>
+              <a:t> </a:t>
+            </a:r>
+            <a:r>
+              <a:rPr lang="uk-UA" sz="500" dirty="0" err="1">
+                <a:latin typeface="Courier New" panose="02070309020205020404" pitchFamily="49" charset="0"/>
+                <a:cs typeface="Courier New" panose="02070309020205020404" pitchFamily="49" charset="0"/>
+              </a:rPr>
+              <a:t>left</a:t>
+            </a:r>
+            <a:r>
+              <a:rPr lang="uk-UA" sz="500" dirty="0">
+                <a:latin typeface="Courier New" panose="02070309020205020404" pitchFamily="49" charset="0"/>
+                <a:cs typeface="Courier New" panose="02070309020205020404" pitchFamily="49" charset="0"/>
+              </a:rPr>
+              <a:t> = 2 * i + 1; // Лівий дочірній вузол</a:t>
+            </a:r>
+          </a:p>
+          <a:p>
+            <a:r>
+              <a:rPr lang="uk-UA" sz="500" dirty="0">
+                <a:latin typeface="Courier New" panose="02070309020205020404" pitchFamily="49" charset="0"/>
+                <a:cs typeface="Courier New" panose="02070309020205020404" pitchFamily="49" charset="0"/>
+              </a:rPr>
+              <a:t>        </a:t>
+            </a:r>
+            <a:r>
+              <a:rPr lang="uk-UA" sz="500" dirty="0" err="1">
+                <a:latin typeface="Courier New" panose="02070309020205020404" pitchFamily="49" charset="0"/>
+                <a:cs typeface="Courier New" panose="02070309020205020404" pitchFamily="49" charset="0"/>
+              </a:rPr>
+              <a:t>int</a:t>
+            </a:r>
+            <a:r>
+              <a:rPr lang="uk-UA" sz="500" dirty="0">
+                <a:latin typeface="Courier New" panose="02070309020205020404" pitchFamily="49" charset="0"/>
+                <a:cs typeface="Courier New" panose="02070309020205020404" pitchFamily="49" charset="0"/>
+              </a:rPr>
+              <a:t> </a:t>
+            </a:r>
+            <a:r>
+              <a:rPr lang="uk-UA" sz="500" dirty="0" err="1">
+                <a:latin typeface="Courier New" panose="02070309020205020404" pitchFamily="49" charset="0"/>
+                <a:cs typeface="Courier New" panose="02070309020205020404" pitchFamily="49" charset="0"/>
+              </a:rPr>
+              <a:t>right</a:t>
+            </a:r>
+            <a:r>
+              <a:rPr lang="uk-UA" sz="500" dirty="0">
+                <a:latin typeface="Courier New" panose="02070309020205020404" pitchFamily="49" charset="0"/>
+                <a:cs typeface="Courier New" panose="02070309020205020404" pitchFamily="49" charset="0"/>
+              </a:rPr>
+              <a:t> = 2 * i + 2; // Правий дочірній вузол</a:t>
+            </a:r>
+          </a:p>
+          <a:p>
+            <a:endParaRPr lang="uk-UA" sz="500" dirty="0">
+              <a:latin typeface="Courier New" panose="02070309020205020404" pitchFamily="49" charset="0"/>
+              <a:cs typeface="Courier New" panose="02070309020205020404" pitchFamily="49" charset="0"/>
+            </a:endParaRPr>
+          </a:p>
+          <a:p>
+            <a:r>
+              <a:rPr lang="uk-UA" sz="500" dirty="0">
+                <a:latin typeface="Courier New" panose="02070309020205020404" pitchFamily="49" charset="0"/>
+                <a:cs typeface="Courier New" panose="02070309020205020404" pitchFamily="49" charset="0"/>
+              </a:rPr>
+              <a:t>        // Якщо лівий дочірній вузол більший за корінь</a:t>
+            </a:r>
+          </a:p>
+          <a:p>
+            <a:r>
+              <a:rPr lang="uk-UA" sz="500" dirty="0">
+                <a:latin typeface="Courier New" panose="02070309020205020404" pitchFamily="49" charset="0"/>
+                <a:cs typeface="Courier New" panose="02070309020205020404" pitchFamily="49" charset="0"/>
+              </a:rPr>
+              <a:t>        </a:t>
+            </a:r>
+            <a:r>
+              <a:rPr lang="uk-UA" sz="500" dirty="0" err="1">
+                <a:latin typeface="Courier New" panose="02070309020205020404" pitchFamily="49" charset="0"/>
+                <a:cs typeface="Courier New" panose="02070309020205020404" pitchFamily="49" charset="0"/>
+              </a:rPr>
+              <a:t>if</a:t>
+            </a:r>
+            <a:r>
+              <a:rPr lang="uk-UA" sz="500" dirty="0">
+                <a:latin typeface="Courier New" panose="02070309020205020404" pitchFamily="49" charset="0"/>
+                <a:cs typeface="Courier New" panose="02070309020205020404" pitchFamily="49" charset="0"/>
+              </a:rPr>
+              <a:t> (</a:t>
+            </a:r>
+            <a:r>
+              <a:rPr lang="uk-UA" sz="500" dirty="0" err="1">
+                <a:latin typeface="Courier New" panose="02070309020205020404" pitchFamily="49" charset="0"/>
+                <a:cs typeface="Courier New" panose="02070309020205020404" pitchFamily="49" charset="0"/>
+              </a:rPr>
+              <a:t>left</a:t>
+            </a:r>
+            <a:r>
+              <a:rPr lang="uk-UA" sz="500" dirty="0">
+                <a:latin typeface="Courier New" panose="02070309020205020404" pitchFamily="49" charset="0"/>
+                <a:cs typeface="Courier New" panose="02070309020205020404" pitchFamily="49" charset="0"/>
+              </a:rPr>
+              <a:t> &lt; n &amp;&amp; </a:t>
+            </a:r>
+            <a:r>
+              <a:rPr lang="uk-UA" sz="500" dirty="0" err="1">
+                <a:latin typeface="Courier New" panose="02070309020205020404" pitchFamily="49" charset="0"/>
+                <a:cs typeface="Courier New" panose="02070309020205020404" pitchFamily="49" charset="0"/>
+              </a:rPr>
+              <a:t>array</a:t>
+            </a:r>
+            <a:r>
+              <a:rPr lang="uk-UA" sz="500" dirty="0">
+                <a:latin typeface="Courier New" panose="02070309020205020404" pitchFamily="49" charset="0"/>
+                <a:cs typeface="Courier New" panose="02070309020205020404" pitchFamily="49" charset="0"/>
+              </a:rPr>
+              <a:t>[</a:t>
+            </a:r>
+            <a:r>
+              <a:rPr lang="uk-UA" sz="500" dirty="0" err="1">
+                <a:latin typeface="Courier New" panose="02070309020205020404" pitchFamily="49" charset="0"/>
+                <a:cs typeface="Courier New" panose="02070309020205020404" pitchFamily="49" charset="0"/>
+              </a:rPr>
+              <a:t>left</a:t>
+            </a:r>
+            <a:r>
+              <a:rPr lang="uk-UA" sz="500" dirty="0">
+                <a:latin typeface="Courier New" panose="02070309020205020404" pitchFamily="49" charset="0"/>
+                <a:cs typeface="Courier New" panose="02070309020205020404" pitchFamily="49" charset="0"/>
+              </a:rPr>
+              <a:t>] &gt; </a:t>
+            </a:r>
+            <a:r>
+              <a:rPr lang="uk-UA" sz="500" dirty="0" err="1">
+                <a:latin typeface="Courier New" panose="02070309020205020404" pitchFamily="49" charset="0"/>
+                <a:cs typeface="Courier New" panose="02070309020205020404" pitchFamily="49" charset="0"/>
+              </a:rPr>
+              <a:t>array</a:t>
+            </a:r>
+            <a:r>
+              <a:rPr lang="uk-UA" sz="500" dirty="0">
+                <a:latin typeface="Courier New" panose="02070309020205020404" pitchFamily="49" charset="0"/>
+                <a:cs typeface="Courier New" panose="02070309020205020404" pitchFamily="49" charset="0"/>
+              </a:rPr>
+              <a:t>[</a:t>
+            </a:r>
+            <a:r>
+              <a:rPr lang="uk-UA" sz="500" dirty="0" err="1">
+                <a:latin typeface="Courier New" panose="02070309020205020404" pitchFamily="49" charset="0"/>
+                <a:cs typeface="Courier New" panose="02070309020205020404" pitchFamily="49" charset="0"/>
+              </a:rPr>
+              <a:t>largest</a:t>
+            </a:r>
+            <a:r>
+              <a:rPr lang="uk-UA" sz="500" dirty="0">
+                <a:latin typeface="Courier New" panose="02070309020205020404" pitchFamily="49" charset="0"/>
+                <a:cs typeface="Courier New" panose="02070309020205020404" pitchFamily="49" charset="0"/>
+              </a:rPr>
+              <a:t>])</a:t>
+            </a:r>
+          </a:p>
+          <a:p>
+            <a:r>
+              <a:rPr lang="uk-UA" sz="500" dirty="0">
+                <a:latin typeface="Courier New" panose="02070309020205020404" pitchFamily="49" charset="0"/>
+                <a:cs typeface="Courier New" panose="02070309020205020404" pitchFamily="49" charset="0"/>
+              </a:rPr>
+              <a:t>            </a:t>
+            </a:r>
+            <a:r>
+              <a:rPr lang="uk-UA" sz="500" dirty="0" err="1">
+                <a:latin typeface="Courier New" panose="02070309020205020404" pitchFamily="49" charset="0"/>
+                <a:cs typeface="Courier New" panose="02070309020205020404" pitchFamily="49" charset="0"/>
+              </a:rPr>
+              <a:t>largest</a:t>
+            </a:r>
+            <a:r>
+              <a:rPr lang="uk-UA" sz="500" dirty="0">
+                <a:latin typeface="Courier New" panose="02070309020205020404" pitchFamily="49" charset="0"/>
+                <a:cs typeface="Courier New" panose="02070309020205020404" pitchFamily="49" charset="0"/>
+              </a:rPr>
+              <a:t> = </a:t>
+            </a:r>
+            <a:r>
+              <a:rPr lang="uk-UA" sz="500" dirty="0" err="1">
+                <a:latin typeface="Courier New" panose="02070309020205020404" pitchFamily="49" charset="0"/>
+                <a:cs typeface="Courier New" panose="02070309020205020404" pitchFamily="49" charset="0"/>
+              </a:rPr>
+              <a:t>left</a:t>
+            </a:r>
+            <a:r>
+              <a:rPr lang="uk-UA" sz="500" dirty="0">
+                <a:latin typeface="Courier New" panose="02070309020205020404" pitchFamily="49" charset="0"/>
+                <a:cs typeface="Courier New" panose="02070309020205020404" pitchFamily="49" charset="0"/>
+              </a:rPr>
+              <a:t>;</a:t>
+            </a:r>
+          </a:p>
+          <a:p>
+            <a:endParaRPr lang="uk-UA" sz="500" dirty="0">
+              <a:latin typeface="Courier New" panose="02070309020205020404" pitchFamily="49" charset="0"/>
+              <a:cs typeface="Courier New" panose="02070309020205020404" pitchFamily="49" charset="0"/>
+            </a:endParaRPr>
+          </a:p>
+          <a:p>
+            <a:r>
+              <a:rPr lang="uk-UA" sz="500" dirty="0">
+                <a:latin typeface="Courier New" panose="02070309020205020404" pitchFamily="49" charset="0"/>
+                <a:cs typeface="Courier New" panose="02070309020205020404" pitchFamily="49" charset="0"/>
+              </a:rPr>
+              <a:t>        // Якщо правий дочірній вузол більший за найбільший досі вузол</a:t>
+            </a:r>
+          </a:p>
+          <a:p>
+            <a:r>
+              <a:rPr lang="uk-UA" sz="500" dirty="0">
+                <a:latin typeface="Courier New" panose="02070309020205020404" pitchFamily="49" charset="0"/>
+                <a:cs typeface="Courier New" panose="02070309020205020404" pitchFamily="49" charset="0"/>
+              </a:rPr>
+              <a:t>        </a:t>
+            </a:r>
+            <a:r>
+              <a:rPr lang="uk-UA" sz="500" dirty="0" err="1">
+                <a:latin typeface="Courier New" panose="02070309020205020404" pitchFamily="49" charset="0"/>
+                <a:cs typeface="Courier New" panose="02070309020205020404" pitchFamily="49" charset="0"/>
+              </a:rPr>
+              <a:t>if</a:t>
+            </a:r>
+            <a:r>
+              <a:rPr lang="uk-UA" sz="500" dirty="0">
+                <a:latin typeface="Courier New" panose="02070309020205020404" pitchFamily="49" charset="0"/>
+                <a:cs typeface="Courier New" panose="02070309020205020404" pitchFamily="49" charset="0"/>
+              </a:rPr>
+              <a:t> (</a:t>
+            </a:r>
+            <a:r>
+              <a:rPr lang="uk-UA" sz="500" dirty="0" err="1">
+                <a:latin typeface="Courier New" panose="02070309020205020404" pitchFamily="49" charset="0"/>
+                <a:cs typeface="Courier New" panose="02070309020205020404" pitchFamily="49" charset="0"/>
+              </a:rPr>
+              <a:t>right</a:t>
+            </a:r>
+            <a:r>
+              <a:rPr lang="uk-UA" sz="500" dirty="0">
+                <a:latin typeface="Courier New" panose="02070309020205020404" pitchFamily="49" charset="0"/>
+                <a:cs typeface="Courier New" panose="02070309020205020404" pitchFamily="49" charset="0"/>
+              </a:rPr>
+              <a:t> &lt; n &amp;&amp; </a:t>
+            </a:r>
+            <a:r>
+              <a:rPr lang="uk-UA" sz="500" dirty="0" err="1">
+                <a:latin typeface="Courier New" panose="02070309020205020404" pitchFamily="49" charset="0"/>
+                <a:cs typeface="Courier New" panose="02070309020205020404" pitchFamily="49" charset="0"/>
+              </a:rPr>
+              <a:t>array</a:t>
+            </a:r>
+            <a:r>
+              <a:rPr lang="uk-UA" sz="500" dirty="0">
+                <a:latin typeface="Courier New" panose="02070309020205020404" pitchFamily="49" charset="0"/>
+                <a:cs typeface="Courier New" panose="02070309020205020404" pitchFamily="49" charset="0"/>
+              </a:rPr>
+              <a:t>[</a:t>
+            </a:r>
+            <a:r>
+              <a:rPr lang="uk-UA" sz="500" dirty="0" err="1">
+                <a:latin typeface="Courier New" panose="02070309020205020404" pitchFamily="49" charset="0"/>
+                <a:cs typeface="Courier New" panose="02070309020205020404" pitchFamily="49" charset="0"/>
+              </a:rPr>
+              <a:t>right</a:t>
+            </a:r>
+            <a:r>
+              <a:rPr lang="uk-UA" sz="500" dirty="0">
+                <a:latin typeface="Courier New" panose="02070309020205020404" pitchFamily="49" charset="0"/>
+                <a:cs typeface="Courier New" panose="02070309020205020404" pitchFamily="49" charset="0"/>
+              </a:rPr>
+              <a:t>] &gt; </a:t>
+            </a:r>
+            <a:r>
+              <a:rPr lang="uk-UA" sz="500" dirty="0" err="1">
+                <a:latin typeface="Courier New" panose="02070309020205020404" pitchFamily="49" charset="0"/>
+                <a:cs typeface="Courier New" panose="02070309020205020404" pitchFamily="49" charset="0"/>
+              </a:rPr>
+              <a:t>array</a:t>
+            </a:r>
+            <a:r>
+              <a:rPr lang="uk-UA" sz="500" dirty="0">
+                <a:latin typeface="Courier New" panose="02070309020205020404" pitchFamily="49" charset="0"/>
+                <a:cs typeface="Courier New" panose="02070309020205020404" pitchFamily="49" charset="0"/>
+              </a:rPr>
+              <a:t>[</a:t>
+            </a:r>
+            <a:r>
+              <a:rPr lang="uk-UA" sz="500" dirty="0" err="1">
+                <a:latin typeface="Courier New" panose="02070309020205020404" pitchFamily="49" charset="0"/>
+                <a:cs typeface="Courier New" panose="02070309020205020404" pitchFamily="49" charset="0"/>
+              </a:rPr>
+              <a:t>largest</a:t>
+            </a:r>
+            <a:r>
+              <a:rPr lang="uk-UA" sz="500" dirty="0">
+                <a:latin typeface="Courier New" panose="02070309020205020404" pitchFamily="49" charset="0"/>
+                <a:cs typeface="Courier New" panose="02070309020205020404" pitchFamily="49" charset="0"/>
+              </a:rPr>
+              <a:t>])</a:t>
+            </a:r>
+          </a:p>
+          <a:p>
+            <a:r>
+              <a:rPr lang="uk-UA" sz="500" dirty="0">
+                <a:latin typeface="Courier New" panose="02070309020205020404" pitchFamily="49" charset="0"/>
+                <a:cs typeface="Courier New" panose="02070309020205020404" pitchFamily="49" charset="0"/>
+              </a:rPr>
+              <a:t>            </a:t>
+            </a:r>
+            <a:r>
+              <a:rPr lang="uk-UA" sz="500" dirty="0" err="1">
+                <a:latin typeface="Courier New" panose="02070309020205020404" pitchFamily="49" charset="0"/>
+                <a:cs typeface="Courier New" panose="02070309020205020404" pitchFamily="49" charset="0"/>
+              </a:rPr>
+              <a:t>largest</a:t>
+            </a:r>
+            <a:r>
+              <a:rPr lang="uk-UA" sz="500" dirty="0">
+                <a:latin typeface="Courier New" panose="02070309020205020404" pitchFamily="49" charset="0"/>
+                <a:cs typeface="Courier New" panose="02070309020205020404" pitchFamily="49" charset="0"/>
+              </a:rPr>
+              <a:t> = </a:t>
+            </a:r>
+            <a:r>
+              <a:rPr lang="uk-UA" sz="500" dirty="0" err="1">
+                <a:latin typeface="Courier New" panose="02070309020205020404" pitchFamily="49" charset="0"/>
+                <a:cs typeface="Courier New" panose="02070309020205020404" pitchFamily="49" charset="0"/>
+              </a:rPr>
+              <a:t>right</a:t>
+            </a:r>
+            <a:r>
+              <a:rPr lang="uk-UA" sz="500" dirty="0">
+                <a:latin typeface="Courier New" panose="02070309020205020404" pitchFamily="49" charset="0"/>
+                <a:cs typeface="Courier New" panose="02070309020205020404" pitchFamily="49" charset="0"/>
+              </a:rPr>
+              <a:t>;</a:t>
+            </a:r>
+          </a:p>
+          <a:p>
+            <a:endParaRPr lang="uk-UA" sz="500" dirty="0">
+              <a:latin typeface="Courier New" panose="02070309020205020404" pitchFamily="49" charset="0"/>
+              <a:cs typeface="Courier New" panose="02070309020205020404" pitchFamily="49" charset="0"/>
+            </a:endParaRPr>
+          </a:p>
+          <a:p>
+            <a:r>
+              <a:rPr lang="uk-UA" sz="500" dirty="0">
+                <a:latin typeface="Courier New" panose="02070309020205020404" pitchFamily="49" charset="0"/>
+                <a:cs typeface="Courier New" panose="02070309020205020404" pitchFamily="49" charset="0"/>
+              </a:rPr>
+              <a:t>        // Якщо найбільший елемент не корінь</a:t>
+            </a:r>
+          </a:p>
+          <a:p>
+            <a:r>
+              <a:rPr lang="uk-UA" sz="500" dirty="0">
+                <a:latin typeface="Courier New" panose="02070309020205020404" pitchFamily="49" charset="0"/>
+                <a:cs typeface="Courier New" panose="02070309020205020404" pitchFamily="49" charset="0"/>
+              </a:rPr>
+              <a:t>        </a:t>
+            </a:r>
+            <a:r>
+              <a:rPr lang="uk-UA" sz="500" dirty="0" err="1">
+                <a:latin typeface="Courier New" panose="02070309020205020404" pitchFamily="49" charset="0"/>
+                <a:cs typeface="Courier New" panose="02070309020205020404" pitchFamily="49" charset="0"/>
+              </a:rPr>
+              <a:t>if</a:t>
+            </a:r>
+            <a:r>
+              <a:rPr lang="uk-UA" sz="500" dirty="0">
+                <a:latin typeface="Courier New" panose="02070309020205020404" pitchFamily="49" charset="0"/>
+                <a:cs typeface="Courier New" panose="02070309020205020404" pitchFamily="49" charset="0"/>
+              </a:rPr>
+              <a:t> (</a:t>
+            </a:r>
+            <a:r>
+              <a:rPr lang="uk-UA" sz="500" dirty="0" err="1">
+                <a:latin typeface="Courier New" panose="02070309020205020404" pitchFamily="49" charset="0"/>
+                <a:cs typeface="Courier New" panose="02070309020205020404" pitchFamily="49" charset="0"/>
+              </a:rPr>
+              <a:t>largest</a:t>
+            </a:r>
+            <a:r>
+              <a:rPr lang="uk-UA" sz="500" dirty="0">
+                <a:latin typeface="Courier New" panose="02070309020205020404" pitchFamily="49" charset="0"/>
+                <a:cs typeface="Courier New" panose="02070309020205020404" pitchFamily="49" charset="0"/>
+              </a:rPr>
+              <a:t> != i) {</a:t>
+            </a:r>
+          </a:p>
+          <a:p>
+            <a:r>
+              <a:rPr lang="uk-UA" sz="500" dirty="0">
+                <a:latin typeface="Courier New" panose="02070309020205020404" pitchFamily="49" charset="0"/>
+                <a:cs typeface="Courier New" panose="02070309020205020404" pitchFamily="49" charset="0"/>
+              </a:rPr>
+              <a:t>            </a:t>
+            </a:r>
+            <a:r>
+              <a:rPr lang="uk-UA" sz="500" dirty="0" err="1">
+                <a:latin typeface="Courier New" panose="02070309020205020404" pitchFamily="49" charset="0"/>
+                <a:cs typeface="Courier New" panose="02070309020205020404" pitchFamily="49" charset="0"/>
+              </a:rPr>
+              <a:t>int</a:t>
+            </a:r>
+            <a:r>
+              <a:rPr lang="uk-UA" sz="500" dirty="0">
+                <a:latin typeface="Courier New" panose="02070309020205020404" pitchFamily="49" charset="0"/>
+                <a:cs typeface="Courier New" panose="02070309020205020404" pitchFamily="49" charset="0"/>
+              </a:rPr>
+              <a:t> </a:t>
+            </a:r>
+            <a:r>
+              <a:rPr lang="uk-UA" sz="500" dirty="0" err="1">
+                <a:latin typeface="Courier New" panose="02070309020205020404" pitchFamily="49" charset="0"/>
+                <a:cs typeface="Courier New" panose="02070309020205020404" pitchFamily="49" charset="0"/>
+              </a:rPr>
+              <a:t>swap</a:t>
+            </a:r>
+            <a:r>
+              <a:rPr lang="uk-UA" sz="500" dirty="0">
+                <a:latin typeface="Courier New" panose="02070309020205020404" pitchFamily="49" charset="0"/>
+                <a:cs typeface="Courier New" panose="02070309020205020404" pitchFamily="49" charset="0"/>
+              </a:rPr>
+              <a:t> = </a:t>
+            </a:r>
+            <a:r>
+              <a:rPr lang="uk-UA" sz="500" dirty="0" err="1">
+                <a:latin typeface="Courier New" panose="02070309020205020404" pitchFamily="49" charset="0"/>
+                <a:cs typeface="Courier New" panose="02070309020205020404" pitchFamily="49" charset="0"/>
+              </a:rPr>
+              <a:t>array</a:t>
+            </a:r>
+            <a:r>
+              <a:rPr lang="uk-UA" sz="500" dirty="0">
+                <a:latin typeface="Courier New" panose="02070309020205020404" pitchFamily="49" charset="0"/>
+                <a:cs typeface="Courier New" panose="02070309020205020404" pitchFamily="49" charset="0"/>
+              </a:rPr>
+              <a:t>[i];</a:t>
+            </a:r>
+          </a:p>
+          <a:p>
+            <a:r>
+              <a:rPr lang="uk-UA" sz="500" dirty="0">
+                <a:latin typeface="Courier New" panose="02070309020205020404" pitchFamily="49" charset="0"/>
+                <a:cs typeface="Courier New" panose="02070309020205020404" pitchFamily="49" charset="0"/>
+              </a:rPr>
+              <a:t>            </a:t>
+            </a:r>
+            <a:r>
+              <a:rPr lang="uk-UA" sz="500" dirty="0" err="1">
+                <a:latin typeface="Courier New" panose="02070309020205020404" pitchFamily="49" charset="0"/>
+                <a:cs typeface="Courier New" panose="02070309020205020404" pitchFamily="49" charset="0"/>
+              </a:rPr>
+              <a:t>array</a:t>
+            </a:r>
+            <a:r>
+              <a:rPr lang="uk-UA" sz="500" dirty="0">
+                <a:latin typeface="Courier New" panose="02070309020205020404" pitchFamily="49" charset="0"/>
+                <a:cs typeface="Courier New" panose="02070309020205020404" pitchFamily="49" charset="0"/>
+              </a:rPr>
+              <a:t>[i] = </a:t>
+            </a:r>
+            <a:r>
+              <a:rPr lang="uk-UA" sz="500" dirty="0" err="1">
+                <a:latin typeface="Courier New" panose="02070309020205020404" pitchFamily="49" charset="0"/>
+                <a:cs typeface="Courier New" panose="02070309020205020404" pitchFamily="49" charset="0"/>
+              </a:rPr>
+              <a:t>array</a:t>
+            </a:r>
+            <a:r>
+              <a:rPr lang="uk-UA" sz="500" dirty="0">
+                <a:latin typeface="Courier New" panose="02070309020205020404" pitchFamily="49" charset="0"/>
+                <a:cs typeface="Courier New" panose="02070309020205020404" pitchFamily="49" charset="0"/>
+              </a:rPr>
+              <a:t>[</a:t>
+            </a:r>
+            <a:r>
+              <a:rPr lang="uk-UA" sz="500" dirty="0" err="1">
+                <a:latin typeface="Courier New" panose="02070309020205020404" pitchFamily="49" charset="0"/>
+                <a:cs typeface="Courier New" panose="02070309020205020404" pitchFamily="49" charset="0"/>
+              </a:rPr>
+              <a:t>largest</a:t>
+            </a:r>
+            <a:r>
+              <a:rPr lang="uk-UA" sz="500" dirty="0">
+                <a:latin typeface="Courier New" panose="02070309020205020404" pitchFamily="49" charset="0"/>
+                <a:cs typeface="Courier New" panose="02070309020205020404" pitchFamily="49" charset="0"/>
+              </a:rPr>
+              <a:t>];</a:t>
+            </a:r>
+          </a:p>
+          <a:p>
+            <a:r>
+              <a:rPr lang="uk-UA" sz="500" dirty="0">
+                <a:latin typeface="Courier New" panose="02070309020205020404" pitchFamily="49" charset="0"/>
+                <a:cs typeface="Courier New" panose="02070309020205020404" pitchFamily="49" charset="0"/>
+              </a:rPr>
+              <a:t>            </a:t>
+            </a:r>
+            <a:r>
+              <a:rPr lang="uk-UA" sz="500" dirty="0" err="1">
+                <a:latin typeface="Courier New" panose="02070309020205020404" pitchFamily="49" charset="0"/>
+                <a:cs typeface="Courier New" panose="02070309020205020404" pitchFamily="49" charset="0"/>
+              </a:rPr>
+              <a:t>array</a:t>
+            </a:r>
+            <a:r>
+              <a:rPr lang="uk-UA" sz="500" dirty="0">
+                <a:latin typeface="Courier New" panose="02070309020205020404" pitchFamily="49" charset="0"/>
+                <a:cs typeface="Courier New" panose="02070309020205020404" pitchFamily="49" charset="0"/>
+              </a:rPr>
+              <a:t>[</a:t>
+            </a:r>
+            <a:r>
+              <a:rPr lang="uk-UA" sz="500" dirty="0" err="1">
+                <a:latin typeface="Courier New" panose="02070309020205020404" pitchFamily="49" charset="0"/>
+                <a:cs typeface="Courier New" panose="02070309020205020404" pitchFamily="49" charset="0"/>
+              </a:rPr>
+              <a:t>largest</a:t>
+            </a:r>
+            <a:r>
+              <a:rPr lang="uk-UA" sz="500" dirty="0">
+                <a:latin typeface="Courier New" panose="02070309020205020404" pitchFamily="49" charset="0"/>
+                <a:cs typeface="Courier New" panose="02070309020205020404" pitchFamily="49" charset="0"/>
+              </a:rPr>
+              <a:t>] = </a:t>
+            </a:r>
+            <a:r>
+              <a:rPr lang="uk-UA" sz="500" dirty="0" err="1">
+                <a:latin typeface="Courier New" panose="02070309020205020404" pitchFamily="49" charset="0"/>
+                <a:cs typeface="Courier New" panose="02070309020205020404" pitchFamily="49" charset="0"/>
+              </a:rPr>
+              <a:t>swap</a:t>
+            </a:r>
+            <a:r>
+              <a:rPr lang="uk-UA" sz="500" dirty="0">
+                <a:latin typeface="Courier New" panose="02070309020205020404" pitchFamily="49" charset="0"/>
+                <a:cs typeface="Courier New" panose="02070309020205020404" pitchFamily="49" charset="0"/>
+              </a:rPr>
+              <a:t>;</a:t>
+            </a:r>
+          </a:p>
+          <a:p>
+            <a:endParaRPr lang="uk-UA" sz="500" dirty="0">
+              <a:latin typeface="Courier New" panose="02070309020205020404" pitchFamily="49" charset="0"/>
+              <a:cs typeface="Courier New" panose="02070309020205020404" pitchFamily="49" charset="0"/>
+            </a:endParaRPr>
+          </a:p>
+          <a:p>
+            <a:r>
+              <a:rPr lang="uk-UA" sz="500" dirty="0">
+                <a:latin typeface="Courier New" panose="02070309020205020404" pitchFamily="49" charset="0"/>
+                <a:cs typeface="Courier New" panose="02070309020205020404" pitchFamily="49" charset="0"/>
+              </a:rPr>
+              <a:t>            // </a:t>
+            </a:r>
+            <a:r>
+              <a:rPr lang="uk-UA" sz="500" dirty="0" err="1">
+                <a:latin typeface="Courier New" panose="02070309020205020404" pitchFamily="49" charset="0"/>
+                <a:cs typeface="Courier New" panose="02070309020205020404" pitchFamily="49" charset="0"/>
+              </a:rPr>
+              <a:t>Рекурсивно</a:t>
+            </a:r>
+            <a:r>
+              <a:rPr lang="uk-UA" sz="500" dirty="0">
+                <a:latin typeface="Courier New" panose="02070309020205020404" pitchFamily="49" charset="0"/>
+                <a:cs typeface="Courier New" panose="02070309020205020404" pitchFamily="49" charset="0"/>
+              </a:rPr>
+              <a:t> </a:t>
+            </a:r>
+            <a:r>
+              <a:rPr lang="uk-UA" sz="500" dirty="0" err="1">
+                <a:latin typeface="Courier New" panose="02070309020205020404" pitchFamily="49" charset="0"/>
+                <a:cs typeface="Courier New" panose="02070309020205020404" pitchFamily="49" charset="0"/>
+              </a:rPr>
+              <a:t>heapify</a:t>
+            </a:r>
+            <a:r>
+              <a:rPr lang="uk-UA" sz="500" dirty="0">
+                <a:latin typeface="Courier New" panose="02070309020205020404" pitchFamily="49" charset="0"/>
+                <a:cs typeface="Courier New" panose="02070309020205020404" pitchFamily="49" charset="0"/>
+              </a:rPr>
+              <a:t> </a:t>
+            </a:r>
+            <a:r>
+              <a:rPr lang="uk-UA" sz="500" dirty="0" err="1">
+                <a:latin typeface="Courier New" panose="02070309020205020404" pitchFamily="49" charset="0"/>
+                <a:cs typeface="Courier New" panose="02070309020205020404" pitchFamily="49" charset="0"/>
+              </a:rPr>
+              <a:t>піддерево</a:t>
+            </a:r>
+            <a:endParaRPr lang="uk-UA" sz="500" dirty="0">
+              <a:latin typeface="Courier New" panose="02070309020205020404" pitchFamily="49" charset="0"/>
+              <a:cs typeface="Courier New" panose="02070309020205020404" pitchFamily="49" charset="0"/>
+            </a:endParaRPr>
+          </a:p>
+          <a:p>
+            <a:r>
+              <a:rPr lang="uk-UA" sz="500" dirty="0">
+                <a:latin typeface="Courier New" panose="02070309020205020404" pitchFamily="49" charset="0"/>
+                <a:cs typeface="Courier New" panose="02070309020205020404" pitchFamily="49" charset="0"/>
+              </a:rPr>
+              <a:t>            </a:t>
+            </a:r>
+            <a:r>
+              <a:rPr lang="uk-UA" sz="500" dirty="0" err="1">
+                <a:latin typeface="Courier New" panose="02070309020205020404" pitchFamily="49" charset="0"/>
+                <a:cs typeface="Courier New" panose="02070309020205020404" pitchFamily="49" charset="0"/>
+              </a:rPr>
+              <a:t>heapify</a:t>
+            </a:r>
+            <a:r>
+              <a:rPr lang="uk-UA" sz="500" dirty="0">
+                <a:latin typeface="Courier New" panose="02070309020205020404" pitchFamily="49" charset="0"/>
+                <a:cs typeface="Courier New" panose="02070309020205020404" pitchFamily="49" charset="0"/>
+              </a:rPr>
+              <a:t>(</a:t>
+            </a:r>
+            <a:r>
+              <a:rPr lang="uk-UA" sz="500" dirty="0" err="1">
+                <a:latin typeface="Courier New" panose="02070309020205020404" pitchFamily="49" charset="0"/>
+                <a:cs typeface="Courier New" panose="02070309020205020404" pitchFamily="49" charset="0"/>
+              </a:rPr>
+              <a:t>array</a:t>
+            </a:r>
+            <a:r>
+              <a:rPr lang="uk-UA" sz="500" dirty="0">
+                <a:latin typeface="Courier New" panose="02070309020205020404" pitchFamily="49" charset="0"/>
+                <a:cs typeface="Courier New" panose="02070309020205020404" pitchFamily="49" charset="0"/>
+              </a:rPr>
+              <a:t>, n, </a:t>
+            </a:r>
+            <a:r>
+              <a:rPr lang="uk-UA" sz="500" dirty="0" err="1">
+                <a:latin typeface="Courier New" panose="02070309020205020404" pitchFamily="49" charset="0"/>
+                <a:cs typeface="Courier New" panose="02070309020205020404" pitchFamily="49" charset="0"/>
+              </a:rPr>
+              <a:t>largest</a:t>
+            </a:r>
+            <a:r>
+              <a:rPr lang="uk-UA" sz="500" dirty="0">
+                <a:latin typeface="Courier New" panose="02070309020205020404" pitchFamily="49" charset="0"/>
+                <a:cs typeface="Courier New" panose="02070309020205020404" pitchFamily="49" charset="0"/>
+              </a:rPr>
+              <a:t>);</a:t>
+            </a:r>
+          </a:p>
+          <a:p>
+            <a:r>
+              <a:rPr lang="uk-UA" sz="500" dirty="0">
+                <a:latin typeface="Courier New" panose="02070309020205020404" pitchFamily="49" charset="0"/>
+                <a:cs typeface="Courier New" panose="02070309020205020404" pitchFamily="49" charset="0"/>
+              </a:rPr>
+              <a:t>        }</a:t>
+            </a:r>
+          </a:p>
+          <a:p>
+            <a:r>
+              <a:rPr lang="uk-UA" sz="500" dirty="0">
+                <a:latin typeface="Courier New" panose="02070309020205020404" pitchFamily="49" charset="0"/>
+                <a:cs typeface="Courier New" panose="02070309020205020404" pitchFamily="49" charset="0"/>
+              </a:rPr>
+              <a:t>    }</a:t>
+            </a:r>
+          </a:p>
+          <a:p>
+            <a:endParaRPr lang="uk-UA" sz="500" dirty="0">
+              <a:latin typeface="Courier New" panose="02070309020205020404" pitchFamily="49" charset="0"/>
+              <a:cs typeface="Courier New" panose="02070309020205020404" pitchFamily="49" charset="0"/>
+            </a:endParaRPr>
+          </a:p>
+          <a:p>
+            <a:r>
+              <a:rPr lang="uk-UA" sz="500" dirty="0">
+                <a:latin typeface="Courier New" panose="02070309020205020404" pitchFamily="49" charset="0"/>
+                <a:cs typeface="Courier New" panose="02070309020205020404" pitchFamily="49" charset="0"/>
+              </a:rPr>
+              <a:t>    // Метод для виведення масиву на екран</a:t>
+            </a:r>
+          </a:p>
+          <a:p>
+            <a:r>
+              <a:rPr lang="uk-UA" sz="500" dirty="0">
+                <a:latin typeface="Courier New" panose="02070309020205020404" pitchFamily="49" charset="0"/>
+                <a:cs typeface="Courier New" panose="02070309020205020404" pitchFamily="49" charset="0"/>
+              </a:rPr>
+              <a:t>    </a:t>
+            </a:r>
+            <a:r>
+              <a:rPr lang="uk-UA" sz="500" dirty="0" err="1">
+                <a:latin typeface="Courier New" panose="02070309020205020404" pitchFamily="49" charset="0"/>
+                <a:cs typeface="Courier New" panose="02070309020205020404" pitchFamily="49" charset="0"/>
+              </a:rPr>
+              <a:t>public</a:t>
+            </a:r>
+            <a:r>
+              <a:rPr lang="uk-UA" sz="500" dirty="0">
+                <a:latin typeface="Courier New" panose="02070309020205020404" pitchFamily="49" charset="0"/>
+                <a:cs typeface="Courier New" panose="02070309020205020404" pitchFamily="49" charset="0"/>
+              </a:rPr>
+              <a:t> </a:t>
+            </a:r>
+            <a:r>
+              <a:rPr lang="uk-UA" sz="500" dirty="0" err="1">
+                <a:latin typeface="Courier New" panose="02070309020205020404" pitchFamily="49" charset="0"/>
+                <a:cs typeface="Courier New" panose="02070309020205020404" pitchFamily="49" charset="0"/>
+              </a:rPr>
+              <a:t>static</a:t>
+            </a:r>
+            <a:r>
+              <a:rPr lang="uk-UA" sz="500" dirty="0">
+                <a:latin typeface="Courier New" panose="02070309020205020404" pitchFamily="49" charset="0"/>
+                <a:cs typeface="Courier New" panose="02070309020205020404" pitchFamily="49" charset="0"/>
+              </a:rPr>
+              <a:t> </a:t>
+            </a:r>
+            <a:r>
+              <a:rPr lang="uk-UA" sz="500" dirty="0" err="1">
+                <a:latin typeface="Courier New" panose="02070309020205020404" pitchFamily="49" charset="0"/>
+                <a:cs typeface="Courier New" panose="02070309020205020404" pitchFamily="49" charset="0"/>
+              </a:rPr>
+              <a:t>void</a:t>
+            </a:r>
+            <a:r>
+              <a:rPr lang="uk-UA" sz="500" dirty="0">
+                <a:latin typeface="Courier New" panose="02070309020205020404" pitchFamily="49" charset="0"/>
+                <a:cs typeface="Courier New" panose="02070309020205020404" pitchFamily="49" charset="0"/>
+              </a:rPr>
+              <a:t> </a:t>
+            </a:r>
+            <a:r>
+              <a:rPr lang="uk-UA" sz="500" dirty="0" err="1">
+                <a:latin typeface="Courier New" panose="02070309020205020404" pitchFamily="49" charset="0"/>
+                <a:cs typeface="Courier New" panose="02070309020205020404" pitchFamily="49" charset="0"/>
+              </a:rPr>
+              <a:t>printArray</a:t>
+            </a:r>
+            <a:r>
+              <a:rPr lang="uk-UA" sz="500" dirty="0">
+                <a:latin typeface="Courier New" panose="02070309020205020404" pitchFamily="49" charset="0"/>
+                <a:cs typeface="Courier New" panose="02070309020205020404" pitchFamily="49" charset="0"/>
+              </a:rPr>
+              <a:t>(</a:t>
+            </a:r>
+            <a:r>
+              <a:rPr lang="uk-UA" sz="500" dirty="0" err="1">
+                <a:latin typeface="Courier New" panose="02070309020205020404" pitchFamily="49" charset="0"/>
+                <a:cs typeface="Courier New" panose="02070309020205020404" pitchFamily="49" charset="0"/>
+              </a:rPr>
+              <a:t>int</a:t>
+            </a:r>
+            <a:r>
+              <a:rPr lang="uk-UA" sz="500" dirty="0">
+                <a:latin typeface="Courier New" panose="02070309020205020404" pitchFamily="49" charset="0"/>
+                <a:cs typeface="Courier New" panose="02070309020205020404" pitchFamily="49" charset="0"/>
+              </a:rPr>
+              <a:t>[] </a:t>
+            </a:r>
+            <a:r>
+              <a:rPr lang="uk-UA" sz="500" dirty="0" err="1">
+                <a:latin typeface="Courier New" panose="02070309020205020404" pitchFamily="49" charset="0"/>
+                <a:cs typeface="Courier New" panose="02070309020205020404" pitchFamily="49" charset="0"/>
+              </a:rPr>
+              <a:t>array</a:t>
+            </a:r>
+            <a:r>
+              <a:rPr lang="uk-UA" sz="500" dirty="0">
+                <a:latin typeface="Courier New" panose="02070309020205020404" pitchFamily="49" charset="0"/>
+                <a:cs typeface="Courier New" panose="02070309020205020404" pitchFamily="49" charset="0"/>
+              </a:rPr>
+              <a:t>) {</a:t>
+            </a:r>
+          </a:p>
+          <a:p>
+            <a:r>
+              <a:rPr lang="uk-UA" sz="500" dirty="0">
+                <a:latin typeface="Courier New" panose="02070309020205020404" pitchFamily="49" charset="0"/>
+                <a:cs typeface="Courier New" panose="02070309020205020404" pitchFamily="49" charset="0"/>
+              </a:rPr>
+              <a:t>        </a:t>
+            </a:r>
+            <a:r>
+              <a:rPr lang="uk-UA" sz="500" dirty="0" err="1">
+                <a:latin typeface="Courier New" panose="02070309020205020404" pitchFamily="49" charset="0"/>
+                <a:cs typeface="Courier New" panose="02070309020205020404" pitchFamily="49" charset="0"/>
+              </a:rPr>
+              <a:t>int</a:t>
+            </a:r>
+            <a:r>
+              <a:rPr lang="uk-UA" sz="500" dirty="0">
+                <a:latin typeface="Courier New" panose="02070309020205020404" pitchFamily="49" charset="0"/>
+                <a:cs typeface="Courier New" panose="02070309020205020404" pitchFamily="49" charset="0"/>
+              </a:rPr>
+              <a:t> n = </a:t>
+            </a:r>
+            <a:r>
+              <a:rPr lang="uk-UA" sz="500" dirty="0" err="1">
+                <a:latin typeface="Courier New" panose="02070309020205020404" pitchFamily="49" charset="0"/>
+                <a:cs typeface="Courier New" panose="02070309020205020404" pitchFamily="49" charset="0"/>
+              </a:rPr>
+              <a:t>array.length</a:t>
+            </a:r>
+            <a:r>
+              <a:rPr lang="uk-UA" sz="500" dirty="0">
+                <a:latin typeface="Courier New" panose="02070309020205020404" pitchFamily="49" charset="0"/>
+                <a:cs typeface="Courier New" panose="02070309020205020404" pitchFamily="49" charset="0"/>
+              </a:rPr>
+              <a:t>;</a:t>
+            </a:r>
+          </a:p>
+          <a:p>
+            <a:r>
+              <a:rPr lang="uk-UA" sz="500" dirty="0">
+                <a:latin typeface="Courier New" panose="02070309020205020404" pitchFamily="49" charset="0"/>
+                <a:cs typeface="Courier New" panose="02070309020205020404" pitchFamily="49" charset="0"/>
+              </a:rPr>
+              <a:t>        </a:t>
+            </a:r>
+            <a:r>
+              <a:rPr lang="uk-UA" sz="500" dirty="0" err="1">
+                <a:latin typeface="Courier New" panose="02070309020205020404" pitchFamily="49" charset="0"/>
+                <a:cs typeface="Courier New" panose="02070309020205020404" pitchFamily="49" charset="0"/>
+              </a:rPr>
+              <a:t>for</a:t>
+            </a:r>
+            <a:r>
+              <a:rPr lang="uk-UA" sz="500" dirty="0">
+                <a:latin typeface="Courier New" panose="02070309020205020404" pitchFamily="49" charset="0"/>
+                <a:cs typeface="Courier New" panose="02070309020205020404" pitchFamily="49" charset="0"/>
+              </a:rPr>
+              <a:t> (</a:t>
+            </a:r>
+            <a:r>
+              <a:rPr lang="uk-UA" sz="500" dirty="0" err="1">
+                <a:latin typeface="Courier New" panose="02070309020205020404" pitchFamily="49" charset="0"/>
+                <a:cs typeface="Courier New" panose="02070309020205020404" pitchFamily="49" charset="0"/>
+              </a:rPr>
+              <a:t>int</a:t>
+            </a:r>
+            <a:r>
+              <a:rPr lang="uk-UA" sz="500" dirty="0">
+                <a:latin typeface="Courier New" panose="02070309020205020404" pitchFamily="49" charset="0"/>
+                <a:cs typeface="Courier New" panose="02070309020205020404" pitchFamily="49" charset="0"/>
+              </a:rPr>
+              <a:t> i = 0; i &lt; n; ++i)</a:t>
+            </a:r>
+          </a:p>
+          <a:p>
+            <a:r>
+              <a:rPr lang="uk-UA" sz="500" dirty="0">
+                <a:latin typeface="Courier New" panose="02070309020205020404" pitchFamily="49" charset="0"/>
+                <a:cs typeface="Courier New" panose="02070309020205020404" pitchFamily="49" charset="0"/>
+              </a:rPr>
+              <a:t>            </a:t>
+            </a:r>
+            <a:r>
+              <a:rPr lang="uk-UA" sz="500" dirty="0" err="1">
+                <a:latin typeface="Courier New" panose="02070309020205020404" pitchFamily="49" charset="0"/>
+                <a:cs typeface="Courier New" panose="02070309020205020404" pitchFamily="49" charset="0"/>
+              </a:rPr>
+              <a:t>System.out.print</a:t>
+            </a:r>
+            <a:r>
+              <a:rPr lang="uk-UA" sz="500" dirty="0">
+                <a:latin typeface="Courier New" panose="02070309020205020404" pitchFamily="49" charset="0"/>
+                <a:cs typeface="Courier New" panose="02070309020205020404" pitchFamily="49" charset="0"/>
+              </a:rPr>
+              <a:t>(</a:t>
+            </a:r>
+            <a:r>
+              <a:rPr lang="uk-UA" sz="500" dirty="0" err="1">
+                <a:latin typeface="Courier New" panose="02070309020205020404" pitchFamily="49" charset="0"/>
+                <a:cs typeface="Courier New" panose="02070309020205020404" pitchFamily="49" charset="0"/>
+              </a:rPr>
+              <a:t>array</a:t>
+            </a:r>
+            <a:r>
+              <a:rPr lang="uk-UA" sz="500" dirty="0">
+                <a:latin typeface="Courier New" panose="02070309020205020404" pitchFamily="49" charset="0"/>
+                <a:cs typeface="Courier New" panose="02070309020205020404" pitchFamily="49" charset="0"/>
+              </a:rPr>
+              <a:t>[i] + " ");</a:t>
+            </a:r>
+          </a:p>
+          <a:p>
+            <a:r>
+              <a:rPr lang="uk-UA" sz="500" dirty="0">
+                <a:latin typeface="Courier New" panose="02070309020205020404" pitchFamily="49" charset="0"/>
+                <a:cs typeface="Courier New" panose="02070309020205020404" pitchFamily="49" charset="0"/>
+              </a:rPr>
+              <a:t>        </a:t>
+            </a:r>
+            <a:r>
+              <a:rPr lang="uk-UA" sz="500" dirty="0" err="1">
+                <a:latin typeface="Courier New" panose="02070309020205020404" pitchFamily="49" charset="0"/>
+                <a:cs typeface="Courier New" panose="02070309020205020404" pitchFamily="49" charset="0"/>
+              </a:rPr>
+              <a:t>System.out.println</a:t>
+            </a:r>
+            <a:r>
+              <a:rPr lang="uk-UA" sz="500" dirty="0">
+                <a:latin typeface="Courier New" panose="02070309020205020404" pitchFamily="49" charset="0"/>
+                <a:cs typeface="Courier New" panose="02070309020205020404" pitchFamily="49" charset="0"/>
+              </a:rPr>
+              <a:t>();</a:t>
+            </a:r>
+          </a:p>
+          <a:p>
+            <a:r>
+              <a:rPr lang="uk-UA" sz="500" dirty="0">
+                <a:latin typeface="Courier New" panose="02070309020205020404" pitchFamily="49" charset="0"/>
+                <a:cs typeface="Courier New" panose="02070309020205020404" pitchFamily="49" charset="0"/>
+              </a:rPr>
+              <a:t>    }</a:t>
+            </a:r>
+          </a:p>
+          <a:p>
+            <a:endParaRPr lang="uk-UA" sz="500" dirty="0">
+              <a:latin typeface="Courier New" panose="02070309020205020404" pitchFamily="49" charset="0"/>
+              <a:cs typeface="Courier New" panose="02070309020205020404" pitchFamily="49" charset="0"/>
+            </a:endParaRPr>
+          </a:p>
+          <a:p>
+            <a:r>
+              <a:rPr lang="uk-UA" sz="500" dirty="0">
+                <a:latin typeface="Courier New" panose="02070309020205020404" pitchFamily="49" charset="0"/>
+                <a:cs typeface="Courier New" panose="02070309020205020404" pitchFamily="49" charset="0"/>
+              </a:rPr>
+              <a:t>    // Приклад використання</a:t>
+            </a:r>
+          </a:p>
+          <a:p>
+            <a:r>
+              <a:rPr lang="uk-UA" sz="500" dirty="0">
+                <a:latin typeface="Courier New" panose="02070309020205020404" pitchFamily="49" charset="0"/>
+                <a:cs typeface="Courier New" panose="02070309020205020404" pitchFamily="49" charset="0"/>
+              </a:rPr>
+              <a:t>    </a:t>
+            </a:r>
+            <a:r>
+              <a:rPr lang="uk-UA" sz="500" dirty="0" err="1">
+                <a:latin typeface="Courier New" panose="02070309020205020404" pitchFamily="49" charset="0"/>
+                <a:cs typeface="Courier New" panose="02070309020205020404" pitchFamily="49" charset="0"/>
+              </a:rPr>
+              <a:t>public</a:t>
+            </a:r>
+            <a:r>
+              <a:rPr lang="uk-UA" sz="500" dirty="0">
+                <a:latin typeface="Courier New" panose="02070309020205020404" pitchFamily="49" charset="0"/>
+                <a:cs typeface="Courier New" panose="02070309020205020404" pitchFamily="49" charset="0"/>
+              </a:rPr>
+              <a:t> </a:t>
+            </a:r>
+            <a:r>
+              <a:rPr lang="uk-UA" sz="500" dirty="0" err="1">
+                <a:latin typeface="Courier New" panose="02070309020205020404" pitchFamily="49" charset="0"/>
+                <a:cs typeface="Courier New" panose="02070309020205020404" pitchFamily="49" charset="0"/>
+              </a:rPr>
+              <a:t>static</a:t>
+            </a:r>
+            <a:r>
+              <a:rPr lang="uk-UA" sz="500" dirty="0">
+                <a:latin typeface="Courier New" panose="02070309020205020404" pitchFamily="49" charset="0"/>
+                <a:cs typeface="Courier New" panose="02070309020205020404" pitchFamily="49" charset="0"/>
+              </a:rPr>
+              <a:t> </a:t>
+            </a:r>
+            <a:r>
+              <a:rPr lang="uk-UA" sz="500" dirty="0" err="1">
+                <a:latin typeface="Courier New" panose="02070309020205020404" pitchFamily="49" charset="0"/>
+                <a:cs typeface="Courier New" panose="02070309020205020404" pitchFamily="49" charset="0"/>
+              </a:rPr>
+              <a:t>void</a:t>
+            </a:r>
+            <a:r>
+              <a:rPr lang="uk-UA" sz="500" dirty="0">
+                <a:latin typeface="Courier New" panose="02070309020205020404" pitchFamily="49" charset="0"/>
+                <a:cs typeface="Courier New" panose="02070309020205020404" pitchFamily="49" charset="0"/>
+              </a:rPr>
+              <a:t> </a:t>
+            </a:r>
+            <a:r>
+              <a:rPr lang="uk-UA" sz="500" dirty="0" err="1">
+                <a:latin typeface="Courier New" panose="02070309020205020404" pitchFamily="49" charset="0"/>
+                <a:cs typeface="Courier New" panose="02070309020205020404" pitchFamily="49" charset="0"/>
+              </a:rPr>
+              <a:t>main</a:t>
+            </a:r>
+            <a:r>
+              <a:rPr lang="uk-UA" sz="500" dirty="0">
+                <a:latin typeface="Courier New" panose="02070309020205020404" pitchFamily="49" charset="0"/>
+                <a:cs typeface="Courier New" panose="02070309020205020404" pitchFamily="49" charset="0"/>
+              </a:rPr>
+              <a:t>(</a:t>
+            </a:r>
+            <a:r>
+              <a:rPr lang="uk-UA" sz="500" dirty="0" err="1">
+                <a:latin typeface="Courier New" panose="02070309020205020404" pitchFamily="49" charset="0"/>
+                <a:cs typeface="Courier New" panose="02070309020205020404" pitchFamily="49" charset="0"/>
+              </a:rPr>
+              <a:t>String</a:t>
+            </a:r>
+            <a:r>
+              <a:rPr lang="uk-UA" sz="500" dirty="0">
+                <a:latin typeface="Courier New" panose="02070309020205020404" pitchFamily="49" charset="0"/>
+                <a:cs typeface="Courier New" panose="02070309020205020404" pitchFamily="49" charset="0"/>
+              </a:rPr>
+              <a:t>[] </a:t>
+            </a:r>
+            <a:r>
+              <a:rPr lang="uk-UA" sz="500" dirty="0" err="1">
+                <a:latin typeface="Courier New" panose="02070309020205020404" pitchFamily="49" charset="0"/>
+                <a:cs typeface="Courier New" panose="02070309020205020404" pitchFamily="49" charset="0"/>
+              </a:rPr>
+              <a:t>args</a:t>
+            </a:r>
+            <a:r>
+              <a:rPr lang="uk-UA" sz="500" dirty="0">
+                <a:latin typeface="Courier New" panose="02070309020205020404" pitchFamily="49" charset="0"/>
+                <a:cs typeface="Courier New" panose="02070309020205020404" pitchFamily="49" charset="0"/>
+              </a:rPr>
+              <a:t>) {</a:t>
+            </a:r>
+          </a:p>
+          <a:p>
+            <a:r>
+              <a:rPr lang="uk-UA" sz="500" dirty="0">
+                <a:latin typeface="Courier New" panose="02070309020205020404" pitchFamily="49" charset="0"/>
+                <a:cs typeface="Courier New" panose="02070309020205020404" pitchFamily="49" charset="0"/>
+              </a:rPr>
+              <a:t>        </a:t>
+            </a:r>
+            <a:r>
+              <a:rPr lang="uk-UA" sz="500" dirty="0" err="1">
+                <a:latin typeface="Courier New" panose="02070309020205020404" pitchFamily="49" charset="0"/>
+                <a:cs typeface="Courier New" panose="02070309020205020404" pitchFamily="49" charset="0"/>
+              </a:rPr>
+              <a:t>int</a:t>
+            </a:r>
+            <a:r>
+              <a:rPr lang="uk-UA" sz="500" dirty="0">
+                <a:latin typeface="Courier New" panose="02070309020205020404" pitchFamily="49" charset="0"/>
+                <a:cs typeface="Courier New" panose="02070309020205020404" pitchFamily="49" charset="0"/>
+              </a:rPr>
+              <a:t>[] </a:t>
+            </a:r>
+            <a:r>
+              <a:rPr lang="uk-UA" sz="500" dirty="0" err="1">
+                <a:latin typeface="Courier New" panose="02070309020205020404" pitchFamily="49" charset="0"/>
+                <a:cs typeface="Courier New" panose="02070309020205020404" pitchFamily="49" charset="0"/>
+              </a:rPr>
+              <a:t>array</a:t>
+            </a:r>
+            <a:r>
+              <a:rPr lang="uk-UA" sz="500" dirty="0">
+                <a:latin typeface="Courier New" panose="02070309020205020404" pitchFamily="49" charset="0"/>
+                <a:cs typeface="Courier New" panose="02070309020205020404" pitchFamily="49" charset="0"/>
+              </a:rPr>
+              <a:t> = {12, 11, 13, 5, 6, 7};</a:t>
+            </a:r>
+          </a:p>
+          <a:p>
+            <a:r>
+              <a:rPr lang="uk-UA" sz="500" dirty="0">
+                <a:latin typeface="Courier New" panose="02070309020205020404" pitchFamily="49" charset="0"/>
+                <a:cs typeface="Courier New" panose="02070309020205020404" pitchFamily="49" charset="0"/>
+              </a:rPr>
+              <a:t>        </a:t>
+            </a:r>
+            <a:r>
+              <a:rPr lang="uk-UA" sz="500" dirty="0" err="1">
+                <a:latin typeface="Courier New" panose="02070309020205020404" pitchFamily="49" charset="0"/>
+                <a:cs typeface="Courier New" panose="02070309020205020404" pitchFamily="49" charset="0"/>
+              </a:rPr>
+              <a:t>System.out.println</a:t>
+            </a:r>
+            <a:r>
+              <a:rPr lang="uk-UA" sz="500" dirty="0">
+                <a:latin typeface="Courier New" panose="02070309020205020404" pitchFamily="49" charset="0"/>
+                <a:cs typeface="Courier New" panose="02070309020205020404" pitchFamily="49" charset="0"/>
+              </a:rPr>
+              <a:t>("Даний масив:");</a:t>
+            </a:r>
+          </a:p>
+          <a:p>
+            <a:r>
+              <a:rPr lang="uk-UA" sz="500" dirty="0">
+                <a:latin typeface="Courier New" panose="02070309020205020404" pitchFamily="49" charset="0"/>
+                <a:cs typeface="Courier New" panose="02070309020205020404" pitchFamily="49" charset="0"/>
+              </a:rPr>
+              <a:t>        </a:t>
+            </a:r>
+            <a:r>
+              <a:rPr lang="uk-UA" sz="500" dirty="0" err="1">
+                <a:latin typeface="Courier New" panose="02070309020205020404" pitchFamily="49" charset="0"/>
+                <a:cs typeface="Courier New" panose="02070309020205020404" pitchFamily="49" charset="0"/>
+              </a:rPr>
+              <a:t>printArray</a:t>
+            </a:r>
+            <a:r>
+              <a:rPr lang="uk-UA" sz="500" dirty="0">
+                <a:latin typeface="Courier New" panose="02070309020205020404" pitchFamily="49" charset="0"/>
+                <a:cs typeface="Courier New" panose="02070309020205020404" pitchFamily="49" charset="0"/>
+              </a:rPr>
+              <a:t>(</a:t>
+            </a:r>
+            <a:r>
+              <a:rPr lang="uk-UA" sz="500" dirty="0" err="1">
+                <a:latin typeface="Courier New" panose="02070309020205020404" pitchFamily="49" charset="0"/>
+                <a:cs typeface="Courier New" panose="02070309020205020404" pitchFamily="49" charset="0"/>
+              </a:rPr>
+              <a:t>array</a:t>
+            </a:r>
+            <a:r>
+              <a:rPr lang="uk-UA" sz="500" dirty="0">
+                <a:latin typeface="Courier New" panose="02070309020205020404" pitchFamily="49" charset="0"/>
+                <a:cs typeface="Courier New" panose="02070309020205020404" pitchFamily="49" charset="0"/>
+              </a:rPr>
+              <a:t>);</a:t>
+            </a:r>
+          </a:p>
+          <a:p>
+            <a:endParaRPr lang="uk-UA" sz="500" dirty="0">
+              <a:latin typeface="Courier New" panose="02070309020205020404" pitchFamily="49" charset="0"/>
+              <a:cs typeface="Courier New" panose="02070309020205020404" pitchFamily="49" charset="0"/>
+            </a:endParaRPr>
+          </a:p>
+          <a:p>
+            <a:r>
+              <a:rPr lang="uk-UA" sz="500" dirty="0">
+                <a:latin typeface="Courier New" panose="02070309020205020404" pitchFamily="49" charset="0"/>
+                <a:cs typeface="Courier New" panose="02070309020205020404" pitchFamily="49" charset="0"/>
+              </a:rPr>
+              <a:t>        </a:t>
+            </a:r>
+            <a:r>
+              <a:rPr lang="uk-UA" sz="500" dirty="0" err="1">
+                <a:latin typeface="Courier New" panose="02070309020205020404" pitchFamily="49" charset="0"/>
+                <a:cs typeface="Courier New" panose="02070309020205020404" pitchFamily="49" charset="0"/>
+              </a:rPr>
+              <a:t>heapSort</a:t>
+            </a:r>
+            <a:r>
+              <a:rPr lang="uk-UA" sz="500" dirty="0">
+                <a:latin typeface="Courier New" panose="02070309020205020404" pitchFamily="49" charset="0"/>
+                <a:cs typeface="Courier New" panose="02070309020205020404" pitchFamily="49" charset="0"/>
+              </a:rPr>
+              <a:t>(</a:t>
+            </a:r>
+            <a:r>
+              <a:rPr lang="uk-UA" sz="500" dirty="0" err="1">
+                <a:latin typeface="Courier New" panose="02070309020205020404" pitchFamily="49" charset="0"/>
+                <a:cs typeface="Courier New" panose="02070309020205020404" pitchFamily="49" charset="0"/>
+              </a:rPr>
+              <a:t>array</a:t>
+            </a:r>
+            <a:r>
+              <a:rPr lang="uk-UA" sz="500" dirty="0">
+                <a:latin typeface="Courier New" panose="02070309020205020404" pitchFamily="49" charset="0"/>
+                <a:cs typeface="Courier New" panose="02070309020205020404" pitchFamily="49" charset="0"/>
+              </a:rPr>
+              <a:t>);</a:t>
+            </a:r>
+          </a:p>
+          <a:p>
+            <a:endParaRPr lang="uk-UA" sz="500" dirty="0">
+              <a:latin typeface="Courier New" panose="02070309020205020404" pitchFamily="49" charset="0"/>
+              <a:cs typeface="Courier New" panose="02070309020205020404" pitchFamily="49" charset="0"/>
+            </a:endParaRPr>
+          </a:p>
+          <a:p>
+            <a:r>
+              <a:rPr lang="uk-UA" sz="500" dirty="0">
+                <a:latin typeface="Courier New" panose="02070309020205020404" pitchFamily="49" charset="0"/>
+                <a:cs typeface="Courier New" panose="02070309020205020404" pitchFamily="49" charset="0"/>
+              </a:rPr>
+              <a:t>        </a:t>
+            </a:r>
+            <a:r>
+              <a:rPr lang="uk-UA" sz="500" dirty="0" err="1">
+                <a:latin typeface="Courier New" panose="02070309020205020404" pitchFamily="49" charset="0"/>
+                <a:cs typeface="Courier New" panose="02070309020205020404" pitchFamily="49" charset="0"/>
+              </a:rPr>
+              <a:t>System.out.println</a:t>
+            </a:r>
+            <a:r>
+              <a:rPr lang="uk-UA" sz="500" dirty="0">
+                <a:latin typeface="Courier New" panose="02070309020205020404" pitchFamily="49" charset="0"/>
+                <a:cs typeface="Courier New" panose="02070309020205020404" pitchFamily="49" charset="0"/>
+              </a:rPr>
+              <a:t>("Відсортований масив:");</a:t>
+            </a:r>
+          </a:p>
+          <a:p>
+            <a:r>
+              <a:rPr lang="uk-UA" sz="500" dirty="0">
+                <a:latin typeface="Courier New" panose="02070309020205020404" pitchFamily="49" charset="0"/>
+                <a:cs typeface="Courier New" panose="02070309020205020404" pitchFamily="49" charset="0"/>
+              </a:rPr>
+              <a:t>        </a:t>
+            </a:r>
+            <a:r>
+              <a:rPr lang="uk-UA" sz="500" dirty="0" err="1">
+                <a:latin typeface="Courier New" panose="02070309020205020404" pitchFamily="49" charset="0"/>
+                <a:cs typeface="Courier New" panose="02070309020205020404" pitchFamily="49" charset="0"/>
+              </a:rPr>
+              <a:t>printArray</a:t>
+            </a:r>
+            <a:r>
+              <a:rPr lang="uk-UA" sz="500" dirty="0">
+                <a:latin typeface="Courier New" panose="02070309020205020404" pitchFamily="49" charset="0"/>
+                <a:cs typeface="Courier New" panose="02070309020205020404" pitchFamily="49" charset="0"/>
+              </a:rPr>
+              <a:t>(</a:t>
+            </a:r>
+            <a:r>
+              <a:rPr lang="uk-UA" sz="500" dirty="0" err="1">
+                <a:latin typeface="Courier New" panose="02070309020205020404" pitchFamily="49" charset="0"/>
+                <a:cs typeface="Courier New" panose="02070309020205020404" pitchFamily="49" charset="0"/>
+              </a:rPr>
+              <a:t>array</a:t>
+            </a:r>
+            <a:r>
+              <a:rPr lang="uk-UA" sz="500" dirty="0">
+                <a:latin typeface="Courier New" panose="02070309020205020404" pitchFamily="49" charset="0"/>
+                <a:cs typeface="Courier New" panose="02070309020205020404" pitchFamily="49" charset="0"/>
+              </a:rPr>
+              <a:t>);</a:t>
+            </a:r>
+          </a:p>
+          <a:p>
+            <a:r>
+              <a:rPr lang="uk-UA" sz="500" dirty="0">
+                <a:latin typeface="Courier New" panose="02070309020205020404" pitchFamily="49" charset="0"/>
+                <a:cs typeface="Courier New" panose="02070309020205020404" pitchFamily="49" charset="0"/>
+              </a:rPr>
+              <a:t>    }</a:t>
+            </a:r>
+          </a:p>
+          <a:p>
+            <a:r>
+              <a:rPr lang="uk-UA" sz="500" dirty="0">
+                <a:latin typeface="Courier New" panose="02070309020205020404" pitchFamily="49" charset="0"/>
+                <a:cs typeface="Courier New" panose="02070309020205020404" pitchFamily="49" charset="0"/>
+              </a:rPr>
+              <a:t>}</a:t>
+            </a:r>
+          </a:p>
+        </p:txBody>
+      </p:sp>
+    </p:spTree>
+    <p:extLst>
+      <p:ext uri="{BB962C8B-B14F-4D97-AF65-F5344CB8AC3E}">
+        <p14:creationId xmlns:p14="http://schemas.microsoft.com/office/powerpoint/2010/main" val="2067238835"/>
+      </p:ext>
+    </p:extLst>
+  </p:cSld>
+  <p:clrMapOvr>
+    <a:masterClrMapping/>
+  </p:clrMapOvr>
+</p:sld>
+</file>
+
+<file path=ppt/slides/slide21.xml><?xml version="1.0" encoding="utf-8"?>
+<p:sld xmlns:a="http://schemas.openxmlformats.org/drawingml/2006/main" xmlns:r="http://schemas.openxmlformats.org/officeDocument/2006/relationships" xmlns:p="http://schemas.openxmlformats.org/presentationml/2006/main">
+  <p:cSld>
+    <p:spTree>
+      <p:nvGrpSpPr>
+        <p:cNvPr id="1" name=""/>
+        <p:cNvGrpSpPr/>
+        <p:nvPr/>
+      </p:nvGrpSpPr>
+      <p:grpSpPr>
+        <a:xfrm>
+          <a:off x="0" y="0"/>
+          <a:ext cx="0" cy="0"/>
+          <a:chOff x="0" y="0"/>
+          <a:chExt cx="0" cy="0"/>
+        </a:xfrm>
+      </p:grpSpPr>
+      <p:sp>
+        <p:nvSpPr>
+          <p:cNvPr id="3" name="TextBox 2">
+            <a:extLst>
+              <a:ext uri="{FF2B5EF4-FFF2-40B4-BE49-F238E27FC236}">
+                <a16:creationId xmlns:a16="http://schemas.microsoft.com/office/drawing/2014/main" id="{B2A81DC4-47BB-4D4E-B4E6-6CD06F8097A8}"/>
+              </a:ext>
+            </a:extLst>
+          </p:cNvPr>
+          <p:cNvSpPr txBox="1"/>
+          <p:nvPr/>
+        </p:nvSpPr>
+        <p:spPr>
+          <a:xfrm>
+            <a:off x="153773" y="1953607"/>
+            <a:ext cx="11881309" cy="4524315"/>
+          </a:xfrm>
+          <a:prstGeom prst="rect">
+            <a:avLst/>
+          </a:prstGeom>
+          <a:noFill/>
+        </p:spPr>
+        <p:txBody>
+          <a:bodyPr wrap="square">
+            <a:spAutoFit/>
+          </a:bodyPr>
+          <a:lstStyle/>
+          <a:p>
+            <a:pPr algn="l"/>
+            <a:r>
+              <a:rPr lang="uk-UA" sz="3200" b="0" i="0" dirty="0">
+                <a:solidFill>
+                  <a:srgbClr val="000000"/>
+                </a:solidFill>
+                <a:effectLst/>
+                <a:latin typeface="Times New Roman" panose="02020603050405020304" pitchFamily="18" charset="0"/>
+                <a:cs typeface="Times New Roman" panose="02020603050405020304" pitchFamily="18" charset="0"/>
+              </a:rPr>
+              <a:t>Пірамідальне сортування виконується "на місці". Її типова реалізація нестабільна, але її можна зробити такою. Вона приблизно в 2-3 рази повільніше за швидку.</a:t>
+            </a:r>
+          </a:p>
+          <a:p>
+            <a:pPr algn="l"/>
+            <a:r>
+              <a:rPr lang="uk-UA" sz="3200" b="0" i="0" dirty="0">
+                <a:solidFill>
+                  <a:srgbClr val="000000"/>
+                </a:solidFill>
+                <a:effectLst/>
+                <a:latin typeface="Times New Roman" panose="02020603050405020304" pitchFamily="18" charset="0"/>
+                <a:cs typeface="Times New Roman" panose="02020603050405020304" pitchFamily="18" charset="0"/>
+              </a:rPr>
+              <a:t>Для пірамідального сортування використовується мінімальний обсяг пам'яті. Вона проста розуміння, оскільки у ній не використовуються просунуті концепції, наприклад, рекурсія. У цьому пірамідальна сортування нестабільна, оскільки порядок елементів щодо одне одного може змінитися. Крім того, вона не є дуже ефективною для обробки дуже складних даних.</a:t>
+            </a:r>
+          </a:p>
+        </p:txBody>
+      </p:sp>
+      <p:sp>
+        <p:nvSpPr>
+          <p:cNvPr id="4" name="Text Box 3">
+            <a:extLst>
+              <a:ext uri="{FF2B5EF4-FFF2-40B4-BE49-F238E27FC236}">
+                <a16:creationId xmlns:a16="http://schemas.microsoft.com/office/drawing/2014/main" id="{B9E2FF62-E523-429E-8B47-9F3E604B7C48}"/>
+              </a:ext>
+            </a:extLst>
+          </p:cNvPr>
+          <p:cNvSpPr txBox="1">
+            <a:spLocks noChangeArrowheads="1"/>
+          </p:cNvSpPr>
+          <p:nvPr/>
+        </p:nvSpPr>
+        <p:spPr bwMode="auto">
+          <a:xfrm>
+            <a:off x="0" y="0"/>
+            <a:ext cx="12192000" cy="830997"/>
+          </a:xfrm>
+          <a:prstGeom prst="rect">
+            <a:avLst/>
+          </a:prstGeom>
+          <a:noFill/>
+          <a:ln w="9525">
+            <a:noFill/>
+            <a:miter lim="800000"/>
+            <a:headEnd/>
+            <a:tailEnd/>
+          </a:ln>
+        </p:spPr>
+        <p:txBody>
+          <a:bodyPr wrap="square">
+            <a:spAutoFit/>
+          </a:bodyPr>
+          <a:lstStyle/>
+          <a:p>
+            <a:pPr algn="ctr" eaLnBrk="0" hangingPunct="0">
+              <a:spcBef>
+                <a:spcPct val="50000"/>
+              </a:spcBef>
+            </a:pPr>
+            <a:r>
+              <a:rPr lang="ru-RU" sz="4800" dirty="0" err="1">
+                <a:latin typeface="Times New Roman" panose="02020603050405020304" pitchFamily="18" charset="0"/>
+                <a:cs typeface="Times New Roman" panose="02020603050405020304" pitchFamily="18" charset="0"/>
+              </a:rPr>
+              <a:t>Сортування</a:t>
+            </a:r>
+            <a:r>
+              <a:rPr lang="ru-RU" sz="4800" dirty="0">
+                <a:latin typeface="Times New Roman" panose="02020603050405020304" pitchFamily="18" charset="0"/>
+                <a:cs typeface="Times New Roman" panose="02020603050405020304" pitchFamily="18" charset="0"/>
+              </a:rPr>
+              <a:t> «</a:t>
+            </a:r>
+            <a:r>
+              <a:rPr lang="uk-UA" sz="4800" dirty="0">
+                <a:latin typeface="Times New Roman" panose="02020603050405020304" pitchFamily="18" charset="0"/>
+                <a:cs typeface="Times New Roman" panose="02020603050405020304" pitchFamily="18" charset="0"/>
+              </a:rPr>
+              <a:t>пірамідальне</a:t>
+            </a:r>
+            <a:r>
+              <a:rPr lang="ru-RU" sz="4800" dirty="0">
+                <a:latin typeface="Times New Roman" panose="02020603050405020304" pitchFamily="18" charset="0"/>
+                <a:cs typeface="Times New Roman" panose="02020603050405020304" pitchFamily="18" charset="0"/>
+              </a:rPr>
+              <a:t>». </a:t>
+            </a:r>
+            <a:r>
+              <a:rPr lang="uk-UA" sz="4800" dirty="0">
+                <a:latin typeface="Times New Roman" panose="02020603050405020304" pitchFamily="18" charset="0"/>
+                <a:cs typeface="Times New Roman" panose="02020603050405020304" pitchFamily="18" charset="0"/>
+              </a:rPr>
+              <a:t>Характеристика</a:t>
+            </a:r>
+            <a:endParaRPr lang="ru-RU" sz="4800" dirty="0">
+              <a:latin typeface="Times New Roman" panose="02020603050405020304" pitchFamily="18" charset="0"/>
+              <a:cs typeface="Times New Roman" panose="02020603050405020304" pitchFamily="18" charset="0"/>
+            </a:endParaRPr>
+          </a:p>
+        </p:txBody>
+      </p:sp>
+      <p:sp>
+        <p:nvSpPr>
+          <p:cNvPr id="8" name="TextBox 7">
+            <a:extLst>
+              <a:ext uri="{FF2B5EF4-FFF2-40B4-BE49-F238E27FC236}">
+                <a16:creationId xmlns:a16="http://schemas.microsoft.com/office/drawing/2014/main" id="{8BE8F0F3-94A6-447C-82DE-9FE96930CDF6}"/>
+              </a:ext>
+            </a:extLst>
+          </p:cNvPr>
+          <p:cNvSpPr txBox="1"/>
+          <p:nvPr/>
+        </p:nvSpPr>
+        <p:spPr>
+          <a:xfrm>
+            <a:off x="0" y="953931"/>
+            <a:ext cx="6094428" cy="461665"/>
+          </a:xfrm>
+          <a:prstGeom prst="rect">
+            <a:avLst/>
+          </a:prstGeom>
+          <a:noFill/>
+        </p:spPr>
+        <p:txBody>
+          <a:bodyPr wrap="square">
+            <a:spAutoFit/>
+          </a:bodyPr>
+          <a:lstStyle/>
+          <a:p>
+            <a:pPr algn="ctr"/>
+            <a:r>
+              <a:rPr lang="uk-UA" sz="2400" b="0" i="0" dirty="0">
+                <a:solidFill>
+                  <a:srgbClr val="000000"/>
+                </a:solidFill>
+                <a:effectLst/>
+                <a:latin typeface="Times New Roman" panose="02020603050405020304" pitchFamily="18" charset="0"/>
+                <a:cs typeface="Times New Roman" panose="02020603050405020304" pitchFamily="18" charset="0"/>
+              </a:rPr>
+              <a:t>Тимчасова складність: </a:t>
+            </a:r>
+            <a:r>
+              <a:rPr lang="en-US" sz="2400" b="1" i="0" dirty="0">
+                <a:solidFill>
+                  <a:srgbClr val="000000"/>
+                </a:solidFill>
+                <a:effectLst/>
+                <a:latin typeface="Times New Roman" panose="02020603050405020304" pitchFamily="18" charset="0"/>
+                <a:cs typeface="Times New Roman" panose="02020603050405020304" pitchFamily="18" charset="0"/>
+              </a:rPr>
+              <a:t>O(n log n)</a:t>
+            </a:r>
+            <a:endParaRPr lang="en-US" sz="2400" b="0" i="0" dirty="0">
+              <a:solidFill>
+                <a:srgbClr val="000000"/>
+              </a:solidFill>
+              <a:effectLst/>
+              <a:latin typeface="Times New Roman" panose="02020603050405020304" pitchFamily="18" charset="0"/>
+              <a:cs typeface="Times New Roman" panose="02020603050405020304" pitchFamily="18" charset="0"/>
+            </a:endParaRPr>
+          </a:p>
+        </p:txBody>
+      </p:sp>
+      <p:sp>
+        <p:nvSpPr>
+          <p:cNvPr id="10" name="TextBox 9">
+            <a:extLst>
+              <a:ext uri="{FF2B5EF4-FFF2-40B4-BE49-F238E27FC236}">
+                <a16:creationId xmlns:a16="http://schemas.microsoft.com/office/drawing/2014/main" id="{68C96D62-E671-4D5A-9CB3-27D544220FFA}"/>
+              </a:ext>
+            </a:extLst>
+          </p:cNvPr>
+          <p:cNvSpPr txBox="1"/>
+          <p:nvPr/>
+        </p:nvSpPr>
+        <p:spPr>
+          <a:xfrm>
+            <a:off x="6094428" y="953931"/>
+            <a:ext cx="6094429" cy="461665"/>
+          </a:xfrm>
+          <a:prstGeom prst="rect">
+            <a:avLst/>
+          </a:prstGeom>
+          <a:noFill/>
+        </p:spPr>
+        <p:txBody>
+          <a:bodyPr wrap="square">
+            <a:spAutoFit/>
+          </a:bodyPr>
+          <a:lstStyle/>
+          <a:p>
+            <a:pPr algn="ctr"/>
+            <a:r>
+              <a:rPr lang="uk-UA" sz="2400" dirty="0">
+                <a:solidFill>
+                  <a:srgbClr val="000000"/>
+                </a:solidFill>
+                <a:latin typeface="Times New Roman" panose="02020603050405020304" pitchFamily="18" charset="0"/>
+                <a:cs typeface="Times New Roman" panose="02020603050405020304" pitchFamily="18" charset="0"/>
+              </a:rPr>
+              <a:t>Додатковий простір: </a:t>
+            </a:r>
+            <a:r>
+              <a:rPr lang="en-US" sz="2400" b="1" dirty="0">
+                <a:solidFill>
+                  <a:srgbClr val="000000"/>
+                </a:solidFill>
+                <a:latin typeface="Times New Roman" panose="02020603050405020304" pitchFamily="18" charset="0"/>
+                <a:cs typeface="Times New Roman" panose="02020603050405020304" pitchFamily="18" charset="0"/>
+              </a:rPr>
+              <a:t>O(</a:t>
+            </a:r>
+            <a:r>
+              <a:rPr lang="uk-UA" sz="2400" b="1" dirty="0">
+                <a:solidFill>
+                  <a:srgbClr val="000000"/>
+                </a:solidFill>
+                <a:latin typeface="Times New Roman" panose="02020603050405020304" pitchFamily="18" charset="0"/>
+                <a:cs typeface="Times New Roman" panose="02020603050405020304" pitchFamily="18" charset="0"/>
+              </a:rPr>
+              <a:t>1</a:t>
+            </a:r>
+            <a:r>
+              <a:rPr lang="en-US" sz="2400" b="1" dirty="0">
+                <a:solidFill>
+                  <a:srgbClr val="000000"/>
+                </a:solidFill>
+                <a:latin typeface="Times New Roman" panose="02020603050405020304" pitchFamily="18" charset="0"/>
+                <a:cs typeface="Times New Roman" panose="02020603050405020304" pitchFamily="18" charset="0"/>
+              </a:rPr>
+              <a:t>)</a:t>
+            </a:r>
+            <a:endParaRPr lang="en-US" sz="2400" dirty="0">
+              <a:solidFill>
+                <a:srgbClr val="000000"/>
+              </a:solidFill>
+              <a:latin typeface="Times New Roman" panose="02020603050405020304" pitchFamily="18" charset="0"/>
+              <a:cs typeface="Times New Roman" panose="02020603050405020304" pitchFamily="18" charset="0"/>
+            </a:endParaRPr>
+          </a:p>
+        </p:txBody>
+      </p:sp>
+    </p:spTree>
+    <p:extLst>
+      <p:ext uri="{BB962C8B-B14F-4D97-AF65-F5344CB8AC3E}">
+        <p14:creationId xmlns:p14="http://schemas.microsoft.com/office/powerpoint/2010/main" val="2856266269"/>
+      </p:ext>
+    </p:extLst>
+  </p:cSld>
+  <p:clrMapOvr>
+    <a:masterClrMapping/>
+  </p:clrMapOvr>
+</p:sld>
+</file>
+
+<file path=ppt/slides/slide3.xml><?xml version="1.0" encoding="utf-8"?>
 <p:sld xmlns:a="http://schemas.openxmlformats.org/drawingml/2006/main" xmlns:r="http://schemas.openxmlformats.org/officeDocument/2006/relationships" xmlns:p="http://schemas.openxmlformats.org/presentationml/2006/main">
   <p:cSld>
     <p:spTree>
@@ -17830,7 +17384,7 @@
             <a:fld id="{03EBB990-6052-47BF-8FAC-BE22B6F47BF8}" type="slidenum">
               <a:rPr lang="ru-RU" smtClean="0"/>
               <a:pPr/>
-              <a:t>4</a:t>
+              <a:t>3</a:t>
             </a:fld>
             <a:endParaRPr lang="ru-RU"/>
           </a:p>
@@ -19773,7 +19327,7 @@
 </p:sld>
 </file>
 
-<file path=ppt/slides/slide5.xml><?xml version="1.0" encoding="utf-8"?>
+<file path=ppt/slides/slide4.xml><?xml version="1.0" encoding="utf-8"?>
 <p:sld xmlns:a="http://schemas.openxmlformats.org/drawingml/2006/main" xmlns:r="http://schemas.openxmlformats.org/officeDocument/2006/relationships" xmlns:p="http://schemas.openxmlformats.org/presentationml/2006/main">
   <p:cSld>
     <p:spTree>
@@ -20634,7 +20188,7 @@
 </p:sld>
 </file>
 
-<file path=ppt/slides/slide6.xml><?xml version="1.0" encoding="utf-8"?>
+<file path=ppt/slides/slide5.xml><?xml version="1.0" encoding="utf-8"?>
 <p:sld xmlns:a="http://schemas.openxmlformats.org/drawingml/2006/main" xmlns:r="http://schemas.openxmlformats.org/officeDocument/2006/relationships" xmlns:p="http://schemas.openxmlformats.org/presentationml/2006/main">
   <p:cSld>
     <p:spTree>
@@ -21795,7 +21349,7 @@
 </p:sld>
 </file>
 
-<file path=ppt/slides/slide7.xml><?xml version="1.0" encoding="utf-8"?>
+<file path=ppt/slides/slide6.xml><?xml version="1.0" encoding="utf-8"?>
 <p:sld xmlns:a="http://schemas.openxmlformats.org/drawingml/2006/main" xmlns:r="http://schemas.openxmlformats.org/officeDocument/2006/relationships" xmlns:p="http://schemas.openxmlformats.org/presentationml/2006/main">
   <p:cSld>
     <p:spTree>
@@ -22157,7 +21711,7 @@
 </p:sld>
 </file>
 
-<file path=ppt/slides/slide8.xml><?xml version="1.0" encoding="utf-8"?>
+<file path=ppt/slides/slide7.xml><?xml version="1.0" encoding="utf-8"?>
 <p:sld xmlns:a="http://schemas.openxmlformats.org/drawingml/2006/main" xmlns:r="http://schemas.openxmlformats.org/officeDocument/2006/relationships" xmlns:p="http://schemas.openxmlformats.org/presentationml/2006/main">
   <p:cSld>
     <p:spTree>
@@ -22558,7 +22112,7 @@
 </p:sld>
 </file>
 
-<file path=ppt/slides/slide9.xml><?xml version="1.0" encoding="utf-8"?>
+<file path=ppt/slides/slide8.xml><?xml version="1.0" encoding="utf-8"?>
 <p:sld xmlns:a="http://schemas.openxmlformats.org/drawingml/2006/main" xmlns:r="http://schemas.openxmlformats.org/officeDocument/2006/relationships" xmlns:p="http://schemas.openxmlformats.org/presentationml/2006/main">
   <p:cSld>
     <p:spTree>
@@ -24341,6 +23895,421 @@
     <p:extLst>
       <p:ext uri="{BB962C8B-B14F-4D97-AF65-F5344CB8AC3E}">
         <p14:creationId xmlns:p14="http://schemas.microsoft.com/office/powerpoint/2010/main" val="4223130514"/>
+      </p:ext>
+    </p:extLst>
+  </p:cSld>
+  <p:clrMapOvr>
+    <a:masterClrMapping/>
+  </p:clrMapOvr>
+</p:sld>
+</file>
+
+<file path=ppt/slides/slide9.xml><?xml version="1.0" encoding="utf-8"?>
+<p:sld xmlns:a="http://schemas.openxmlformats.org/drawingml/2006/main" xmlns:r="http://schemas.openxmlformats.org/officeDocument/2006/relationships" xmlns:p="http://schemas.openxmlformats.org/presentationml/2006/main">
+  <p:cSld>
+    <p:spTree>
+      <p:nvGrpSpPr>
+        <p:cNvPr id="1" name=""/>
+        <p:cNvGrpSpPr/>
+        <p:nvPr/>
+      </p:nvGrpSpPr>
+      <p:grpSpPr>
+        <a:xfrm>
+          <a:off x="0" y="0"/>
+          <a:ext cx="0" cy="0"/>
+          <a:chOff x="0" y="0"/>
+          <a:chExt cx="0" cy="0"/>
+        </a:xfrm>
+      </p:grpSpPr>
+      <p:sp>
+        <p:nvSpPr>
+          <p:cNvPr id="2" name="Text Box 3">
+            <a:extLst>
+              <a:ext uri="{FF2B5EF4-FFF2-40B4-BE49-F238E27FC236}">
+                <a16:creationId xmlns:a16="http://schemas.microsoft.com/office/drawing/2014/main" id="{F875EA2F-466D-40C3-8F59-9FA651C7F228}"/>
+              </a:ext>
+            </a:extLst>
+          </p:cNvPr>
+          <p:cNvSpPr txBox="1">
+            <a:spLocks noChangeArrowheads="1"/>
+          </p:cNvSpPr>
+          <p:nvPr/>
+        </p:nvSpPr>
+        <p:spPr bwMode="auto">
+          <a:xfrm>
+            <a:off x="0" y="0"/>
+            <a:ext cx="12192000" cy="830997"/>
+          </a:xfrm>
+          <a:prstGeom prst="rect">
+            <a:avLst/>
+          </a:prstGeom>
+          <a:noFill/>
+          <a:ln w="9525">
+            <a:noFill/>
+            <a:miter lim="800000"/>
+            <a:headEnd/>
+            <a:tailEnd/>
+          </a:ln>
+        </p:spPr>
+        <p:txBody>
+          <a:bodyPr wrap="square">
+            <a:spAutoFit/>
+          </a:bodyPr>
+          <a:lstStyle/>
+          <a:p>
+            <a:pPr algn="ctr" eaLnBrk="0" hangingPunct="0">
+              <a:spcBef>
+                <a:spcPct val="50000"/>
+              </a:spcBef>
+            </a:pPr>
+            <a:r>
+              <a:rPr lang="ru-RU" sz="4800" dirty="0" err="1">
+                <a:latin typeface="Times New Roman" panose="02020603050405020304" pitchFamily="18" charset="0"/>
+                <a:cs typeface="Times New Roman" panose="02020603050405020304" pitchFamily="18" charset="0"/>
+              </a:rPr>
+              <a:t>Сортування</a:t>
+            </a:r>
+            <a:r>
+              <a:rPr lang="ru-RU" sz="4800" dirty="0">
+                <a:latin typeface="Times New Roman" panose="02020603050405020304" pitchFamily="18" charset="0"/>
+                <a:cs typeface="Times New Roman" panose="02020603050405020304" pitchFamily="18" charset="0"/>
+              </a:rPr>
+              <a:t> «</a:t>
+            </a:r>
+            <a:r>
+              <a:rPr lang="ru-RU" sz="4800" dirty="0" err="1">
+                <a:latin typeface="Times New Roman" panose="02020603050405020304" pitchFamily="18" charset="0"/>
+                <a:cs typeface="Times New Roman" panose="02020603050405020304" pitchFamily="18" charset="0"/>
+              </a:rPr>
+              <a:t>швидке</a:t>
+            </a:r>
+            <a:r>
+              <a:rPr lang="ru-RU" sz="4800" dirty="0">
+                <a:latin typeface="Times New Roman" panose="02020603050405020304" pitchFamily="18" charset="0"/>
+                <a:cs typeface="Times New Roman" panose="02020603050405020304" pitchFamily="18" charset="0"/>
+              </a:rPr>
+              <a:t>». </a:t>
+            </a:r>
+            <a:r>
+              <a:rPr lang="uk-UA" sz="4800" dirty="0">
+                <a:latin typeface="Times New Roman" panose="02020603050405020304" pitchFamily="18" charset="0"/>
+                <a:cs typeface="Times New Roman" panose="02020603050405020304" pitchFamily="18" charset="0"/>
+              </a:rPr>
+              <a:t>Характеристика</a:t>
+            </a:r>
+            <a:endParaRPr lang="ru-RU" sz="4800" dirty="0">
+              <a:latin typeface="Times New Roman" panose="02020603050405020304" pitchFamily="18" charset="0"/>
+              <a:cs typeface="Times New Roman" panose="02020603050405020304" pitchFamily="18" charset="0"/>
+            </a:endParaRPr>
+          </a:p>
+        </p:txBody>
+      </p:sp>
+      <p:sp>
+        <p:nvSpPr>
+          <p:cNvPr id="5" name="TextBox 4">
+            <a:extLst>
+              <a:ext uri="{FF2B5EF4-FFF2-40B4-BE49-F238E27FC236}">
+                <a16:creationId xmlns:a16="http://schemas.microsoft.com/office/drawing/2014/main" id="{24606B2F-EA42-4788-B669-30A50669B57A}"/>
+              </a:ext>
+            </a:extLst>
+          </p:cNvPr>
+          <p:cNvSpPr txBox="1"/>
+          <p:nvPr/>
+        </p:nvSpPr>
+        <p:spPr>
+          <a:xfrm>
+            <a:off x="888477" y="830997"/>
+            <a:ext cx="10565090" cy="4401205"/>
+          </a:xfrm>
+          <a:prstGeom prst="rect">
+            <a:avLst/>
+          </a:prstGeom>
+          <a:noFill/>
+        </p:spPr>
+        <p:txBody>
+          <a:bodyPr wrap="square">
+            <a:spAutoFit/>
+          </a:bodyPr>
+          <a:lstStyle/>
+          <a:p>
+            <a:pPr algn="l"/>
+            <a:r>
+              <a:rPr lang="uk-UA" sz="2000" b="1" i="0" dirty="0">
+                <a:effectLst/>
+                <a:latin typeface="Times New Roman" panose="02020603050405020304" pitchFamily="18" charset="0"/>
+                <a:cs typeface="Times New Roman" panose="02020603050405020304" pitchFamily="18" charset="0"/>
+              </a:rPr>
+              <a:t>Переваги і недоліки алгоритму </a:t>
+            </a:r>
+          </a:p>
+          <a:p>
+            <a:pPr algn="l"/>
+            <a:r>
+              <a:rPr lang="uk-UA" sz="2000" b="0" i="0" dirty="0">
+                <a:effectLst/>
+                <a:latin typeface="Times New Roman" panose="02020603050405020304" pitchFamily="18" charset="0"/>
+                <a:cs typeface="Times New Roman" panose="02020603050405020304" pitchFamily="18" charset="0"/>
+              </a:rPr>
+              <a:t>Що стосується складності швидкого сортування, то в найкращому випадку ми отримаємо складність </a:t>
+            </a:r>
+            <a:r>
+              <a:rPr lang="el-GR" sz="2000" b="0" i="0" dirty="0">
+                <a:effectLst/>
+                <a:latin typeface="Times New Roman" panose="02020603050405020304" pitchFamily="18" charset="0"/>
+                <a:cs typeface="Times New Roman" panose="02020603050405020304" pitchFamily="18" charset="0"/>
+              </a:rPr>
+              <a:t>Ω (</a:t>
+            </a:r>
+            <a:r>
+              <a:rPr lang="en-US" sz="2000" b="0" i="0" dirty="0">
+                <a:effectLst/>
+                <a:latin typeface="Times New Roman" panose="02020603050405020304" pitchFamily="18" charset="0"/>
+                <a:cs typeface="Times New Roman" panose="02020603050405020304" pitchFamily="18" charset="0"/>
+              </a:rPr>
+              <a:t>n log n), </a:t>
+            </a:r>
+            <a:r>
+              <a:rPr lang="uk-UA" sz="2000" b="0" i="0" dirty="0">
+                <a:effectLst/>
+                <a:latin typeface="Times New Roman" panose="02020603050405020304" pitchFamily="18" charset="0"/>
+                <a:cs typeface="Times New Roman" panose="02020603050405020304" pitchFamily="18" charset="0"/>
+              </a:rPr>
+              <a:t>а в найгіршому — </a:t>
+            </a:r>
+            <a:r>
+              <a:rPr lang="en-US" sz="2000" b="0" i="0" dirty="0">
+                <a:effectLst/>
+                <a:latin typeface="Times New Roman" panose="02020603050405020304" pitchFamily="18" charset="0"/>
+                <a:cs typeface="Times New Roman" panose="02020603050405020304" pitchFamily="18" charset="0"/>
+              </a:rPr>
+              <a:t>O(n</a:t>
+            </a:r>
+            <a:r>
+              <a:rPr lang="en-US" sz="2000" b="0" i="0" baseline="30000" dirty="0">
+                <a:effectLst/>
+                <a:latin typeface="Times New Roman" panose="02020603050405020304" pitchFamily="18" charset="0"/>
+                <a:cs typeface="Times New Roman" panose="02020603050405020304" pitchFamily="18" charset="0"/>
+              </a:rPr>
+              <a:t>2</a:t>
+            </a:r>
+            <a:r>
+              <a:rPr lang="en-US" sz="2000" b="0" i="0" dirty="0">
+                <a:effectLst/>
+                <a:latin typeface="Times New Roman" panose="02020603050405020304" pitchFamily="18" charset="0"/>
+                <a:cs typeface="Times New Roman" panose="02020603050405020304" pitchFamily="18" charset="0"/>
+              </a:rPr>
+              <a:t>). </a:t>
+            </a:r>
+            <a:r>
+              <a:rPr lang="uk-UA" sz="2000" b="0" i="0" dirty="0">
+                <a:effectLst/>
+                <a:latin typeface="Times New Roman" panose="02020603050405020304" pitchFamily="18" charset="0"/>
+                <a:cs typeface="Times New Roman" panose="02020603050405020304" pitchFamily="18" charset="0"/>
+              </a:rPr>
+              <a:t>Окрім низької обчислювальної складності цьому алгоритму притаманні й інші переваги: </a:t>
+            </a:r>
+          </a:p>
+          <a:p>
+            <a:pPr lvl="1">
+              <a:buFont typeface="Arial" panose="020B0604020202020204" pitchFamily="34" charset="0"/>
+              <a:buChar char="•"/>
+            </a:pPr>
+            <a:r>
+              <a:rPr lang="uk-UA" sz="2000" b="0" i="0" dirty="0">
+                <a:effectLst/>
+                <a:latin typeface="Times New Roman" panose="02020603050405020304" pitchFamily="18" charset="0"/>
+                <a:cs typeface="Times New Roman" panose="02020603050405020304" pitchFamily="18" charset="0"/>
+              </a:rPr>
+              <a:t>на практиці це один з найбільш швидкодіючих алгоритмів внутрішнього сортування; </a:t>
+            </a:r>
+          </a:p>
+          <a:p>
+            <a:pPr lvl="1">
+              <a:buFont typeface="Arial" panose="020B0604020202020204" pitchFamily="34" charset="0"/>
+              <a:buChar char="•"/>
+            </a:pPr>
+            <a:r>
+              <a:rPr lang="uk-UA" sz="2000" b="0" i="0" dirty="0">
+                <a:effectLst/>
+                <a:latin typeface="Times New Roman" panose="02020603050405020304" pitchFamily="18" charset="0"/>
+                <a:cs typeface="Times New Roman" panose="02020603050405020304" pitchFamily="18" charset="0"/>
+              </a:rPr>
+              <a:t>алгоритм доволі простий як для розуміння, так і для реалізації; </a:t>
+            </a:r>
+          </a:p>
+          <a:p>
+            <a:pPr lvl="1">
+              <a:buFont typeface="Arial" panose="020B0604020202020204" pitchFamily="34" charset="0"/>
+              <a:buChar char="•"/>
+            </a:pPr>
+            <a:r>
+              <a:rPr lang="uk-UA" sz="2000" b="0" i="0" dirty="0">
+                <a:effectLst/>
+                <a:latin typeface="Times New Roman" panose="02020603050405020304" pitchFamily="18" charset="0"/>
+                <a:cs typeface="Times New Roman" panose="02020603050405020304" pitchFamily="18" charset="0"/>
+              </a:rPr>
+              <a:t>потребує лише </a:t>
+            </a:r>
+            <a:r>
+              <a:rPr lang="en-US" sz="2000" b="0" i="0" dirty="0">
+                <a:effectLst/>
+                <a:latin typeface="Times New Roman" panose="02020603050405020304" pitchFamily="18" charset="0"/>
+                <a:cs typeface="Times New Roman" panose="02020603050405020304" pitchFamily="18" charset="0"/>
+              </a:rPr>
+              <a:t>O(n) </a:t>
+            </a:r>
+            <a:r>
+              <a:rPr lang="uk-UA" sz="2000" b="0" i="0" dirty="0">
+                <a:effectLst/>
+                <a:latin typeface="Times New Roman" panose="02020603050405020304" pitchFamily="18" charset="0"/>
+                <a:cs typeface="Times New Roman" panose="02020603050405020304" pitchFamily="18" charset="0"/>
+              </a:rPr>
+              <a:t>пам’яті, для покращеної версії — </a:t>
+            </a:r>
+            <a:r>
+              <a:rPr lang="en-US" sz="2000" b="0" i="0" dirty="0">
+                <a:effectLst/>
+                <a:latin typeface="Times New Roman" panose="02020603050405020304" pitchFamily="18" charset="0"/>
+                <a:cs typeface="Times New Roman" panose="02020603050405020304" pitchFamily="18" charset="0"/>
+              </a:rPr>
+              <a:t>O(1); </a:t>
+            </a:r>
+          </a:p>
+          <a:p>
+            <a:pPr lvl="1">
+              <a:buFont typeface="Arial" panose="020B0604020202020204" pitchFamily="34" charset="0"/>
+              <a:buChar char="•"/>
+            </a:pPr>
+            <a:r>
+              <a:rPr lang="uk-UA" sz="2000" b="0" i="0" dirty="0">
+                <a:effectLst/>
+                <a:latin typeface="Times New Roman" panose="02020603050405020304" pitchFamily="18" charset="0"/>
+                <a:cs typeface="Times New Roman" panose="02020603050405020304" pitchFamily="18" charset="0"/>
+              </a:rPr>
+              <a:t>дозволяє </a:t>
+            </a:r>
+            <a:r>
+              <a:rPr lang="uk-UA" sz="2000" b="0" i="0" dirty="0" err="1">
+                <a:effectLst/>
+                <a:latin typeface="Times New Roman" panose="02020603050405020304" pitchFamily="18" charset="0"/>
+                <a:cs typeface="Times New Roman" panose="02020603050405020304" pitchFamily="18" charset="0"/>
+              </a:rPr>
+              <a:t>розпаралелювання</a:t>
+            </a:r>
+            <a:r>
+              <a:rPr lang="uk-UA" sz="2000" b="0" i="0" dirty="0">
+                <a:effectLst/>
+                <a:latin typeface="Times New Roman" panose="02020603050405020304" pitchFamily="18" charset="0"/>
+                <a:cs typeface="Times New Roman" panose="02020603050405020304" pitchFamily="18" charset="0"/>
+              </a:rPr>
+              <a:t> для сортування </a:t>
+            </a:r>
+            <a:r>
+              <a:rPr lang="uk-UA" sz="2000" b="0" i="0" dirty="0" err="1">
+                <a:effectLst/>
+                <a:latin typeface="Times New Roman" panose="02020603050405020304" pitchFamily="18" charset="0"/>
+                <a:cs typeface="Times New Roman" panose="02020603050405020304" pitchFamily="18" charset="0"/>
+              </a:rPr>
+              <a:t>підмасивів</a:t>
+            </a:r>
+            <a:r>
+              <a:rPr lang="uk-UA" sz="2000" b="0" i="0" dirty="0">
+                <a:effectLst/>
+                <a:latin typeface="Times New Roman" panose="02020603050405020304" pitchFamily="18" charset="0"/>
+                <a:cs typeface="Times New Roman" panose="02020603050405020304" pitchFamily="18" charset="0"/>
+              </a:rPr>
+              <a:t>; </a:t>
+            </a:r>
+          </a:p>
+          <a:p>
+            <a:pPr lvl="1">
+              <a:buFont typeface="Arial" panose="020B0604020202020204" pitchFamily="34" charset="0"/>
+              <a:buChar char="•"/>
+            </a:pPr>
+            <a:r>
+              <a:rPr lang="uk-UA" sz="2000" b="0" i="0" dirty="0">
+                <a:effectLst/>
+                <a:latin typeface="Times New Roman" panose="02020603050405020304" pitchFamily="18" charset="0"/>
+                <a:cs typeface="Times New Roman" panose="02020603050405020304" pitchFamily="18" charset="0"/>
+              </a:rPr>
+              <a:t>працює на пов’язаних списках; </a:t>
+            </a:r>
+          </a:p>
+          <a:p>
+            <a:pPr lvl="1">
+              <a:buFont typeface="Arial" panose="020B0604020202020204" pitchFamily="34" charset="0"/>
+              <a:buChar char="•"/>
+            </a:pPr>
+            <a:r>
+              <a:rPr lang="uk-UA" sz="2000" b="0" i="0" dirty="0">
+                <a:effectLst/>
+                <a:latin typeface="Times New Roman" panose="02020603050405020304" pitchFamily="18" charset="0"/>
+                <a:cs typeface="Times New Roman" panose="02020603050405020304" pitchFamily="18" charset="0"/>
+              </a:rPr>
+              <a:t>є найефективнішим для сортування великої кількості даних. </a:t>
+            </a:r>
+          </a:p>
+          <a:p>
+            <a:pPr algn="l"/>
+            <a:endParaRPr lang="uk-UA" sz="2000" b="0" i="0" dirty="0">
+              <a:effectLst/>
+              <a:latin typeface="Times New Roman" panose="02020603050405020304" pitchFamily="18" charset="0"/>
+              <a:cs typeface="Times New Roman" panose="02020603050405020304" pitchFamily="18" charset="0"/>
+            </a:endParaRPr>
+          </a:p>
+          <a:p>
+            <a:pPr algn="l"/>
+            <a:r>
+              <a:rPr lang="uk-UA" sz="2000" b="1" i="1" dirty="0">
+                <a:effectLst/>
+                <a:latin typeface="Times New Roman" panose="02020603050405020304" pitchFamily="18" charset="0"/>
+                <a:cs typeface="Times New Roman" panose="02020603050405020304" pitchFamily="18" charset="0"/>
+              </a:rPr>
+              <a:t>Недоліками </a:t>
+            </a:r>
+            <a:r>
+              <a:rPr lang="uk-UA" sz="2000" b="0" i="0" dirty="0">
+                <a:effectLst/>
+                <a:latin typeface="Times New Roman" panose="02020603050405020304" pitchFamily="18" charset="0"/>
+                <a:cs typeface="Times New Roman" panose="02020603050405020304" pitchFamily="18" charset="0"/>
+              </a:rPr>
+              <a:t>можна вважати:  </a:t>
+            </a:r>
+          </a:p>
+          <a:p>
+            <a:pPr algn="l">
+              <a:buFont typeface="Arial" panose="020B0604020202020204" pitchFamily="34" charset="0"/>
+              <a:buChar char="•"/>
+            </a:pPr>
+            <a:r>
+              <a:rPr lang="uk-UA" sz="2000" b="0" i="0" dirty="0">
+                <a:effectLst/>
+                <a:latin typeface="Times New Roman" panose="02020603050405020304" pitchFamily="18" charset="0"/>
+                <a:cs typeface="Times New Roman" panose="02020603050405020304" pitchFamily="18" charset="0"/>
+              </a:rPr>
+              <a:t>нестійкість; </a:t>
+            </a:r>
+          </a:p>
+          <a:p>
+            <a:pPr algn="l">
+              <a:buFont typeface="Arial" panose="020B0604020202020204" pitchFamily="34" charset="0"/>
+              <a:buChar char="•"/>
+            </a:pPr>
+            <a:r>
+              <a:rPr lang="uk-UA" sz="2000" b="0" i="0" dirty="0">
+                <a:effectLst/>
+                <a:latin typeface="Times New Roman" panose="02020603050405020304" pitchFamily="18" charset="0"/>
+                <a:cs typeface="Times New Roman" panose="02020603050405020304" pitchFamily="18" charset="0"/>
+              </a:rPr>
+              <a:t>обчислювальна складність сильно деградує за умови невдалих вхідних даних.  </a:t>
+            </a:r>
+          </a:p>
+        </p:txBody>
+      </p:sp>
+    </p:spTree>
+    <p:extLst>
+      <p:ext uri="{BB962C8B-B14F-4D97-AF65-F5344CB8AC3E}">
+        <p14:creationId xmlns:p14="http://schemas.microsoft.com/office/powerpoint/2010/main" val="2193878294"/>
       </p:ext>
     </p:extLst>
   </p:cSld>

--- a/Java Урок 8 Масиви. Алгоритми сортування.pptx
+++ b/Java Урок 8 Масиви. Алгоритми сортування.pptx
@@ -218,7 +218,7 @@
           <a:p>
             <a:fld id="{FBB4BF9E-3F1F-4A7F-AD48-2A75BDECB5CA}" type="datetimeFigureOut">
               <a:rPr lang="uk-UA" smtClean="0"/>
-              <a:t>04.03.2024</a:t>
+              <a:t>06.03.2024</a:t>
             </a:fld>
             <a:endParaRPr lang="uk-UA"/>
           </a:p>
@@ -826,7 +826,7 @@
           <a:p>
             <a:fld id="{1D2F25C8-2E79-4CB5-8BA5-E4A416168F39}" type="datetimeFigureOut">
               <a:rPr lang="uk-UA" smtClean="0"/>
-              <a:t>04.03.2024</a:t>
+              <a:t>06.03.2024</a:t>
             </a:fld>
             <a:endParaRPr lang="uk-UA"/>
           </a:p>
@@ -1026,7 +1026,7 @@
           <a:p>
             <a:fld id="{1D2F25C8-2E79-4CB5-8BA5-E4A416168F39}" type="datetimeFigureOut">
               <a:rPr lang="uk-UA" smtClean="0"/>
-              <a:t>04.03.2024</a:t>
+              <a:t>06.03.2024</a:t>
             </a:fld>
             <a:endParaRPr lang="uk-UA"/>
           </a:p>
@@ -1236,7 +1236,7 @@
           <a:p>
             <a:fld id="{1D2F25C8-2E79-4CB5-8BA5-E4A416168F39}" type="datetimeFigureOut">
               <a:rPr lang="uk-UA" smtClean="0"/>
-              <a:t>04.03.2024</a:t>
+              <a:t>06.03.2024</a:t>
             </a:fld>
             <a:endParaRPr lang="uk-UA"/>
           </a:p>
@@ -1436,7 +1436,7 @@
           <a:p>
             <a:fld id="{1D2F25C8-2E79-4CB5-8BA5-E4A416168F39}" type="datetimeFigureOut">
               <a:rPr lang="uk-UA" smtClean="0"/>
-              <a:t>04.03.2024</a:t>
+              <a:t>06.03.2024</a:t>
             </a:fld>
             <a:endParaRPr lang="uk-UA"/>
           </a:p>
@@ -1712,7 +1712,7 @@
           <a:p>
             <a:fld id="{1D2F25C8-2E79-4CB5-8BA5-E4A416168F39}" type="datetimeFigureOut">
               <a:rPr lang="uk-UA" smtClean="0"/>
-              <a:t>04.03.2024</a:t>
+              <a:t>06.03.2024</a:t>
             </a:fld>
             <a:endParaRPr lang="uk-UA"/>
           </a:p>
@@ -1980,7 +1980,7 @@
           <a:p>
             <a:fld id="{1D2F25C8-2E79-4CB5-8BA5-E4A416168F39}" type="datetimeFigureOut">
               <a:rPr lang="uk-UA" smtClean="0"/>
-              <a:t>04.03.2024</a:t>
+              <a:t>06.03.2024</a:t>
             </a:fld>
             <a:endParaRPr lang="uk-UA"/>
           </a:p>
@@ -2395,7 +2395,7 @@
           <a:p>
             <a:fld id="{1D2F25C8-2E79-4CB5-8BA5-E4A416168F39}" type="datetimeFigureOut">
               <a:rPr lang="uk-UA" smtClean="0"/>
-              <a:t>04.03.2024</a:t>
+              <a:t>06.03.2024</a:t>
             </a:fld>
             <a:endParaRPr lang="uk-UA"/>
           </a:p>
@@ -2537,7 +2537,7 @@
           <a:p>
             <a:fld id="{1D2F25C8-2E79-4CB5-8BA5-E4A416168F39}" type="datetimeFigureOut">
               <a:rPr lang="uk-UA" smtClean="0"/>
-              <a:t>04.03.2024</a:t>
+              <a:t>06.03.2024</a:t>
             </a:fld>
             <a:endParaRPr lang="uk-UA"/>
           </a:p>
@@ -2650,7 +2650,7 @@
           <a:p>
             <a:fld id="{1D2F25C8-2E79-4CB5-8BA5-E4A416168F39}" type="datetimeFigureOut">
               <a:rPr lang="uk-UA" smtClean="0"/>
-              <a:t>04.03.2024</a:t>
+              <a:t>06.03.2024</a:t>
             </a:fld>
             <a:endParaRPr lang="uk-UA"/>
           </a:p>
@@ -2963,7 +2963,7 @@
           <a:p>
             <a:fld id="{1D2F25C8-2E79-4CB5-8BA5-E4A416168F39}" type="datetimeFigureOut">
               <a:rPr lang="uk-UA" smtClean="0"/>
-              <a:t>04.03.2024</a:t>
+              <a:t>06.03.2024</a:t>
             </a:fld>
             <a:endParaRPr lang="uk-UA"/>
           </a:p>
@@ -3252,7 +3252,7 @@
           <a:p>
             <a:fld id="{1D2F25C8-2E79-4CB5-8BA5-E4A416168F39}" type="datetimeFigureOut">
               <a:rPr lang="uk-UA" smtClean="0"/>
-              <a:t>04.03.2024</a:t>
+              <a:t>06.03.2024</a:t>
             </a:fld>
             <a:endParaRPr lang="uk-UA"/>
           </a:p>
@@ -3495,7 +3495,7 @@
           <a:p>
             <a:fld id="{1D2F25C8-2E79-4CB5-8BA5-E4A416168F39}" type="datetimeFigureOut">
               <a:rPr lang="uk-UA" smtClean="0"/>
-              <a:t>04.03.2024</a:t>
+              <a:t>06.03.2024</a:t>
             </a:fld>
             <a:endParaRPr lang="uk-UA"/>
           </a:p>
@@ -30210,6 +30210,737 @@
       </p:grpSpPr>
       <p:sp>
         <p:nvSpPr>
+          <p:cNvPr id="6" name="TextBox 5">
+            <a:extLst>
+              <a:ext uri="{FF2B5EF4-FFF2-40B4-BE49-F238E27FC236}">
+                <a16:creationId xmlns:a16="http://schemas.microsoft.com/office/drawing/2014/main" id="{E8528754-7D42-4B5D-AF1E-2B6236C06007}"/>
+              </a:ext>
+            </a:extLst>
+          </p:cNvPr>
+          <p:cNvSpPr txBox="1"/>
+          <p:nvPr/>
+        </p:nvSpPr>
+        <p:spPr>
+          <a:xfrm>
+            <a:off x="657912" y="1397674"/>
+            <a:ext cx="10876175" cy="4401205"/>
+          </a:xfrm>
+          <a:prstGeom prst="rect">
+            <a:avLst/>
+          </a:prstGeom>
+          <a:noFill/>
+        </p:spPr>
+        <p:txBody>
+          <a:bodyPr wrap="square">
+            <a:spAutoFit/>
+          </a:bodyPr>
+          <a:lstStyle/>
+          <a:p>
+            <a:pPr algn="l"/>
+            <a:r>
+              <a:rPr lang="uk-UA" sz="2000" b="0" dirty="0">
+                <a:solidFill>
+                  <a:srgbClr val="333333"/>
+                </a:solidFill>
+                <a:latin typeface="Times New Roman" panose="02020603050405020304" pitchFamily="18" charset="0"/>
+                <a:cs typeface="Times New Roman" panose="02020603050405020304" pitchFamily="18" charset="0"/>
+              </a:rPr>
+              <a:t>Алгоритм працює за принципом </a:t>
+            </a:r>
+            <a:r>
+              <a:rPr lang="uk-UA" sz="2000" b="1" dirty="0">
+                <a:solidFill>
+                  <a:srgbClr val="333333"/>
+                </a:solidFill>
+                <a:latin typeface="Times New Roman" panose="02020603050405020304" pitchFamily="18" charset="0"/>
+                <a:cs typeface="Times New Roman" panose="02020603050405020304" pitchFamily="18" charset="0"/>
+              </a:rPr>
+              <a:t>«розділяй і володарюй» </a:t>
+            </a:r>
+            <a:r>
+              <a:rPr lang="uk-UA" sz="2000" b="0" dirty="0">
+                <a:solidFill>
+                  <a:srgbClr val="333333"/>
+                </a:solidFill>
+                <a:latin typeface="Times New Roman" panose="02020603050405020304" pitchFamily="18" charset="0"/>
+                <a:cs typeface="Times New Roman" panose="02020603050405020304" pitchFamily="18" charset="0"/>
+              </a:rPr>
+              <a:t>— ми будемо </a:t>
+            </a:r>
+            <a:r>
+              <a:rPr lang="uk-UA" sz="2000" b="1" dirty="0">
+                <a:solidFill>
+                  <a:srgbClr val="333333"/>
+                </a:solidFill>
+                <a:latin typeface="Times New Roman" panose="02020603050405020304" pitchFamily="18" charset="0"/>
+                <a:cs typeface="Times New Roman" panose="02020603050405020304" pitchFamily="18" charset="0"/>
+              </a:rPr>
+              <a:t>ділити масив </a:t>
+            </a:r>
+            <a:r>
+              <a:rPr lang="uk-UA" sz="2000" b="0" dirty="0">
+                <a:solidFill>
+                  <a:srgbClr val="333333"/>
+                </a:solidFill>
+                <a:latin typeface="Times New Roman" panose="02020603050405020304" pitchFamily="18" charset="0"/>
+                <a:cs typeface="Times New Roman" panose="02020603050405020304" pitchFamily="18" charset="0"/>
+              </a:rPr>
+              <a:t>і </a:t>
+            </a:r>
+            <a:r>
+              <a:rPr lang="uk-UA" sz="2000" b="1" dirty="0">
+                <a:solidFill>
+                  <a:srgbClr val="333333"/>
+                </a:solidFill>
+                <a:latin typeface="Times New Roman" panose="02020603050405020304" pitchFamily="18" charset="0"/>
+                <a:cs typeface="Times New Roman" panose="02020603050405020304" pitchFamily="18" charset="0"/>
+              </a:rPr>
+              <a:t>застосовувати</a:t>
+            </a:r>
+            <a:r>
+              <a:rPr lang="uk-UA" sz="2000" b="0" dirty="0">
+                <a:solidFill>
+                  <a:srgbClr val="333333"/>
+                </a:solidFill>
+                <a:latin typeface="Times New Roman" panose="02020603050405020304" pitchFamily="18" charset="0"/>
+                <a:cs typeface="Times New Roman" panose="02020603050405020304" pitchFamily="18" charset="0"/>
+              </a:rPr>
+              <a:t> один і той самий алгоритм </a:t>
+            </a:r>
+            <a:r>
+              <a:rPr lang="uk-UA" sz="2000" b="1" dirty="0">
+                <a:solidFill>
+                  <a:srgbClr val="333333"/>
+                </a:solidFill>
+                <a:latin typeface="Times New Roman" panose="02020603050405020304" pitchFamily="18" charset="0"/>
+                <a:cs typeface="Times New Roman" panose="02020603050405020304" pitchFamily="18" charset="0"/>
+              </a:rPr>
+              <a:t>до </a:t>
+            </a:r>
+            <a:r>
+              <a:rPr lang="uk-UA" sz="2000" dirty="0">
+                <a:solidFill>
+                  <a:srgbClr val="333333"/>
+                </a:solidFill>
+                <a:latin typeface="Times New Roman" panose="02020603050405020304" pitchFamily="18" charset="0"/>
+                <a:cs typeface="Times New Roman" panose="02020603050405020304" pitchFamily="18" charset="0"/>
+              </a:rPr>
+              <a:t>його</a:t>
+            </a:r>
+            <a:r>
+              <a:rPr lang="uk-UA" sz="2000" b="1" dirty="0">
+                <a:solidFill>
+                  <a:srgbClr val="333333"/>
+                </a:solidFill>
+                <a:latin typeface="Times New Roman" panose="02020603050405020304" pitchFamily="18" charset="0"/>
+                <a:cs typeface="Times New Roman" panose="02020603050405020304" pitchFamily="18" charset="0"/>
+              </a:rPr>
+              <a:t> частин</a:t>
+            </a:r>
+            <a:r>
+              <a:rPr lang="uk-UA" sz="2000" b="0" dirty="0">
+                <a:solidFill>
+                  <a:srgbClr val="333333"/>
+                </a:solidFill>
+                <a:latin typeface="Times New Roman" panose="02020603050405020304" pitchFamily="18" charset="0"/>
+                <a:cs typeface="Times New Roman" panose="02020603050405020304" pitchFamily="18" charset="0"/>
+              </a:rPr>
+              <a:t>, які будуть поступово зменшуватися. </a:t>
+            </a:r>
+          </a:p>
+          <a:p>
+            <a:pPr algn="l"/>
+            <a:endParaRPr lang="uk-UA" sz="2000" dirty="0">
+              <a:solidFill>
+                <a:srgbClr val="333333"/>
+              </a:solidFill>
+              <a:latin typeface="Times New Roman" panose="02020603050405020304" pitchFamily="18" charset="0"/>
+              <a:cs typeface="Times New Roman" panose="02020603050405020304" pitchFamily="18" charset="0"/>
+            </a:endParaRPr>
+          </a:p>
+          <a:p>
+            <a:pPr algn="l"/>
+            <a:r>
+              <a:rPr lang="uk-UA" sz="2000" b="0" i="0" dirty="0">
+                <a:solidFill>
+                  <a:srgbClr val="333333"/>
+                </a:solidFill>
+                <a:latin typeface="Times New Roman" panose="02020603050405020304" pitchFamily="18" charset="0"/>
+                <a:cs typeface="Times New Roman" panose="02020603050405020304" pitchFamily="18" charset="0"/>
+              </a:rPr>
+              <a:t>Загальна схема алгоритму виглядає так: </a:t>
+            </a:r>
+            <a:endParaRPr lang="uk-UA" sz="2000" b="0" i="0" dirty="0">
+              <a:solidFill>
+                <a:srgbClr val="34384A"/>
+              </a:solidFill>
+              <a:latin typeface="Times New Roman" panose="02020603050405020304" pitchFamily="18" charset="0"/>
+              <a:cs typeface="Times New Roman" panose="02020603050405020304" pitchFamily="18" charset="0"/>
+            </a:endParaRPr>
+          </a:p>
+          <a:p>
+            <a:pPr algn="l">
+              <a:buFont typeface="+mj-lt"/>
+              <a:buAutoNum type="arabicPeriod"/>
+            </a:pPr>
+            <a:endParaRPr lang="uk-UA" sz="2000" b="0" i="0" dirty="0">
+              <a:solidFill>
+                <a:srgbClr val="333333"/>
+              </a:solidFill>
+              <a:latin typeface="Times New Roman" panose="02020603050405020304" pitchFamily="18" charset="0"/>
+              <a:cs typeface="Times New Roman" panose="02020603050405020304" pitchFamily="18" charset="0"/>
+            </a:endParaRPr>
+          </a:p>
+          <a:p>
+            <a:pPr algn="l">
+              <a:buFont typeface="+mj-lt"/>
+              <a:buAutoNum type="arabicPeriod"/>
+            </a:pPr>
+            <a:r>
+              <a:rPr lang="uk-UA" sz="2000" b="0" i="0" dirty="0">
+                <a:solidFill>
+                  <a:srgbClr val="333333"/>
+                </a:solidFill>
+                <a:latin typeface="Times New Roman" panose="02020603050405020304" pitchFamily="18" charset="0"/>
+                <a:cs typeface="Times New Roman" panose="02020603050405020304" pitchFamily="18" charset="0"/>
+              </a:rPr>
+              <a:t>З масиву </a:t>
+            </a:r>
+            <a:r>
+              <a:rPr lang="uk-UA" sz="2000" b="1" i="0" dirty="0">
+                <a:solidFill>
+                  <a:srgbClr val="333333"/>
+                </a:solidFill>
+                <a:latin typeface="Times New Roman" panose="02020603050405020304" pitchFamily="18" charset="0"/>
+                <a:cs typeface="Times New Roman" panose="02020603050405020304" pitchFamily="18" charset="0"/>
+              </a:rPr>
+              <a:t>обирається елемент</a:t>
+            </a:r>
+            <a:r>
+              <a:rPr lang="uk-UA" sz="2000" b="0" i="0" dirty="0">
+                <a:solidFill>
+                  <a:srgbClr val="333333"/>
+                </a:solidFill>
+                <a:latin typeface="Times New Roman" panose="02020603050405020304" pitchFamily="18" charset="0"/>
+                <a:cs typeface="Times New Roman" panose="02020603050405020304" pitchFamily="18" charset="0"/>
+              </a:rPr>
+              <a:t>, який називається </a:t>
+            </a:r>
+            <a:r>
+              <a:rPr lang="en-US" sz="2000" b="0" i="0" dirty="0">
+                <a:solidFill>
+                  <a:srgbClr val="333333"/>
+                </a:solidFill>
+                <a:latin typeface="Times New Roman" panose="02020603050405020304" pitchFamily="18" charset="0"/>
+                <a:cs typeface="Times New Roman" panose="02020603050405020304" pitchFamily="18" charset="0"/>
+              </a:rPr>
+              <a:t>pivot, </a:t>
+            </a:r>
+            <a:r>
+              <a:rPr lang="uk-UA" sz="2000" b="0" i="0" dirty="0">
+                <a:solidFill>
+                  <a:srgbClr val="333333"/>
+                </a:solidFill>
+                <a:latin typeface="Times New Roman" panose="02020603050405020304" pitchFamily="18" charset="0"/>
+                <a:cs typeface="Times New Roman" panose="02020603050405020304" pitchFamily="18" charset="0"/>
+              </a:rPr>
+              <a:t>тобто </a:t>
+            </a:r>
+            <a:r>
+              <a:rPr lang="uk-UA" sz="2000" b="1" dirty="0">
+                <a:solidFill>
+                  <a:srgbClr val="34384A"/>
+                </a:solidFill>
+                <a:latin typeface="Times New Roman" panose="02020603050405020304" pitchFamily="18" charset="0"/>
+                <a:cs typeface="Times New Roman" panose="02020603050405020304" pitchFamily="18" charset="0"/>
+              </a:rPr>
+              <a:t>опорний елемент</a:t>
+            </a:r>
+            <a:r>
+              <a:rPr lang="uk-UA" sz="2000" b="0" i="0" dirty="0">
+                <a:solidFill>
+                  <a:srgbClr val="333333"/>
+                </a:solidFill>
+                <a:latin typeface="Times New Roman" panose="02020603050405020304" pitchFamily="18" charset="0"/>
+                <a:cs typeface="Times New Roman" panose="02020603050405020304" pitchFamily="18" charset="0"/>
+              </a:rPr>
+              <a:t>.  </a:t>
+            </a:r>
+          </a:p>
+          <a:p>
+            <a:pPr algn="l">
+              <a:buFont typeface="+mj-lt"/>
+              <a:buAutoNum type="arabicPeriod"/>
+            </a:pPr>
+            <a:r>
+              <a:rPr lang="uk-UA" sz="2000" b="0" i="0" dirty="0">
+                <a:solidFill>
+                  <a:srgbClr val="333333"/>
+                </a:solidFill>
+                <a:latin typeface="Times New Roman" panose="02020603050405020304" pitchFamily="18" charset="0"/>
+                <a:cs typeface="Times New Roman" panose="02020603050405020304" pitchFamily="18" charset="0"/>
+              </a:rPr>
+              <a:t>Далі виконується процедура </a:t>
+            </a:r>
+            <a:r>
+              <a:rPr lang="uk-UA" sz="2000" b="1" i="0" dirty="0">
+                <a:solidFill>
+                  <a:srgbClr val="333333"/>
+                </a:solidFill>
+                <a:latin typeface="Times New Roman" panose="02020603050405020304" pitchFamily="18" charset="0"/>
+                <a:cs typeface="Times New Roman" panose="02020603050405020304" pitchFamily="18" charset="0"/>
+              </a:rPr>
+              <a:t>поділу масиву</a:t>
+            </a:r>
+            <a:r>
+              <a:rPr lang="uk-UA" sz="2000" b="0" i="0" dirty="0">
+                <a:solidFill>
+                  <a:srgbClr val="333333"/>
+                </a:solidFill>
+                <a:latin typeface="Times New Roman" panose="02020603050405020304" pitchFamily="18" charset="0"/>
+                <a:cs typeface="Times New Roman" panose="02020603050405020304" pitchFamily="18" charset="0"/>
+              </a:rPr>
+              <a:t> таким чином, щоб в одній його </a:t>
+            </a:r>
+            <a:r>
+              <a:rPr lang="uk-UA" sz="2000" b="1" i="0" dirty="0">
+                <a:solidFill>
+                  <a:srgbClr val="333333"/>
+                </a:solidFill>
+                <a:latin typeface="Times New Roman" panose="02020603050405020304" pitchFamily="18" charset="0"/>
+                <a:cs typeface="Times New Roman" panose="02020603050405020304" pitchFamily="18" charset="0"/>
+              </a:rPr>
+              <a:t>частині</a:t>
+            </a:r>
+            <a:r>
+              <a:rPr lang="uk-UA" sz="2000" b="0" i="0" dirty="0">
+                <a:solidFill>
+                  <a:srgbClr val="333333"/>
+                </a:solidFill>
+                <a:latin typeface="Times New Roman" panose="02020603050405020304" pitchFamily="18" charset="0"/>
+                <a:cs typeface="Times New Roman" panose="02020603050405020304" pitchFamily="18" charset="0"/>
+              </a:rPr>
+              <a:t> знаходилися всі елементи, які </a:t>
+            </a:r>
+            <a:r>
+              <a:rPr lang="uk-UA" sz="2000" b="1" i="0" dirty="0">
+                <a:solidFill>
+                  <a:srgbClr val="333333"/>
+                </a:solidFill>
+                <a:latin typeface="Times New Roman" panose="02020603050405020304" pitchFamily="18" charset="0"/>
+                <a:cs typeface="Times New Roman" panose="02020603050405020304" pitchFamily="18" charset="0"/>
+              </a:rPr>
+              <a:t>менше або дорівнюють </a:t>
+            </a:r>
+            <a:r>
+              <a:rPr lang="uk-UA" sz="2000" b="0" i="0" dirty="0">
+                <a:solidFill>
+                  <a:srgbClr val="333333"/>
+                </a:solidFill>
+                <a:latin typeface="Times New Roman" panose="02020603050405020304" pitchFamily="18" charset="0"/>
+                <a:cs typeface="Times New Roman" panose="02020603050405020304" pitchFamily="18" charset="0"/>
+              </a:rPr>
+              <a:t>опорному елементу, а в другій — всі елементи які </a:t>
+            </a:r>
+            <a:r>
+              <a:rPr lang="uk-UA" sz="2000" b="1" i="0" dirty="0">
+                <a:solidFill>
+                  <a:srgbClr val="333333"/>
+                </a:solidFill>
+                <a:latin typeface="Times New Roman" panose="02020603050405020304" pitchFamily="18" charset="0"/>
+                <a:cs typeface="Times New Roman" panose="02020603050405020304" pitchFamily="18" charset="0"/>
+              </a:rPr>
+              <a:t>більші</a:t>
+            </a:r>
+            <a:r>
+              <a:rPr lang="uk-UA" sz="2000" b="0" i="0" dirty="0">
+                <a:solidFill>
+                  <a:srgbClr val="333333"/>
+                </a:solidFill>
+                <a:latin typeface="Times New Roman" panose="02020603050405020304" pitchFamily="18" charset="0"/>
+                <a:cs typeface="Times New Roman" panose="02020603050405020304" pitchFamily="18" charset="0"/>
+              </a:rPr>
+              <a:t> опорного елементу.  </a:t>
+            </a:r>
+          </a:p>
+          <a:p>
+            <a:pPr algn="l">
+              <a:buFont typeface="+mj-lt"/>
+              <a:buAutoNum type="arabicPeriod"/>
+            </a:pPr>
+            <a:r>
+              <a:rPr lang="uk-UA" sz="2000" b="0" i="0" dirty="0">
+                <a:solidFill>
+                  <a:srgbClr val="333333"/>
+                </a:solidFill>
+                <a:latin typeface="Times New Roman" panose="02020603050405020304" pitchFamily="18" charset="0"/>
+                <a:cs typeface="Times New Roman" panose="02020603050405020304" pitchFamily="18" charset="0"/>
+              </a:rPr>
+              <a:t>Для кожного </a:t>
+            </a:r>
+            <a:r>
+              <a:rPr lang="uk-UA" sz="2000" b="1" i="0" dirty="0" err="1">
+                <a:solidFill>
+                  <a:srgbClr val="333333"/>
+                </a:solidFill>
+                <a:latin typeface="Times New Roman" panose="02020603050405020304" pitchFamily="18" charset="0"/>
+                <a:cs typeface="Times New Roman" panose="02020603050405020304" pitchFamily="18" charset="0"/>
+              </a:rPr>
+              <a:t>підмасиву</a:t>
+            </a:r>
+            <a:r>
+              <a:rPr lang="uk-UA" sz="2000" b="0" i="0" dirty="0">
+                <a:solidFill>
+                  <a:srgbClr val="333333"/>
+                </a:solidFill>
+                <a:latin typeface="Times New Roman" panose="02020603050405020304" pitchFamily="18" charset="0"/>
+                <a:cs typeface="Times New Roman" panose="02020603050405020304" pitchFamily="18" charset="0"/>
+              </a:rPr>
+              <a:t>, </a:t>
+            </a:r>
+            <a:r>
+              <a:rPr lang="uk-UA" sz="2000" b="1" i="0" dirty="0">
+                <a:solidFill>
+                  <a:srgbClr val="333333"/>
+                </a:solidFill>
+                <a:latin typeface="Times New Roman" panose="02020603050405020304" pitchFamily="18" charset="0"/>
+                <a:cs typeface="Times New Roman" panose="02020603050405020304" pitchFamily="18" charset="0"/>
+              </a:rPr>
+              <a:t>якщо</a:t>
+            </a:r>
+            <a:r>
+              <a:rPr lang="uk-UA" sz="2000" b="0" i="0" dirty="0">
+                <a:solidFill>
+                  <a:srgbClr val="333333"/>
+                </a:solidFill>
+                <a:latin typeface="Times New Roman" panose="02020603050405020304" pitchFamily="18" charset="0"/>
+                <a:cs typeface="Times New Roman" panose="02020603050405020304" pitchFamily="18" charset="0"/>
+              </a:rPr>
+              <a:t> в них </a:t>
+            </a:r>
+            <a:r>
+              <a:rPr lang="uk-UA" sz="2000" b="1" i="0" dirty="0">
+                <a:solidFill>
+                  <a:srgbClr val="333333"/>
+                </a:solidFill>
+                <a:latin typeface="Times New Roman" panose="02020603050405020304" pitchFamily="18" charset="0"/>
+                <a:cs typeface="Times New Roman" panose="02020603050405020304" pitchFamily="18" charset="0"/>
+              </a:rPr>
+              <a:t>більше</a:t>
+            </a:r>
+            <a:r>
+              <a:rPr lang="uk-UA" sz="2000" b="0" i="0" dirty="0">
+                <a:solidFill>
+                  <a:srgbClr val="333333"/>
+                </a:solidFill>
+                <a:latin typeface="Times New Roman" panose="02020603050405020304" pitchFamily="18" charset="0"/>
+                <a:cs typeface="Times New Roman" panose="02020603050405020304" pitchFamily="18" charset="0"/>
+              </a:rPr>
+              <a:t> </a:t>
+            </a:r>
+            <a:r>
+              <a:rPr lang="uk-UA" sz="2000" b="1" i="0" dirty="0">
+                <a:solidFill>
+                  <a:srgbClr val="333333"/>
+                </a:solidFill>
+                <a:latin typeface="Times New Roman" panose="02020603050405020304" pitchFamily="18" charset="0"/>
+                <a:cs typeface="Times New Roman" panose="02020603050405020304" pitchFamily="18" charset="0"/>
+              </a:rPr>
+              <a:t>двох </a:t>
+            </a:r>
+            <a:r>
+              <a:rPr lang="uk-UA" sz="2000" i="0" dirty="0">
+                <a:solidFill>
+                  <a:srgbClr val="333333"/>
+                </a:solidFill>
+                <a:latin typeface="Times New Roman" panose="02020603050405020304" pitchFamily="18" charset="0"/>
+                <a:cs typeface="Times New Roman" panose="02020603050405020304" pitchFamily="18" charset="0"/>
+              </a:rPr>
+              <a:t>елементів</a:t>
+            </a:r>
+            <a:r>
+              <a:rPr lang="uk-UA" sz="2000" b="0" i="0" dirty="0">
+                <a:solidFill>
+                  <a:srgbClr val="333333"/>
+                </a:solidFill>
+                <a:latin typeface="Times New Roman" panose="02020603050405020304" pitchFamily="18" charset="0"/>
+                <a:cs typeface="Times New Roman" panose="02020603050405020304" pitchFamily="18" charset="0"/>
+              </a:rPr>
+              <a:t>, </a:t>
+            </a:r>
+            <a:r>
+              <a:rPr lang="uk-UA" sz="2000" b="0" i="0" dirty="0" err="1">
+                <a:solidFill>
+                  <a:srgbClr val="333333"/>
+                </a:solidFill>
+                <a:latin typeface="Times New Roman" panose="02020603050405020304" pitchFamily="18" charset="0"/>
+                <a:cs typeface="Times New Roman" panose="02020603050405020304" pitchFamily="18" charset="0"/>
+              </a:rPr>
+              <a:t>рекурсивно</a:t>
+            </a:r>
+            <a:r>
+              <a:rPr lang="uk-UA" sz="2000" b="0" i="0" dirty="0">
+                <a:solidFill>
+                  <a:srgbClr val="333333"/>
+                </a:solidFill>
+                <a:latin typeface="Times New Roman" panose="02020603050405020304" pitchFamily="18" charset="0"/>
+                <a:cs typeface="Times New Roman" panose="02020603050405020304" pitchFamily="18" charset="0"/>
+              </a:rPr>
+              <a:t> </a:t>
+            </a:r>
+            <a:r>
+              <a:rPr lang="uk-UA" sz="2000" b="1" i="0" dirty="0">
+                <a:solidFill>
+                  <a:srgbClr val="333333"/>
+                </a:solidFill>
+                <a:latin typeface="Times New Roman" panose="02020603050405020304" pitchFamily="18" charset="0"/>
+                <a:cs typeface="Times New Roman" panose="02020603050405020304" pitchFamily="18" charset="0"/>
+              </a:rPr>
+              <a:t>виконується</a:t>
+            </a:r>
+            <a:r>
+              <a:rPr lang="uk-UA" sz="2000" b="0" i="0" dirty="0">
+                <a:solidFill>
+                  <a:srgbClr val="333333"/>
+                </a:solidFill>
+                <a:latin typeface="Times New Roman" panose="02020603050405020304" pitchFamily="18" charset="0"/>
+                <a:cs typeface="Times New Roman" panose="02020603050405020304" pitchFamily="18" charset="0"/>
+              </a:rPr>
+              <a:t> </a:t>
+            </a:r>
+            <a:r>
+              <a:rPr lang="uk-UA" sz="2000" b="1" i="0" dirty="0">
+                <a:solidFill>
+                  <a:srgbClr val="333333"/>
+                </a:solidFill>
+                <a:latin typeface="Times New Roman" panose="02020603050405020304" pitchFamily="18" charset="0"/>
+                <a:cs typeface="Times New Roman" panose="02020603050405020304" pitchFamily="18" charset="0"/>
+              </a:rPr>
+              <a:t>процедура</a:t>
+            </a:r>
+            <a:r>
+              <a:rPr lang="uk-UA" sz="2000" b="0" i="0" dirty="0">
+                <a:solidFill>
+                  <a:srgbClr val="333333"/>
+                </a:solidFill>
+                <a:latin typeface="Times New Roman" panose="02020603050405020304" pitchFamily="18" charset="0"/>
+                <a:cs typeface="Times New Roman" panose="02020603050405020304" pitchFamily="18" charset="0"/>
+              </a:rPr>
+              <a:t>, описана в </a:t>
+            </a:r>
+            <a:r>
+              <a:rPr lang="uk-UA" sz="2000" b="1" i="0" dirty="0">
+                <a:solidFill>
+                  <a:srgbClr val="333333"/>
+                </a:solidFill>
+                <a:latin typeface="Times New Roman" panose="02020603050405020304" pitchFamily="18" charset="0"/>
+                <a:cs typeface="Times New Roman" panose="02020603050405020304" pitchFamily="18" charset="0"/>
+              </a:rPr>
+              <a:t>попередньому</a:t>
+            </a:r>
+            <a:r>
+              <a:rPr lang="uk-UA" sz="2000" b="0" i="0" dirty="0">
+                <a:solidFill>
+                  <a:srgbClr val="333333"/>
+                </a:solidFill>
+                <a:latin typeface="Times New Roman" panose="02020603050405020304" pitchFamily="18" charset="0"/>
+                <a:cs typeface="Times New Roman" panose="02020603050405020304" pitchFamily="18" charset="0"/>
+              </a:rPr>
+              <a:t> </a:t>
+            </a:r>
+            <a:r>
+              <a:rPr lang="uk-UA" sz="2000" b="1" i="0" dirty="0">
+                <a:solidFill>
+                  <a:srgbClr val="333333"/>
+                </a:solidFill>
+                <a:latin typeface="Times New Roman" panose="02020603050405020304" pitchFamily="18" charset="0"/>
+                <a:cs typeface="Times New Roman" panose="02020603050405020304" pitchFamily="18" charset="0"/>
+              </a:rPr>
+              <a:t>пункті</a:t>
+            </a:r>
+            <a:r>
+              <a:rPr lang="uk-UA" sz="2000" b="0" i="0" dirty="0">
+                <a:solidFill>
+                  <a:srgbClr val="333333"/>
+                </a:solidFill>
+                <a:latin typeface="Times New Roman" panose="02020603050405020304" pitchFamily="18" charset="0"/>
+                <a:cs typeface="Times New Roman" panose="02020603050405020304" pitchFamily="18" charset="0"/>
+              </a:rPr>
+              <a:t>. Якщо </a:t>
+            </a:r>
+            <a:r>
+              <a:rPr lang="uk-UA" sz="2000" i="0" dirty="0">
+                <a:solidFill>
+                  <a:srgbClr val="333333"/>
+                </a:solidFill>
+                <a:latin typeface="Times New Roman" panose="02020603050405020304" pitchFamily="18" charset="0"/>
+                <a:cs typeface="Times New Roman" panose="02020603050405020304" pitchFamily="18" charset="0"/>
+              </a:rPr>
+              <a:t>елементів</a:t>
+            </a:r>
+            <a:r>
+              <a:rPr lang="uk-UA" sz="2000" b="1" i="0" dirty="0">
+                <a:solidFill>
+                  <a:srgbClr val="333333"/>
+                </a:solidFill>
+                <a:latin typeface="Times New Roman" panose="02020603050405020304" pitchFamily="18" charset="0"/>
+                <a:cs typeface="Times New Roman" panose="02020603050405020304" pitchFamily="18" charset="0"/>
+              </a:rPr>
+              <a:t> два</a:t>
+            </a:r>
+            <a:r>
+              <a:rPr lang="uk-UA" sz="2000" b="0" i="0" dirty="0">
+                <a:solidFill>
+                  <a:srgbClr val="333333"/>
+                </a:solidFill>
+                <a:latin typeface="Times New Roman" panose="02020603050405020304" pitchFamily="18" charset="0"/>
+                <a:cs typeface="Times New Roman" panose="02020603050405020304" pitchFamily="18" charset="0"/>
+              </a:rPr>
+              <a:t>, то вони </a:t>
+            </a:r>
+            <a:r>
+              <a:rPr lang="uk-UA" sz="2000" b="1" i="0" dirty="0">
+                <a:solidFill>
+                  <a:srgbClr val="333333"/>
+                </a:solidFill>
+                <a:latin typeface="Times New Roman" panose="02020603050405020304" pitchFamily="18" charset="0"/>
+                <a:cs typeface="Times New Roman" panose="02020603050405020304" pitchFamily="18" charset="0"/>
+              </a:rPr>
+              <a:t>порівнюються</a:t>
+            </a:r>
+            <a:r>
+              <a:rPr lang="uk-UA" sz="2000" b="0" i="0" dirty="0">
+                <a:solidFill>
+                  <a:srgbClr val="333333"/>
+                </a:solidFill>
+                <a:latin typeface="Times New Roman" panose="02020603050405020304" pitchFamily="18" charset="0"/>
+                <a:cs typeface="Times New Roman" panose="02020603050405020304" pitchFamily="18" charset="0"/>
+              </a:rPr>
+              <a:t> між собою і </a:t>
+            </a:r>
+            <a:r>
+              <a:rPr lang="uk-UA" sz="2000" b="1" i="0" dirty="0">
+                <a:solidFill>
+                  <a:srgbClr val="333333"/>
+                </a:solidFill>
+                <a:latin typeface="Times New Roman" panose="02020603050405020304" pitchFamily="18" charset="0"/>
+                <a:cs typeface="Times New Roman" panose="02020603050405020304" pitchFamily="18" charset="0"/>
+              </a:rPr>
+              <a:t>за необхідності міняються місцями</a:t>
+            </a:r>
+            <a:r>
+              <a:rPr lang="uk-UA" sz="2000" b="0" i="0" dirty="0">
+                <a:solidFill>
+                  <a:srgbClr val="333333"/>
+                </a:solidFill>
+                <a:latin typeface="Times New Roman" panose="02020603050405020304" pitchFamily="18" charset="0"/>
+                <a:cs typeface="Times New Roman" panose="02020603050405020304" pitchFamily="18" charset="0"/>
+              </a:rPr>
+              <a:t>.  </a:t>
+            </a:r>
+          </a:p>
+          <a:p>
+            <a:pPr algn="l"/>
+            <a:endParaRPr lang="uk-UA" sz="2000" b="0" i="0" dirty="0">
+              <a:solidFill>
+                <a:srgbClr val="34384A"/>
+              </a:solidFill>
+              <a:latin typeface="Times New Roman" panose="02020603050405020304" pitchFamily="18" charset="0"/>
+              <a:cs typeface="Times New Roman" panose="02020603050405020304" pitchFamily="18" charset="0"/>
+            </a:endParaRPr>
+          </a:p>
+          <a:p>
+            <a:pPr algn="l"/>
+            <a:r>
+              <a:rPr lang="uk-UA" sz="2000" b="0" dirty="0">
+                <a:solidFill>
+                  <a:srgbClr val="333333"/>
+                </a:solidFill>
+                <a:effectLst>
+                  <a:outerShdw blurRad="38100" dist="38100" dir="2700000" algn="tl">
+                    <a:srgbClr val="000000">
+                      <a:alpha val="43137"/>
+                    </a:srgbClr>
+                  </a:outerShdw>
+                </a:effectLst>
+                <a:latin typeface="Times New Roman" panose="02020603050405020304" pitchFamily="18" charset="0"/>
+                <a:cs typeface="Times New Roman" panose="02020603050405020304" pitchFamily="18" charset="0"/>
+              </a:rPr>
+              <a:t>Після виконання цих дій ми отримаємо повністю відсортований масив.  </a:t>
+            </a:r>
+            <a:endParaRPr lang="uk-UA" sz="2000" b="0" dirty="0">
+              <a:solidFill>
+                <a:srgbClr val="34384A"/>
+              </a:solidFill>
+              <a:effectLst>
+                <a:outerShdw blurRad="38100" dist="38100" dir="2700000" algn="tl">
+                  <a:srgbClr val="000000">
+                    <a:alpha val="43137"/>
+                  </a:srgbClr>
+                </a:outerShdw>
+              </a:effectLst>
+              <a:latin typeface="Times New Roman" panose="02020603050405020304" pitchFamily="18" charset="0"/>
+              <a:cs typeface="Times New Roman" panose="02020603050405020304" pitchFamily="18" charset="0"/>
+            </a:endParaRPr>
+          </a:p>
+        </p:txBody>
+      </p:sp>
+      <p:sp>
+        <p:nvSpPr>
+          <p:cNvPr id="3" name="Овал 2">
+            <a:extLst>
+              <a:ext uri="{FF2B5EF4-FFF2-40B4-BE49-F238E27FC236}">
+                <a16:creationId xmlns:a16="http://schemas.microsoft.com/office/drawing/2014/main" id="{24D34FDD-7305-2C87-C374-1E8240463A9D}"/>
+              </a:ext>
+            </a:extLst>
+          </p:cNvPr>
+          <p:cNvSpPr/>
+          <p:nvPr/>
+        </p:nvSpPr>
+        <p:spPr>
+          <a:xfrm>
+            <a:off x="-1926211" y="-2013624"/>
+            <a:ext cx="8160469" cy="3411298"/>
+          </a:xfrm>
+          <a:prstGeom prst="ellipse">
+            <a:avLst/>
+          </a:prstGeom>
+          <a:solidFill>
+            <a:schemeClr val="bg1">
+              <a:lumMod val="75000"/>
+            </a:schemeClr>
+          </a:solidFill>
+          <a:ln>
+            <a:noFill/>
+          </a:ln>
+        </p:spPr>
+        <p:style>
+          <a:lnRef idx="2">
+            <a:schemeClr val="accent1">
+              <a:shade val="50000"/>
+            </a:schemeClr>
+          </a:lnRef>
+          <a:fillRef idx="1">
+            <a:schemeClr val="accent1"/>
+          </a:fillRef>
+          <a:effectRef idx="0">
+            <a:schemeClr val="accent1"/>
+          </a:effectRef>
+          <a:fontRef idx="minor">
+            <a:schemeClr val="lt1"/>
+          </a:fontRef>
+        </p:style>
+        <p:txBody>
+          <a:bodyPr rtlCol="0" anchor="ctr"/>
+          <a:lstStyle/>
+          <a:p>
+            <a:pPr algn="ctr"/>
+            <a:endParaRPr lang="uk-UA"/>
+          </a:p>
+        </p:txBody>
+      </p:sp>
+      <p:sp>
+        <p:nvSpPr>
           <p:cNvPr id="2" name="Text Box 3">
             <a:extLst>
               <a:ext uri="{FF2B5EF4-FFF2-40B4-BE49-F238E27FC236}">
@@ -30224,8 +30955,8 @@
         </p:nvSpPr>
         <p:spPr bwMode="auto">
           <a:xfrm>
-            <a:off x="0" y="0"/>
-            <a:ext cx="12192000" cy="830997"/>
+            <a:off x="0" y="-307975"/>
+            <a:ext cx="4834647" cy="1569660"/>
           </a:xfrm>
           <a:prstGeom prst="rect">
             <a:avLst/>
@@ -30277,305 +31008,6 @@
               </a:rPr>
               <a:t>»</a:t>
             </a:r>
-          </a:p>
-        </p:txBody>
-      </p:sp>
-      <p:sp>
-        <p:nvSpPr>
-          <p:cNvPr id="6" name="TextBox 5">
-            <a:extLst>
-              <a:ext uri="{FF2B5EF4-FFF2-40B4-BE49-F238E27FC236}">
-                <a16:creationId xmlns:a16="http://schemas.microsoft.com/office/drawing/2014/main" id="{E8528754-7D42-4B5D-AF1E-2B6236C06007}"/>
-              </a:ext>
-            </a:extLst>
-          </p:cNvPr>
-          <p:cNvSpPr txBox="1"/>
-          <p:nvPr/>
-        </p:nvSpPr>
-        <p:spPr>
-          <a:xfrm>
-            <a:off x="728220" y="920621"/>
-            <a:ext cx="10876175" cy="5324535"/>
-          </a:xfrm>
-          <a:prstGeom prst="rect">
-            <a:avLst/>
-          </a:prstGeom>
-          <a:noFill/>
-        </p:spPr>
-        <p:txBody>
-          <a:bodyPr wrap="square">
-            <a:spAutoFit/>
-          </a:bodyPr>
-          <a:lstStyle/>
-          <a:p>
-            <a:pPr algn="l"/>
-            <a:r>
-              <a:rPr lang="uk-UA" sz="2000" b="0" i="0" dirty="0">
-                <a:solidFill>
-                  <a:srgbClr val="333333"/>
-                </a:solidFill>
-                <a:latin typeface="Times New Roman" panose="02020603050405020304" pitchFamily="18" charset="0"/>
-                <a:cs typeface="Times New Roman" panose="02020603050405020304" pitchFamily="18" charset="0"/>
-              </a:rPr>
-              <a:t>Алгоритм працює за принципом «розділяй і володарюй» — ми будемо ділити масив і застосовувати один і той самий алгоритм до його частин, які будуть поступово зменшуватися. </a:t>
-            </a:r>
-          </a:p>
-          <a:p>
-            <a:pPr algn="l"/>
-            <a:endParaRPr lang="uk-UA" sz="2000" dirty="0">
-              <a:solidFill>
-                <a:srgbClr val="333333"/>
-              </a:solidFill>
-              <a:latin typeface="Times New Roman" panose="02020603050405020304" pitchFamily="18" charset="0"/>
-              <a:cs typeface="Times New Roman" panose="02020603050405020304" pitchFamily="18" charset="0"/>
-            </a:endParaRPr>
-          </a:p>
-          <a:p>
-            <a:pPr algn="l"/>
-            <a:r>
-              <a:rPr lang="uk-UA" sz="2000" b="0" i="0" dirty="0">
-                <a:solidFill>
-                  <a:srgbClr val="333333"/>
-                </a:solidFill>
-                <a:latin typeface="Times New Roman" panose="02020603050405020304" pitchFamily="18" charset="0"/>
-                <a:cs typeface="Times New Roman" panose="02020603050405020304" pitchFamily="18" charset="0"/>
-              </a:rPr>
-              <a:t>Загальна схема алгоритму виглядає так: </a:t>
-            </a:r>
-            <a:endParaRPr lang="uk-UA" sz="2000" b="0" i="0" dirty="0">
-              <a:solidFill>
-                <a:srgbClr val="34384A"/>
-              </a:solidFill>
-              <a:latin typeface="Times New Roman" panose="02020603050405020304" pitchFamily="18" charset="0"/>
-              <a:cs typeface="Times New Roman" panose="02020603050405020304" pitchFamily="18" charset="0"/>
-            </a:endParaRPr>
-          </a:p>
-          <a:p>
-            <a:pPr algn="l">
-              <a:buFont typeface="+mj-lt"/>
-              <a:buAutoNum type="arabicPeriod"/>
-            </a:pPr>
-            <a:endParaRPr lang="uk-UA" sz="2000" b="0" i="0" dirty="0">
-              <a:solidFill>
-                <a:srgbClr val="333333"/>
-              </a:solidFill>
-              <a:latin typeface="Times New Roman" panose="02020603050405020304" pitchFamily="18" charset="0"/>
-              <a:cs typeface="Times New Roman" panose="02020603050405020304" pitchFamily="18" charset="0"/>
-            </a:endParaRPr>
-          </a:p>
-          <a:p>
-            <a:pPr algn="l">
-              <a:buFont typeface="+mj-lt"/>
-              <a:buAutoNum type="arabicPeriod"/>
-            </a:pPr>
-            <a:r>
-              <a:rPr lang="uk-UA" sz="2000" b="0" i="0" dirty="0">
-                <a:solidFill>
-                  <a:srgbClr val="333333"/>
-                </a:solidFill>
-                <a:latin typeface="Times New Roman" panose="02020603050405020304" pitchFamily="18" charset="0"/>
-                <a:cs typeface="Times New Roman" panose="02020603050405020304" pitchFamily="18" charset="0"/>
-              </a:rPr>
-              <a:t>З масиву обирається елемент, який називається </a:t>
-            </a:r>
-            <a:r>
-              <a:rPr lang="en-US" sz="2000" b="0" i="0" dirty="0">
-                <a:solidFill>
-                  <a:srgbClr val="333333"/>
-                </a:solidFill>
-                <a:latin typeface="Times New Roman" panose="02020603050405020304" pitchFamily="18" charset="0"/>
-                <a:cs typeface="Times New Roman" panose="02020603050405020304" pitchFamily="18" charset="0"/>
-              </a:rPr>
-              <a:t>pivot, </a:t>
-            </a:r>
-            <a:r>
-              <a:rPr lang="uk-UA" sz="2000" b="0" i="0" dirty="0">
-                <a:solidFill>
-                  <a:srgbClr val="333333"/>
-                </a:solidFill>
-                <a:latin typeface="Times New Roman" panose="02020603050405020304" pitchFamily="18" charset="0"/>
-                <a:cs typeface="Times New Roman" panose="02020603050405020304" pitchFamily="18" charset="0"/>
-              </a:rPr>
-              <a:t>тобто </a:t>
-            </a:r>
-            <a:r>
-              <a:rPr lang="uk-UA" sz="2000" b="1" i="1" dirty="0">
-                <a:solidFill>
-                  <a:srgbClr val="34384A"/>
-                </a:solidFill>
-                <a:latin typeface="Times New Roman" panose="02020603050405020304" pitchFamily="18" charset="0"/>
-                <a:cs typeface="Times New Roman" panose="02020603050405020304" pitchFamily="18" charset="0"/>
-              </a:rPr>
-              <a:t>опорний елемент</a:t>
-            </a:r>
-            <a:r>
-              <a:rPr lang="uk-UA" sz="2000" b="0" i="0" dirty="0">
-                <a:solidFill>
-                  <a:srgbClr val="333333"/>
-                </a:solidFill>
-                <a:latin typeface="Times New Roman" panose="02020603050405020304" pitchFamily="18" charset="0"/>
-                <a:cs typeface="Times New Roman" panose="02020603050405020304" pitchFamily="18" charset="0"/>
-              </a:rPr>
-              <a:t>.  </a:t>
-            </a:r>
-            <a:endParaRPr lang="uk-UA" sz="2000" b="0" i="0" dirty="0">
-              <a:solidFill>
-                <a:srgbClr val="34384A"/>
-              </a:solidFill>
-              <a:latin typeface="Times New Roman" panose="02020603050405020304" pitchFamily="18" charset="0"/>
-              <a:cs typeface="Times New Roman" panose="02020603050405020304" pitchFamily="18" charset="0"/>
-            </a:endParaRPr>
-          </a:p>
-          <a:p>
-            <a:pPr algn="l">
-              <a:buFont typeface="+mj-lt"/>
-              <a:buAutoNum type="arabicPeriod"/>
-            </a:pPr>
-            <a:endParaRPr lang="uk-UA" sz="2000" b="0" i="0" dirty="0">
-              <a:solidFill>
-                <a:srgbClr val="333333"/>
-              </a:solidFill>
-              <a:latin typeface="Times New Roman" panose="02020603050405020304" pitchFamily="18" charset="0"/>
-              <a:cs typeface="Times New Roman" panose="02020603050405020304" pitchFamily="18" charset="0"/>
-            </a:endParaRPr>
-          </a:p>
-          <a:p>
-            <a:pPr algn="l">
-              <a:buFont typeface="+mj-lt"/>
-              <a:buAutoNum type="arabicPeriod"/>
-            </a:pPr>
-            <a:r>
-              <a:rPr lang="uk-UA" sz="2000" b="0" i="0" dirty="0">
-                <a:solidFill>
-                  <a:srgbClr val="333333"/>
-                </a:solidFill>
-                <a:latin typeface="Times New Roman" panose="02020603050405020304" pitchFamily="18" charset="0"/>
-                <a:cs typeface="Times New Roman" panose="02020603050405020304" pitchFamily="18" charset="0"/>
-              </a:rPr>
-              <a:t>Далі виконується процедура поділу масиву таким чином, щоб в одній його частині знаходилися всі елементи, які менше або дорівнюють опорному елементу, а в другій — всі елементи які більші опорного елементу.  </a:t>
-            </a:r>
-            <a:endParaRPr lang="uk-UA" sz="2000" b="0" i="0" dirty="0">
-              <a:solidFill>
-                <a:srgbClr val="34384A"/>
-              </a:solidFill>
-              <a:latin typeface="Times New Roman" panose="02020603050405020304" pitchFamily="18" charset="0"/>
-              <a:cs typeface="Times New Roman" panose="02020603050405020304" pitchFamily="18" charset="0"/>
-            </a:endParaRPr>
-          </a:p>
-          <a:p>
-            <a:pPr algn="l">
-              <a:buFont typeface="+mj-lt"/>
-              <a:buAutoNum type="arabicPeriod"/>
-            </a:pPr>
-            <a:endParaRPr lang="uk-UA" sz="2000" b="0" i="0" dirty="0">
-              <a:solidFill>
-                <a:srgbClr val="333333"/>
-              </a:solidFill>
-              <a:latin typeface="Times New Roman" panose="02020603050405020304" pitchFamily="18" charset="0"/>
-              <a:cs typeface="Times New Roman" panose="02020603050405020304" pitchFamily="18" charset="0"/>
-            </a:endParaRPr>
-          </a:p>
-          <a:p>
-            <a:pPr algn="l">
-              <a:buFont typeface="+mj-lt"/>
-              <a:buAutoNum type="arabicPeriod"/>
-            </a:pPr>
-            <a:r>
-              <a:rPr lang="uk-UA" sz="2000" b="0" i="0" dirty="0">
-                <a:solidFill>
-                  <a:srgbClr val="333333"/>
-                </a:solidFill>
-                <a:latin typeface="Times New Roman" panose="02020603050405020304" pitchFamily="18" charset="0"/>
-                <a:cs typeface="Times New Roman" panose="02020603050405020304" pitchFamily="18" charset="0"/>
-              </a:rPr>
-              <a:t>Для кожного </a:t>
-            </a:r>
-            <a:r>
-              <a:rPr lang="uk-UA" sz="2000" b="0" i="0" dirty="0" err="1">
-                <a:solidFill>
-                  <a:srgbClr val="333333"/>
-                </a:solidFill>
-                <a:latin typeface="Times New Roman" panose="02020603050405020304" pitchFamily="18" charset="0"/>
-                <a:cs typeface="Times New Roman" panose="02020603050405020304" pitchFamily="18" charset="0"/>
-              </a:rPr>
-              <a:t>підмасиву</a:t>
-            </a:r>
-            <a:r>
-              <a:rPr lang="uk-UA" sz="2000" b="0" i="0" dirty="0">
-                <a:solidFill>
-                  <a:srgbClr val="333333"/>
-                </a:solidFill>
-                <a:latin typeface="Times New Roman" panose="02020603050405020304" pitchFamily="18" charset="0"/>
-                <a:cs typeface="Times New Roman" panose="02020603050405020304" pitchFamily="18" charset="0"/>
-              </a:rPr>
-              <a:t>, якщо в них більше двох елементів, </a:t>
-            </a:r>
-            <a:r>
-              <a:rPr lang="uk-UA" sz="2000" b="0" i="0" dirty="0" err="1">
-                <a:solidFill>
-                  <a:srgbClr val="333333"/>
-                </a:solidFill>
-                <a:latin typeface="Times New Roman" panose="02020603050405020304" pitchFamily="18" charset="0"/>
-                <a:cs typeface="Times New Roman" panose="02020603050405020304" pitchFamily="18" charset="0"/>
-              </a:rPr>
-              <a:t>рекурсивно</a:t>
-            </a:r>
-            <a:r>
-              <a:rPr lang="uk-UA" sz="2000" b="0" i="0" dirty="0">
-                <a:solidFill>
-                  <a:srgbClr val="333333"/>
-                </a:solidFill>
-                <a:latin typeface="Times New Roman" panose="02020603050405020304" pitchFamily="18" charset="0"/>
-                <a:cs typeface="Times New Roman" panose="02020603050405020304" pitchFamily="18" charset="0"/>
-              </a:rPr>
-              <a:t> виконується процедура, описана в попередньому пункті. Якщо елементів два, то вони порівнюються між собою і за необхідності міняються місцями.  </a:t>
-            </a:r>
-          </a:p>
-          <a:p>
-            <a:pPr algn="l">
-              <a:buFont typeface="+mj-lt"/>
-              <a:buAutoNum type="arabicPeriod"/>
-            </a:pPr>
-            <a:endParaRPr lang="uk-UA" sz="2000" dirty="0">
-              <a:solidFill>
-                <a:srgbClr val="333333"/>
-              </a:solidFill>
-              <a:latin typeface="Times New Roman" panose="02020603050405020304" pitchFamily="18" charset="0"/>
-              <a:cs typeface="Times New Roman" panose="02020603050405020304" pitchFamily="18" charset="0"/>
-            </a:endParaRPr>
-          </a:p>
-          <a:p>
-            <a:pPr algn="l">
-              <a:buFont typeface="+mj-lt"/>
-              <a:buAutoNum type="arabicPeriod"/>
-            </a:pPr>
-            <a:endParaRPr lang="uk-UA" sz="2000" b="0" i="0" dirty="0">
-              <a:solidFill>
-                <a:srgbClr val="34384A"/>
-              </a:solidFill>
-              <a:latin typeface="Times New Roman" panose="02020603050405020304" pitchFamily="18" charset="0"/>
-              <a:cs typeface="Times New Roman" panose="02020603050405020304" pitchFamily="18" charset="0"/>
-            </a:endParaRPr>
-          </a:p>
-          <a:p>
-            <a:pPr algn="l"/>
-            <a:r>
-              <a:rPr lang="uk-UA" sz="2000" b="0" i="1" dirty="0">
-                <a:solidFill>
-                  <a:srgbClr val="333333"/>
-                </a:solidFill>
-                <a:latin typeface="Times New Roman" panose="02020603050405020304" pitchFamily="18" charset="0"/>
-                <a:cs typeface="Times New Roman" panose="02020603050405020304" pitchFamily="18" charset="0"/>
-              </a:rPr>
-              <a:t>Після виконання цих дій ми отримаємо повністю відсортований масив.  </a:t>
-            </a:r>
-            <a:endParaRPr lang="uk-UA" sz="2000" b="0" i="1" dirty="0">
-              <a:solidFill>
-                <a:srgbClr val="34384A"/>
-              </a:solidFill>
-              <a:latin typeface="Times New Roman" panose="02020603050405020304" pitchFamily="18" charset="0"/>
-              <a:cs typeface="Times New Roman" panose="02020603050405020304" pitchFamily="18" charset="0"/>
-            </a:endParaRPr>
           </a:p>
         </p:txBody>
       </p:sp>
